--- a/semester-1/Week-4-Kalman-Filtering-Inverted-Pendulum/state space models and filtering.pptx
+++ b/semester-1/Week-4-Kalman-Filtering-Inverted-Pendulum/state space models and filtering.pptx
@@ -17,16 +17,29 @@
     <p:sldId id="262" r:id="rId11"/>
     <p:sldId id="263" r:id="rId12"/>
     <p:sldId id="264" r:id="rId13"/>
+    <p:sldId id="265" r:id="rId14"/>
+    <p:sldId id="266" r:id="rId15"/>
+    <p:sldId id="267" r:id="rId16"/>
+    <p:sldId id="268" r:id="rId17"/>
+    <p:sldId id="269" r:id="rId18"/>
+    <p:sldId id="270" r:id="rId19"/>
+    <p:sldId id="271" r:id="rId20"/>
+    <p:sldId id="272" r:id="rId21"/>
+    <p:sldId id="273" r:id="rId22"/>
+    <p:sldId id="274" r:id="rId23"/>
+    <p:sldId id="275" r:id="rId24"/>
+    <p:sldId id="276" r:id="rId25"/>
+    <p:sldId id="277" r:id="rId26"/>
   </p:sldIdLst>
   <p:sldSz cy="6858000" cx="12192000"/>
   <p:notesSz cx="6858000" cy="9144000"/>
   <p:embeddedFontLst>
     <p:embeddedFont>
       <p:font typeface="Helvetica Neue"/>
-      <p:regular r:id="rId14"/>
-      <p:bold r:id="rId15"/>
-      <p:italic r:id="rId16"/>
-      <p:boldItalic r:id="rId17"/>
+      <p:regular r:id="rId27"/>
+      <p:bold r:id="rId28"/>
+      <p:italic r:id="rId29"/>
+      <p:boldItalic r:id="rId30"/>
     </p:embeddedFont>
   </p:embeddedFontLst>
   <p:defaultTextStyle>
@@ -260,7 +273,7 @@
   </p:defaultTextStyle>
   <p:extLst>
     <p:ext uri="http://customooxmlschemas.google.com/">
-      <go:slidesCustomData xmlns:go="http://customooxmlschemas.google.com/" r:id="rId18" roundtripDataSignature="AMtx7mjG+pxqdZs0WOrBmG88WusIZdXD4g=="/>
+      <go:slidesCustomData xmlns:go="http://customooxmlschemas.google.com/" r:id="rId31" roundtripDataSignature="AMtx7miirl00wpKNfjmfIyYjUsdmAM+5cg=="/>
     </p:ext>
   </p:extLst>
 </p:presentation>
@@ -926,6 +939,1176 @@
 </p:notes>
 </file>
 
+<file path=ppt/notesSlides/notesSlide10.xml><?xml version="1.0" encoding="utf-8"?>
+<p:notes xmlns:a="http://schemas.openxmlformats.org/drawingml/2006/main" xmlns:r="http://schemas.openxmlformats.org/officeDocument/2006/relationships" xmlns:mc="http://schemas.openxmlformats.org/markup-compatibility/2006" xmlns:mv="urn:schemas-microsoft-com:mac:vml" xmlns:p="http://schemas.openxmlformats.org/presentationml/2006/main" xmlns:c="http://schemas.openxmlformats.org/drawingml/2006/chart" xmlns:dgm="http://schemas.openxmlformats.org/drawingml/2006/diagram" xmlns:o="urn:schemas-microsoft-com:office:office" xmlns:v="urn:schemas-microsoft-com:vml" xmlns:pvml="urn:schemas-microsoft-com:office:powerpoint" xmlns:com="http://schemas.openxmlformats.org/drawingml/2006/compatibility" xmlns:p14="http://schemas.microsoft.com/office/powerpoint/2010/main" xmlns:p15="http://schemas.microsoft.com/office/powerpoint/2012/main" xmlns:ahyp="http://schemas.microsoft.com/office/drawing/2018/hyperlinkcolor" showMasterPhAnim="0" showMasterSp="0">
+  <p:cSld>
+    <p:spTree>
+      <p:nvGrpSpPr>
+        <p:cNvPr id="137" name="Shape 137"/>
+        <p:cNvGrpSpPr/>
+        <p:nvPr/>
+      </p:nvGrpSpPr>
+      <p:grpSpPr>
+        <a:xfrm>
+          <a:off x="0" y="0"/>
+          <a:ext cx="0" cy="0"/>
+          <a:chOff x="0" y="0"/>
+          <a:chExt cx="0" cy="0"/>
+        </a:xfrm>
+      </p:grpSpPr>
+      <p:sp>
+        <p:nvSpPr>
+          <p:cNvPr id="138" name="Google Shape;138;g138bbc4d2d1_0_0:notes"/>
+          <p:cNvSpPr txBox="1"/>
+          <p:nvPr>
+            <p:ph idx="1" type="body"/>
+          </p:nvPr>
+        </p:nvSpPr>
+        <p:spPr>
+          <a:xfrm>
+            <a:off x="685800" y="4343400"/>
+            <a:ext cx="5486400" cy="4114800"/>
+          </a:xfrm>
+          <a:prstGeom prst="rect">
+            <a:avLst/>
+          </a:prstGeom>
+          <a:noFill/>
+          <a:ln>
+            <a:noFill/>
+          </a:ln>
+        </p:spPr>
+        <p:txBody>
+          <a:bodyPr anchorCtr="0" anchor="t" bIns="91425" lIns="91425" spcFirstLastPara="1" rIns="91425" wrap="square" tIns="91425">
+            <a:noAutofit/>
+          </a:bodyPr>
+          <a:lstStyle/>
+          <a:p>
+            <a:pPr indent="0" lvl="0" marL="0" rtl="0" algn="l">
+              <a:lnSpc>
+                <a:spcPct val="100000"/>
+              </a:lnSpc>
+              <a:spcBef>
+                <a:spcPts val="0"/>
+              </a:spcBef>
+              <a:spcAft>
+                <a:spcPts val="0"/>
+              </a:spcAft>
+              <a:buSzPts val="1100"/>
+              <a:buNone/>
+            </a:pPr>
+            <a:r>
+              <a:t/>
+            </a:r>
+            <a:endParaRPr/>
+          </a:p>
+        </p:txBody>
+      </p:sp>
+      <p:sp>
+        <p:nvSpPr>
+          <p:cNvPr id="139" name="Google Shape;139;g138bbc4d2d1_0_0:notes"/>
+          <p:cNvSpPr/>
+          <p:nvPr>
+            <p:ph idx="2" type="sldImg"/>
+          </p:nvPr>
+        </p:nvSpPr>
+        <p:spPr>
+          <a:xfrm>
+            <a:off x="1143225" y="685800"/>
+            <a:ext cx="4572300" cy="3429000"/>
+          </a:xfrm>
+          <a:custGeom>
+            <a:rect b="b" l="l" r="r" t="t"/>
+            <a:pathLst>
+              <a:path extrusionOk="0" h="120000" w="120000">
+                <a:moveTo>
+                  <a:pt x="0" y="0"/>
+                </a:moveTo>
+                <a:lnTo>
+                  <a:pt x="120000" y="0"/>
+                </a:lnTo>
+                <a:lnTo>
+                  <a:pt x="120000" y="120000"/>
+                </a:lnTo>
+                <a:lnTo>
+                  <a:pt x="0" y="120000"/>
+                </a:lnTo>
+                <a:close/>
+              </a:path>
+            </a:pathLst>
+          </a:custGeom>
+          <a:noFill/>
+          <a:ln cap="flat" cmpd="sng" w="9525">
+            <a:solidFill>
+              <a:srgbClr val="000000"/>
+            </a:solidFill>
+            <a:prstDash val="solid"/>
+            <a:round/>
+            <a:headEnd len="sm" w="sm" type="none"/>
+            <a:tailEnd len="sm" w="sm" type="none"/>
+          </a:ln>
+        </p:spPr>
+      </p:sp>
+    </p:spTree>
+  </p:cSld>
+  <p:clrMapOvr>
+    <a:masterClrMapping/>
+  </p:clrMapOvr>
+</p:notes>
+</file>
+
+<file path=ppt/notesSlides/notesSlide11.xml><?xml version="1.0" encoding="utf-8"?>
+<p:notes xmlns:a="http://schemas.openxmlformats.org/drawingml/2006/main" xmlns:r="http://schemas.openxmlformats.org/officeDocument/2006/relationships" xmlns:mc="http://schemas.openxmlformats.org/markup-compatibility/2006" xmlns:mv="urn:schemas-microsoft-com:mac:vml" xmlns:p="http://schemas.openxmlformats.org/presentationml/2006/main" xmlns:c="http://schemas.openxmlformats.org/drawingml/2006/chart" xmlns:dgm="http://schemas.openxmlformats.org/drawingml/2006/diagram" xmlns:o="urn:schemas-microsoft-com:office:office" xmlns:v="urn:schemas-microsoft-com:vml" xmlns:pvml="urn:schemas-microsoft-com:office:powerpoint" xmlns:com="http://schemas.openxmlformats.org/drawingml/2006/compatibility" xmlns:p14="http://schemas.microsoft.com/office/powerpoint/2010/main" xmlns:p15="http://schemas.microsoft.com/office/powerpoint/2012/main" xmlns:ahyp="http://schemas.microsoft.com/office/drawing/2018/hyperlinkcolor" showMasterPhAnim="0" showMasterSp="0">
+  <p:cSld>
+    <p:spTree>
+      <p:nvGrpSpPr>
+        <p:cNvPr id="144" name="Shape 144"/>
+        <p:cNvGrpSpPr/>
+        <p:nvPr/>
+      </p:nvGrpSpPr>
+      <p:grpSpPr>
+        <a:xfrm>
+          <a:off x="0" y="0"/>
+          <a:ext cx="0" cy="0"/>
+          <a:chOff x="0" y="0"/>
+          <a:chExt cx="0" cy="0"/>
+        </a:xfrm>
+      </p:grpSpPr>
+      <p:sp>
+        <p:nvSpPr>
+          <p:cNvPr id="145" name="Google Shape;145;g164b75e63d5_0_12:notes"/>
+          <p:cNvSpPr txBox="1"/>
+          <p:nvPr>
+            <p:ph idx="1" type="body"/>
+          </p:nvPr>
+        </p:nvSpPr>
+        <p:spPr>
+          <a:xfrm>
+            <a:off x="685800" y="4343400"/>
+            <a:ext cx="5486400" cy="4114800"/>
+          </a:xfrm>
+          <a:prstGeom prst="rect">
+            <a:avLst/>
+          </a:prstGeom>
+          <a:noFill/>
+          <a:ln>
+            <a:noFill/>
+          </a:ln>
+        </p:spPr>
+        <p:txBody>
+          <a:bodyPr anchorCtr="0" anchor="t" bIns="91425" lIns="91425" spcFirstLastPara="1" rIns="91425" wrap="square" tIns="91425">
+            <a:noAutofit/>
+          </a:bodyPr>
+          <a:lstStyle/>
+          <a:p>
+            <a:pPr indent="0" lvl="0" marL="0" rtl="0" algn="l">
+              <a:lnSpc>
+                <a:spcPct val="100000"/>
+              </a:lnSpc>
+              <a:spcBef>
+                <a:spcPts val="0"/>
+              </a:spcBef>
+              <a:spcAft>
+                <a:spcPts val="0"/>
+              </a:spcAft>
+              <a:buSzPts val="1100"/>
+              <a:buNone/>
+            </a:pPr>
+            <a:r>
+              <a:t/>
+            </a:r>
+            <a:endParaRPr/>
+          </a:p>
+        </p:txBody>
+      </p:sp>
+      <p:sp>
+        <p:nvSpPr>
+          <p:cNvPr id="146" name="Google Shape;146;g164b75e63d5_0_12:notes"/>
+          <p:cNvSpPr/>
+          <p:nvPr>
+            <p:ph idx="2" type="sldImg"/>
+          </p:nvPr>
+        </p:nvSpPr>
+        <p:spPr>
+          <a:xfrm>
+            <a:off x="1143225" y="685800"/>
+            <a:ext cx="4572300" cy="3429000"/>
+          </a:xfrm>
+          <a:custGeom>
+            <a:rect b="b" l="l" r="r" t="t"/>
+            <a:pathLst>
+              <a:path extrusionOk="0" h="120000" w="120000">
+                <a:moveTo>
+                  <a:pt x="0" y="0"/>
+                </a:moveTo>
+                <a:lnTo>
+                  <a:pt x="120000" y="0"/>
+                </a:lnTo>
+                <a:lnTo>
+                  <a:pt x="120000" y="120000"/>
+                </a:lnTo>
+                <a:lnTo>
+                  <a:pt x="0" y="120000"/>
+                </a:lnTo>
+                <a:close/>
+              </a:path>
+            </a:pathLst>
+          </a:custGeom>
+          <a:noFill/>
+          <a:ln cap="flat" cmpd="sng" w="9525">
+            <a:solidFill>
+              <a:srgbClr val="000000"/>
+            </a:solidFill>
+            <a:prstDash val="solid"/>
+            <a:round/>
+            <a:headEnd len="sm" w="sm" type="none"/>
+            <a:tailEnd len="sm" w="sm" type="none"/>
+          </a:ln>
+        </p:spPr>
+      </p:sp>
+    </p:spTree>
+  </p:cSld>
+  <p:clrMapOvr>
+    <a:masterClrMapping/>
+  </p:clrMapOvr>
+</p:notes>
+</file>
+
+<file path=ppt/notesSlides/notesSlide12.xml><?xml version="1.0" encoding="utf-8"?>
+<p:notes xmlns:a="http://schemas.openxmlformats.org/drawingml/2006/main" xmlns:r="http://schemas.openxmlformats.org/officeDocument/2006/relationships" xmlns:mc="http://schemas.openxmlformats.org/markup-compatibility/2006" xmlns:mv="urn:schemas-microsoft-com:mac:vml" xmlns:p="http://schemas.openxmlformats.org/presentationml/2006/main" xmlns:c="http://schemas.openxmlformats.org/drawingml/2006/chart" xmlns:dgm="http://schemas.openxmlformats.org/drawingml/2006/diagram" xmlns:o="urn:schemas-microsoft-com:office:office" xmlns:v="urn:schemas-microsoft-com:vml" xmlns:pvml="urn:schemas-microsoft-com:office:powerpoint" xmlns:com="http://schemas.openxmlformats.org/drawingml/2006/compatibility" xmlns:p14="http://schemas.microsoft.com/office/powerpoint/2010/main" xmlns:p15="http://schemas.microsoft.com/office/powerpoint/2012/main" xmlns:ahyp="http://schemas.microsoft.com/office/drawing/2018/hyperlinkcolor" showMasterPhAnim="0" showMasterSp="0">
+  <p:cSld>
+    <p:spTree>
+      <p:nvGrpSpPr>
+        <p:cNvPr id="152" name="Shape 152"/>
+        <p:cNvGrpSpPr/>
+        <p:nvPr/>
+      </p:nvGrpSpPr>
+      <p:grpSpPr>
+        <a:xfrm>
+          <a:off x="0" y="0"/>
+          <a:ext cx="0" cy="0"/>
+          <a:chOff x="0" y="0"/>
+          <a:chExt cx="0" cy="0"/>
+        </a:xfrm>
+      </p:grpSpPr>
+      <p:sp>
+        <p:nvSpPr>
+          <p:cNvPr id="153" name="Google Shape;153;g164b75e63d5_0_20:notes"/>
+          <p:cNvSpPr txBox="1"/>
+          <p:nvPr>
+            <p:ph idx="1" type="body"/>
+          </p:nvPr>
+        </p:nvSpPr>
+        <p:spPr>
+          <a:xfrm>
+            <a:off x="685800" y="4343400"/>
+            <a:ext cx="5486400" cy="4114800"/>
+          </a:xfrm>
+          <a:prstGeom prst="rect">
+            <a:avLst/>
+          </a:prstGeom>
+          <a:noFill/>
+          <a:ln>
+            <a:noFill/>
+          </a:ln>
+        </p:spPr>
+        <p:txBody>
+          <a:bodyPr anchorCtr="0" anchor="t" bIns="91425" lIns="91425" spcFirstLastPara="1" rIns="91425" wrap="square" tIns="91425">
+            <a:noAutofit/>
+          </a:bodyPr>
+          <a:lstStyle/>
+          <a:p>
+            <a:pPr indent="0" lvl="0" marL="0" rtl="0" algn="l">
+              <a:lnSpc>
+                <a:spcPct val="100000"/>
+              </a:lnSpc>
+              <a:spcBef>
+                <a:spcPts val="0"/>
+              </a:spcBef>
+              <a:spcAft>
+                <a:spcPts val="0"/>
+              </a:spcAft>
+              <a:buSzPts val="1100"/>
+              <a:buNone/>
+            </a:pPr>
+            <a:r>
+              <a:t/>
+            </a:r>
+            <a:endParaRPr/>
+          </a:p>
+        </p:txBody>
+      </p:sp>
+      <p:sp>
+        <p:nvSpPr>
+          <p:cNvPr id="154" name="Google Shape;154;g164b75e63d5_0_20:notes"/>
+          <p:cNvSpPr/>
+          <p:nvPr>
+            <p:ph idx="2" type="sldImg"/>
+          </p:nvPr>
+        </p:nvSpPr>
+        <p:spPr>
+          <a:xfrm>
+            <a:off x="1143225" y="685800"/>
+            <a:ext cx="4572300" cy="3429000"/>
+          </a:xfrm>
+          <a:custGeom>
+            <a:rect b="b" l="l" r="r" t="t"/>
+            <a:pathLst>
+              <a:path extrusionOk="0" h="120000" w="120000">
+                <a:moveTo>
+                  <a:pt x="0" y="0"/>
+                </a:moveTo>
+                <a:lnTo>
+                  <a:pt x="120000" y="0"/>
+                </a:lnTo>
+                <a:lnTo>
+                  <a:pt x="120000" y="120000"/>
+                </a:lnTo>
+                <a:lnTo>
+                  <a:pt x="0" y="120000"/>
+                </a:lnTo>
+                <a:close/>
+              </a:path>
+            </a:pathLst>
+          </a:custGeom>
+          <a:noFill/>
+          <a:ln cap="flat" cmpd="sng" w="9525">
+            <a:solidFill>
+              <a:srgbClr val="000000"/>
+            </a:solidFill>
+            <a:prstDash val="solid"/>
+            <a:round/>
+            <a:headEnd len="sm" w="sm" type="none"/>
+            <a:tailEnd len="sm" w="sm" type="none"/>
+          </a:ln>
+        </p:spPr>
+      </p:sp>
+    </p:spTree>
+  </p:cSld>
+  <p:clrMapOvr>
+    <a:masterClrMapping/>
+  </p:clrMapOvr>
+</p:notes>
+</file>
+
+<file path=ppt/notesSlides/notesSlide13.xml><?xml version="1.0" encoding="utf-8"?>
+<p:notes xmlns:a="http://schemas.openxmlformats.org/drawingml/2006/main" xmlns:r="http://schemas.openxmlformats.org/officeDocument/2006/relationships" xmlns:mc="http://schemas.openxmlformats.org/markup-compatibility/2006" xmlns:mv="urn:schemas-microsoft-com:mac:vml" xmlns:p="http://schemas.openxmlformats.org/presentationml/2006/main" xmlns:c="http://schemas.openxmlformats.org/drawingml/2006/chart" xmlns:dgm="http://schemas.openxmlformats.org/drawingml/2006/diagram" xmlns:o="urn:schemas-microsoft-com:office:office" xmlns:v="urn:schemas-microsoft-com:vml" xmlns:pvml="urn:schemas-microsoft-com:office:powerpoint" xmlns:com="http://schemas.openxmlformats.org/drawingml/2006/compatibility" xmlns:p14="http://schemas.microsoft.com/office/powerpoint/2010/main" xmlns:p15="http://schemas.microsoft.com/office/powerpoint/2012/main" xmlns:ahyp="http://schemas.microsoft.com/office/drawing/2018/hyperlinkcolor" showMasterPhAnim="0" showMasterSp="0">
+  <p:cSld>
+    <p:spTree>
+      <p:nvGrpSpPr>
+        <p:cNvPr id="160" name="Shape 160"/>
+        <p:cNvGrpSpPr/>
+        <p:nvPr/>
+      </p:nvGrpSpPr>
+      <p:grpSpPr>
+        <a:xfrm>
+          <a:off x="0" y="0"/>
+          <a:ext cx="0" cy="0"/>
+          <a:chOff x="0" y="0"/>
+          <a:chExt cx="0" cy="0"/>
+        </a:xfrm>
+      </p:grpSpPr>
+      <p:sp>
+        <p:nvSpPr>
+          <p:cNvPr id="161" name="Google Shape;161;g164b75e63d5_0_29:notes"/>
+          <p:cNvSpPr txBox="1"/>
+          <p:nvPr>
+            <p:ph idx="1" type="body"/>
+          </p:nvPr>
+        </p:nvSpPr>
+        <p:spPr>
+          <a:xfrm>
+            <a:off x="685800" y="4343400"/>
+            <a:ext cx="5486400" cy="4114800"/>
+          </a:xfrm>
+          <a:prstGeom prst="rect">
+            <a:avLst/>
+          </a:prstGeom>
+          <a:noFill/>
+          <a:ln>
+            <a:noFill/>
+          </a:ln>
+        </p:spPr>
+        <p:txBody>
+          <a:bodyPr anchorCtr="0" anchor="t" bIns="91425" lIns="91425" spcFirstLastPara="1" rIns="91425" wrap="square" tIns="91425">
+            <a:noAutofit/>
+          </a:bodyPr>
+          <a:lstStyle/>
+          <a:p>
+            <a:pPr indent="0" lvl="0" marL="0" rtl="0" algn="l">
+              <a:lnSpc>
+                <a:spcPct val="100000"/>
+              </a:lnSpc>
+              <a:spcBef>
+                <a:spcPts val="0"/>
+              </a:spcBef>
+              <a:spcAft>
+                <a:spcPts val="0"/>
+              </a:spcAft>
+              <a:buSzPts val="1100"/>
+              <a:buNone/>
+            </a:pPr>
+            <a:r>
+              <a:t/>
+            </a:r>
+            <a:endParaRPr/>
+          </a:p>
+        </p:txBody>
+      </p:sp>
+      <p:sp>
+        <p:nvSpPr>
+          <p:cNvPr id="162" name="Google Shape;162;g164b75e63d5_0_29:notes"/>
+          <p:cNvSpPr/>
+          <p:nvPr>
+            <p:ph idx="2" type="sldImg"/>
+          </p:nvPr>
+        </p:nvSpPr>
+        <p:spPr>
+          <a:xfrm>
+            <a:off x="1143225" y="685800"/>
+            <a:ext cx="4572300" cy="3429000"/>
+          </a:xfrm>
+          <a:custGeom>
+            <a:rect b="b" l="l" r="r" t="t"/>
+            <a:pathLst>
+              <a:path extrusionOk="0" h="120000" w="120000">
+                <a:moveTo>
+                  <a:pt x="0" y="0"/>
+                </a:moveTo>
+                <a:lnTo>
+                  <a:pt x="120000" y="0"/>
+                </a:lnTo>
+                <a:lnTo>
+                  <a:pt x="120000" y="120000"/>
+                </a:lnTo>
+                <a:lnTo>
+                  <a:pt x="0" y="120000"/>
+                </a:lnTo>
+                <a:close/>
+              </a:path>
+            </a:pathLst>
+          </a:custGeom>
+          <a:noFill/>
+          <a:ln cap="flat" cmpd="sng" w="9525">
+            <a:solidFill>
+              <a:srgbClr val="000000"/>
+            </a:solidFill>
+            <a:prstDash val="solid"/>
+            <a:round/>
+            <a:headEnd len="sm" w="sm" type="none"/>
+            <a:tailEnd len="sm" w="sm" type="none"/>
+          </a:ln>
+        </p:spPr>
+      </p:sp>
+    </p:spTree>
+  </p:cSld>
+  <p:clrMapOvr>
+    <a:masterClrMapping/>
+  </p:clrMapOvr>
+</p:notes>
+</file>
+
+<file path=ppt/notesSlides/notesSlide14.xml><?xml version="1.0" encoding="utf-8"?>
+<p:notes xmlns:a="http://schemas.openxmlformats.org/drawingml/2006/main" xmlns:r="http://schemas.openxmlformats.org/officeDocument/2006/relationships" xmlns:mc="http://schemas.openxmlformats.org/markup-compatibility/2006" xmlns:mv="urn:schemas-microsoft-com:mac:vml" xmlns:p="http://schemas.openxmlformats.org/presentationml/2006/main" xmlns:c="http://schemas.openxmlformats.org/drawingml/2006/chart" xmlns:dgm="http://schemas.openxmlformats.org/drawingml/2006/diagram" xmlns:o="urn:schemas-microsoft-com:office:office" xmlns:v="urn:schemas-microsoft-com:vml" xmlns:pvml="urn:schemas-microsoft-com:office:powerpoint" xmlns:com="http://schemas.openxmlformats.org/drawingml/2006/compatibility" xmlns:p14="http://schemas.microsoft.com/office/powerpoint/2010/main" xmlns:p15="http://schemas.microsoft.com/office/powerpoint/2012/main" xmlns:ahyp="http://schemas.microsoft.com/office/drawing/2018/hyperlinkcolor" showMasterPhAnim="0" showMasterSp="0">
+  <p:cSld>
+    <p:spTree>
+      <p:nvGrpSpPr>
+        <p:cNvPr id="168" name="Shape 168"/>
+        <p:cNvGrpSpPr/>
+        <p:nvPr/>
+      </p:nvGrpSpPr>
+      <p:grpSpPr>
+        <a:xfrm>
+          <a:off x="0" y="0"/>
+          <a:ext cx="0" cy="0"/>
+          <a:chOff x="0" y="0"/>
+          <a:chExt cx="0" cy="0"/>
+        </a:xfrm>
+      </p:grpSpPr>
+      <p:sp>
+        <p:nvSpPr>
+          <p:cNvPr id="169" name="Google Shape;169;g14aad64c473_0_0:notes"/>
+          <p:cNvSpPr txBox="1"/>
+          <p:nvPr>
+            <p:ph idx="1" type="body"/>
+          </p:nvPr>
+        </p:nvSpPr>
+        <p:spPr>
+          <a:xfrm>
+            <a:off x="685800" y="4343400"/>
+            <a:ext cx="5486400" cy="4114800"/>
+          </a:xfrm>
+          <a:prstGeom prst="rect">
+            <a:avLst/>
+          </a:prstGeom>
+          <a:noFill/>
+          <a:ln>
+            <a:noFill/>
+          </a:ln>
+        </p:spPr>
+        <p:txBody>
+          <a:bodyPr anchorCtr="0" anchor="t" bIns="91425" lIns="91425" spcFirstLastPara="1" rIns="91425" wrap="square" tIns="91425">
+            <a:noAutofit/>
+          </a:bodyPr>
+          <a:lstStyle/>
+          <a:p>
+            <a:pPr indent="0" lvl="0" marL="0" rtl="0" algn="l">
+              <a:lnSpc>
+                <a:spcPct val="100000"/>
+              </a:lnSpc>
+              <a:spcBef>
+                <a:spcPts val="0"/>
+              </a:spcBef>
+              <a:spcAft>
+                <a:spcPts val="0"/>
+              </a:spcAft>
+              <a:buSzPts val="1100"/>
+              <a:buNone/>
+            </a:pPr>
+            <a:r>
+              <a:t/>
+            </a:r>
+            <a:endParaRPr/>
+          </a:p>
+        </p:txBody>
+      </p:sp>
+      <p:sp>
+        <p:nvSpPr>
+          <p:cNvPr id="170" name="Google Shape;170;g14aad64c473_0_0:notes"/>
+          <p:cNvSpPr/>
+          <p:nvPr>
+            <p:ph idx="2" type="sldImg"/>
+          </p:nvPr>
+        </p:nvSpPr>
+        <p:spPr>
+          <a:xfrm>
+            <a:off x="1143225" y="685800"/>
+            <a:ext cx="4572300" cy="3429000"/>
+          </a:xfrm>
+          <a:custGeom>
+            <a:rect b="b" l="l" r="r" t="t"/>
+            <a:pathLst>
+              <a:path extrusionOk="0" h="120000" w="120000">
+                <a:moveTo>
+                  <a:pt x="0" y="0"/>
+                </a:moveTo>
+                <a:lnTo>
+                  <a:pt x="120000" y="0"/>
+                </a:lnTo>
+                <a:lnTo>
+                  <a:pt x="120000" y="120000"/>
+                </a:lnTo>
+                <a:lnTo>
+                  <a:pt x="0" y="120000"/>
+                </a:lnTo>
+                <a:close/>
+              </a:path>
+            </a:pathLst>
+          </a:custGeom>
+          <a:noFill/>
+          <a:ln cap="flat" cmpd="sng" w="9525">
+            <a:solidFill>
+              <a:srgbClr val="000000"/>
+            </a:solidFill>
+            <a:prstDash val="solid"/>
+            <a:round/>
+            <a:headEnd len="sm" w="sm" type="none"/>
+            <a:tailEnd len="sm" w="sm" type="none"/>
+          </a:ln>
+        </p:spPr>
+      </p:sp>
+    </p:spTree>
+  </p:cSld>
+  <p:clrMapOvr>
+    <a:masterClrMapping/>
+  </p:clrMapOvr>
+</p:notes>
+</file>
+
+<file path=ppt/notesSlides/notesSlide15.xml><?xml version="1.0" encoding="utf-8"?>
+<p:notes xmlns:a="http://schemas.openxmlformats.org/drawingml/2006/main" xmlns:r="http://schemas.openxmlformats.org/officeDocument/2006/relationships" xmlns:mc="http://schemas.openxmlformats.org/markup-compatibility/2006" xmlns:mv="urn:schemas-microsoft-com:mac:vml" xmlns:p="http://schemas.openxmlformats.org/presentationml/2006/main" xmlns:c="http://schemas.openxmlformats.org/drawingml/2006/chart" xmlns:dgm="http://schemas.openxmlformats.org/drawingml/2006/diagram" xmlns:o="urn:schemas-microsoft-com:office:office" xmlns:v="urn:schemas-microsoft-com:vml" xmlns:pvml="urn:schemas-microsoft-com:office:powerpoint" xmlns:com="http://schemas.openxmlformats.org/drawingml/2006/compatibility" xmlns:p14="http://schemas.microsoft.com/office/powerpoint/2010/main" xmlns:p15="http://schemas.microsoft.com/office/powerpoint/2012/main" xmlns:ahyp="http://schemas.microsoft.com/office/drawing/2018/hyperlinkcolor" showMasterPhAnim="0" showMasterSp="0">
+  <p:cSld>
+    <p:spTree>
+      <p:nvGrpSpPr>
+        <p:cNvPr id="175" name="Shape 175"/>
+        <p:cNvGrpSpPr/>
+        <p:nvPr/>
+      </p:nvGrpSpPr>
+      <p:grpSpPr>
+        <a:xfrm>
+          <a:off x="0" y="0"/>
+          <a:ext cx="0" cy="0"/>
+          <a:chOff x="0" y="0"/>
+          <a:chExt cx="0" cy="0"/>
+        </a:xfrm>
+      </p:grpSpPr>
+      <p:sp>
+        <p:nvSpPr>
+          <p:cNvPr id="176" name="Google Shape;176;g14aad64c473_0_11:notes"/>
+          <p:cNvSpPr txBox="1"/>
+          <p:nvPr>
+            <p:ph idx="1" type="body"/>
+          </p:nvPr>
+        </p:nvSpPr>
+        <p:spPr>
+          <a:xfrm>
+            <a:off x="685800" y="4343400"/>
+            <a:ext cx="5486400" cy="4114800"/>
+          </a:xfrm>
+          <a:prstGeom prst="rect">
+            <a:avLst/>
+          </a:prstGeom>
+          <a:noFill/>
+          <a:ln>
+            <a:noFill/>
+          </a:ln>
+        </p:spPr>
+        <p:txBody>
+          <a:bodyPr anchorCtr="0" anchor="t" bIns="91425" lIns="91425" spcFirstLastPara="1" rIns="91425" wrap="square" tIns="91425">
+            <a:noAutofit/>
+          </a:bodyPr>
+          <a:lstStyle/>
+          <a:p>
+            <a:pPr indent="0" lvl="0" marL="0" rtl="0" algn="l">
+              <a:lnSpc>
+                <a:spcPct val="100000"/>
+              </a:lnSpc>
+              <a:spcBef>
+                <a:spcPts val="0"/>
+              </a:spcBef>
+              <a:spcAft>
+                <a:spcPts val="0"/>
+              </a:spcAft>
+              <a:buSzPts val="1100"/>
+              <a:buNone/>
+            </a:pPr>
+            <a:r>
+              <a:t/>
+            </a:r>
+            <a:endParaRPr/>
+          </a:p>
+        </p:txBody>
+      </p:sp>
+      <p:sp>
+        <p:nvSpPr>
+          <p:cNvPr id="177" name="Google Shape;177;g14aad64c473_0_11:notes"/>
+          <p:cNvSpPr/>
+          <p:nvPr>
+            <p:ph idx="2" type="sldImg"/>
+          </p:nvPr>
+        </p:nvSpPr>
+        <p:spPr>
+          <a:xfrm>
+            <a:off x="1143225" y="685800"/>
+            <a:ext cx="4572300" cy="3429000"/>
+          </a:xfrm>
+          <a:custGeom>
+            <a:rect b="b" l="l" r="r" t="t"/>
+            <a:pathLst>
+              <a:path extrusionOk="0" h="120000" w="120000">
+                <a:moveTo>
+                  <a:pt x="0" y="0"/>
+                </a:moveTo>
+                <a:lnTo>
+                  <a:pt x="120000" y="0"/>
+                </a:lnTo>
+                <a:lnTo>
+                  <a:pt x="120000" y="120000"/>
+                </a:lnTo>
+                <a:lnTo>
+                  <a:pt x="0" y="120000"/>
+                </a:lnTo>
+                <a:close/>
+              </a:path>
+            </a:pathLst>
+          </a:custGeom>
+          <a:noFill/>
+          <a:ln cap="flat" cmpd="sng" w="9525">
+            <a:solidFill>
+              <a:srgbClr val="000000"/>
+            </a:solidFill>
+            <a:prstDash val="solid"/>
+            <a:round/>
+            <a:headEnd len="sm" w="sm" type="none"/>
+            <a:tailEnd len="sm" w="sm" type="none"/>
+          </a:ln>
+        </p:spPr>
+      </p:sp>
+    </p:spTree>
+  </p:cSld>
+  <p:clrMapOvr>
+    <a:masterClrMapping/>
+  </p:clrMapOvr>
+</p:notes>
+</file>
+
+<file path=ppt/notesSlides/notesSlide16.xml><?xml version="1.0" encoding="utf-8"?>
+<p:notes xmlns:a="http://schemas.openxmlformats.org/drawingml/2006/main" xmlns:r="http://schemas.openxmlformats.org/officeDocument/2006/relationships" xmlns:mc="http://schemas.openxmlformats.org/markup-compatibility/2006" xmlns:mv="urn:schemas-microsoft-com:mac:vml" xmlns:p="http://schemas.openxmlformats.org/presentationml/2006/main" xmlns:c="http://schemas.openxmlformats.org/drawingml/2006/chart" xmlns:dgm="http://schemas.openxmlformats.org/drawingml/2006/diagram" xmlns:o="urn:schemas-microsoft-com:office:office" xmlns:v="urn:schemas-microsoft-com:vml" xmlns:pvml="urn:schemas-microsoft-com:office:powerpoint" xmlns:com="http://schemas.openxmlformats.org/drawingml/2006/compatibility" xmlns:p14="http://schemas.microsoft.com/office/powerpoint/2010/main" xmlns:p15="http://schemas.microsoft.com/office/powerpoint/2012/main" xmlns:ahyp="http://schemas.microsoft.com/office/drawing/2018/hyperlinkcolor" showMasterPhAnim="0" showMasterSp="0">
+  <p:cSld>
+    <p:spTree>
+      <p:nvGrpSpPr>
+        <p:cNvPr id="183" name="Shape 183"/>
+        <p:cNvGrpSpPr/>
+        <p:nvPr/>
+      </p:nvGrpSpPr>
+      <p:grpSpPr>
+        <a:xfrm>
+          <a:off x="0" y="0"/>
+          <a:ext cx="0" cy="0"/>
+          <a:chOff x="0" y="0"/>
+          <a:chExt cx="0" cy="0"/>
+        </a:xfrm>
+      </p:grpSpPr>
+      <p:sp>
+        <p:nvSpPr>
+          <p:cNvPr id="184" name="Google Shape;184;g14aad64c473_0_19:notes"/>
+          <p:cNvSpPr txBox="1"/>
+          <p:nvPr>
+            <p:ph idx="1" type="body"/>
+          </p:nvPr>
+        </p:nvSpPr>
+        <p:spPr>
+          <a:xfrm>
+            <a:off x="685800" y="4343400"/>
+            <a:ext cx="5486400" cy="4114800"/>
+          </a:xfrm>
+          <a:prstGeom prst="rect">
+            <a:avLst/>
+          </a:prstGeom>
+          <a:noFill/>
+          <a:ln>
+            <a:noFill/>
+          </a:ln>
+        </p:spPr>
+        <p:txBody>
+          <a:bodyPr anchorCtr="0" anchor="t" bIns="91425" lIns="91425" spcFirstLastPara="1" rIns="91425" wrap="square" tIns="91425">
+            <a:noAutofit/>
+          </a:bodyPr>
+          <a:lstStyle/>
+          <a:p>
+            <a:pPr indent="0" lvl="0" marL="0" rtl="0" algn="l">
+              <a:lnSpc>
+                <a:spcPct val="100000"/>
+              </a:lnSpc>
+              <a:spcBef>
+                <a:spcPts val="0"/>
+              </a:spcBef>
+              <a:spcAft>
+                <a:spcPts val="0"/>
+              </a:spcAft>
+              <a:buSzPts val="1100"/>
+              <a:buNone/>
+            </a:pPr>
+            <a:r>
+              <a:t/>
+            </a:r>
+            <a:endParaRPr/>
+          </a:p>
+        </p:txBody>
+      </p:sp>
+      <p:sp>
+        <p:nvSpPr>
+          <p:cNvPr id="185" name="Google Shape;185;g14aad64c473_0_19:notes"/>
+          <p:cNvSpPr/>
+          <p:nvPr>
+            <p:ph idx="2" type="sldImg"/>
+          </p:nvPr>
+        </p:nvSpPr>
+        <p:spPr>
+          <a:xfrm>
+            <a:off x="1143225" y="685800"/>
+            <a:ext cx="4572300" cy="3429000"/>
+          </a:xfrm>
+          <a:custGeom>
+            <a:rect b="b" l="l" r="r" t="t"/>
+            <a:pathLst>
+              <a:path extrusionOk="0" h="120000" w="120000">
+                <a:moveTo>
+                  <a:pt x="0" y="0"/>
+                </a:moveTo>
+                <a:lnTo>
+                  <a:pt x="120000" y="0"/>
+                </a:lnTo>
+                <a:lnTo>
+                  <a:pt x="120000" y="120000"/>
+                </a:lnTo>
+                <a:lnTo>
+                  <a:pt x="0" y="120000"/>
+                </a:lnTo>
+                <a:close/>
+              </a:path>
+            </a:pathLst>
+          </a:custGeom>
+          <a:noFill/>
+          <a:ln cap="flat" cmpd="sng" w="9525">
+            <a:solidFill>
+              <a:srgbClr val="000000"/>
+            </a:solidFill>
+            <a:prstDash val="solid"/>
+            <a:round/>
+            <a:headEnd len="sm" w="sm" type="none"/>
+            <a:tailEnd len="sm" w="sm" type="none"/>
+          </a:ln>
+        </p:spPr>
+      </p:sp>
+    </p:spTree>
+  </p:cSld>
+  <p:clrMapOvr>
+    <a:masterClrMapping/>
+  </p:clrMapOvr>
+</p:notes>
+</file>
+
+<file path=ppt/notesSlides/notesSlide17.xml><?xml version="1.0" encoding="utf-8"?>
+<p:notes xmlns:a="http://schemas.openxmlformats.org/drawingml/2006/main" xmlns:r="http://schemas.openxmlformats.org/officeDocument/2006/relationships" xmlns:mc="http://schemas.openxmlformats.org/markup-compatibility/2006" xmlns:mv="urn:schemas-microsoft-com:mac:vml" xmlns:p="http://schemas.openxmlformats.org/presentationml/2006/main" xmlns:c="http://schemas.openxmlformats.org/drawingml/2006/chart" xmlns:dgm="http://schemas.openxmlformats.org/drawingml/2006/diagram" xmlns:o="urn:schemas-microsoft-com:office:office" xmlns:v="urn:schemas-microsoft-com:vml" xmlns:pvml="urn:schemas-microsoft-com:office:powerpoint" xmlns:com="http://schemas.openxmlformats.org/drawingml/2006/compatibility" xmlns:p14="http://schemas.microsoft.com/office/powerpoint/2010/main" xmlns:p15="http://schemas.microsoft.com/office/powerpoint/2012/main" xmlns:ahyp="http://schemas.microsoft.com/office/drawing/2018/hyperlinkcolor" showMasterPhAnim="0" showMasterSp="0">
+  <p:cSld>
+    <p:spTree>
+      <p:nvGrpSpPr>
+        <p:cNvPr id="190" name="Shape 190"/>
+        <p:cNvGrpSpPr/>
+        <p:nvPr/>
+      </p:nvGrpSpPr>
+      <p:grpSpPr>
+        <a:xfrm>
+          <a:off x="0" y="0"/>
+          <a:ext cx="0" cy="0"/>
+          <a:chOff x="0" y="0"/>
+          <a:chExt cx="0" cy="0"/>
+        </a:xfrm>
+      </p:grpSpPr>
+      <p:sp>
+        <p:nvSpPr>
+          <p:cNvPr id="191" name="Google Shape;191;g14aad64c473_0_27:notes"/>
+          <p:cNvSpPr txBox="1"/>
+          <p:nvPr>
+            <p:ph idx="1" type="body"/>
+          </p:nvPr>
+        </p:nvSpPr>
+        <p:spPr>
+          <a:xfrm>
+            <a:off x="685800" y="4343400"/>
+            <a:ext cx="5486400" cy="4114800"/>
+          </a:xfrm>
+          <a:prstGeom prst="rect">
+            <a:avLst/>
+          </a:prstGeom>
+          <a:noFill/>
+          <a:ln>
+            <a:noFill/>
+          </a:ln>
+        </p:spPr>
+        <p:txBody>
+          <a:bodyPr anchorCtr="0" anchor="t" bIns="91425" lIns="91425" spcFirstLastPara="1" rIns="91425" wrap="square" tIns="91425">
+            <a:noAutofit/>
+          </a:bodyPr>
+          <a:lstStyle/>
+          <a:p>
+            <a:pPr indent="0" lvl="0" marL="0" rtl="0" algn="l">
+              <a:lnSpc>
+                <a:spcPct val="100000"/>
+              </a:lnSpc>
+              <a:spcBef>
+                <a:spcPts val="0"/>
+              </a:spcBef>
+              <a:spcAft>
+                <a:spcPts val="0"/>
+              </a:spcAft>
+              <a:buSzPts val="1100"/>
+              <a:buNone/>
+            </a:pPr>
+            <a:r>
+              <a:t/>
+            </a:r>
+            <a:endParaRPr/>
+          </a:p>
+        </p:txBody>
+      </p:sp>
+      <p:sp>
+        <p:nvSpPr>
+          <p:cNvPr id="192" name="Google Shape;192;g14aad64c473_0_27:notes"/>
+          <p:cNvSpPr/>
+          <p:nvPr>
+            <p:ph idx="2" type="sldImg"/>
+          </p:nvPr>
+        </p:nvSpPr>
+        <p:spPr>
+          <a:xfrm>
+            <a:off x="1143225" y="685800"/>
+            <a:ext cx="4572300" cy="3429000"/>
+          </a:xfrm>
+          <a:custGeom>
+            <a:rect b="b" l="l" r="r" t="t"/>
+            <a:pathLst>
+              <a:path extrusionOk="0" h="120000" w="120000">
+                <a:moveTo>
+                  <a:pt x="0" y="0"/>
+                </a:moveTo>
+                <a:lnTo>
+                  <a:pt x="120000" y="0"/>
+                </a:lnTo>
+                <a:lnTo>
+                  <a:pt x="120000" y="120000"/>
+                </a:lnTo>
+                <a:lnTo>
+                  <a:pt x="0" y="120000"/>
+                </a:lnTo>
+                <a:close/>
+              </a:path>
+            </a:pathLst>
+          </a:custGeom>
+          <a:noFill/>
+          <a:ln cap="flat" cmpd="sng" w="9525">
+            <a:solidFill>
+              <a:srgbClr val="000000"/>
+            </a:solidFill>
+            <a:prstDash val="solid"/>
+            <a:round/>
+            <a:headEnd len="sm" w="sm" type="none"/>
+            <a:tailEnd len="sm" w="sm" type="none"/>
+          </a:ln>
+        </p:spPr>
+      </p:sp>
+    </p:spTree>
+  </p:cSld>
+  <p:clrMapOvr>
+    <a:masterClrMapping/>
+  </p:clrMapOvr>
+</p:notes>
+</file>
+
+<file path=ppt/notesSlides/notesSlide18.xml><?xml version="1.0" encoding="utf-8"?>
+<p:notes xmlns:a="http://schemas.openxmlformats.org/drawingml/2006/main" xmlns:r="http://schemas.openxmlformats.org/officeDocument/2006/relationships" xmlns:mc="http://schemas.openxmlformats.org/markup-compatibility/2006" xmlns:mv="urn:schemas-microsoft-com:mac:vml" xmlns:p="http://schemas.openxmlformats.org/presentationml/2006/main" xmlns:c="http://schemas.openxmlformats.org/drawingml/2006/chart" xmlns:dgm="http://schemas.openxmlformats.org/drawingml/2006/diagram" xmlns:o="urn:schemas-microsoft-com:office:office" xmlns:v="urn:schemas-microsoft-com:vml" xmlns:pvml="urn:schemas-microsoft-com:office:powerpoint" xmlns:com="http://schemas.openxmlformats.org/drawingml/2006/compatibility" xmlns:p14="http://schemas.microsoft.com/office/powerpoint/2010/main" xmlns:p15="http://schemas.microsoft.com/office/powerpoint/2012/main" xmlns:ahyp="http://schemas.microsoft.com/office/drawing/2018/hyperlinkcolor" showMasterPhAnim="0" showMasterSp="0">
+  <p:cSld>
+    <p:spTree>
+      <p:nvGrpSpPr>
+        <p:cNvPr id="197" name="Shape 197"/>
+        <p:cNvGrpSpPr/>
+        <p:nvPr/>
+      </p:nvGrpSpPr>
+      <p:grpSpPr>
+        <a:xfrm>
+          <a:off x="0" y="0"/>
+          <a:ext cx="0" cy="0"/>
+          <a:chOff x="0" y="0"/>
+          <a:chExt cx="0" cy="0"/>
+        </a:xfrm>
+      </p:grpSpPr>
+      <p:sp>
+        <p:nvSpPr>
+          <p:cNvPr id="198" name="Google Shape;198;g14aad64c473_0_34:notes"/>
+          <p:cNvSpPr txBox="1"/>
+          <p:nvPr>
+            <p:ph idx="1" type="body"/>
+          </p:nvPr>
+        </p:nvSpPr>
+        <p:spPr>
+          <a:xfrm>
+            <a:off x="685800" y="4343400"/>
+            <a:ext cx="5486400" cy="4114800"/>
+          </a:xfrm>
+          <a:prstGeom prst="rect">
+            <a:avLst/>
+          </a:prstGeom>
+          <a:noFill/>
+          <a:ln>
+            <a:noFill/>
+          </a:ln>
+        </p:spPr>
+        <p:txBody>
+          <a:bodyPr anchorCtr="0" anchor="t" bIns="91425" lIns="91425" spcFirstLastPara="1" rIns="91425" wrap="square" tIns="91425">
+            <a:noAutofit/>
+          </a:bodyPr>
+          <a:lstStyle/>
+          <a:p>
+            <a:pPr indent="0" lvl="0" marL="0" rtl="0" algn="l">
+              <a:lnSpc>
+                <a:spcPct val="100000"/>
+              </a:lnSpc>
+              <a:spcBef>
+                <a:spcPts val="0"/>
+              </a:spcBef>
+              <a:spcAft>
+                <a:spcPts val="0"/>
+              </a:spcAft>
+              <a:buSzPts val="1100"/>
+              <a:buNone/>
+            </a:pPr>
+            <a:r>
+              <a:t/>
+            </a:r>
+            <a:endParaRPr/>
+          </a:p>
+        </p:txBody>
+      </p:sp>
+      <p:sp>
+        <p:nvSpPr>
+          <p:cNvPr id="199" name="Google Shape;199;g14aad64c473_0_34:notes"/>
+          <p:cNvSpPr/>
+          <p:nvPr>
+            <p:ph idx="2" type="sldImg"/>
+          </p:nvPr>
+        </p:nvSpPr>
+        <p:spPr>
+          <a:xfrm>
+            <a:off x="1143225" y="685800"/>
+            <a:ext cx="4572300" cy="3429000"/>
+          </a:xfrm>
+          <a:custGeom>
+            <a:rect b="b" l="l" r="r" t="t"/>
+            <a:pathLst>
+              <a:path extrusionOk="0" h="120000" w="120000">
+                <a:moveTo>
+                  <a:pt x="0" y="0"/>
+                </a:moveTo>
+                <a:lnTo>
+                  <a:pt x="120000" y="0"/>
+                </a:lnTo>
+                <a:lnTo>
+                  <a:pt x="120000" y="120000"/>
+                </a:lnTo>
+                <a:lnTo>
+                  <a:pt x="0" y="120000"/>
+                </a:lnTo>
+                <a:close/>
+              </a:path>
+            </a:pathLst>
+          </a:custGeom>
+          <a:noFill/>
+          <a:ln cap="flat" cmpd="sng" w="9525">
+            <a:solidFill>
+              <a:srgbClr val="000000"/>
+            </a:solidFill>
+            <a:prstDash val="solid"/>
+            <a:round/>
+            <a:headEnd len="sm" w="sm" type="none"/>
+            <a:tailEnd len="sm" w="sm" type="none"/>
+          </a:ln>
+        </p:spPr>
+      </p:sp>
+    </p:spTree>
+  </p:cSld>
+  <p:clrMapOvr>
+    <a:masterClrMapping/>
+  </p:clrMapOvr>
+</p:notes>
+</file>
+
+<file path=ppt/notesSlides/notesSlide19.xml><?xml version="1.0" encoding="utf-8"?>
+<p:notes xmlns:a="http://schemas.openxmlformats.org/drawingml/2006/main" xmlns:r="http://schemas.openxmlformats.org/officeDocument/2006/relationships" xmlns:mc="http://schemas.openxmlformats.org/markup-compatibility/2006" xmlns:mv="urn:schemas-microsoft-com:mac:vml" xmlns:p="http://schemas.openxmlformats.org/presentationml/2006/main" xmlns:c="http://schemas.openxmlformats.org/drawingml/2006/chart" xmlns:dgm="http://schemas.openxmlformats.org/drawingml/2006/diagram" xmlns:o="urn:schemas-microsoft-com:office:office" xmlns:v="urn:schemas-microsoft-com:vml" xmlns:pvml="urn:schemas-microsoft-com:office:powerpoint" xmlns:com="http://schemas.openxmlformats.org/drawingml/2006/compatibility" xmlns:p14="http://schemas.microsoft.com/office/powerpoint/2010/main" xmlns:p15="http://schemas.microsoft.com/office/powerpoint/2012/main" xmlns:ahyp="http://schemas.microsoft.com/office/drawing/2018/hyperlinkcolor" showMasterPhAnim="0" showMasterSp="0">
+  <p:cSld>
+    <p:spTree>
+      <p:nvGrpSpPr>
+        <p:cNvPr id="204" name="Shape 204"/>
+        <p:cNvGrpSpPr/>
+        <p:nvPr/>
+      </p:nvGrpSpPr>
+      <p:grpSpPr>
+        <a:xfrm>
+          <a:off x="0" y="0"/>
+          <a:ext cx="0" cy="0"/>
+          <a:chOff x="0" y="0"/>
+          <a:chExt cx="0" cy="0"/>
+        </a:xfrm>
+      </p:grpSpPr>
+      <p:sp>
+        <p:nvSpPr>
+          <p:cNvPr id="205" name="Google Shape;205;g14aad64c473_0_55:notes"/>
+          <p:cNvSpPr txBox="1"/>
+          <p:nvPr>
+            <p:ph idx="1" type="body"/>
+          </p:nvPr>
+        </p:nvSpPr>
+        <p:spPr>
+          <a:xfrm>
+            <a:off x="685800" y="4343400"/>
+            <a:ext cx="5486400" cy="4114800"/>
+          </a:xfrm>
+          <a:prstGeom prst="rect">
+            <a:avLst/>
+          </a:prstGeom>
+          <a:noFill/>
+          <a:ln>
+            <a:noFill/>
+          </a:ln>
+        </p:spPr>
+        <p:txBody>
+          <a:bodyPr anchorCtr="0" anchor="t" bIns="91425" lIns="91425" spcFirstLastPara="1" rIns="91425" wrap="square" tIns="91425">
+            <a:noAutofit/>
+          </a:bodyPr>
+          <a:lstStyle/>
+          <a:p>
+            <a:pPr indent="0" lvl="0" marL="0" rtl="0" algn="l">
+              <a:lnSpc>
+                <a:spcPct val="100000"/>
+              </a:lnSpc>
+              <a:spcBef>
+                <a:spcPts val="0"/>
+              </a:spcBef>
+              <a:spcAft>
+                <a:spcPts val="0"/>
+              </a:spcAft>
+              <a:buSzPts val="1100"/>
+              <a:buNone/>
+            </a:pPr>
+            <a:r>
+              <a:t/>
+            </a:r>
+            <a:endParaRPr/>
+          </a:p>
+        </p:txBody>
+      </p:sp>
+      <p:sp>
+        <p:nvSpPr>
+          <p:cNvPr id="206" name="Google Shape;206;g14aad64c473_0_55:notes"/>
+          <p:cNvSpPr/>
+          <p:nvPr>
+            <p:ph idx="2" type="sldImg"/>
+          </p:nvPr>
+        </p:nvSpPr>
+        <p:spPr>
+          <a:xfrm>
+            <a:off x="1143225" y="685800"/>
+            <a:ext cx="4572300" cy="3429000"/>
+          </a:xfrm>
+          <a:custGeom>
+            <a:rect b="b" l="l" r="r" t="t"/>
+            <a:pathLst>
+              <a:path extrusionOk="0" h="120000" w="120000">
+                <a:moveTo>
+                  <a:pt x="0" y="0"/>
+                </a:moveTo>
+                <a:lnTo>
+                  <a:pt x="120000" y="0"/>
+                </a:lnTo>
+                <a:lnTo>
+                  <a:pt x="120000" y="120000"/>
+                </a:lnTo>
+                <a:lnTo>
+                  <a:pt x="0" y="120000"/>
+                </a:lnTo>
+                <a:close/>
+              </a:path>
+            </a:pathLst>
+          </a:custGeom>
+          <a:noFill/>
+          <a:ln cap="flat" cmpd="sng" w="9525">
+            <a:solidFill>
+              <a:srgbClr val="000000"/>
+            </a:solidFill>
+            <a:prstDash val="solid"/>
+            <a:round/>
+            <a:headEnd len="sm" w="sm" type="none"/>
+            <a:tailEnd len="sm" w="sm" type="none"/>
+          </a:ln>
+        </p:spPr>
+      </p:sp>
+    </p:spTree>
+  </p:cSld>
+  <p:clrMapOvr>
+    <a:masterClrMapping/>
+  </p:clrMapOvr>
+</p:notes>
+</file>
+
 <file path=ppt/notesSlides/notesSlide2.xml><?xml version="1.0" encoding="utf-8"?>
 <p:notes xmlns:a="http://schemas.openxmlformats.org/drawingml/2006/main" xmlns:r="http://schemas.openxmlformats.org/officeDocument/2006/relationships" xmlns:mc="http://schemas.openxmlformats.org/markup-compatibility/2006" xmlns:mv="urn:schemas-microsoft-com:mac:vml" xmlns:p="http://schemas.openxmlformats.org/presentationml/2006/main" xmlns:c="http://schemas.openxmlformats.org/drawingml/2006/chart" xmlns:dgm="http://schemas.openxmlformats.org/drawingml/2006/diagram" xmlns:o="urn:schemas-microsoft-com:office:office" xmlns:v="urn:schemas-microsoft-com:vml" xmlns:pvml="urn:schemas-microsoft-com:office:powerpoint" xmlns:com="http://schemas.openxmlformats.org/drawingml/2006/compatibility" xmlns:p14="http://schemas.microsoft.com/office/powerpoint/2010/main" xmlns:p15="http://schemas.microsoft.com/office/powerpoint/2012/main" xmlns:ahyp="http://schemas.microsoft.com/office/drawing/2018/hyperlinkcolor" showMasterPhAnim="0" showMasterSp="0">
   <p:cSld>
@@ -993,6 +2176,357 @@
       <p:sp>
         <p:nvSpPr>
           <p:cNvPr id="86" name="Google Shape;86;gf3dcaf09ec_1_9:notes"/>
+          <p:cNvSpPr/>
+          <p:nvPr>
+            <p:ph idx="2" type="sldImg"/>
+          </p:nvPr>
+        </p:nvSpPr>
+        <p:spPr>
+          <a:xfrm>
+            <a:off x="1143225" y="685800"/>
+            <a:ext cx="4572300" cy="3429000"/>
+          </a:xfrm>
+          <a:custGeom>
+            <a:rect b="b" l="l" r="r" t="t"/>
+            <a:pathLst>
+              <a:path extrusionOk="0" h="120000" w="120000">
+                <a:moveTo>
+                  <a:pt x="0" y="0"/>
+                </a:moveTo>
+                <a:lnTo>
+                  <a:pt x="120000" y="0"/>
+                </a:lnTo>
+                <a:lnTo>
+                  <a:pt x="120000" y="120000"/>
+                </a:lnTo>
+                <a:lnTo>
+                  <a:pt x="0" y="120000"/>
+                </a:lnTo>
+                <a:close/>
+              </a:path>
+            </a:pathLst>
+          </a:custGeom>
+          <a:noFill/>
+          <a:ln cap="flat" cmpd="sng" w="9525">
+            <a:solidFill>
+              <a:srgbClr val="000000"/>
+            </a:solidFill>
+            <a:prstDash val="solid"/>
+            <a:round/>
+            <a:headEnd len="sm" w="sm" type="none"/>
+            <a:tailEnd len="sm" w="sm" type="none"/>
+          </a:ln>
+        </p:spPr>
+      </p:sp>
+    </p:spTree>
+  </p:cSld>
+  <p:clrMapOvr>
+    <a:masterClrMapping/>
+  </p:clrMapOvr>
+</p:notes>
+</file>
+
+<file path=ppt/notesSlides/notesSlide20.xml><?xml version="1.0" encoding="utf-8"?>
+<p:notes xmlns:a="http://schemas.openxmlformats.org/drawingml/2006/main" xmlns:r="http://schemas.openxmlformats.org/officeDocument/2006/relationships" xmlns:mc="http://schemas.openxmlformats.org/markup-compatibility/2006" xmlns:mv="urn:schemas-microsoft-com:mac:vml" xmlns:p="http://schemas.openxmlformats.org/presentationml/2006/main" xmlns:c="http://schemas.openxmlformats.org/drawingml/2006/chart" xmlns:dgm="http://schemas.openxmlformats.org/drawingml/2006/diagram" xmlns:o="urn:schemas-microsoft-com:office:office" xmlns:v="urn:schemas-microsoft-com:vml" xmlns:pvml="urn:schemas-microsoft-com:office:powerpoint" xmlns:com="http://schemas.openxmlformats.org/drawingml/2006/compatibility" xmlns:p14="http://schemas.microsoft.com/office/powerpoint/2010/main" xmlns:p15="http://schemas.microsoft.com/office/powerpoint/2012/main" xmlns:ahyp="http://schemas.microsoft.com/office/drawing/2018/hyperlinkcolor" showMasterPhAnim="0" showMasterSp="0">
+  <p:cSld>
+    <p:spTree>
+      <p:nvGrpSpPr>
+        <p:cNvPr id="211" name="Shape 211"/>
+        <p:cNvGrpSpPr/>
+        <p:nvPr/>
+      </p:nvGrpSpPr>
+      <p:grpSpPr>
+        <a:xfrm>
+          <a:off x="0" y="0"/>
+          <a:ext cx="0" cy="0"/>
+          <a:chOff x="0" y="0"/>
+          <a:chExt cx="0" cy="0"/>
+        </a:xfrm>
+      </p:grpSpPr>
+      <p:sp>
+        <p:nvSpPr>
+          <p:cNvPr id="212" name="Google Shape;212;g14aad64c473_0_46:notes"/>
+          <p:cNvSpPr txBox="1"/>
+          <p:nvPr>
+            <p:ph idx="1" type="body"/>
+          </p:nvPr>
+        </p:nvSpPr>
+        <p:spPr>
+          <a:xfrm>
+            <a:off x="685800" y="4343400"/>
+            <a:ext cx="5486400" cy="4114800"/>
+          </a:xfrm>
+          <a:prstGeom prst="rect">
+            <a:avLst/>
+          </a:prstGeom>
+          <a:noFill/>
+          <a:ln>
+            <a:noFill/>
+          </a:ln>
+        </p:spPr>
+        <p:txBody>
+          <a:bodyPr anchorCtr="0" anchor="t" bIns="91425" lIns="91425" spcFirstLastPara="1" rIns="91425" wrap="square" tIns="91425">
+            <a:noAutofit/>
+          </a:bodyPr>
+          <a:lstStyle/>
+          <a:p>
+            <a:pPr indent="0" lvl="0" marL="0" rtl="0" algn="l">
+              <a:lnSpc>
+                <a:spcPct val="100000"/>
+              </a:lnSpc>
+              <a:spcBef>
+                <a:spcPts val="0"/>
+              </a:spcBef>
+              <a:spcAft>
+                <a:spcPts val="0"/>
+              </a:spcAft>
+              <a:buSzPts val="1100"/>
+              <a:buNone/>
+            </a:pPr>
+            <a:r>
+              <a:t/>
+            </a:r>
+            <a:endParaRPr/>
+          </a:p>
+        </p:txBody>
+      </p:sp>
+      <p:sp>
+        <p:nvSpPr>
+          <p:cNvPr id="213" name="Google Shape;213;g14aad64c473_0_46:notes"/>
+          <p:cNvSpPr/>
+          <p:nvPr>
+            <p:ph idx="2" type="sldImg"/>
+          </p:nvPr>
+        </p:nvSpPr>
+        <p:spPr>
+          <a:xfrm>
+            <a:off x="1143225" y="685800"/>
+            <a:ext cx="4572300" cy="3429000"/>
+          </a:xfrm>
+          <a:custGeom>
+            <a:rect b="b" l="l" r="r" t="t"/>
+            <a:pathLst>
+              <a:path extrusionOk="0" h="120000" w="120000">
+                <a:moveTo>
+                  <a:pt x="0" y="0"/>
+                </a:moveTo>
+                <a:lnTo>
+                  <a:pt x="120000" y="0"/>
+                </a:lnTo>
+                <a:lnTo>
+                  <a:pt x="120000" y="120000"/>
+                </a:lnTo>
+                <a:lnTo>
+                  <a:pt x="0" y="120000"/>
+                </a:lnTo>
+                <a:close/>
+              </a:path>
+            </a:pathLst>
+          </a:custGeom>
+          <a:noFill/>
+          <a:ln cap="flat" cmpd="sng" w="9525">
+            <a:solidFill>
+              <a:srgbClr val="000000"/>
+            </a:solidFill>
+            <a:prstDash val="solid"/>
+            <a:round/>
+            <a:headEnd len="sm" w="sm" type="none"/>
+            <a:tailEnd len="sm" w="sm" type="none"/>
+          </a:ln>
+        </p:spPr>
+      </p:sp>
+    </p:spTree>
+  </p:cSld>
+  <p:clrMapOvr>
+    <a:masterClrMapping/>
+  </p:clrMapOvr>
+</p:notes>
+</file>
+
+<file path=ppt/notesSlides/notesSlide21.xml><?xml version="1.0" encoding="utf-8"?>
+<p:notes xmlns:a="http://schemas.openxmlformats.org/drawingml/2006/main" xmlns:r="http://schemas.openxmlformats.org/officeDocument/2006/relationships" xmlns:mc="http://schemas.openxmlformats.org/markup-compatibility/2006" xmlns:mv="urn:schemas-microsoft-com:mac:vml" xmlns:p="http://schemas.openxmlformats.org/presentationml/2006/main" xmlns:c="http://schemas.openxmlformats.org/drawingml/2006/chart" xmlns:dgm="http://schemas.openxmlformats.org/drawingml/2006/diagram" xmlns:o="urn:schemas-microsoft-com:office:office" xmlns:v="urn:schemas-microsoft-com:vml" xmlns:pvml="urn:schemas-microsoft-com:office:powerpoint" xmlns:com="http://schemas.openxmlformats.org/drawingml/2006/compatibility" xmlns:p14="http://schemas.microsoft.com/office/powerpoint/2010/main" xmlns:p15="http://schemas.microsoft.com/office/powerpoint/2012/main" xmlns:ahyp="http://schemas.microsoft.com/office/drawing/2018/hyperlinkcolor" showMasterPhAnim="0" showMasterSp="0">
+  <p:cSld>
+    <p:spTree>
+      <p:nvGrpSpPr>
+        <p:cNvPr id="219" name="Shape 219"/>
+        <p:cNvGrpSpPr/>
+        <p:nvPr/>
+      </p:nvGrpSpPr>
+      <p:grpSpPr>
+        <a:xfrm>
+          <a:off x="0" y="0"/>
+          <a:ext cx="0" cy="0"/>
+          <a:chOff x="0" y="0"/>
+          <a:chExt cx="0" cy="0"/>
+        </a:xfrm>
+      </p:grpSpPr>
+      <p:sp>
+        <p:nvSpPr>
+          <p:cNvPr id="220" name="Google Shape;220;g14aad64c473_0_61:notes"/>
+          <p:cNvSpPr txBox="1"/>
+          <p:nvPr>
+            <p:ph idx="1" type="body"/>
+          </p:nvPr>
+        </p:nvSpPr>
+        <p:spPr>
+          <a:xfrm>
+            <a:off x="685800" y="4343400"/>
+            <a:ext cx="5486400" cy="4114800"/>
+          </a:xfrm>
+          <a:prstGeom prst="rect">
+            <a:avLst/>
+          </a:prstGeom>
+          <a:noFill/>
+          <a:ln>
+            <a:noFill/>
+          </a:ln>
+        </p:spPr>
+        <p:txBody>
+          <a:bodyPr anchorCtr="0" anchor="t" bIns="91425" lIns="91425" spcFirstLastPara="1" rIns="91425" wrap="square" tIns="91425">
+            <a:noAutofit/>
+          </a:bodyPr>
+          <a:lstStyle/>
+          <a:p>
+            <a:pPr indent="0" lvl="0" marL="0" rtl="0" algn="l">
+              <a:lnSpc>
+                <a:spcPct val="100000"/>
+              </a:lnSpc>
+              <a:spcBef>
+                <a:spcPts val="0"/>
+              </a:spcBef>
+              <a:spcAft>
+                <a:spcPts val="0"/>
+              </a:spcAft>
+              <a:buSzPts val="1100"/>
+              <a:buNone/>
+            </a:pPr>
+            <a:r>
+              <a:t/>
+            </a:r>
+            <a:endParaRPr/>
+          </a:p>
+        </p:txBody>
+      </p:sp>
+      <p:sp>
+        <p:nvSpPr>
+          <p:cNvPr id="221" name="Google Shape;221;g14aad64c473_0_61:notes"/>
+          <p:cNvSpPr/>
+          <p:nvPr>
+            <p:ph idx="2" type="sldImg"/>
+          </p:nvPr>
+        </p:nvSpPr>
+        <p:spPr>
+          <a:xfrm>
+            <a:off x="1143225" y="685800"/>
+            <a:ext cx="4572300" cy="3429000"/>
+          </a:xfrm>
+          <a:custGeom>
+            <a:rect b="b" l="l" r="r" t="t"/>
+            <a:pathLst>
+              <a:path extrusionOk="0" h="120000" w="120000">
+                <a:moveTo>
+                  <a:pt x="0" y="0"/>
+                </a:moveTo>
+                <a:lnTo>
+                  <a:pt x="120000" y="0"/>
+                </a:lnTo>
+                <a:lnTo>
+                  <a:pt x="120000" y="120000"/>
+                </a:lnTo>
+                <a:lnTo>
+                  <a:pt x="0" y="120000"/>
+                </a:lnTo>
+                <a:close/>
+              </a:path>
+            </a:pathLst>
+          </a:custGeom>
+          <a:noFill/>
+          <a:ln cap="flat" cmpd="sng" w="9525">
+            <a:solidFill>
+              <a:srgbClr val="000000"/>
+            </a:solidFill>
+            <a:prstDash val="solid"/>
+            <a:round/>
+            <a:headEnd len="sm" w="sm" type="none"/>
+            <a:tailEnd len="sm" w="sm" type="none"/>
+          </a:ln>
+        </p:spPr>
+      </p:sp>
+    </p:spTree>
+  </p:cSld>
+  <p:clrMapOvr>
+    <a:masterClrMapping/>
+  </p:clrMapOvr>
+</p:notes>
+</file>
+
+<file path=ppt/notesSlides/notesSlide22.xml><?xml version="1.0" encoding="utf-8"?>
+<p:notes xmlns:a="http://schemas.openxmlformats.org/drawingml/2006/main" xmlns:r="http://schemas.openxmlformats.org/officeDocument/2006/relationships" xmlns:mc="http://schemas.openxmlformats.org/markup-compatibility/2006" xmlns:mv="urn:schemas-microsoft-com:mac:vml" xmlns:p="http://schemas.openxmlformats.org/presentationml/2006/main" xmlns:c="http://schemas.openxmlformats.org/drawingml/2006/chart" xmlns:dgm="http://schemas.openxmlformats.org/drawingml/2006/diagram" xmlns:o="urn:schemas-microsoft-com:office:office" xmlns:v="urn:schemas-microsoft-com:vml" xmlns:pvml="urn:schemas-microsoft-com:office:powerpoint" xmlns:com="http://schemas.openxmlformats.org/drawingml/2006/compatibility" xmlns:p14="http://schemas.microsoft.com/office/powerpoint/2010/main" xmlns:p15="http://schemas.microsoft.com/office/powerpoint/2012/main" xmlns:ahyp="http://schemas.microsoft.com/office/drawing/2018/hyperlinkcolor" showMasterPhAnim="0" showMasterSp="0">
+  <p:cSld>
+    <p:spTree>
+      <p:nvGrpSpPr>
+        <p:cNvPr id="226" name="Shape 226"/>
+        <p:cNvGrpSpPr/>
+        <p:nvPr/>
+      </p:nvGrpSpPr>
+      <p:grpSpPr>
+        <a:xfrm>
+          <a:off x="0" y="0"/>
+          <a:ext cx="0" cy="0"/>
+          <a:chOff x="0" y="0"/>
+          <a:chExt cx="0" cy="0"/>
+        </a:xfrm>
+      </p:grpSpPr>
+      <p:sp>
+        <p:nvSpPr>
+          <p:cNvPr id="227" name="Google Shape;227;g138bbc4d2d1_0_6:notes"/>
+          <p:cNvSpPr txBox="1"/>
+          <p:nvPr>
+            <p:ph idx="1" type="body"/>
+          </p:nvPr>
+        </p:nvSpPr>
+        <p:spPr>
+          <a:xfrm>
+            <a:off x="685800" y="4343400"/>
+            <a:ext cx="5486400" cy="4114800"/>
+          </a:xfrm>
+          <a:prstGeom prst="rect">
+            <a:avLst/>
+          </a:prstGeom>
+          <a:noFill/>
+          <a:ln>
+            <a:noFill/>
+          </a:ln>
+        </p:spPr>
+        <p:txBody>
+          <a:bodyPr anchorCtr="0" anchor="t" bIns="91425" lIns="91425" spcFirstLastPara="1" rIns="91425" wrap="square" tIns="91425">
+            <a:noAutofit/>
+          </a:bodyPr>
+          <a:lstStyle/>
+          <a:p>
+            <a:pPr indent="0" lvl="0" marL="0" rtl="0" algn="l">
+              <a:lnSpc>
+                <a:spcPct val="100000"/>
+              </a:lnSpc>
+              <a:spcBef>
+                <a:spcPts val="0"/>
+              </a:spcBef>
+              <a:spcAft>
+                <a:spcPts val="0"/>
+              </a:spcAft>
+              <a:buSzPts val="1100"/>
+              <a:buNone/>
+            </a:pPr>
+            <a:r>
+              <a:t/>
+            </a:r>
+            <a:endParaRPr/>
+          </a:p>
+        </p:txBody>
+      </p:sp>
+      <p:sp>
+        <p:nvSpPr>
+          <p:cNvPr id="228" name="Google Shape;228;g138bbc4d2d1_0_6:notes"/>
           <p:cNvSpPr/>
           <p:nvPr>
             <p:ph idx="2" type="sldImg"/>
@@ -1647,7 +3181,7 @@
       </p:grpSpPr>
       <p:sp>
         <p:nvSpPr>
-          <p:cNvPr id="124" name="Google Shape;124;g138bbc4d2d1_0_0:notes"/>
+          <p:cNvPr id="124" name="Google Shape;124;g164b75e63d5_0_0:notes"/>
           <p:cNvSpPr txBox="1"/>
           <p:nvPr>
             <p:ph idx="1" type="body"/>
@@ -1694,7 +3228,7 @@
       </p:sp>
       <p:sp>
         <p:nvSpPr>
-          <p:cNvPr id="125" name="Google Shape;125;g138bbc4d2d1_0_0:notes"/>
+          <p:cNvPr id="125" name="Google Shape;125;g164b75e63d5_0_0:notes"/>
           <p:cNvSpPr/>
           <p:nvPr>
             <p:ph idx="2" type="sldImg"/>
@@ -1764,7 +3298,7 @@
       </p:grpSpPr>
       <p:sp>
         <p:nvSpPr>
-          <p:cNvPr id="131" name="Google Shape;131;g138bbc4d2d1_0_6:notes"/>
+          <p:cNvPr id="131" name="Google Shape;131;g164b75e63d5_0_6:notes"/>
           <p:cNvSpPr txBox="1"/>
           <p:nvPr>
             <p:ph idx="1" type="body"/>
@@ -1811,7 +3345,7 @@
       </p:sp>
       <p:sp>
         <p:nvSpPr>
-          <p:cNvPr id="132" name="Google Shape;132;g138bbc4d2d1_0_6:notes"/>
+          <p:cNvPr id="132" name="Google Shape;132;g164b75e63d5_0_6:notes"/>
           <p:cNvSpPr/>
           <p:nvPr>
             <p:ph idx="2" type="sldImg"/>
@@ -10523,6 +12057,3100 @@
 </p:sld>
 </file>
 
+<file path=ppt/slides/slide10.xml><?xml version="1.0" encoding="utf-8"?>
+<p:sld xmlns:a="http://schemas.openxmlformats.org/drawingml/2006/main" xmlns:r="http://schemas.openxmlformats.org/officeDocument/2006/relationships" xmlns:mc="http://schemas.openxmlformats.org/markup-compatibility/2006" xmlns:mv="urn:schemas-microsoft-com:mac:vml" xmlns:p="http://schemas.openxmlformats.org/presentationml/2006/main" xmlns:c="http://schemas.openxmlformats.org/drawingml/2006/chart" xmlns:dgm="http://schemas.openxmlformats.org/drawingml/2006/diagram" xmlns:o="urn:schemas-microsoft-com:office:office" xmlns:v="urn:schemas-microsoft-com:vml" xmlns:pvml="urn:schemas-microsoft-com:office:powerpoint" xmlns:com="http://schemas.openxmlformats.org/drawingml/2006/compatibility" xmlns:p14="http://schemas.microsoft.com/office/powerpoint/2010/main" xmlns:p15="http://schemas.microsoft.com/office/powerpoint/2012/main" xmlns:ahyp="http://schemas.microsoft.com/office/drawing/2018/hyperlinkcolor">
+  <p:cSld>
+    <p:spTree>
+      <p:nvGrpSpPr>
+        <p:cNvPr id="140" name="Shape 140"/>
+        <p:cNvGrpSpPr/>
+        <p:nvPr/>
+      </p:nvGrpSpPr>
+      <p:grpSpPr>
+        <a:xfrm>
+          <a:off x="0" y="0"/>
+          <a:ext cx="0" cy="0"/>
+          <a:chOff x="0" y="0"/>
+          <a:chExt cx="0" cy="0"/>
+        </a:xfrm>
+      </p:grpSpPr>
+      <p:sp>
+        <p:nvSpPr>
+          <p:cNvPr id="141" name="Google Shape;141;g138bbc4d2d1_0_0"/>
+          <p:cNvSpPr txBox="1"/>
+          <p:nvPr>
+            <p:ph type="title"/>
+          </p:nvPr>
+        </p:nvSpPr>
+        <p:spPr>
+          <a:xfrm>
+            <a:off x="1141412" y="327514"/>
+            <a:ext cx="9906000" cy="1478700"/>
+          </a:xfrm>
+          <a:prstGeom prst="rect">
+            <a:avLst/>
+          </a:prstGeom>
+          <a:noFill/>
+          <a:ln>
+            <a:noFill/>
+          </a:ln>
+        </p:spPr>
+        <p:txBody>
+          <a:bodyPr anchorCtr="0" anchor="ctr" bIns="45700" lIns="91425" spcFirstLastPara="1" rIns="91425" wrap="square" tIns="45700">
+            <a:normAutofit/>
+          </a:bodyPr>
+          <a:lstStyle/>
+          <a:p>
+            <a:pPr indent="0" lvl="0" marL="0" rtl="0" algn="l">
+              <a:lnSpc>
+                <a:spcPct val="90000"/>
+              </a:lnSpc>
+              <a:spcBef>
+                <a:spcPts val="0"/>
+              </a:spcBef>
+              <a:spcAft>
+                <a:spcPts val="0"/>
+              </a:spcAft>
+              <a:buClr>
+                <a:schemeClr val="dk1"/>
+              </a:buClr>
+              <a:buSzPts val="3600"/>
+              <a:buFont typeface="Avenir"/>
+              <a:buNone/>
+            </a:pPr>
+            <a:r>
+              <a:rPr b="1" lang="en-US"/>
+              <a:t>C</a:t>
+            </a:r>
+            <a:r>
+              <a:rPr b="1" lang="en-US">
+                <a:latin typeface="Avenir"/>
+                <a:ea typeface="Avenir"/>
+                <a:cs typeface="Avenir"/>
+                <a:sym typeface="Avenir"/>
+              </a:rPr>
+              <a:t>ontrol</a:t>
+            </a:r>
+            <a:endParaRPr b="1"/>
+          </a:p>
+        </p:txBody>
+      </p:sp>
+      <p:sp>
+        <p:nvSpPr>
+          <p:cNvPr id="142" name="Google Shape;142;g138bbc4d2d1_0_0"/>
+          <p:cNvSpPr txBox="1"/>
+          <p:nvPr/>
+        </p:nvSpPr>
+        <p:spPr>
+          <a:xfrm>
+            <a:off x="1322200" y="1772625"/>
+            <a:ext cx="9066600" cy="615600"/>
+          </a:xfrm>
+          <a:prstGeom prst="rect">
+            <a:avLst/>
+          </a:prstGeom>
+          <a:noFill/>
+          <a:ln>
+            <a:noFill/>
+          </a:ln>
+        </p:spPr>
+        <p:txBody>
+          <a:bodyPr anchorCtr="0" anchor="t" bIns="91425" lIns="91425" spcFirstLastPara="1" rIns="91425" wrap="square" tIns="91425">
+            <a:spAutoFit/>
+          </a:bodyPr>
+          <a:lstStyle/>
+          <a:p>
+            <a:pPr indent="-406400" lvl="0" marL="457200" rtl="0" algn="l">
+              <a:spcBef>
+                <a:spcPts val="0"/>
+              </a:spcBef>
+              <a:spcAft>
+                <a:spcPts val="0"/>
+              </a:spcAft>
+              <a:buSzPts val="2800"/>
+              <a:buFont typeface="Twentieth Century"/>
+              <a:buChar char="-"/>
+            </a:pPr>
+            <a:r>
+              <a:rPr b="1" lang="en-US" sz="2800">
+                <a:latin typeface="Twentieth Century"/>
+                <a:ea typeface="Twentieth Century"/>
+                <a:cs typeface="Twentieth Century"/>
+                <a:sym typeface="Twentieth Century"/>
+              </a:rPr>
+              <a:t>Closed loop control</a:t>
+            </a:r>
+            <a:endParaRPr sz="2800">
+              <a:latin typeface="Twentieth Century"/>
+              <a:ea typeface="Twentieth Century"/>
+              <a:cs typeface="Twentieth Century"/>
+              <a:sym typeface="Twentieth Century"/>
+            </a:endParaRPr>
+          </a:p>
+        </p:txBody>
+      </p:sp>
+      <p:pic>
+        <p:nvPicPr>
+          <p:cNvPr id="143" name="Google Shape;143;g138bbc4d2d1_0_0"/>
+          <p:cNvPicPr preferRelativeResize="0"/>
+          <p:nvPr/>
+        </p:nvPicPr>
+        <p:blipFill>
+          <a:blip r:embed="rId3">
+            <a:alphaModFix/>
+          </a:blip>
+          <a:stretch>
+            <a:fillRect/>
+          </a:stretch>
+        </p:blipFill>
+        <p:spPr>
+          <a:xfrm>
+            <a:off x="2998000" y="2831225"/>
+            <a:ext cx="5715000" cy="1924050"/>
+          </a:xfrm>
+          <a:prstGeom prst="rect">
+            <a:avLst/>
+          </a:prstGeom>
+          <a:noFill/>
+          <a:ln>
+            <a:noFill/>
+          </a:ln>
+        </p:spPr>
+      </p:pic>
+    </p:spTree>
+  </p:cSld>
+  <p:clrMapOvr>
+    <a:masterClrMapping/>
+  </p:clrMapOvr>
+</p:sld>
+</file>
+
+<file path=ppt/slides/slide11.xml><?xml version="1.0" encoding="utf-8"?>
+<p:sld xmlns:a="http://schemas.openxmlformats.org/drawingml/2006/main" xmlns:r="http://schemas.openxmlformats.org/officeDocument/2006/relationships" xmlns:mc="http://schemas.openxmlformats.org/markup-compatibility/2006" xmlns:mv="urn:schemas-microsoft-com:mac:vml" xmlns:p="http://schemas.openxmlformats.org/presentationml/2006/main" xmlns:c="http://schemas.openxmlformats.org/drawingml/2006/chart" xmlns:dgm="http://schemas.openxmlformats.org/drawingml/2006/diagram" xmlns:o="urn:schemas-microsoft-com:office:office" xmlns:v="urn:schemas-microsoft-com:vml" xmlns:pvml="urn:schemas-microsoft-com:office:powerpoint" xmlns:com="http://schemas.openxmlformats.org/drawingml/2006/compatibility" xmlns:p14="http://schemas.microsoft.com/office/powerpoint/2010/main" xmlns:p15="http://schemas.microsoft.com/office/powerpoint/2012/main" xmlns:ahyp="http://schemas.microsoft.com/office/drawing/2018/hyperlinkcolor">
+  <p:cSld>
+    <p:spTree>
+      <p:nvGrpSpPr>
+        <p:cNvPr id="147" name="Shape 147"/>
+        <p:cNvGrpSpPr/>
+        <p:nvPr/>
+      </p:nvGrpSpPr>
+      <p:grpSpPr>
+        <a:xfrm>
+          <a:off x="0" y="0"/>
+          <a:ext cx="0" cy="0"/>
+          <a:chOff x="0" y="0"/>
+          <a:chExt cx="0" cy="0"/>
+        </a:xfrm>
+      </p:grpSpPr>
+      <p:sp>
+        <p:nvSpPr>
+          <p:cNvPr id="148" name="Google Shape;148;g164b75e63d5_0_12"/>
+          <p:cNvSpPr txBox="1"/>
+          <p:nvPr>
+            <p:ph type="title"/>
+          </p:nvPr>
+        </p:nvSpPr>
+        <p:spPr>
+          <a:xfrm>
+            <a:off x="1141412" y="327514"/>
+            <a:ext cx="9906000" cy="1478700"/>
+          </a:xfrm>
+          <a:prstGeom prst="rect">
+            <a:avLst/>
+          </a:prstGeom>
+          <a:noFill/>
+          <a:ln>
+            <a:noFill/>
+          </a:ln>
+        </p:spPr>
+        <p:txBody>
+          <a:bodyPr anchorCtr="0" anchor="ctr" bIns="45700" lIns="91425" spcFirstLastPara="1" rIns="91425" wrap="square" tIns="45700">
+            <a:normAutofit/>
+          </a:bodyPr>
+          <a:lstStyle/>
+          <a:p>
+            <a:pPr indent="0" lvl="0" marL="0" rtl="0" algn="l">
+              <a:lnSpc>
+                <a:spcPct val="90000"/>
+              </a:lnSpc>
+              <a:spcBef>
+                <a:spcPts val="0"/>
+              </a:spcBef>
+              <a:spcAft>
+                <a:spcPts val="0"/>
+              </a:spcAft>
+              <a:buClr>
+                <a:schemeClr val="dk1"/>
+              </a:buClr>
+              <a:buSzPts val="3600"/>
+              <a:buFont typeface="Avenir"/>
+              <a:buNone/>
+            </a:pPr>
+            <a:r>
+              <a:rPr b="1" lang="en-US"/>
+              <a:t>C</a:t>
+            </a:r>
+            <a:r>
+              <a:rPr b="1" lang="en-US">
+                <a:latin typeface="Avenir"/>
+                <a:ea typeface="Avenir"/>
+                <a:cs typeface="Avenir"/>
+                <a:sym typeface="Avenir"/>
+              </a:rPr>
+              <a:t>ontrol</a:t>
+            </a:r>
+            <a:endParaRPr b="1"/>
+          </a:p>
+        </p:txBody>
+      </p:sp>
+      <p:sp>
+        <p:nvSpPr>
+          <p:cNvPr id="149" name="Google Shape;149;g164b75e63d5_0_12"/>
+          <p:cNvSpPr txBox="1"/>
+          <p:nvPr/>
+        </p:nvSpPr>
+        <p:spPr>
+          <a:xfrm>
+            <a:off x="1322200" y="1772625"/>
+            <a:ext cx="9066600" cy="2416500"/>
+          </a:xfrm>
+          <a:prstGeom prst="rect">
+            <a:avLst/>
+          </a:prstGeom>
+          <a:noFill/>
+          <a:ln>
+            <a:noFill/>
+          </a:ln>
+        </p:spPr>
+        <p:txBody>
+          <a:bodyPr anchorCtr="0" anchor="t" bIns="91425" lIns="91425" spcFirstLastPara="1" rIns="91425" wrap="square" tIns="91425">
+            <a:spAutoFit/>
+          </a:bodyPr>
+          <a:lstStyle/>
+          <a:p>
+            <a:pPr indent="-406400" lvl="0" marL="457200" rtl="0" algn="l">
+              <a:spcBef>
+                <a:spcPts val="0"/>
+              </a:spcBef>
+              <a:spcAft>
+                <a:spcPts val="0"/>
+              </a:spcAft>
+              <a:buSzPts val="2800"/>
+              <a:buFont typeface="Twentieth Century"/>
+              <a:buChar char="-"/>
+            </a:pPr>
+            <a:r>
+              <a:rPr lang="en-US" sz="2900">
+                <a:latin typeface="Twentieth Century"/>
+                <a:ea typeface="Twentieth Century"/>
+                <a:cs typeface="Twentieth Century"/>
+                <a:sym typeface="Twentieth Century"/>
+              </a:rPr>
+              <a:t>State transition:</a:t>
+            </a:r>
+            <a:endParaRPr sz="2900">
+              <a:latin typeface="Twentieth Century"/>
+              <a:ea typeface="Twentieth Century"/>
+              <a:cs typeface="Twentieth Century"/>
+              <a:sym typeface="Twentieth Century"/>
+            </a:endParaRPr>
+          </a:p>
+          <a:p>
+            <a:pPr indent="0" lvl="0" marL="0" rtl="0" algn="l">
+              <a:spcBef>
+                <a:spcPts val="0"/>
+              </a:spcBef>
+              <a:spcAft>
+                <a:spcPts val="0"/>
+              </a:spcAft>
+              <a:buNone/>
+            </a:pPr>
+            <a:r>
+              <a:t/>
+            </a:r>
+            <a:endParaRPr sz="2900">
+              <a:latin typeface="Twentieth Century"/>
+              <a:ea typeface="Twentieth Century"/>
+              <a:cs typeface="Twentieth Century"/>
+              <a:sym typeface="Twentieth Century"/>
+            </a:endParaRPr>
+          </a:p>
+          <a:p>
+            <a:pPr indent="0" lvl="0" marL="0" rtl="0" algn="l">
+              <a:spcBef>
+                <a:spcPts val="0"/>
+              </a:spcBef>
+              <a:spcAft>
+                <a:spcPts val="0"/>
+              </a:spcAft>
+              <a:buNone/>
+            </a:pPr>
+            <a:r>
+              <a:t/>
+            </a:r>
+            <a:endParaRPr sz="2900">
+              <a:latin typeface="Twentieth Century"/>
+              <a:ea typeface="Twentieth Century"/>
+              <a:cs typeface="Twentieth Century"/>
+              <a:sym typeface="Twentieth Century"/>
+            </a:endParaRPr>
+          </a:p>
+          <a:p>
+            <a:pPr indent="0" lvl="0" marL="0" rtl="0" algn="l">
+              <a:spcBef>
+                <a:spcPts val="0"/>
+              </a:spcBef>
+              <a:spcAft>
+                <a:spcPts val="0"/>
+              </a:spcAft>
+              <a:buNone/>
+            </a:pPr>
+            <a:r>
+              <a:t/>
+            </a:r>
+            <a:endParaRPr sz="2900">
+              <a:latin typeface="Twentieth Century"/>
+              <a:ea typeface="Twentieth Century"/>
+              <a:cs typeface="Twentieth Century"/>
+              <a:sym typeface="Twentieth Century"/>
+            </a:endParaRPr>
+          </a:p>
+          <a:p>
+            <a:pPr indent="-412750" lvl="0" marL="457200" rtl="0" algn="l">
+              <a:spcBef>
+                <a:spcPts val="0"/>
+              </a:spcBef>
+              <a:spcAft>
+                <a:spcPts val="0"/>
+              </a:spcAft>
+              <a:buSzPts val="2900"/>
+              <a:buFont typeface="Twentieth Century"/>
+              <a:buChar char="-"/>
+            </a:pPr>
+            <a:r>
+              <a:rPr lang="en-US" sz="2900">
+                <a:latin typeface="Twentieth Century"/>
+                <a:ea typeface="Twentieth Century"/>
+                <a:cs typeface="Twentieth Century"/>
+                <a:sym typeface="Twentieth Century"/>
+              </a:rPr>
+              <a:t>Measurement:</a:t>
+            </a:r>
+            <a:endParaRPr sz="2900">
+              <a:latin typeface="Twentieth Century"/>
+              <a:ea typeface="Twentieth Century"/>
+              <a:cs typeface="Twentieth Century"/>
+              <a:sym typeface="Twentieth Century"/>
+            </a:endParaRPr>
+          </a:p>
+        </p:txBody>
+      </p:sp>
+      <p:pic>
+        <p:nvPicPr>
+          <p:cNvPr id="150" name="Google Shape;150;g164b75e63d5_0_12"/>
+          <p:cNvPicPr preferRelativeResize="0"/>
+          <p:nvPr/>
+        </p:nvPicPr>
+        <p:blipFill rotWithShape="1">
+          <a:blip r:embed="rId3">
+            <a:alphaModFix/>
+          </a:blip>
+          <a:srcRect b="37546" l="0" r="52723" t="0"/>
+          <a:stretch/>
+        </p:blipFill>
+        <p:spPr>
+          <a:xfrm>
+            <a:off x="2031975" y="2302125"/>
+            <a:ext cx="4114076" cy="923475"/>
+          </a:xfrm>
+          <a:prstGeom prst="rect">
+            <a:avLst/>
+          </a:prstGeom>
+          <a:noFill/>
+          <a:ln>
+            <a:noFill/>
+          </a:ln>
+        </p:spPr>
+      </p:pic>
+      <p:pic>
+        <p:nvPicPr>
+          <p:cNvPr id="151" name="Google Shape;151;g164b75e63d5_0_12"/>
+          <p:cNvPicPr preferRelativeResize="0"/>
+          <p:nvPr/>
+        </p:nvPicPr>
+        <p:blipFill>
+          <a:blip r:embed="rId4">
+            <a:alphaModFix/>
+          </a:blip>
+          <a:stretch>
+            <a:fillRect/>
+          </a:stretch>
+        </p:blipFill>
+        <p:spPr>
+          <a:xfrm>
+            <a:off x="2971150" y="4264875"/>
+            <a:ext cx="3371850" cy="1438275"/>
+          </a:xfrm>
+          <a:prstGeom prst="rect">
+            <a:avLst/>
+          </a:prstGeom>
+          <a:noFill/>
+          <a:ln>
+            <a:noFill/>
+          </a:ln>
+        </p:spPr>
+      </p:pic>
+    </p:spTree>
+  </p:cSld>
+  <p:clrMapOvr>
+    <a:masterClrMapping/>
+  </p:clrMapOvr>
+</p:sld>
+</file>
+
+<file path=ppt/slides/slide12.xml><?xml version="1.0" encoding="utf-8"?>
+<p:sld xmlns:a="http://schemas.openxmlformats.org/drawingml/2006/main" xmlns:r="http://schemas.openxmlformats.org/officeDocument/2006/relationships" xmlns:mc="http://schemas.openxmlformats.org/markup-compatibility/2006" xmlns:mv="urn:schemas-microsoft-com:mac:vml" xmlns:p="http://schemas.openxmlformats.org/presentationml/2006/main" xmlns:c="http://schemas.openxmlformats.org/drawingml/2006/chart" xmlns:dgm="http://schemas.openxmlformats.org/drawingml/2006/diagram" xmlns:o="urn:schemas-microsoft-com:office:office" xmlns:v="urn:schemas-microsoft-com:vml" xmlns:pvml="urn:schemas-microsoft-com:office:powerpoint" xmlns:com="http://schemas.openxmlformats.org/drawingml/2006/compatibility" xmlns:p14="http://schemas.microsoft.com/office/powerpoint/2010/main" xmlns:p15="http://schemas.microsoft.com/office/powerpoint/2012/main" xmlns:ahyp="http://schemas.microsoft.com/office/drawing/2018/hyperlinkcolor">
+  <p:cSld>
+    <p:spTree>
+      <p:nvGrpSpPr>
+        <p:cNvPr id="155" name="Shape 155"/>
+        <p:cNvGrpSpPr/>
+        <p:nvPr/>
+      </p:nvGrpSpPr>
+      <p:grpSpPr>
+        <a:xfrm>
+          <a:off x="0" y="0"/>
+          <a:ext cx="0" cy="0"/>
+          <a:chOff x="0" y="0"/>
+          <a:chExt cx="0" cy="0"/>
+        </a:xfrm>
+      </p:grpSpPr>
+      <p:sp>
+        <p:nvSpPr>
+          <p:cNvPr id="156" name="Google Shape;156;g164b75e63d5_0_20"/>
+          <p:cNvSpPr txBox="1"/>
+          <p:nvPr>
+            <p:ph type="title"/>
+          </p:nvPr>
+        </p:nvSpPr>
+        <p:spPr>
+          <a:xfrm>
+            <a:off x="1141412" y="327514"/>
+            <a:ext cx="9906000" cy="1478700"/>
+          </a:xfrm>
+          <a:prstGeom prst="rect">
+            <a:avLst/>
+          </a:prstGeom>
+          <a:noFill/>
+          <a:ln>
+            <a:noFill/>
+          </a:ln>
+        </p:spPr>
+        <p:txBody>
+          <a:bodyPr anchorCtr="0" anchor="ctr" bIns="45700" lIns="91425" spcFirstLastPara="1" rIns="91425" wrap="square" tIns="45700">
+            <a:normAutofit/>
+          </a:bodyPr>
+          <a:lstStyle/>
+          <a:p>
+            <a:pPr indent="0" lvl="0" marL="0" rtl="0" algn="l">
+              <a:lnSpc>
+                <a:spcPct val="90000"/>
+              </a:lnSpc>
+              <a:spcBef>
+                <a:spcPts val="0"/>
+              </a:spcBef>
+              <a:spcAft>
+                <a:spcPts val="0"/>
+              </a:spcAft>
+              <a:buClr>
+                <a:schemeClr val="dk1"/>
+              </a:buClr>
+              <a:buSzPts val="3600"/>
+              <a:buFont typeface="Avenir"/>
+              <a:buNone/>
+            </a:pPr>
+            <a:r>
+              <a:rPr b="1" lang="en-US"/>
+              <a:t>C</a:t>
+            </a:r>
+            <a:r>
+              <a:rPr b="1" lang="en-US">
+                <a:latin typeface="Avenir"/>
+                <a:ea typeface="Avenir"/>
+                <a:cs typeface="Avenir"/>
+                <a:sym typeface="Avenir"/>
+              </a:rPr>
+              <a:t>ontrol </a:t>
+            </a:r>
+            <a:r>
+              <a:rPr b="1" lang="en-US"/>
+              <a:t>with uncertainty</a:t>
+            </a:r>
+            <a:endParaRPr b="1"/>
+          </a:p>
+        </p:txBody>
+      </p:sp>
+      <p:sp>
+        <p:nvSpPr>
+          <p:cNvPr id="157" name="Google Shape;157;g164b75e63d5_0_20"/>
+          <p:cNvSpPr txBox="1"/>
+          <p:nvPr/>
+        </p:nvSpPr>
+        <p:spPr>
+          <a:xfrm>
+            <a:off x="1322200" y="1772625"/>
+            <a:ext cx="9066600" cy="2416500"/>
+          </a:xfrm>
+          <a:prstGeom prst="rect">
+            <a:avLst/>
+          </a:prstGeom>
+          <a:noFill/>
+          <a:ln>
+            <a:noFill/>
+          </a:ln>
+        </p:spPr>
+        <p:txBody>
+          <a:bodyPr anchorCtr="0" anchor="t" bIns="91425" lIns="91425" spcFirstLastPara="1" rIns="91425" wrap="square" tIns="91425">
+            <a:spAutoFit/>
+          </a:bodyPr>
+          <a:lstStyle/>
+          <a:p>
+            <a:pPr indent="-406400" lvl="0" marL="457200" rtl="0" algn="l">
+              <a:spcBef>
+                <a:spcPts val="0"/>
+              </a:spcBef>
+              <a:spcAft>
+                <a:spcPts val="0"/>
+              </a:spcAft>
+              <a:buSzPts val="2800"/>
+              <a:buFont typeface="Twentieth Century"/>
+              <a:buChar char="-"/>
+            </a:pPr>
+            <a:r>
+              <a:rPr lang="en-US" sz="2900">
+                <a:latin typeface="Twentieth Century"/>
+                <a:ea typeface="Twentieth Century"/>
+                <a:cs typeface="Twentieth Century"/>
+                <a:sym typeface="Twentieth Century"/>
+              </a:rPr>
+              <a:t>State transition:</a:t>
+            </a:r>
+            <a:endParaRPr sz="2900">
+              <a:latin typeface="Twentieth Century"/>
+              <a:ea typeface="Twentieth Century"/>
+              <a:cs typeface="Twentieth Century"/>
+              <a:sym typeface="Twentieth Century"/>
+            </a:endParaRPr>
+          </a:p>
+          <a:p>
+            <a:pPr indent="0" lvl="0" marL="0" rtl="0" algn="l">
+              <a:spcBef>
+                <a:spcPts val="0"/>
+              </a:spcBef>
+              <a:spcAft>
+                <a:spcPts val="0"/>
+              </a:spcAft>
+              <a:buNone/>
+            </a:pPr>
+            <a:r>
+              <a:t/>
+            </a:r>
+            <a:endParaRPr sz="2900">
+              <a:latin typeface="Twentieth Century"/>
+              <a:ea typeface="Twentieth Century"/>
+              <a:cs typeface="Twentieth Century"/>
+              <a:sym typeface="Twentieth Century"/>
+            </a:endParaRPr>
+          </a:p>
+          <a:p>
+            <a:pPr indent="0" lvl="0" marL="0" rtl="0" algn="l">
+              <a:spcBef>
+                <a:spcPts val="0"/>
+              </a:spcBef>
+              <a:spcAft>
+                <a:spcPts val="0"/>
+              </a:spcAft>
+              <a:buNone/>
+            </a:pPr>
+            <a:r>
+              <a:t/>
+            </a:r>
+            <a:endParaRPr sz="2900">
+              <a:latin typeface="Twentieth Century"/>
+              <a:ea typeface="Twentieth Century"/>
+              <a:cs typeface="Twentieth Century"/>
+              <a:sym typeface="Twentieth Century"/>
+            </a:endParaRPr>
+          </a:p>
+          <a:p>
+            <a:pPr indent="0" lvl="0" marL="0" rtl="0" algn="l">
+              <a:spcBef>
+                <a:spcPts val="0"/>
+              </a:spcBef>
+              <a:spcAft>
+                <a:spcPts val="0"/>
+              </a:spcAft>
+              <a:buNone/>
+            </a:pPr>
+            <a:r>
+              <a:t/>
+            </a:r>
+            <a:endParaRPr sz="2900">
+              <a:latin typeface="Twentieth Century"/>
+              <a:ea typeface="Twentieth Century"/>
+              <a:cs typeface="Twentieth Century"/>
+              <a:sym typeface="Twentieth Century"/>
+            </a:endParaRPr>
+          </a:p>
+          <a:p>
+            <a:pPr indent="-412750" lvl="0" marL="457200" rtl="0" algn="l">
+              <a:spcBef>
+                <a:spcPts val="0"/>
+              </a:spcBef>
+              <a:spcAft>
+                <a:spcPts val="0"/>
+              </a:spcAft>
+              <a:buSzPts val="2900"/>
+              <a:buFont typeface="Twentieth Century"/>
+              <a:buChar char="-"/>
+            </a:pPr>
+            <a:r>
+              <a:rPr lang="en-US" sz="2900">
+                <a:latin typeface="Twentieth Century"/>
+                <a:ea typeface="Twentieth Century"/>
+                <a:cs typeface="Twentieth Century"/>
+                <a:sym typeface="Twentieth Century"/>
+              </a:rPr>
+              <a:t>Measurement:</a:t>
+            </a:r>
+            <a:endParaRPr sz="2900">
+              <a:latin typeface="Twentieth Century"/>
+              <a:ea typeface="Twentieth Century"/>
+              <a:cs typeface="Twentieth Century"/>
+              <a:sym typeface="Twentieth Century"/>
+            </a:endParaRPr>
+          </a:p>
+        </p:txBody>
+      </p:sp>
+      <p:pic>
+        <p:nvPicPr>
+          <p:cNvPr id="158" name="Google Shape;158;g164b75e63d5_0_20"/>
+          <p:cNvPicPr preferRelativeResize="0"/>
+          <p:nvPr/>
+        </p:nvPicPr>
+        <p:blipFill rotWithShape="1">
+          <a:blip r:embed="rId3">
+            <a:alphaModFix/>
+          </a:blip>
+          <a:srcRect b="37546" l="0" r="38529" t="0"/>
+          <a:stretch/>
+        </p:blipFill>
+        <p:spPr>
+          <a:xfrm>
+            <a:off x="2031975" y="2302125"/>
+            <a:ext cx="5349100" cy="923475"/>
+          </a:xfrm>
+          <a:prstGeom prst="rect">
+            <a:avLst/>
+          </a:prstGeom>
+          <a:noFill/>
+          <a:ln>
+            <a:noFill/>
+          </a:ln>
+        </p:spPr>
+      </p:pic>
+      <p:pic>
+        <p:nvPicPr>
+          <p:cNvPr id="159" name="Google Shape;159;g164b75e63d5_0_20"/>
+          <p:cNvPicPr preferRelativeResize="0"/>
+          <p:nvPr/>
+        </p:nvPicPr>
+        <p:blipFill>
+          <a:blip r:embed="rId4">
+            <a:alphaModFix/>
+          </a:blip>
+          <a:stretch>
+            <a:fillRect/>
+          </a:stretch>
+        </p:blipFill>
+        <p:spPr>
+          <a:xfrm>
+            <a:off x="2273750" y="4546050"/>
+            <a:ext cx="4219448" cy="923475"/>
+          </a:xfrm>
+          <a:prstGeom prst="rect">
+            <a:avLst/>
+          </a:prstGeom>
+          <a:noFill/>
+          <a:ln>
+            <a:noFill/>
+          </a:ln>
+        </p:spPr>
+      </p:pic>
+    </p:spTree>
+  </p:cSld>
+  <p:clrMapOvr>
+    <a:masterClrMapping/>
+  </p:clrMapOvr>
+</p:sld>
+</file>
+
+<file path=ppt/slides/slide13.xml><?xml version="1.0" encoding="utf-8"?>
+<p:sld xmlns:a="http://schemas.openxmlformats.org/drawingml/2006/main" xmlns:r="http://schemas.openxmlformats.org/officeDocument/2006/relationships" xmlns:mc="http://schemas.openxmlformats.org/markup-compatibility/2006" xmlns:mv="urn:schemas-microsoft-com:mac:vml" xmlns:p="http://schemas.openxmlformats.org/presentationml/2006/main" xmlns:c="http://schemas.openxmlformats.org/drawingml/2006/chart" xmlns:dgm="http://schemas.openxmlformats.org/drawingml/2006/diagram" xmlns:o="urn:schemas-microsoft-com:office:office" xmlns:v="urn:schemas-microsoft-com:vml" xmlns:pvml="urn:schemas-microsoft-com:office:powerpoint" xmlns:com="http://schemas.openxmlformats.org/drawingml/2006/compatibility" xmlns:p14="http://schemas.microsoft.com/office/powerpoint/2010/main" xmlns:p15="http://schemas.microsoft.com/office/powerpoint/2012/main" xmlns:ahyp="http://schemas.microsoft.com/office/drawing/2018/hyperlinkcolor">
+  <p:cSld>
+    <p:spTree>
+      <p:nvGrpSpPr>
+        <p:cNvPr id="163" name="Shape 163"/>
+        <p:cNvGrpSpPr/>
+        <p:nvPr/>
+      </p:nvGrpSpPr>
+      <p:grpSpPr>
+        <a:xfrm>
+          <a:off x="0" y="0"/>
+          <a:ext cx="0" cy="0"/>
+          <a:chOff x="0" y="0"/>
+          <a:chExt cx="0" cy="0"/>
+        </a:xfrm>
+      </p:grpSpPr>
+      <p:sp>
+        <p:nvSpPr>
+          <p:cNvPr id="164" name="Google Shape;164;g164b75e63d5_0_29"/>
+          <p:cNvSpPr txBox="1"/>
+          <p:nvPr>
+            <p:ph type="title"/>
+          </p:nvPr>
+        </p:nvSpPr>
+        <p:spPr>
+          <a:xfrm>
+            <a:off x="1141412" y="327514"/>
+            <a:ext cx="9906000" cy="1478700"/>
+          </a:xfrm>
+          <a:prstGeom prst="rect">
+            <a:avLst/>
+          </a:prstGeom>
+          <a:noFill/>
+          <a:ln>
+            <a:noFill/>
+          </a:ln>
+        </p:spPr>
+        <p:txBody>
+          <a:bodyPr anchorCtr="0" anchor="ctr" bIns="45700" lIns="91425" spcFirstLastPara="1" rIns="91425" wrap="square" tIns="45700">
+            <a:normAutofit/>
+          </a:bodyPr>
+          <a:lstStyle/>
+          <a:p>
+            <a:pPr indent="0" lvl="0" marL="0" rtl="0" algn="l">
+              <a:lnSpc>
+                <a:spcPct val="90000"/>
+              </a:lnSpc>
+              <a:spcBef>
+                <a:spcPts val="0"/>
+              </a:spcBef>
+              <a:spcAft>
+                <a:spcPts val="0"/>
+              </a:spcAft>
+              <a:buClr>
+                <a:schemeClr val="dk1"/>
+              </a:buClr>
+              <a:buSzPts val="3600"/>
+              <a:buFont typeface="Avenir"/>
+              <a:buNone/>
+            </a:pPr>
+            <a:r>
+              <a:rPr b="1" lang="en-US"/>
+              <a:t>Kalman filters</a:t>
+            </a:r>
+            <a:endParaRPr b="1"/>
+          </a:p>
+        </p:txBody>
+      </p:sp>
+      <p:sp>
+        <p:nvSpPr>
+          <p:cNvPr id="165" name="Google Shape;165;g164b75e63d5_0_29"/>
+          <p:cNvSpPr txBox="1"/>
+          <p:nvPr/>
+        </p:nvSpPr>
+        <p:spPr>
+          <a:xfrm>
+            <a:off x="1322200" y="1772625"/>
+            <a:ext cx="9066600" cy="2416500"/>
+          </a:xfrm>
+          <a:prstGeom prst="rect">
+            <a:avLst/>
+          </a:prstGeom>
+          <a:noFill/>
+          <a:ln>
+            <a:noFill/>
+          </a:ln>
+        </p:spPr>
+        <p:txBody>
+          <a:bodyPr anchorCtr="0" anchor="t" bIns="91425" lIns="91425" spcFirstLastPara="1" rIns="91425" wrap="square" tIns="91425">
+            <a:spAutoFit/>
+          </a:bodyPr>
+          <a:lstStyle/>
+          <a:p>
+            <a:pPr indent="-406400" lvl="0" marL="457200" rtl="0" algn="l">
+              <a:spcBef>
+                <a:spcPts val="0"/>
+              </a:spcBef>
+              <a:spcAft>
+                <a:spcPts val="0"/>
+              </a:spcAft>
+              <a:buSzPts val="2800"/>
+              <a:buFont typeface="Twentieth Century"/>
+              <a:buChar char="-"/>
+            </a:pPr>
+            <a:r>
+              <a:rPr lang="en-US" sz="2900">
+                <a:latin typeface="Twentieth Century"/>
+                <a:ea typeface="Twentieth Century"/>
+                <a:cs typeface="Twentieth Century"/>
+                <a:sym typeface="Twentieth Century"/>
+              </a:rPr>
+              <a:t>From noisy measurement</a:t>
+            </a:r>
+            <a:endParaRPr sz="2900">
+              <a:latin typeface="Twentieth Century"/>
+              <a:ea typeface="Twentieth Century"/>
+              <a:cs typeface="Twentieth Century"/>
+              <a:sym typeface="Twentieth Century"/>
+            </a:endParaRPr>
+          </a:p>
+          <a:p>
+            <a:pPr indent="0" lvl="0" marL="0" rtl="0" algn="l">
+              <a:spcBef>
+                <a:spcPts val="0"/>
+              </a:spcBef>
+              <a:spcAft>
+                <a:spcPts val="0"/>
+              </a:spcAft>
+              <a:buNone/>
+            </a:pPr>
+            <a:r>
+              <a:t/>
+            </a:r>
+            <a:endParaRPr sz="2900">
+              <a:latin typeface="Twentieth Century"/>
+              <a:ea typeface="Twentieth Century"/>
+              <a:cs typeface="Twentieth Century"/>
+              <a:sym typeface="Twentieth Century"/>
+            </a:endParaRPr>
+          </a:p>
+          <a:p>
+            <a:pPr indent="0" lvl="0" marL="0" rtl="0" algn="l">
+              <a:spcBef>
+                <a:spcPts val="0"/>
+              </a:spcBef>
+              <a:spcAft>
+                <a:spcPts val="0"/>
+              </a:spcAft>
+              <a:buNone/>
+            </a:pPr>
+            <a:r>
+              <a:t/>
+            </a:r>
+            <a:endParaRPr sz="2900">
+              <a:latin typeface="Twentieth Century"/>
+              <a:ea typeface="Twentieth Century"/>
+              <a:cs typeface="Twentieth Century"/>
+              <a:sym typeface="Twentieth Century"/>
+            </a:endParaRPr>
+          </a:p>
+          <a:p>
+            <a:pPr indent="0" lvl="0" marL="0" rtl="0" algn="l">
+              <a:spcBef>
+                <a:spcPts val="0"/>
+              </a:spcBef>
+              <a:spcAft>
+                <a:spcPts val="0"/>
+              </a:spcAft>
+              <a:buNone/>
+            </a:pPr>
+            <a:r>
+              <a:t/>
+            </a:r>
+            <a:endParaRPr sz="2900">
+              <a:latin typeface="Twentieth Century"/>
+              <a:ea typeface="Twentieth Century"/>
+              <a:cs typeface="Twentieth Century"/>
+              <a:sym typeface="Twentieth Century"/>
+            </a:endParaRPr>
+          </a:p>
+          <a:p>
+            <a:pPr indent="-412750" lvl="0" marL="457200" rtl="0" algn="l">
+              <a:spcBef>
+                <a:spcPts val="0"/>
+              </a:spcBef>
+              <a:spcAft>
+                <a:spcPts val="0"/>
+              </a:spcAft>
+              <a:buSzPts val="2900"/>
+              <a:buFont typeface="Twentieth Century"/>
+              <a:buChar char="-"/>
+            </a:pPr>
+            <a:r>
+              <a:rPr lang="en-US" sz="2900">
+                <a:latin typeface="Twentieth Century"/>
+                <a:ea typeface="Twentieth Century"/>
+                <a:cs typeface="Twentieth Century"/>
+                <a:sym typeface="Twentieth Century"/>
+              </a:rPr>
+              <a:t>To estimation of full state:</a:t>
+            </a:r>
+            <a:endParaRPr sz="2900">
+              <a:latin typeface="Twentieth Century"/>
+              <a:ea typeface="Twentieth Century"/>
+              <a:cs typeface="Twentieth Century"/>
+              <a:sym typeface="Twentieth Century"/>
+            </a:endParaRPr>
+          </a:p>
+        </p:txBody>
+      </p:sp>
+      <p:pic>
+        <p:nvPicPr>
+          <p:cNvPr id="166" name="Google Shape;166;g164b75e63d5_0_29"/>
+          <p:cNvPicPr preferRelativeResize="0"/>
+          <p:nvPr/>
+        </p:nvPicPr>
+        <p:blipFill>
+          <a:blip r:embed="rId3">
+            <a:alphaModFix/>
+          </a:blip>
+          <a:stretch>
+            <a:fillRect/>
+          </a:stretch>
+        </p:blipFill>
+        <p:spPr>
+          <a:xfrm>
+            <a:off x="2680575" y="2453775"/>
+            <a:ext cx="4219448" cy="923475"/>
+          </a:xfrm>
+          <a:prstGeom prst="rect">
+            <a:avLst/>
+          </a:prstGeom>
+          <a:noFill/>
+          <a:ln>
+            <a:noFill/>
+          </a:ln>
+        </p:spPr>
+      </p:pic>
+      <p:pic>
+        <p:nvPicPr>
+          <p:cNvPr id="167" name="Google Shape;167;g164b75e63d5_0_29"/>
+          <p:cNvPicPr preferRelativeResize="0"/>
+          <p:nvPr/>
+        </p:nvPicPr>
+        <p:blipFill>
+          <a:blip r:embed="rId4">
+            <a:alphaModFix/>
+          </a:blip>
+          <a:stretch>
+            <a:fillRect/>
+          </a:stretch>
+        </p:blipFill>
+        <p:spPr>
+          <a:xfrm>
+            <a:off x="2377950" y="4456925"/>
+            <a:ext cx="5067300" cy="885825"/>
+          </a:xfrm>
+          <a:prstGeom prst="rect">
+            <a:avLst/>
+          </a:prstGeom>
+          <a:noFill/>
+          <a:ln>
+            <a:noFill/>
+          </a:ln>
+        </p:spPr>
+      </p:pic>
+    </p:spTree>
+  </p:cSld>
+  <p:clrMapOvr>
+    <a:masterClrMapping/>
+  </p:clrMapOvr>
+</p:sld>
+</file>
+
+<file path=ppt/slides/slide14.xml><?xml version="1.0" encoding="utf-8"?>
+<p:sld xmlns:a="http://schemas.openxmlformats.org/drawingml/2006/main" xmlns:r="http://schemas.openxmlformats.org/officeDocument/2006/relationships" xmlns:mc="http://schemas.openxmlformats.org/markup-compatibility/2006" xmlns:mv="urn:schemas-microsoft-com:mac:vml" xmlns:p="http://schemas.openxmlformats.org/presentationml/2006/main" xmlns:c="http://schemas.openxmlformats.org/drawingml/2006/chart" xmlns:dgm="http://schemas.openxmlformats.org/drawingml/2006/diagram" xmlns:o="urn:schemas-microsoft-com:office:office" xmlns:v="urn:schemas-microsoft-com:vml" xmlns:pvml="urn:schemas-microsoft-com:office:powerpoint" xmlns:com="http://schemas.openxmlformats.org/drawingml/2006/compatibility" xmlns:p14="http://schemas.microsoft.com/office/powerpoint/2010/main" xmlns:p15="http://schemas.microsoft.com/office/powerpoint/2012/main" xmlns:ahyp="http://schemas.microsoft.com/office/drawing/2018/hyperlinkcolor">
+  <p:cSld>
+    <p:spTree>
+      <p:nvGrpSpPr>
+        <p:cNvPr id="171" name="Shape 171"/>
+        <p:cNvGrpSpPr/>
+        <p:nvPr/>
+      </p:nvGrpSpPr>
+      <p:grpSpPr>
+        <a:xfrm>
+          <a:off x="0" y="0"/>
+          <a:ext cx="0" cy="0"/>
+          <a:chOff x="0" y="0"/>
+          <a:chExt cx="0" cy="0"/>
+        </a:xfrm>
+      </p:grpSpPr>
+      <p:sp>
+        <p:nvSpPr>
+          <p:cNvPr id="172" name="Google Shape;172;g14aad64c473_0_0"/>
+          <p:cNvSpPr txBox="1"/>
+          <p:nvPr>
+            <p:ph type="title"/>
+          </p:nvPr>
+        </p:nvSpPr>
+        <p:spPr>
+          <a:xfrm>
+            <a:off x="1141412" y="327514"/>
+            <a:ext cx="9906000" cy="1478700"/>
+          </a:xfrm>
+          <a:prstGeom prst="rect">
+            <a:avLst/>
+          </a:prstGeom>
+          <a:noFill/>
+          <a:ln>
+            <a:noFill/>
+          </a:ln>
+        </p:spPr>
+        <p:txBody>
+          <a:bodyPr anchorCtr="0" anchor="ctr" bIns="45700" lIns="91425" spcFirstLastPara="1" rIns="91425" wrap="square" tIns="45700">
+            <a:normAutofit/>
+          </a:bodyPr>
+          <a:lstStyle/>
+          <a:p>
+            <a:pPr indent="0" lvl="0" marL="0" rtl="0" algn="l">
+              <a:lnSpc>
+                <a:spcPct val="90000"/>
+              </a:lnSpc>
+              <a:spcBef>
+                <a:spcPts val="0"/>
+              </a:spcBef>
+              <a:spcAft>
+                <a:spcPts val="0"/>
+              </a:spcAft>
+              <a:buClr>
+                <a:schemeClr val="dk1"/>
+              </a:buClr>
+              <a:buSzPts val="3600"/>
+              <a:buFont typeface="Avenir"/>
+              <a:buNone/>
+            </a:pPr>
+            <a:r>
+              <a:rPr b="1" lang="en-US"/>
+              <a:t>Closing the loop</a:t>
+            </a:r>
+            <a:endParaRPr b="1"/>
+          </a:p>
+        </p:txBody>
+      </p:sp>
+      <p:sp>
+        <p:nvSpPr>
+          <p:cNvPr id="173" name="Google Shape;173;g14aad64c473_0_0"/>
+          <p:cNvSpPr txBox="1"/>
+          <p:nvPr/>
+        </p:nvSpPr>
+        <p:spPr>
+          <a:xfrm>
+            <a:off x="1322200" y="1772625"/>
+            <a:ext cx="9066600" cy="2416500"/>
+          </a:xfrm>
+          <a:prstGeom prst="rect">
+            <a:avLst/>
+          </a:prstGeom>
+          <a:noFill/>
+          <a:ln>
+            <a:noFill/>
+          </a:ln>
+        </p:spPr>
+        <p:txBody>
+          <a:bodyPr anchorCtr="0" anchor="t" bIns="91425" lIns="91425" spcFirstLastPara="1" rIns="91425" wrap="square" tIns="91425">
+            <a:spAutoFit/>
+          </a:bodyPr>
+          <a:lstStyle/>
+          <a:p>
+            <a:pPr indent="-406400" lvl="0" marL="457200" rtl="0" algn="l">
+              <a:spcBef>
+                <a:spcPts val="0"/>
+              </a:spcBef>
+              <a:spcAft>
+                <a:spcPts val="0"/>
+              </a:spcAft>
+              <a:buSzPts val="2800"/>
+              <a:buFont typeface="Twentieth Century"/>
+              <a:buChar char="-"/>
+            </a:pPr>
+            <a:r>
+              <a:rPr lang="en-US" sz="2900">
+                <a:latin typeface="Twentieth Century"/>
+                <a:ea typeface="Twentieth Century"/>
+                <a:cs typeface="Twentieth Century"/>
+                <a:sym typeface="Twentieth Century"/>
+              </a:rPr>
+              <a:t>The control law</a:t>
+            </a:r>
+            <a:r>
+              <a:rPr lang="en-US" sz="2900">
+                <a:latin typeface="Twentieth Century"/>
+                <a:ea typeface="Twentieth Century"/>
+                <a:cs typeface="Twentieth Century"/>
+                <a:sym typeface="Twentieth Century"/>
+              </a:rPr>
+              <a:t>:</a:t>
+            </a:r>
+            <a:endParaRPr sz="2900">
+              <a:latin typeface="Twentieth Century"/>
+              <a:ea typeface="Twentieth Century"/>
+              <a:cs typeface="Twentieth Century"/>
+              <a:sym typeface="Twentieth Century"/>
+            </a:endParaRPr>
+          </a:p>
+          <a:p>
+            <a:pPr indent="0" lvl="0" marL="0" rtl="0" algn="l">
+              <a:spcBef>
+                <a:spcPts val="0"/>
+              </a:spcBef>
+              <a:spcAft>
+                <a:spcPts val="0"/>
+              </a:spcAft>
+              <a:buNone/>
+            </a:pPr>
+            <a:r>
+              <a:t/>
+            </a:r>
+            <a:endParaRPr sz="2900">
+              <a:latin typeface="Twentieth Century"/>
+              <a:ea typeface="Twentieth Century"/>
+              <a:cs typeface="Twentieth Century"/>
+              <a:sym typeface="Twentieth Century"/>
+            </a:endParaRPr>
+          </a:p>
+          <a:p>
+            <a:pPr indent="0" lvl="0" marL="0" rtl="0" algn="l">
+              <a:spcBef>
+                <a:spcPts val="0"/>
+              </a:spcBef>
+              <a:spcAft>
+                <a:spcPts val="0"/>
+              </a:spcAft>
+              <a:buNone/>
+            </a:pPr>
+            <a:r>
+              <a:t/>
+            </a:r>
+            <a:endParaRPr sz="2900">
+              <a:latin typeface="Twentieth Century"/>
+              <a:ea typeface="Twentieth Century"/>
+              <a:cs typeface="Twentieth Century"/>
+              <a:sym typeface="Twentieth Century"/>
+            </a:endParaRPr>
+          </a:p>
+          <a:p>
+            <a:pPr indent="0" lvl="0" marL="0" rtl="0" algn="l">
+              <a:spcBef>
+                <a:spcPts val="0"/>
+              </a:spcBef>
+              <a:spcAft>
+                <a:spcPts val="0"/>
+              </a:spcAft>
+              <a:buNone/>
+            </a:pPr>
+            <a:r>
+              <a:t/>
+            </a:r>
+            <a:endParaRPr sz="2900">
+              <a:latin typeface="Twentieth Century"/>
+              <a:ea typeface="Twentieth Century"/>
+              <a:cs typeface="Twentieth Century"/>
+              <a:sym typeface="Twentieth Century"/>
+            </a:endParaRPr>
+          </a:p>
+          <a:p>
+            <a:pPr indent="0" lvl="0" marL="0" rtl="0" algn="l">
+              <a:spcBef>
+                <a:spcPts val="0"/>
+              </a:spcBef>
+              <a:spcAft>
+                <a:spcPts val="0"/>
+              </a:spcAft>
+              <a:buNone/>
+            </a:pPr>
+            <a:r>
+              <a:t/>
+            </a:r>
+            <a:endParaRPr sz="2900">
+              <a:latin typeface="Twentieth Century"/>
+              <a:ea typeface="Twentieth Century"/>
+              <a:cs typeface="Twentieth Century"/>
+              <a:sym typeface="Twentieth Century"/>
+            </a:endParaRPr>
+          </a:p>
+        </p:txBody>
+      </p:sp>
+      <p:pic>
+        <p:nvPicPr>
+          <p:cNvPr id="174" name="Google Shape;174;g14aad64c473_0_0"/>
+          <p:cNvPicPr preferRelativeResize="0"/>
+          <p:nvPr/>
+        </p:nvPicPr>
+        <p:blipFill>
+          <a:blip r:embed="rId3">
+            <a:alphaModFix/>
+          </a:blip>
+          <a:stretch>
+            <a:fillRect/>
+          </a:stretch>
+        </p:blipFill>
+        <p:spPr>
+          <a:xfrm>
+            <a:off x="2738675" y="3005157"/>
+            <a:ext cx="3006650" cy="1324700"/>
+          </a:xfrm>
+          <a:prstGeom prst="rect">
+            <a:avLst/>
+          </a:prstGeom>
+          <a:noFill/>
+          <a:ln>
+            <a:noFill/>
+          </a:ln>
+        </p:spPr>
+      </p:pic>
+    </p:spTree>
+  </p:cSld>
+  <p:clrMapOvr>
+    <a:masterClrMapping/>
+  </p:clrMapOvr>
+</p:sld>
+</file>
+
+<file path=ppt/slides/slide15.xml><?xml version="1.0" encoding="utf-8"?>
+<p:sld xmlns:a="http://schemas.openxmlformats.org/drawingml/2006/main" xmlns:r="http://schemas.openxmlformats.org/officeDocument/2006/relationships" xmlns:mc="http://schemas.openxmlformats.org/markup-compatibility/2006" xmlns:mv="urn:schemas-microsoft-com:mac:vml" xmlns:p="http://schemas.openxmlformats.org/presentationml/2006/main" xmlns:c="http://schemas.openxmlformats.org/drawingml/2006/chart" xmlns:dgm="http://schemas.openxmlformats.org/drawingml/2006/diagram" xmlns:o="urn:schemas-microsoft-com:office:office" xmlns:v="urn:schemas-microsoft-com:vml" xmlns:pvml="urn:schemas-microsoft-com:office:powerpoint" xmlns:com="http://schemas.openxmlformats.org/drawingml/2006/compatibility" xmlns:p14="http://schemas.microsoft.com/office/powerpoint/2010/main" xmlns:p15="http://schemas.microsoft.com/office/powerpoint/2012/main" xmlns:ahyp="http://schemas.microsoft.com/office/drawing/2018/hyperlinkcolor">
+  <p:cSld>
+    <p:spTree>
+      <p:nvGrpSpPr>
+        <p:cNvPr id="178" name="Shape 178"/>
+        <p:cNvGrpSpPr/>
+        <p:nvPr/>
+      </p:nvGrpSpPr>
+      <p:grpSpPr>
+        <a:xfrm>
+          <a:off x="0" y="0"/>
+          <a:ext cx="0" cy="0"/>
+          <a:chOff x="0" y="0"/>
+          <a:chExt cx="0" cy="0"/>
+        </a:xfrm>
+      </p:grpSpPr>
+      <p:sp>
+        <p:nvSpPr>
+          <p:cNvPr id="179" name="Google Shape;179;g14aad64c473_0_11"/>
+          <p:cNvSpPr txBox="1"/>
+          <p:nvPr>
+            <p:ph type="title"/>
+          </p:nvPr>
+        </p:nvSpPr>
+        <p:spPr>
+          <a:xfrm>
+            <a:off x="1141412" y="327514"/>
+            <a:ext cx="9906000" cy="1478700"/>
+          </a:xfrm>
+          <a:prstGeom prst="rect">
+            <a:avLst/>
+          </a:prstGeom>
+          <a:noFill/>
+          <a:ln>
+            <a:noFill/>
+          </a:ln>
+        </p:spPr>
+        <p:txBody>
+          <a:bodyPr anchorCtr="0" anchor="ctr" bIns="45700" lIns="91425" spcFirstLastPara="1" rIns="91425" wrap="square" tIns="45700">
+            <a:normAutofit/>
+          </a:bodyPr>
+          <a:lstStyle/>
+          <a:p>
+            <a:pPr indent="0" lvl="0" marL="0" rtl="0" algn="l">
+              <a:lnSpc>
+                <a:spcPct val="90000"/>
+              </a:lnSpc>
+              <a:spcBef>
+                <a:spcPts val="0"/>
+              </a:spcBef>
+              <a:spcAft>
+                <a:spcPts val="0"/>
+              </a:spcAft>
+              <a:buClr>
+                <a:schemeClr val="dk1"/>
+              </a:buClr>
+              <a:buSzPts val="3600"/>
+              <a:buFont typeface="Avenir"/>
+              <a:buNone/>
+            </a:pPr>
+            <a:r>
+              <a:rPr b="1" lang="en-US"/>
+              <a:t>Objectives</a:t>
+            </a:r>
+            <a:endParaRPr b="1"/>
+          </a:p>
+        </p:txBody>
+      </p:sp>
+      <p:sp>
+        <p:nvSpPr>
+          <p:cNvPr id="180" name="Google Shape;180;g14aad64c473_0_11"/>
+          <p:cNvSpPr txBox="1"/>
+          <p:nvPr/>
+        </p:nvSpPr>
+        <p:spPr>
+          <a:xfrm>
+            <a:off x="1322200" y="1772625"/>
+            <a:ext cx="9066600" cy="3755700"/>
+          </a:xfrm>
+          <a:prstGeom prst="rect">
+            <a:avLst/>
+          </a:prstGeom>
+          <a:noFill/>
+          <a:ln>
+            <a:noFill/>
+          </a:ln>
+        </p:spPr>
+        <p:txBody>
+          <a:bodyPr anchorCtr="0" anchor="t" bIns="91425" lIns="91425" spcFirstLastPara="1" rIns="91425" wrap="square" tIns="91425">
+            <a:spAutoFit/>
+          </a:bodyPr>
+          <a:lstStyle/>
+          <a:p>
+            <a:pPr indent="-406400" lvl="0" marL="457200" rtl="0" algn="l">
+              <a:spcBef>
+                <a:spcPts val="0"/>
+              </a:spcBef>
+              <a:spcAft>
+                <a:spcPts val="0"/>
+              </a:spcAft>
+              <a:buSzPts val="2800"/>
+              <a:buFont typeface="Twentieth Century"/>
+              <a:buChar char="-"/>
+            </a:pPr>
+            <a:r>
+              <a:rPr lang="en-US" sz="2900">
+                <a:latin typeface="Twentieth Century"/>
+                <a:ea typeface="Twentieth Century"/>
+                <a:cs typeface="Twentieth Century"/>
+                <a:sym typeface="Twentieth Century"/>
+              </a:rPr>
+              <a:t>Target state deviation(e.g. thermostat):</a:t>
+            </a:r>
+            <a:endParaRPr sz="2900">
+              <a:latin typeface="Twentieth Century"/>
+              <a:ea typeface="Twentieth Century"/>
+              <a:cs typeface="Twentieth Century"/>
+              <a:sym typeface="Twentieth Century"/>
+            </a:endParaRPr>
+          </a:p>
+          <a:p>
+            <a:pPr indent="0" lvl="0" marL="0" rtl="0" algn="l">
+              <a:spcBef>
+                <a:spcPts val="0"/>
+              </a:spcBef>
+              <a:spcAft>
+                <a:spcPts val="0"/>
+              </a:spcAft>
+              <a:buNone/>
+            </a:pPr>
+            <a:r>
+              <a:t/>
+            </a:r>
+            <a:endParaRPr sz="2900">
+              <a:latin typeface="Twentieth Century"/>
+              <a:ea typeface="Twentieth Century"/>
+              <a:cs typeface="Twentieth Century"/>
+              <a:sym typeface="Twentieth Century"/>
+            </a:endParaRPr>
+          </a:p>
+          <a:p>
+            <a:pPr indent="0" lvl="0" marL="0" rtl="0" algn="l">
+              <a:spcBef>
+                <a:spcPts val="0"/>
+              </a:spcBef>
+              <a:spcAft>
+                <a:spcPts val="0"/>
+              </a:spcAft>
+              <a:buNone/>
+            </a:pPr>
+            <a:r>
+              <a:t/>
+            </a:r>
+            <a:endParaRPr sz="2900">
+              <a:latin typeface="Twentieth Century"/>
+              <a:ea typeface="Twentieth Century"/>
+              <a:cs typeface="Twentieth Century"/>
+              <a:sym typeface="Twentieth Century"/>
+            </a:endParaRPr>
+          </a:p>
+          <a:p>
+            <a:pPr indent="-412750" lvl="0" marL="457200" rtl="0" algn="l">
+              <a:spcBef>
+                <a:spcPts val="0"/>
+              </a:spcBef>
+              <a:spcAft>
+                <a:spcPts val="0"/>
+              </a:spcAft>
+              <a:buSzPts val="2900"/>
+              <a:buFont typeface="Twentieth Century"/>
+              <a:buChar char="-"/>
+            </a:pPr>
+            <a:r>
+              <a:rPr lang="en-US" sz="2900">
+                <a:latin typeface="Twentieth Century"/>
+                <a:ea typeface="Twentieth Century"/>
+                <a:cs typeface="Twentieth Century"/>
+                <a:sym typeface="Twentieth Century"/>
+              </a:rPr>
+              <a:t>Integral cost(e.g. fuel consumption): </a:t>
+            </a:r>
+            <a:endParaRPr sz="2900">
+              <a:latin typeface="Twentieth Century"/>
+              <a:ea typeface="Twentieth Century"/>
+              <a:cs typeface="Twentieth Century"/>
+              <a:sym typeface="Twentieth Century"/>
+            </a:endParaRPr>
+          </a:p>
+          <a:p>
+            <a:pPr indent="0" lvl="0" marL="0" rtl="0" algn="l">
+              <a:spcBef>
+                <a:spcPts val="0"/>
+              </a:spcBef>
+              <a:spcAft>
+                <a:spcPts val="0"/>
+              </a:spcAft>
+              <a:buNone/>
+            </a:pPr>
+            <a:r>
+              <a:t/>
+            </a:r>
+            <a:endParaRPr sz="2900">
+              <a:latin typeface="Twentieth Century"/>
+              <a:ea typeface="Twentieth Century"/>
+              <a:cs typeface="Twentieth Century"/>
+              <a:sym typeface="Twentieth Century"/>
+            </a:endParaRPr>
+          </a:p>
+          <a:p>
+            <a:pPr indent="0" lvl="0" marL="0" rtl="0" algn="l">
+              <a:spcBef>
+                <a:spcPts val="0"/>
+              </a:spcBef>
+              <a:spcAft>
+                <a:spcPts val="0"/>
+              </a:spcAft>
+              <a:buNone/>
+            </a:pPr>
+            <a:r>
+              <a:t/>
+            </a:r>
+            <a:endParaRPr sz="2900">
+              <a:latin typeface="Twentieth Century"/>
+              <a:ea typeface="Twentieth Century"/>
+              <a:cs typeface="Twentieth Century"/>
+              <a:sym typeface="Twentieth Century"/>
+            </a:endParaRPr>
+          </a:p>
+          <a:p>
+            <a:pPr indent="0" lvl="0" marL="0" rtl="0" algn="l">
+              <a:spcBef>
+                <a:spcPts val="0"/>
+              </a:spcBef>
+              <a:spcAft>
+                <a:spcPts val="0"/>
+              </a:spcAft>
+              <a:buNone/>
+            </a:pPr>
+            <a:r>
+              <a:t/>
+            </a:r>
+            <a:endParaRPr sz="2900">
+              <a:latin typeface="Twentieth Century"/>
+              <a:ea typeface="Twentieth Century"/>
+              <a:cs typeface="Twentieth Century"/>
+              <a:sym typeface="Twentieth Century"/>
+            </a:endParaRPr>
+          </a:p>
+          <a:p>
+            <a:pPr indent="0" lvl="0" marL="0" rtl="0" algn="l">
+              <a:spcBef>
+                <a:spcPts val="0"/>
+              </a:spcBef>
+              <a:spcAft>
+                <a:spcPts val="0"/>
+              </a:spcAft>
+              <a:buNone/>
+            </a:pPr>
+            <a:r>
+              <a:t/>
+            </a:r>
+            <a:endParaRPr sz="2900">
+              <a:latin typeface="Twentieth Century"/>
+              <a:ea typeface="Twentieth Century"/>
+              <a:cs typeface="Twentieth Century"/>
+              <a:sym typeface="Twentieth Century"/>
+            </a:endParaRPr>
+          </a:p>
+        </p:txBody>
+      </p:sp>
+      <p:pic>
+        <p:nvPicPr>
+          <p:cNvPr id="181" name="Google Shape;181;g14aad64c473_0_11"/>
+          <p:cNvPicPr preferRelativeResize="0"/>
+          <p:nvPr/>
+        </p:nvPicPr>
+        <p:blipFill>
+          <a:blip r:embed="rId3">
+            <a:alphaModFix/>
+          </a:blip>
+          <a:stretch>
+            <a:fillRect/>
+          </a:stretch>
+        </p:blipFill>
+        <p:spPr>
+          <a:xfrm>
+            <a:off x="3070350" y="2528125"/>
+            <a:ext cx="1943100" cy="762000"/>
+          </a:xfrm>
+          <a:prstGeom prst="rect">
+            <a:avLst/>
+          </a:prstGeom>
+          <a:noFill/>
+          <a:ln>
+            <a:noFill/>
+          </a:ln>
+        </p:spPr>
+      </p:pic>
+      <p:pic>
+        <p:nvPicPr>
+          <p:cNvPr id="182" name="Google Shape;182;g14aad64c473_0_11"/>
+          <p:cNvPicPr preferRelativeResize="0"/>
+          <p:nvPr/>
+        </p:nvPicPr>
+        <p:blipFill>
+          <a:blip r:embed="rId4">
+            <a:alphaModFix/>
+          </a:blip>
+          <a:stretch>
+            <a:fillRect/>
+          </a:stretch>
+        </p:blipFill>
+        <p:spPr>
+          <a:xfrm>
+            <a:off x="3564925" y="4114600"/>
+            <a:ext cx="2669150" cy="929975"/>
+          </a:xfrm>
+          <a:prstGeom prst="rect">
+            <a:avLst/>
+          </a:prstGeom>
+          <a:noFill/>
+          <a:ln>
+            <a:noFill/>
+          </a:ln>
+        </p:spPr>
+      </p:pic>
+    </p:spTree>
+  </p:cSld>
+  <p:clrMapOvr>
+    <a:masterClrMapping/>
+  </p:clrMapOvr>
+</p:sld>
+</file>
+
+<file path=ppt/slides/slide16.xml><?xml version="1.0" encoding="utf-8"?>
+<p:sld xmlns:a="http://schemas.openxmlformats.org/drawingml/2006/main" xmlns:r="http://schemas.openxmlformats.org/officeDocument/2006/relationships" xmlns:mc="http://schemas.openxmlformats.org/markup-compatibility/2006" xmlns:mv="urn:schemas-microsoft-com:mac:vml" xmlns:p="http://schemas.openxmlformats.org/presentationml/2006/main" xmlns:c="http://schemas.openxmlformats.org/drawingml/2006/chart" xmlns:dgm="http://schemas.openxmlformats.org/drawingml/2006/diagram" xmlns:o="urn:schemas-microsoft-com:office:office" xmlns:v="urn:schemas-microsoft-com:vml" xmlns:pvml="urn:schemas-microsoft-com:office:powerpoint" xmlns:com="http://schemas.openxmlformats.org/drawingml/2006/compatibility" xmlns:p14="http://schemas.microsoft.com/office/powerpoint/2010/main" xmlns:p15="http://schemas.microsoft.com/office/powerpoint/2012/main" xmlns:ahyp="http://schemas.microsoft.com/office/drawing/2018/hyperlinkcolor">
+  <p:cSld>
+    <p:spTree>
+      <p:nvGrpSpPr>
+        <p:cNvPr id="186" name="Shape 186"/>
+        <p:cNvGrpSpPr/>
+        <p:nvPr/>
+      </p:nvGrpSpPr>
+      <p:grpSpPr>
+        <a:xfrm>
+          <a:off x="0" y="0"/>
+          <a:ext cx="0" cy="0"/>
+          <a:chOff x="0" y="0"/>
+          <a:chExt cx="0" cy="0"/>
+        </a:xfrm>
+      </p:grpSpPr>
+      <p:sp>
+        <p:nvSpPr>
+          <p:cNvPr id="187" name="Google Shape;187;g14aad64c473_0_19"/>
+          <p:cNvSpPr txBox="1"/>
+          <p:nvPr>
+            <p:ph type="title"/>
+          </p:nvPr>
+        </p:nvSpPr>
+        <p:spPr>
+          <a:xfrm>
+            <a:off x="1141412" y="327514"/>
+            <a:ext cx="9906000" cy="1478700"/>
+          </a:xfrm>
+          <a:prstGeom prst="rect">
+            <a:avLst/>
+          </a:prstGeom>
+          <a:noFill/>
+          <a:ln>
+            <a:noFill/>
+          </a:ln>
+        </p:spPr>
+        <p:txBody>
+          <a:bodyPr anchorCtr="0" anchor="ctr" bIns="45700" lIns="91425" spcFirstLastPara="1" rIns="91425" wrap="square" tIns="45700">
+            <a:normAutofit/>
+          </a:bodyPr>
+          <a:lstStyle/>
+          <a:p>
+            <a:pPr indent="0" lvl="0" marL="0" rtl="0" algn="l">
+              <a:lnSpc>
+                <a:spcPct val="90000"/>
+              </a:lnSpc>
+              <a:spcBef>
+                <a:spcPts val="0"/>
+              </a:spcBef>
+              <a:spcAft>
+                <a:spcPts val="0"/>
+              </a:spcAft>
+              <a:buClr>
+                <a:schemeClr val="dk1"/>
+              </a:buClr>
+              <a:buSzPts val="3600"/>
+              <a:buFont typeface="Avenir"/>
+              <a:buNone/>
+            </a:pPr>
+            <a:r>
+              <a:rPr b="1" lang="en-US"/>
+              <a:t>Inverted Pendulum</a:t>
+            </a:r>
+            <a:endParaRPr b="1"/>
+          </a:p>
+        </p:txBody>
+      </p:sp>
+      <p:sp>
+        <p:nvSpPr>
+          <p:cNvPr id="188" name="Google Shape;188;g14aad64c473_0_19"/>
+          <p:cNvSpPr txBox="1"/>
+          <p:nvPr/>
+        </p:nvSpPr>
+        <p:spPr>
+          <a:xfrm>
+            <a:off x="1322200" y="1772625"/>
+            <a:ext cx="9066600" cy="2416500"/>
+          </a:xfrm>
+          <a:prstGeom prst="rect">
+            <a:avLst/>
+          </a:prstGeom>
+          <a:noFill/>
+          <a:ln>
+            <a:noFill/>
+          </a:ln>
+        </p:spPr>
+        <p:txBody>
+          <a:bodyPr anchorCtr="0" anchor="t" bIns="91425" lIns="91425" spcFirstLastPara="1" rIns="91425" wrap="square" tIns="91425">
+            <a:spAutoFit/>
+          </a:bodyPr>
+          <a:lstStyle/>
+          <a:p>
+            <a:pPr indent="0" lvl="0" marL="457200" rtl="0" algn="l">
+              <a:spcBef>
+                <a:spcPts val="0"/>
+              </a:spcBef>
+              <a:spcAft>
+                <a:spcPts val="0"/>
+              </a:spcAft>
+              <a:buNone/>
+            </a:pPr>
+            <a:r>
+              <a:t/>
+            </a:r>
+            <a:endParaRPr sz="2900">
+              <a:latin typeface="Twentieth Century"/>
+              <a:ea typeface="Twentieth Century"/>
+              <a:cs typeface="Twentieth Century"/>
+              <a:sym typeface="Twentieth Century"/>
+            </a:endParaRPr>
+          </a:p>
+          <a:p>
+            <a:pPr indent="0" lvl="0" marL="0" rtl="0" algn="l">
+              <a:spcBef>
+                <a:spcPts val="0"/>
+              </a:spcBef>
+              <a:spcAft>
+                <a:spcPts val="0"/>
+              </a:spcAft>
+              <a:buNone/>
+            </a:pPr>
+            <a:r>
+              <a:t/>
+            </a:r>
+            <a:endParaRPr sz="2900">
+              <a:latin typeface="Twentieth Century"/>
+              <a:ea typeface="Twentieth Century"/>
+              <a:cs typeface="Twentieth Century"/>
+              <a:sym typeface="Twentieth Century"/>
+            </a:endParaRPr>
+          </a:p>
+          <a:p>
+            <a:pPr indent="0" lvl="0" marL="0" rtl="0" algn="l">
+              <a:spcBef>
+                <a:spcPts val="0"/>
+              </a:spcBef>
+              <a:spcAft>
+                <a:spcPts val="0"/>
+              </a:spcAft>
+              <a:buNone/>
+            </a:pPr>
+            <a:r>
+              <a:t/>
+            </a:r>
+            <a:endParaRPr sz="2900">
+              <a:latin typeface="Twentieth Century"/>
+              <a:ea typeface="Twentieth Century"/>
+              <a:cs typeface="Twentieth Century"/>
+              <a:sym typeface="Twentieth Century"/>
+            </a:endParaRPr>
+          </a:p>
+          <a:p>
+            <a:pPr indent="0" lvl="0" marL="0" rtl="0" algn="l">
+              <a:spcBef>
+                <a:spcPts val="0"/>
+              </a:spcBef>
+              <a:spcAft>
+                <a:spcPts val="0"/>
+              </a:spcAft>
+              <a:buNone/>
+            </a:pPr>
+            <a:r>
+              <a:t/>
+            </a:r>
+            <a:endParaRPr sz="2900">
+              <a:latin typeface="Twentieth Century"/>
+              <a:ea typeface="Twentieth Century"/>
+              <a:cs typeface="Twentieth Century"/>
+              <a:sym typeface="Twentieth Century"/>
+            </a:endParaRPr>
+          </a:p>
+          <a:p>
+            <a:pPr indent="0" lvl="0" marL="0" rtl="0" algn="l">
+              <a:spcBef>
+                <a:spcPts val="0"/>
+              </a:spcBef>
+              <a:spcAft>
+                <a:spcPts val="0"/>
+              </a:spcAft>
+              <a:buNone/>
+            </a:pPr>
+            <a:r>
+              <a:t/>
+            </a:r>
+            <a:endParaRPr sz="2900">
+              <a:latin typeface="Twentieth Century"/>
+              <a:ea typeface="Twentieth Century"/>
+              <a:cs typeface="Twentieth Century"/>
+              <a:sym typeface="Twentieth Century"/>
+            </a:endParaRPr>
+          </a:p>
+        </p:txBody>
+      </p:sp>
+      <p:pic>
+        <p:nvPicPr>
+          <p:cNvPr id="189" name="Google Shape;189;g14aad64c473_0_19"/>
+          <p:cNvPicPr preferRelativeResize="0"/>
+          <p:nvPr/>
+        </p:nvPicPr>
+        <p:blipFill>
+          <a:blip r:embed="rId3">
+            <a:alphaModFix/>
+          </a:blip>
+          <a:stretch>
+            <a:fillRect/>
+          </a:stretch>
+        </p:blipFill>
+        <p:spPr>
+          <a:xfrm>
+            <a:off x="3944100" y="2330300"/>
+            <a:ext cx="3045775" cy="3350350"/>
+          </a:xfrm>
+          <a:prstGeom prst="rect">
+            <a:avLst/>
+          </a:prstGeom>
+          <a:noFill/>
+          <a:ln>
+            <a:noFill/>
+          </a:ln>
+        </p:spPr>
+      </p:pic>
+    </p:spTree>
+  </p:cSld>
+  <p:clrMapOvr>
+    <a:masterClrMapping/>
+  </p:clrMapOvr>
+</p:sld>
+</file>
+
+<file path=ppt/slides/slide17.xml><?xml version="1.0" encoding="utf-8"?>
+<p:sld xmlns:a="http://schemas.openxmlformats.org/drawingml/2006/main" xmlns:r="http://schemas.openxmlformats.org/officeDocument/2006/relationships" xmlns:mc="http://schemas.openxmlformats.org/markup-compatibility/2006" xmlns:mv="urn:schemas-microsoft-com:mac:vml" xmlns:p="http://schemas.openxmlformats.org/presentationml/2006/main" xmlns:c="http://schemas.openxmlformats.org/drawingml/2006/chart" xmlns:dgm="http://schemas.openxmlformats.org/drawingml/2006/diagram" xmlns:o="urn:schemas-microsoft-com:office:office" xmlns:v="urn:schemas-microsoft-com:vml" xmlns:pvml="urn:schemas-microsoft-com:office:powerpoint" xmlns:com="http://schemas.openxmlformats.org/drawingml/2006/compatibility" xmlns:p14="http://schemas.microsoft.com/office/powerpoint/2010/main" xmlns:p15="http://schemas.microsoft.com/office/powerpoint/2012/main" xmlns:ahyp="http://schemas.microsoft.com/office/drawing/2018/hyperlinkcolor">
+  <p:cSld>
+    <p:spTree>
+      <p:nvGrpSpPr>
+        <p:cNvPr id="193" name="Shape 193"/>
+        <p:cNvGrpSpPr/>
+        <p:nvPr/>
+      </p:nvGrpSpPr>
+      <p:grpSpPr>
+        <a:xfrm>
+          <a:off x="0" y="0"/>
+          <a:ext cx="0" cy="0"/>
+          <a:chOff x="0" y="0"/>
+          <a:chExt cx="0" cy="0"/>
+        </a:xfrm>
+      </p:grpSpPr>
+      <p:sp>
+        <p:nvSpPr>
+          <p:cNvPr id="194" name="Google Shape;194;g14aad64c473_0_27"/>
+          <p:cNvSpPr txBox="1"/>
+          <p:nvPr>
+            <p:ph type="title"/>
+          </p:nvPr>
+        </p:nvSpPr>
+        <p:spPr>
+          <a:xfrm>
+            <a:off x="1141412" y="327514"/>
+            <a:ext cx="9906000" cy="1478700"/>
+          </a:xfrm>
+          <a:prstGeom prst="rect">
+            <a:avLst/>
+          </a:prstGeom>
+          <a:noFill/>
+          <a:ln>
+            <a:noFill/>
+          </a:ln>
+        </p:spPr>
+        <p:txBody>
+          <a:bodyPr anchorCtr="0" anchor="ctr" bIns="45700" lIns="91425" spcFirstLastPara="1" rIns="91425" wrap="square" tIns="45700">
+            <a:normAutofit/>
+          </a:bodyPr>
+          <a:lstStyle/>
+          <a:p>
+            <a:pPr indent="0" lvl="0" marL="0" rtl="0" algn="l">
+              <a:lnSpc>
+                <a:spcPct val="90000"/>
+              </a:lnSpc>
+              <a:spcBef>
+                <a:spcPts val="0"/>
+              </a:spcBef>
+              <a:spcAft>
+                <a:spcPts val="0"/>
+              </a:spcAft>
+              <a:buClr>
+                <a:schemeClr val="dk1"/>
+              </a:buClr>
+              <a:buSzPts val="3600"/>
+              <a:buFont typeface="Avenir"/>
+              <a:buNone/>
+            </a:pPr>
+            <a:r>
+              <a:rPr b="1" lang="en-US"/>
+              <a:t>Inverted Pendulum</a:t>
+            </a:r>
+            <a:endParaRPr b="1"/>
+          </a:p>
+        </p:txBody>
+      </p:sp>
+      <p:sp>
+        <p:nvSpPr>
+          <p:cNvPr id="195" name="Google Shape;195;g14aad64c473_0_27"/>
+          <p:cNvSpPr txBox="1"/>
+          <p:nvPr/>
+        </p:nvSpPr>
+        <p:spPr>
+          <a:xfrm>
+            <a:off x="1322200" y="1772625"/>
+            <a:ext cx="9066600" cy="2416500"/>
+          </a:xfrm>
+          <a:prstGeom prst="rect">
+            <a:avLst/>
+          </a:prstGeom>
+          <a:noFill/>
+          <a:ln>
+            <a:noFill/>
+          </a:ln>
+        </p:spPr>
+        <p:txBody>
+          <a:bodyPr anchorCtr="0" anchor="t" bIns="91425" lIns="91425" spcFirstLastPara="1" rIns="91425" wrap="square" tIns="91425">
+            <a:spAutoFit/>
+          </a:bodyPr>
+          <a:lstStyle/>
+          <a:p>
+            <a:pPr indent="0" lvl="0" marL="457200" rtl="0" algn="l">
+              <a:spcBef>
+                <a:spcPts val="0"/>
+              </a:spcBef>
+              <a:spcAft>
+                <a:spcPts val="0"/>
+              </a:spcAft>
+              <a:buNone/>
+            </a:pPr>
+            <a:r>
+              <a:t/>
+            </a:r>
+            <a:endParaRPr sz="2900">
+              <a:latin typeface="Twentieth Century"/>
+              <a:ea typeface="Twentieth Century"/>
+              <a:cs typeface="Twentieth Century"/>
+              <a:sym typeface="Twentieth Century"/>
+            </a:endParaRPr>
+          </a:p>
+          <a:p>
+            <a:pPr indent="0" lvl="0" marL="0" rtl="0" algn="l">
+              <a:spcBef>
+                <a:spcPts val="0"/>
+              </a:spcBef>
+              <a:spcAft>
+                <a:spcPts val="0"/>
+              </a:spcAft>
+              <a:buNone/>
+            </a:pPr>
+            <a:r>
+              <a:t/>
+            </a:r>
+            <a:endParaRPr sz="2900">
+              <a:latin typeface="Twentieth Century"/>
+              <a:ea typeface="Twentieth Century"/>
+              <a:cs typeface="Twentieth Century"/>
+              <a:sym typeface="Twentieth Century"/>
+            </a:endParaRPr>
+          </a:p>
+          <a:p>
+            <a:pPr indent="0" lvl="0" marL="0" rtl="0" algn="l">
+              <a:spcBef>
+                <a:spcPts val="0"/>
+              </a:spcBef>
+              <a:spcAft>
+                <a:spcPts val="0"/>
+              </a:spcAft>
+              <a:buNone/>
+            </a:pPr>
+            <a:r>
+              <a:t/>
+            </a:r>
+            <a:endParaRPr sz="2900">
+              <a:latin typeface="Twentieth Century"/>
+              <a:ea typeface="Twentieth Century"/>
+              <a:cs typeface="Twentieth Century"/>
+              <a:sym typeface="Twentieth Century"/>
+            </a:endParaRPr>
+          </a:p>
+          <a:p>
+            <a:pPr indent="0" lvl="0" marL="0" rtl="0" algn="l">
+              <a:spcBef>
+                <a:spcPts val="0"/>
+              </a:spcBef>
+              <a:spcAft>
+                <a:spcPts val="0"/>
+              </a:spcAft>
+              <a:buNone/>
+            </a:pPr>
+            <a:r>
+              <a:t/>
+            </a:r>
+            <a:endParaRPr sz="2900">
+              <a:latin typeface="Twentieth Century"/>
+              <a:ea typeface="Twentieth Century"/>
+              <a:cs typeface="Twentieth Century"/>
+              <a:sym typeface="Twentieth Century"/>
+            </a:endParaRPr>
+          </a:p>
+          <a:p>
+            <a:pPr indent="0" lvl="0" marL="0" rtl="0" algn="l">
+              <a:spcBef>
+                <a:spcPts val="0"/>
+              </a:spcBef>
+              <a:spcAft>
+                <a:spcPts val="0"/>
+              </a:spcAft>
+              <a:buNone/>
+            </a:pPr>
+            <a:r>
+              <a:t/>
+            </a:r>
+            <a:endParaRPr sz="2900">
+              <a:latin typeface="Twentieth Century"/>
+              <a:ea typeface="Twentieth Century"/>
+              <a:cs typeface="Twentieth Century"/>
+              <a:sym typeface="Twentieth Century"/>
+            </a:endParaRPr>
+          </a:p>
+        </p:txBody>
+      </p:sp>
+      <p:sp>
+        <p:nvSpPr>
+          <p:cNvPr id="196" name="Google Shape;196;g14aad64c473_0_27"/>
+          <p:cNvSpPr txBox="1"/>
+          <p:nvPr/>
+        </p:nvSpPr>
+        <p:spPr>
+          <a:xfrm>
+            <a:off x="2195500" y="2095725"/>
+            <a:ext cx="7665900" cy="2570400"/>
+          </a:xfrm>
+          <a:prstGeom prst="rect">
+            <a:avLst/>
+          </a:prstGeom>
+          <a:noFill/>
+          <a:ln>
+            <a:noFill/>
+          </a:ln>
+        </p:spPr>
+        <p:txBody>
+          <a:bodyPr anchorCtr="0" anchor="t" bIns="91425" lIns="91425" spcFirstLastPara="1" rIns="91425" wrap="square" tIns="91425">
+            <a:spAutoFit/>
+          </a:bodyPr>
+          <a:lstStyle/>
+          <a:p>
+            <a:pPr indent="-425450" lvl="0" marL="457200" rtl="0" algn="l">
+              <a:spcBef>
+                <a:spcPts val="0"/>
+              </a:spcBef>
+              <a:spcAft>
+                <a:spcPts val="0"/>
+              </a:spcAft>
+              <a:buSzPts val="3100"/>
+              <a:buFont typeface="Avenir"/>
+              <a:buChar char="-"/>
+            </a:pPr>
+            <a:r>
+              <a:rPr b="1" lang="en-US" sz="3100">
+                <a:latin typeface="Avenir"/>
+                <a:ea typeface="Avenir"/>
+                <a:cs typeface="Avenir"/>
+                <a:sym typeface="Avenir"/>
+              </a:rPr>
+              <a:t>States:</a:t>
+            </a:r>
+            <a:endParaRPr b="1" sz="3100">
+              <a:latin typeface="Avenir"/>
+              <a:ea typeface="Avenir"/>
+              <a:cs typeface="Avenir"/>
+              <a:sym typeface="Avenir"/>
+            </a:endParaRPr>
+          </a:p>
+          <a:p>
+            <a:pPr indent="-425450" lvl="1" marL="914400" rtl="0" algn="l">
+              <a:spcBef>
+                <a:spcPts val="0"/>
+              </a:spcBef>
+              <a:spcAft>
+                <a:spcPts val="0"/>
+              </a:spcAft>
+              <a:buSzPts val="3100"/>
+              <a:buFont typeface="Avenir"/>
+              <a:buChar char="-"/>
+            </a:pPr>
+            <a:r>
+              <a:rPr b="1" lang="en-US" sz="3100">
+                <a:latin typeface="Avenir"/>
+                <a:ea typeface="Avenir"/>
+                <a:cs typeface="Avenir"/>
+                <a:sym typeface="Avenir"/>
+              </a:rPr>
+              <a:t>Position</a:t>
+            </a:r>
+            <a:endParaRPr b="1" sz="3100">
+              <a:latin typeface="Avenir"/>
+              <a:ea typeface="Avenir"/>
+              <a:cs typeface="Avenir"/>
+              <a:sym typeface="Avenir"/>
+            </a:endParaRPr>
+          </a:p>
+          <a:p>
+            <a:pPr indent="-425450" lvl="1" marL="914400" rtl="0" algn="l">
+              <a:spcBef>
+                <a:spcPts val="0"/>
+              </a:spcBef>
+              <a:spcAft>
+                <a:spcPts val="0"/>
+              </a:spcAft>
+              <a:buSzPts val="3100"/>
+              <a:buFont typeface="Avenir"/>
+              <a:buChar char="-"/>
+            </a:pPr>
+            <a:r>
+              <a:rPr b="1" lang="en-US" sz="3100">
+                <a:latin typeface="Avenir"/>
+                <a:ea typeface="Avenir"/>
+                <a:cs typeface="Avenir"/>
+                <a:sym typeface="Avenir"/>
+              </a:rPr>
+              <a:t>Velocity</a:t>
+            </a:r>
+            <a:endParaRPr b="1" sz="3100">
+              <a:latin typeface="Avenir"/>
+              <a:ea typeface="Avenir"/>
+              <a:cs typeface="Avenir"/>
+              <a:sym typeface="Avenir"/>
+            </a:endParaRPr>
+          </a:p>
+          <a:p>
+            <a:pPr indent="-425450" lvl="1" marL="914400" rtl="0" algn="l">
+              <a:spcBef>
+                <a:spcPts val="0"/>
+              </a:spcBef>
+              <a:spcAft>
+                <a:spcPts val="0"/>
+              </a:spcAft>
+              <a:buSzPts val="3100"/>
+              <a:buFont typeface="Avenir"/>
+              <a:buChar char="-"/>
+            </a:pPr>
+            <a:r>
+              <a:rPr b="1" lang="en-US" sz="3100">
+                <a:latin typeface="Avenir"/>
+                <a:ea typeface="Avenir"/>
+                <a:cs typeface="Avenir"/>
+                <a:sym typeface="Avenir"/>
+              </a:rPr>
+              <a:t>Angle</a:t>
+            </a:r>
+            <a:endParaRPr b="1" sz="3100">
+              <a:latin typeface="Avenir"/>
+              <a:ea typeface="Avenir"/>
+              <a:cs typeface="Avenir"/>
+              <a:sym typeface="Avenir"/>
+            </a:endParaRPr>
+          </a:p>
+          <a:p>
+            <a:pPr indent="-425450" lvl="1" marL="914400" rtl="0" algn="l">
+              <a:spcBef>
+                <a:spcPts val="0"/>
+              </a:spcBef>
+              <a:spcAft>
+                <a:spcPts val="0"/>
+              </a:spcAft>
+              <a:buSzPts val="3100"/>
+              <a:buFont typeface="Avenir"/>
+              <a:buChar char="-"/>
+            </a:pPr>
+            <a:r>
+              <a:rPr b="1" lang="en-US" sz="3100">
+                <a:latin typeface="Avenir"/>
+                <a:ea typeface="Avenir"/>
+                <a:cs typeface="Avenir"/>
+                <a:sym typeface="Avenir"/>
+              </a:rPr>
+              <a:t>Angular velocity</a:t>
+            </a:r>
+            <a:endParaRPr b="1" sz="3100">
+              <a:latin typeface="Avenir"/>
+              <a:ea typeface="Avenir"/>
+              <a:cs typeface="Avenir"/>
+              <a:sym typeface="Avenir"/>
+            </a:endParaRPr>
+          </a:p>
+        </p:txBody>
+      </p:sp>
+    </p:spTree>
+  </p:cSld>
+  <p:clrMapOvr>
+    <a:masterClrMapping/>
+  </p:clrMapOvr>
+</p:sld>
+</file>
+
+<file path=ppt/slides/slide18.xml><?xml version="1.0" encoding="utf-8"?>
+<p:sld xmlns:a="http://schemas.openxmlformats.org/drawingml/2006/main" xmlns:r="http://schemas.openxmlformats.org/officeDocument/2006/relationships" xmlns:mc="http://schemas.openxmlformats.org/markup-compatibility/2006" xmlns:mv="urn:schemas-microsoft-com:mac:vml" xmlns:p="http://schemas.openxmlformats.org/presentationml/2006/main" xmlns:c="http://schemas.openxmlformats.org/drawingml/2006/chart" xmlns:dgm="http://schemas.openxmlformats.org/drawingml/2006/diagram" xmlns:o="urn:schemas-microsoft-com:office:office" xmlns:v="urn:schemas-microsoft-com:vml" xmlns:pvml="urn:schemas-microsoft-com:office:powerpoint" xmlns:com="http://schemas.openxmlformats.org/drawingml/2006/compatibility" xmlns:p14="http://schemas.microsoft.com/office/powerpoint/2010/main" xmlns:p15="http://schemas.microsoft.com/office/powerpoint/2012/main" xmlns:ahyp="http://schemas.microsoft.com/office/drawing/2018/hyperlinkcolor">
+  <p:cSld>
+    <p:spTree>
+      <p:nvGrpSpPr>
+        <p:cNvPr id="200" name="Shape 200"/>
+        <p:cNvGrpSpPr/>
+        <p:nvPr/>
+      </p:nvGrpSpPr>
+      <p:grpSpPr>
+        <a:xfrm>
+          <a:off x="0" y="0"/>
+          <a:ext cx="0" cy="0"/>
+          <a:chOff x="0" y="0"/>
+          <a:chExt cx="0" cy="0"/>
+        </a:xfrm>
+      </p:grpSpPr>
+      <p:sp>
+        <p:nvSpPr>
+          <p:cNvPr id="201" name="Google Shape;201;g14aad64c473_0_34"/>
+          <p:cNvSpPr txBox="1"/>
+          <p:nvPr>
+            <p:ph type="title"/>
+          </p:nvPr>
+        </p:nvSpPr>
+        <p:spPr>
+          <a:xfrm>
+            <a:off x="1141412" y="327514"/>
+            <a:ext cx="9906000" cy="1478700"/>
+          </a:xfrm>
+          <a:prstGeom prst="rect">
+            <a:avLst/>
+          </a:prstGeom>
+          <a:noFill/>
+          <a:ln>
+            <a:noFill/>
+          </a:ln>
+        </p:spPr>
+        <p:txBody>
+          <a:bodyPr anchorCtr="0" anchor="ctr" bIns="45700" lIns="91425" spcFirstLastPara="1" rIns="91425" wrap="square" tIns="45700">
+            <a:normAutofit/>
+          </a:bodyPr>
+          <a:lstStyle/>
+          <a:p>
+            <a:pPr indent="0" lvl="0" marL="0" rtl="0" algn="l">
+              <a:lnSpc>
+                <a:spcPct val="90000"/>
+              </a:lnSpc>
+              <a:spcBef>
+                <a:spcPts val="0"/>
+              </a:spcBef>
+              <a:spcAft>
+                <a:spcPts val="0"/>
+              </a:spcAft>
+              <a:buClr>
+                <a:schemeClr val="dk1"/>
+              </a:buClr>
+              <a:buSzPts val="3600"/>
+              <a:buFont typeface="Avenir"/>
+              <a:buNone/>
+            </a:pPr>
+            <a:r>
+              <a:rPr b="1" lang="en-US"/>
+              <a:t>Inverted Pendulum</a:t>
+            </a:r>
+            <a:endParaRPr b="1"/>
+          </a:p>
+        </p:txBody>
+      </p:sp>
+      <p:sp>
+        <p:nvSpPr>
+          <p:cNvPr id="202" name="Google Shape;202;g14aad64c473_0_34"/>
+          <p:cNvSpPr txBox="1"/>
+          <p:nvPr/>
+        </p:nvSpPr>
+        <p:spPr>
+          <a:xfrm>
+            <a:off x="1322200" y="1772625"/>
+            <a:ext cx="9066600" cy="2416500"/>
+          </a:xfrm>
+          <a:prstGeom prst="rect">
+            <a:avLst/>
+          </a:prstGeom>
+          <a:noFill/>
+          <a:ln>
+            <a:noFill/>
+          </a:ln>
+        </p:spPr>
+        <p:txBody>
+          <a:bodyPr anchorCtr="0" anchor="t" bIns="91425" lIns="91425" spcFirstLastPara="1" rIns="91425" wrap="square" tIns="91425">
+            <a:spAutoFit/>
+          </a:bodyPr>
+          <a:lstStyle/>
+          <a:p>
+            <a:pPr indent="0" lvl="0" marL="457200" rtl="0" algn="l">
+              <a:spcBef>
+                <a:spcPts val="0"/>
+              </a:spcBef>
+              <a:spcAft>
+                <a:spcPts val="0"/>
+              </a:spcAft>
+              <a:buNone/>
+            </a:pPr>
+            <a:r>
+              <a:t/>
+            </a:r>
+            <a:endParaRPr sz="2900">
+              <a:latin typeface="Twentieth Century"/>
+              <a:ea typeface="Twentieth Century"/>
+              <a:cs typeface="Twentieth Century"/>
+              <a:sym typeface="Twentieth Century"/>
+            </a:endParaRPr>
+          </a:p>
+          <a:p>
+            <a:pPr indent="0" lvl="0" marL="0" rtl="0" algn="l">
+              <a:spcBef>
+                <a:spcPts val="0"/>
+              </a:spcBef>
+              <a:spcAft>
+                <a:spcPts val="0"/>
+              </a:spcAft>
+              <a:buNone/>
+            </a:pPr>
+            <a:r>
+              <a:t/>
+            </a:r>
+            <a:endParaRPr sz="2900">
+              <a:latin typeface="Twentieth Century"/>
+              <a:ea typeface="Twentieth Century"/>
+              <a:cs typeface="Twentieth Century"/>
+              <a:sym typeface="Twentieth Century"/>
+            </a:endParaRPr>
+          </a:p>
+          <a:p>
+            <a:pPr indent="0" lvl="0" marL="0" rtl="0" algn="l">
+              <a:spcBef>
+                <a:spcPts val="0"/>
+              </a:spcBef>
+              <a:spcAft>
+                <a:spcPts val="0"/>
+              </a:spcAft>
+              <a:buNone/>
+            </a:pPr>
+            <a:r>
+              <a:t/>
+            </a:r>
+            <a:endParaRPr sz="2900">
+              <a:latin typeface="Twentieth Century"/>
+              <a:ea typeface="Twentieth Century"/>
+              <a:cs typeface="Twentieth Century"/>
+              <a:sym typeface="Twentieth Century"/>
+            </a:endParaRPr>
+          </a:p>
+          <a:p>
+            <a:pPr indent="0" lvl="0" marL="0" rtl="0" algn="l">
+              <a:spcBef>
+                <a:spcPts val="0"/>
+              </a:spcBef>
+              <a:spcAft>
+                <a:spcPts val="0"/>
+              </a:spcAft>
+              <a:buNone/>
+            </a:pPr>
+            <a:r>
+              <a:t/>
+            </a:r>
+            <a:endParaRPr sz="2900">
+              <a:latin typeface="Twentieth Century"/>
+              <a:ea typeface="Twentieth Century"/>
+              <a:cs typeface="Twentieth Century"/>
+              <a:sym typeface="Twentieth Century"/>
+            </a:endParaRPr>
+          </a:p>
+          <a:p>
+            <a:pPr indent="0" lvl="0" marL="0" rtl="0" algn="l">
+              <a:spcBef>
+                <a:spcPts val="0"/>
+              </a:spcBef>
+              <a:spcAft>
+                <a:spcPts val="0"/>
+              </a:spcAft>
+              <a:buNone/>
+            </a:pPr>
+            <a:r>
+              <a:t/>
+            </a:r>
+            <a:endParaRPr sz="2900">
+              <a:latin typeface="Twentieth Century"/>
+              <a:ea typeface="Twentieth Century"/>
+              <a:cs typeface="Twentieth Century"/>
+              <a:sym typeface="Twentieth Century"/>
+            </a:endParaRPr>
+          </a:p>
+        </p:txBody>
+      </p:sp>
+      <p:sp>
+        <p:nvSpPr>
+          <p:cNvPr id="203" name="Google Shape;203;g14aad64c473_0_34"/>
+          <p:cNvSpPr txBox="1"/>
+          <p:nvPr/>
+        </p:nvSpPr>
+        <p:spPr>
+          <a:xfrm>
+            <a:off x="2022550" y="1980325"/>
+            <a:ext cx="7665900" cy="4479300"/>
+          </a:xfrm>
+          <a:prstGeom prst="rect">
+            <a:avLst/>
+          </a:prstGeom>
+          <a:noFill/>
+          <a:ln>
+            <a:noFill/>
+          </a:ln>
+        </p:spPr>
+        <p:txBody>
+          <a:bodyPr anchorCtr="0" anchor="t" bIns="91425" lIns="91425" spcFirstLastPara="1" rIns="91425" wrap="square" tIns="91425">
+            <a:spAutoFit/>
+          </a:bodyPr>
+          <a:lstStyle/>
+          <a:p>
+            <a:pPr indent="-425450" lvl="0" marL="457200" rtl="0" algn="l">
+              <a:spcBef>
+                <a:spcPts val="0"/>
+              </a:spcBef>
+              <a:spcAft>
+                <a:spcPts val="0"/>
+              </a:spcAft>
+              <a:buSzPts val="3100"/>
+              <a:buFont typeface="Avenir"/>
+              <a:buChar char="-"/>
+            </a:pPr>
+            <a:r>
+              <a:rPr b="1" lang="en-US" sz="3100">
+                <a:latin typeface="Avenir"/>
+                <a:ea typeface="Avenir"/>
+                <a:cs typeface="Avenir"/>
+                <a:sym typeface="Avenir"/>
+              </a:rPr>
+              <a:t>Disturbances:</a:t>
+            </a:r>
+            <a:endParaRPr b="1" sz="3100">
+              <a:latin typeface="Avenir"/>
+              <a:ea typeface="Avenir"/>
+              <a:cs typeface="Avenir"/>
+              <a:sym typeface="Avenir"/>
+            </a:endParaRPr>
+          </a:p>
+          <a:p>
+            <a:pPr indent="-425450" lvl="1" marL="914400" rtl="0" algn="l">
+              <a:spcBef>
+                <a:spcPts val="0"/>
+              </a:spcBef>
+              <a:spcAft>
+                <a:spcPts val="0"/>
+              </a:spcAft>
+              <a:buSzPts val="3100"/>
+              <a:buFont typeface="Avenir"/>
+              <a:buChar char="-"/>
+            </a:pPr>
+            <a:r>
+              <a:rPr b="1" lang="en-US" sz="3100">
+                <a:latin typeface="Avenir"/>
+                <a:ea typeface="Avenir"/>
+                <a:cs typeface="Avenir"/>
+                <a:sym typeface="Avenir"/>
+              </a:rPr>
+              <a:t>Position</a:t>
+            </a:r>
+            <a:endParaRPr b="1" sz="3100">
+              <a:latin typeface="Avenir"/>
+              <a:ea typeface="Avenir"/>
+              <a:cs typeface="Avenir"/>
+              <a:sym typeface="Avenir"/>
+            </a:endParaRPr>
+          </a:p>
+          <a:p>
+            <a:pPr indent="-425450" lvl="1" marL="914400" rtl="0" algn="l">
+              <a:spcBef>
+                <a:spcPts val="0"/>
+              </a:spcBef>
+              <a:spcAft>
+                <a:spcPts val="0"/>
+              </a:spcAft>
+              <a:buSzPts val="3100"/>
+              <a:buFont typeface="Avenir"/>
+              <a:buChar char="-"/>
+            </a:pPr>
+            <a:r>
+              <a:rPr b="1" lang="en-US" sz="3100">
+                <a:latin typeface="Avenir"/>
+                <a:ea typeface="Avenir"/>
+                <a:cs typeface="Avenir"/>
+                <a:sym typeface="Avenir"/>
+              </a:rPr>
+              <a:t>Velocity</a:t>
+            </a:r>
+            <a:endParaRPr b="1" sz="3100">
+              <a:latin typeface="Avenir"/>
+              <a:ea typeface="Avenir"/>
+              <a:cs typeface="Avenir"/>
+              <a:sym typeface="Avenir"/>
+            </a:endParaRPr>
+          </a:p>
+          <a:p>
+            <a:pPr indent="-425450" lvl="1" marL="914400" rtl="0" algn="l">
+              <a:spcBef>
+                <a:spcPts val="0"/>
+              </a:spcBef>
+              <a:spcAft>
+                <a:spcPts val="0"/>
+              </a:spcAft>
+              <a:buSzPts val="3100"/>
+              <a:buFont typeface="Avenir"/>
+              <a:buChar char="-"/>
+            </a:pPr>
+            <a:r>
+              <a:rPr b="1" lang="en-US" sz="3100">
+                <a:latin typeface="Avenir"/>
+                <a:ea typeface="Avenir"/>
+                <a:cs typeface="Avenir"/>
+                <a:sym typeface="Avenir"/>
+              </a:rPr>
+              <a:t>Normally distributed with variance 0.01</a:t>
+            </a:r>
+            <a:endParaRPr b="1" sz="3100">
+              <a:latin typeface="Avenir"/>
+              <a:ea typeface="Avenir"/>
+              <a:cs typeface="Avenir"/>
+              <a:sym typeface="Avenir"/>
+            </a:endParaRPr>
+          </a:p>
+          <a:p>
+            <a:pPr indent="-425450" lvl="0" marL="457200" rtl="0" algn="l">
+              <a:spcBef>
+                <a:spcPts val="0"/>
+              </a:spcBef>
+              <a:spcAft>
+                <a:spcPts val="0"/>
+              </a:spcAft>
+              <a:buClr>
+                <a:schemeClr val="dk1"/>
+              </a:buClr>
+              <a:buSzPts val="3100"/>
+              <a:buFont typeface="Avenir"/>
+              <a:buChar char="-"/>
+            </a:pPr>
+            <a:r>
+              <a:rPr b="1" lang="en-US" sz="3100">
+                <a:solidFill>
+                  <a:schemeClr val="dk1"/>
+                </a:solidFill>
+                <a:latin typeface="Avenir"/>
+                <a:ea typeface="Avenir"/>
+                <a:cs typeface="Avenir"/>
+                <a:sym typeface="Avenir"/>
+              </a:rPr>
+              <a:t>Measurement:</a:t>
+            </a:r>
+            <a:endParaRPr b="1" sz="3100">
+              <a:solidFill>
+                <a:schemeClr val="dk1"/>
+              </a:solidFill>
+              <a:latin typeface="Avenir"/>
+              <a:ea typeface="Avenir"/>
+              <a:cs typeface="Avenir"/>
+              <a:sym typeface="Avenir"/>
+            </a:endParaRPr>
+          </a:p>
+          <a:p>
+            <a:pPr indent="-425450" lvl="1" marL="914400" rtl="0" algn="l">
+              <a:spcBef>
+                <a:spcPts val="0"/>
+              </a:spcBef>
+              <a:spcAft>
+                <a:spcPts val="0"/>
+              </a:spcAft>
+              <a:buClr>
+                <a:schemeClr val="dk1"/>
+              </a:buClr>
+              <a:buSzPts val="3100"/>
+              <a:buFont typeface="Avenir"/>
+              <a:buChar char="-"/>
+            </a:pPr>
+            <a:r>
+              <a:rPr b="1" lang="en-US" sz="3100">
+                <a:solidFill>
+                  <a:schemeClr val="dk1"/>
+                </a:solidFill>
+                <a:latin typeface="Avenir"/>
+                <a:ea typeface="Avenir"/>
+                <a:cs typeface="Avenir"/>
+                <a:sym typeface="Avenir"/>
+              </a:rPr>
+              <a:t>noises on all variables</a:t>
+            </a:r>
+            <a:endParaRPr b="1" sz="3100">
+              <a:solidFill>
+                <a:schemeClr val="dk1"/>
+              </a:solidFill>
+              <a:latin typeface="Avenir"/>
+              <a:ea typeface="Avenir"/>
+              <a:cs typeface="Avenir"/>
+              <a:sym typeface="Avenir"/>
+            </a:endParaRPr>
+          </a:p>
+          <a:p>
+            <a:pPr indent="-425450" lvl="1" marL="914400" rtl="0" algn="l">
+              <a:spcBef>
+                <a:spcPts val="0"/>
+              </a:spcBef>
+              <a:spcAft>
+                <a:spcPts val="0"/>
+              </a:spcAft>
+              <a:buClr>
+                <a:schemeClr val="dk1"/>
+              </a:buClr>
+              <a:buSzPts val="3100"/>
+              <a:buFont typeface="Avenir"/>
+              <a:buChar char="-"/>
+            </a:pPr>
+            <a:r>
+              <a:rPr b="1" lang="en-US" sz="3100">
+                <a:solidFill>
+                  <a:schemeClr val="dk1"/>
+                </a:solidFill>
+                <a:latin typeface="Avenir"/>
+                <a:ea typeface="Avenir"/>
+                <a:cs typeface="Avenir"/>
+                <a:sym typeface="Avenir"/>
+              </a:rPr>
+              <a:t>Normally distributed with variance 0.1</a:t>
+            </a:r>
+            <a:endParaRPr b="1" sz="3100">
+              <a:latin typeface="Avenir"/>
+              <a:ea typeface="Avenir"/>
+              <a:cs typeface="Avenir"/>
+              <a:sym typeface="Avenir"/>
+            </a:endParaRPr>
+          </a:p>
+        </p:txBody>
+      </p:sp>
+    </p:spTree>
+  </p:cSld>
+  <p:clrMapOvr>
+    <a:masterClrMapping/>
+  </p:clrMapOvr>
+</p:sld>
+</file>
+
+<file path=ppt/slides/slide19.xml><?xml version="1.0" encoding="utf-8"?>
+<p:sld xmlns:a="http://schemas.openxmlformats.org/drawingml/2006/main" xmlns:r="http://schemas.openxmlformats.org/officeDocument/2006/relationships" xmlns:mc="http://schemas.openxmlformats.org/markup-compatibility/2006" xmlns:mv="urn:schemas-microsoft-com:mac:vml" xmlns:p="http://schemas.openxmlformats.org/presentationml/2006/main" xmlns:c="http://schemas.openxmlformats.org/drawingml/2006/chart" xmlns:dgm="http://schemas.openxmlformats.org/drawingml/2006/diagram" xmlns:o="urn:schemas-microsoft-com:office:office" xmlns:v="urn:schemas-microsoft-com:vml" xmlns:pvml="urn:schemas-microsoft-com:office:powerpoint" xmlns:com="http://schemas.openxmlformats.org/drawingml/2006/compatibility" xmlns:p14="http://schemas.microsoft.com/office/powerpoint/2010/main" xmlns:p15="http://schemas.microsoft.com/office/powerpoint/2012/main" xmlns:ahyp="http://schemas.microsoft.com/office/drawing/2018/hyperlinkcolor">
+  <p:cSld>
+    <p:spTree>
+      <p:nvGrpSpPr>
+        <p:cNvPr id="207" name="Shape 207"/>
+        <p:cNvGrpSpPr/>
+        <p:nvPr/>
+      </p:nvGrpSpPr>
+      <p:grpSpPr>
+        <a:xfrm>
+          <a:off x="0" y="0"/>
+          <a:ext cx="0" cy="0"/>
+          <a:chOff x="0" y="0"/>
+          <a:chExt cx="0" cy="0"/>
+        </a:xfrm>
+      </p:grpSpPr>
+      <p:sp>
+        <p:nvSpPr>
+          <p:cNvPr id="208" name="Google Shape;208;g14aad64c473_0_55"/>
+          <p:cNvSpPr txBox="1"/>
+          <p:nvPr>
+            <p:ph type="title"/>
+          </p:nvPr>
+        </p:nvSpPr>
+        <p:spPr>
+          <a:xfrm>
+            <a:off x="1141412" y="327514"/>
+            <a:ext cx="9906000" cy="1478700"/>
+          </a:xfrm>
+          <a:prstGeom prst="rect">
+            <a:avLst/>
+          </a:prstGeom>
+          <a:noFill/>
+          <a:ln>
+            <a:noFill/>
+          </a:ln>
+        </p:spPr>
+        <p:txBody>
+          <a:bodyPr anchorCtr="0" anchor="ctr" bIns="45700" lIns="91425" spcFirstLastPara="1" rIns="91425" wrap="square" tIns="45700">
+            <a:normAutofit/>
+          </a:bodyPr>
+          <a:lstStyle/>
+          <a:p>
+            <a:pPr indent="0" lvl="0" marL="0" rtl="0" algn="l">
+              <a:lnSpc>
+                <a:spcPct val="90000"/>
+              </a:lnSpc>
+              <a:spcBef>
+                <a:spcPts val="0"/>
+              </a:spcBef>
+              <a:spcAft>
+                <a:spcPts val="0"/>
+              </a:spcAft>
+              <a:buClr>
+                <a:schemeClr val="dk1"/>
+              </a:buClr>
+              <a:buSzPts val="3600"/>
+              <a:buFont typeface="Avenir"/>
+              <a:buNone/>
+            </a:pPr>
+            <a:r>
+              <a:rPr b="1" lang="en-US"/>
+              <a:t>Inverted Pendulum</a:t>
+            </a:r>
+            <a:endParaRPr b="1"/>
+          </a:p>
+        </p:txBody>
+      </p:sp>
+      <p:sp>
+        <p:nvSpPr>
+          <p:cNvPr id="209" name="Google Shape;209;g14aad64c473_0_55"/>
+          <p:cNvSpPr txBox="1"/>
+          <p:nvPr/>
+        </p:nvSpPr>
+        <p:spPr>
+          <a:xfrm>
+            <a:off x="1322200" y="1772625"/>
+            <a:ext cx="9066600" cy="2416500"/>
+          </a:xfrm>
+          <a:prstGeom prst="rect">
+            <a:avLst/>
+          </a:prstGeom>
+          <a:noFill/>
+          <a:ln>
+            <a:noFill/>
+          </a:ln>
+        </p:spPr>
+        <p:txBody>
+          <a:bodyPr anchorCtr="0" anchor="t" bIns="91425" lIns="91425" spcFirstLastPara="1" rIns="91425" wrap="square" tIns="91425">
+            <a:spAutoFit/>
+          </a:bodyPr>
+          <a:lstStyle/>
+          <a:p>
+            <a:pPr indent="0" lvl="0" marL="457200" rtl="0" algn="l">
+              <a:spcBef>
+                <a:spcPts val="0"/>
+              </a:spcBef>
+              <a:spcAft>
+                <a:spcPts val="0"/>
+              </a:spcAft>
+              <a:buNone/>
+            </a:pPr>
+            <a:r>
+              <a:t/>
+            </a:r>
+            <a:endParaRPr sz="2900">
+              <a:latin typeface="Twentieth Century"/>
+              <a:ea typeface="Twentieth Century"/>
+              <a:cs typeface="Twentieth Century"/>
+              <a:sym typeface="Twentieth Century"/>
+            </a:endParaRPr>
+          </a:p>
+          <a:p>
+            <a:pPr indent="0" lvl="0" marL="0" rtl="0" algn="l">
+              <a:spcBef>
+                <a:spcPts val="0"/>
+              </a:spcBef>
+              <a:spcAft>
+                <a:spcPts val="0"/>
+              </a:spcAft>
+              <a:buNone/>
+            </a:pPr>
+            <a:r>
+              <a:t/>
+            </a:r>
+            <a:endParaRPr sz="2900">
+              <a:latin typeface="Twentieth Century"/>
+              <a:ea typeface="Twentieth Century"/>
+              <a:cs typeface="Twentieth Century"/>
+              <a:sym typeface="Twentieth Century"/>
+            </a:endParaRPr>
+          </a:p>
+          <a:p>
+            <a:pPr indent="0" lvl="0" marL="0" rtl="0" algn="l">
+              <a:spcBef>
+                <a:spcPts val="0"/>
+              </a:spcBef>
+              <a:spcAft>
+                <a:spcPts val="0"/>
+              </a:spcAft>
+              <a:buNone/>
+            </a:pPr>
+            <a:r>
+              <a:t/>
+            </a:r>
+            <a:endParaRPr sz="2900">
+              <a:latin typeface="Twentieth Century"/>
+              <a:ea typeface="Twentieth Century"/>
+              <a:cs typeface="Twentieth Century"/>
+              <a:sym typeface="Twentieth Century"/>
+            </a:endParaRPr>
+          </a:p>
+          <a:p>
+            <a:pPr indent="0" lvl="0" marL="0" rtl="0" algn="l">
+              <a:spcBef>
+                <a:spcPts val="0"/>
+              </a:spcBef>
+              <a:spcAft>
+                <a:spcPts val="0"/>
+              </a:spcAft>
+              <a:buNone/>
+            </a:pPr>
+            <a:r>
+              <a:t/>
+            </a:r>
+            <a:endParaRPr sz="2900">
+              <a:latin typeface="Twentieth Century"/>
+              <a:ea typeface="Twentieth Century"/>
+              <a:cs typeface="Twentieth Century"/>
+              <a:sym typeface="Twentieth Century"/>
+            </a:endParaRPr>
+          </a:p>
+          <a:p>
+            <a:pPr indent="0" lvl="0" marL="0" rtl="0" algn="l">
+              <a:spcBef>
+                <a:spcPts val="0"/>
+              </a:spcBef>
+              <a:spcAft>
+                <a:spcPts val="0"/>
+              </a:spcAft>
+              <a:buNone/>
+            </a:pPr>
+            <a:r>
+              <a:t/>
+            </a:r>
+            <a:endParaRPr sz="2900">
+              <a:latin typeface="Twentieth Century"/>
+              <a:ea typeface="Twentieth Century"/>
+              <a:cs typeface="Twentieth Century"/>
+              <a:sym typeface="Twentieth Century"/>
+            </a:endParaRPr>
+          </a:p>
+        </p:txBody>
+      </p:sp>
+      <p:sp>
+        <p:nvSpPr>
+          <p:cNvPr id="210" name="Google Shape;210;g14aad64c473_0_55"/>
+          <p:cNvSpPr txBox="1"/>
+          <p:nvPr/>
+        </p:nvSpPr>
+        <p:spPr>
+          <a:xfrm>
+            <a:off x="2022550" y="1980325"/>
+            <a:ext cx="7665900" cy="4479300"/>
+          </a:xfrm>
+          <a:prstGeom prst="rect">
+            <a:avLst/>
+          </a:prstGeom>
+          <a:noFill/>
+          <a:ln>
+            <a:noFill/>
+          </a:ln>
+        </p:spPr>
+        <p:txBody>
+          <a:bodyPr anchorCtr="0" anchor="t" bIns="91425" lIns="91425" spcFirstLastPara="1" rIns="91425" wrap="square" tIns="91425">
+            <a:spAutoFit/>
+          </a:bodyPr>
+          <a:lstStyle/>
+          <a:p>
+            <a:pPr indent="-425450" lvl="0" marL="457200" rtl="0" algn="l">
+              <a:spcBef>
+                <a:spcPts val="0"/>
+              </a:spcBef>
+              <a:spcAft>
+                <a:spcPts val="0"/>
+              </a:spcAft>
+              <a:buSzPts val="3100"/>
+              <a:buFont typeface="Avenir"/>
+              <a:buChar char="-"/>
+            </a:pPr>
+            <a:r>
+              <a:rPr b="1" lang="en-US" sz="3100">
+                <a:latin typeface="Avenir"/>
+                <a:ea typeface="Avenir"/>
+                <a:cs typeface="Avenir"/>
+                <a:sym typeface="Avenir"/>
+              </a:rPr>
+              <a:t>Disturbances:</a:t>
+            </a:r>
+            <a:endParaRPr b="1" sz="3100">
+              <a:latin typeface="Avenir"/>
+              <a:ea typeface="Avenir"/>
+              <a:cs typeface="Avenir"/>
+              <a:sym typeface="Avenir"/>
+            </a:endParaRPr>
+          </a:p>
+          <a:p>
+            <a:pPr indent="-425450" lvl="1" marL="914400" rtl="0" algn="l">
+              <a:spcBef>
+                <a:spcPts val="0"/>
+              </a:spcBef>
+              <a:spcAft>
+                <a:spcPts val="0"/>
+              </a:spcAft>
+              <a:buSzPts val="3100"/>
+              <a:buFont typeface="Avenir"/>
+              <a:buChar char="-"/>
+            </a:pPr>
+            <a:r>
+              <a:rPr b="1" lang="en-US" sz="3100">
+                <a:latin typeface="Avenir"/>
+                <a:ea typeface="Avenir"/>
+                <a:cs typeface="Avenir"/>
+                <a:sym typeface="Avenir"/>
+              </a:rPr>
+              <a:t>Position</a:t>
+            </a:r>
+            <a:endParaRPr b="1" sz="3100">
+              <a:latin typeface="Avenir"/>
+              <a:ea typeface="Avenir"/>
+              <a:cs typeface="Avenir"/>
+              <a:sym typeface="Avenir"/>
+            </a:endParaRPr>
+          </a:p>
+          <a:p>
+            <a:pPr indent="-425450" lvl="1" marL="914400" rtl="0" algn="l">
+              <a:spcBef>
+                <a:spcPts val="0"/>
+              </a:spcBef>
+              <a:spcAft>
+                <a:spcPts val="0"/>
+              </a:spcAft>
+              <a:buSzPts val="3100"/>
+              <a:buFont typeface="Avenir"/>
+              <a:buChar char="-"/>
+            </a:pPr>
+            <a:r>
+              <a:rPr b="1" lang="en-US" sz="3100">
+                <a:latin typeface="Avenir"/>
+                <a:ea typeface="Avenir"/>
+                <a:cs typeface="Avenir"/>
+                <a:sym typeface="Avenir"/>
+              </a:rPr>
+              <a:t>Velocity</a:t>
+            </a:r>
+            <a:endParaRPr b="1" sz="3100">
+              <a:latin typeface="Avenir"/>
+              <a:ea typeface="Avenir"/>
+              <a:cs typeface="Avenir"/>
+              <a:sym typeface="Avenir"/>
+            </a:endParaRPr>
+          </a:p>
+          <a:p>
+            <a:pPr indent="-425450" lvl="1" marL="914400" rtl="0" algn="l">
+              <a:spcBef>
+                <a:spcPts val="0"/>
+              </a:spcBef>
+              <a:spcAft>
+                <a:spcPts val="0"/>
+              </a:spcAft>
+              <a:buSzPts val="3100"/>
+              <a:buFont typeface="Avenir"/>
+              <a:buChar char="-"/>
+            </a:pPr>
+            <a:r>
+              <a:rPr b="1" lang="en-US" sz="3100">
+                <a:latin typeface="Avenir"/>
+                <a:ea typeface="Avenir"/>
+                <a:cs typeface="Avenir"/>
+                <a:sym typeface="Avenir"/>
+              </a:rPr>
+              <a:t>Normally distributed with variance 0.01</a:t>
+            </a:r>
+            <a:endParaRPr b="1" sz="3100">
+              <a:latin typeface="Avenir"/>
+              <a:ea typeface="Avenir"/>
+              <a:cs typeface="Avenir"/>
+              <a:sym typeface="Avenir"/>
+            </a:endParaRPr>
+          </a:p>
+          <a:p>
+            <a:pPr indent="-425450" lvl="0" marL="457200" rtl="0" algn="l">
+              <a:spcBef>
+                <a:spcPts val="0"/>
+              </a:spcBef>
+              <a:spcAft>
+                <a:spcPts val="0"/>
+              </a:spcAft>
+              <a:buClr>
+                <a:schemeClr val="dk1"/>
+              </a:buClr>
+              <a:buSzPts val="3100"/>
+              <a:buFont typeface="Avenir"/>
+              <a:buChar char="-"/>
+            </a:pPr>
+            <a:r>
+              <a:rPr b="1" lang="en-US" sz="3100">
+                <a:solidFill>
+                  <a:schemeClr val="dk1"/>
+                </a:solidFill>
+                <a:latin typeface="Avenir"/>
+                <a:ea typeface="Avenir"/>
+                <a:cs typeface="Avenir"/>
+                <a:sym typeface="Avenir"/>
+              </a:rPr>
+              <a:t>Measurement:</a:t>
+            </a:r>
+            <a:endParaRPr b="1" sz="3100">
+              <a:solidFill>
+                <a:schemeClr val="dk1"/>
+              </a:solidFill>
+              <a:latin typeface="Avenir"/>
+              <a:ea typeface="Avenir"/>
+              <a:cs typeface="Avenir"/>
+              <a:sym typeface="Avenir"/>
+            </a:endParaRPr>
+          </a:p>
+          <a:p>
+            <a:pPr indent="-425450" lvl="1" marL="914400" rtl="0" algn="l">
+              <a:spcBef>
+                <a:spcPts val="0"/>
+              </a:spcBef>
+              <a:spcAft>
+                <a:spcPts val="0"/>
+              </a:spcAft>
+              <a:buClr>
+                <a:schemeClr val="dk1"/>
+              </a:buClr>
+              <a:buSzPts val="3100"/>
+              <a:buFont typeface="Avenir"/>
+              <a:buChar char="-"/>
+            </a:pPr>
+            <a:r>
+              <a:rPr b="1" lang="en-US" sz="3100">
+                <a:solidFill>
+                  <a:schemeClr val="dk1"/>
+                </a:solidFill>
+                <a:latin typeface="Avenir"/>
+                <a:ea typeface="Avenir"/>
+                <a:cs typeface="Avenir"/>
+                <a:sym typeface="Avenir"/>
+              </a:rPr>
+              <a:t>noises on all variables</a:t>
+            </a:r>
+            <a:endParaRPr b="1" sz="3100">
+              <a:solidFill>
+                <a:schemeClr val="dk1"/>
+              </a:solidFill>
+              <a:latin typeface="Avenir"/>
+              <a:ea typeface="Avenir"/>
+              <a:cs typeface="Avenir"/>
+              <a:sym typeface="Avenir"/>
+            </a:endParaRPr>
+          </a:p>
+          <a:p>
+            <a:pPr indent="-425450" lvl="1" marL="914400" rtl="0" algn="l">
+              <a:spcBef>
+                <a:spcPts val="0"/>
+              </a:spcBef>
+              <a:spcAft>
+                <a:spcPts val="0"/>
+              </a:spcAft>
+              <a:buClr>
+                <a:schemeClr val="dk1"/>
+              </a:buClr>
+              <a:buSzPts val="3100"/>
+              <a:buFont typeface="Avenir"/>
+              <a:buChar char="-"/>
+            </a:pPr>
+            <a:r>
+              <a:rPr b="1" lang="en-US" sz="3100">
+                <a:solidFill>
+                  <a:schemeClr val="dk1"/>
+                </a:solidFill>
+                <a:latin typeface="Avenir"/>
+                <a:ea typeface="Avenir"/>
+                <a:cs typeface="Avenir"/>
+                <a:sym typeface="Avenir"/>
+              </a:rPr>
+              <a:t>Normally distributed with variance 0.1</a:t>
+            </a:r>
+            <a:endParaRPr b="1" sz="3100">
+              <a:latin typeface="Avenir"/>
+              <a:ea typeface="Avenir"/>
+              <a:cs typeface="Avenir"/>
+              <a:sym typeface="Avenir"/>
+            </a:endParaRPr>
+          </a:p>
+        </p:txBody>
+      </p:sp>
+    </p:spTree>
+  </p:cSld>
+  <p:clrMapOvr>
+    <a:masterClrMapping/>
+  </p:clrMapOvr>
+</p:sld>
+</file>
+
 <file path=ppt/slides/slide2.xml><?xml version="1.0" encoding="utf-8"?>
 <p:sld xmlns:a="http://schemas.openxmlformats.org/drawingml/2006/main" xmlns:r="http://schemas.openxmlformats.org/officeDocument/2006/relationships" xmlns:mc="http://schemas.openxmlformats.org/markup-compatibility/2006" xmlns:mv="urn:schemas-microsoft-com:mac:vml" xmlns:p="http://schemas.openxmlformats.org/presentationml/2006/main" xmlns:c="http://schemas.openxmlformats.org/drawingml/2006/chart" xmlns:dgm="http://schemas.openxmlformats.org/drawingml/2006/diagram" xmlns:o="urn:schemas-microsoft-com:office:office" xmlns:v="urn:schemas-microsoft-com:vml" xmlns:pvml="urn:schemas-microsoft-com:office:powerpoint" xmlns:com="http://schemas.openxmlformats.org/drawingml/2006/compatibility" xmlns:p14="http://schemas.microsoft.com/office/powerpoint/2010/main" xmlns:p15="http://schemas.microsoft.com/office/powerpoint/2012/main" xmlns:ahyp="http://schemas.microsoft.com/office/drawing/2018/hyperlinkcolor">
   <p:cSld>
@@ -10790,6 +15418,821 @@
           <a:xfrm>
             <a:off x="808025" y="2190838"/>
             <a:ext cx="10572750" cy="3057525"/>
+          </a:xfrm>
+          <a:prstGeom prst="rect">
+            <a:avLst/>
+          </a:prstGeom>
+          <a:noFill/>
+          <a:ln>
+            <a:noFill/>
+          </a:ln>
+        </p:spPr>
+      </p:pic>
+    </p:spTree>
+  </p:cSld>
+  <p:clrMapOvr>
+    <a:masterClrMapping/>
+  </p:clrMapOvr>
+</p:sld>
+</file>
+
+<file path=ppt/slides/slide20.xml><?xml version="1.0" encoding="utf-8"?>
+<p:sld xmlns:a="http://schemas.openxmlformats.org/drawingml/2006/main" xmlns:r="http://schemas.openxmlformats.org/officeDocument/2006/relationships" xmlns:mc="http://schemas.openxmlformats.org/markup-compatibility/2006" xmlns:mv="urn:schemas-microsoft-com:mac:vml" xmlns:p="http://schemas.openxmlformats.org/presentationml/2006/main" xmlns:c="http://schemas.openxmlformats.org/drawingml/2006/chart" xmlns:dgm="http://schemas.openxmlformats.org/drawingml/2006/diagram" xmlns:o="urn:schemas-microsoft-com:office:office" xmlns:v="urn:schemas-microsoft-com:vml" xmlns:pvml="urn:schemas-microsoft-com:office:powerpoint" xmlns:com="http://schemas.openxmlformats.org/drawingml/2006/compatibility" xmlns:p14="http://schemas.microsoft.com/office/powerpoint/2010/main" xmlns:p15="http://schemas.microsoft.com/office/powerpoint/2012/main" xmlns:ahyp="http://schemas.microsoft.com/office/drawing/2018/hyperlinkcolor">
+  <p:cSld>
+    <p:spTree>
+      <p:nvGrpSpPr>
+        <p:cNvPr id="214" name="Shape 214"/>
+        <p:cNvGrpSpPr/>
+        <p:nvPr/>
+      </p:nvGrpSpPr>
+      <p:grpSpPr>
+        <a:xfrm>
+          <a:off x="0" y="0"/>
+          <a:ext cx="0" cy="0"/>
+          <a:chOff x="0" y="0"/>
+          <a:chExt cx="0" cy="0"/>
+        </a:xfrm>
+      </p:grpSpPr>
+      <p:sp>
+        <p:nvSpPr>
+          <p:cNvPr id="215" name="Google Shape;215;g14aad64c473_0_46"/>
+          <p:cNvSpPr txBox="1"/>
+          <p:nvPr>
+            <p:ph type="title"/>
+          </p:nvPr>
+        </p:nvSpPr>
+        <p:spPr>
+          <a:xfrm>
+            <a:off x="1141412" y="327514"/>
+            <a:ext cx="9906000" cy="1478700"/>
+          </a:xfrm>
+          <a:prstGeom prst="rect">
+            <a:avLst/>
+          </a:prstGeom>
+          <a:noFill/>
+          <a:ln>
+            <a:noFill/>
+          </a:ln>
+        </p:spPr>
+        <p:txBody>
+          <a:bodyPr anchorCtr="0" anchor="ctr" bIns="45700" lIns="91425" spcFirstLastPara="1" rIns="91425" wrap="square" tIns="45700">
+            <a:normAutofit/>
+          </a:bodyPr>
+          <a:lstStyle/>
+          <a:p>
+            <a:pPr indent="0" lvl="0" marL="0" rtl="0" algn="l">
+              <a:lnSpc>
+                <a:spcPct val="90000"/>
+              </a:lnSpc>
+              <a:spcBef>
+                <a:spcPts val="0"/>
+              </a:spcBef>
+              <a:spcAft>
+                <a:spcPts val="0"/>
+              </a:spcAft>
+              <a:buClr>
+                <a:schemeClr val="dk1"/>
+              </a:buClr>
+              <a:buSzPts val="3600"/>
+              <a:buFont typeface="Avenir"/>
+              <a:buNone/>
+            </a:pPr>
+            <a:r>
+              <a:rPr b="1" lang="en-US"/>
+              <a:t>The kalman filter</a:t>
+            </a:r>
+            <a:endParaRPr b="1"/>
+          </a:p>
+        </p:txBody>
+      </p:sp>
+      <p:sp>
+        <p:nvSpPr>
+          <p:cNvPr id="216" name="Google Shape;216;g14aad64c473_0_46"/>
+          <p:cNvSpPr txBox="1"/>
+          <p:nvPr/>
+        </p:nvSpPr>
+        <p:spPr>
+          <a:xfrm>
+            <a:off x="1322200" y="1772625"/>
+            <a:ext cx="9066600" cy="2416500"/>
+          </a:xfrm>
+          <a:prstGeom prst="rect">
+            <a:avLst/>
+          </a:prstGeom>
+          <a:noFill/>
+          <a:ln>
+            <a:noFill/>
+          </a:ln>
+        </p:spPr>
+        <p:txBody>
+          <a:bodyPr anchorCtr="0" anchor="t" bIns="91425" lIns="91425" spcFirstLastPara="1" rIns="91425" wrap="square" tIns="91425">
+            <a:spAutoFit/>
+          </a:bodyPr>
+          <a:lstStyle/>
+          <a:p>
+            <a:pPr indent="0" lvl="0" marL="457200" rtl="0" algn="l">
+              <a:spcBef>
+                <a:spcPts val="0"/>
+              </a:spcBef>
+              <a:spcAft>
+                <a:spcPts val="0"/>
+              </a:spcAft>
+              <a:buNone/>
+            </a:pPr>
+            <a:r>
+              <a:t/>
+            </a:r>
+            <a:endParaRPr sz="2900">
+              <a:latin typeface="Twentieth Century"/>
+              <a:ea typeface="Twentieth Century"/>
+              <a:cs typeface="Twentieth Century"/>
+              <a:sym typeface="Twentieth Century"/>
+            </a:endParaRPr>
+          </a:p>
+          <a:p>
+            <a:pPr indent="0" lvl="0" marL="0" rtl="0" algn="l">
+              <a:spcBef>
+                <a:spcPts val="0"/>
+              </a:spcBef>
+              <a:spcAft>
+                <a:spcPts val="0"/>
+              </a:spcAft>
+              <a:buNone/>
+            </a:pPr>
+            <a:r>
+              <a:t/>
+            </a:r>
+            <a:endParaRPr sz="2900">
+              <a:latin typeface="Twentieth Century"/>
+              <a:ea typeface="Twentieth Century"/>
+              <a:cs typeface="Twentieth Century"/>
+              <a:sym typeface="Twentieth Century"/>
+            </a:endParaRPr>
+          </a:p>
+          <a:p>
+            <a:pPr indent="0" lvl="0" marL="0" rtl="0" algn="l">
+              <a:spcBef>
+                <a:spcPts val="0"/>
+              </a:spcBef>
+              <a:spcAft>
+                <a:spcPts val="0"/>
+              </a:spcAft>
+              <a:buNone/>
+            </a:pPr>
+            <a:r>
+              <a:t/>
+            </a:r>
+            <a:endParaRPr sz="2900">
+              <a:latin typeface="Twentieth Century"/>
+              <a:ea typeface="Twentieth Century"/>
+              <a:cs typeface="Twentieth Century"/>
+              <a:sym typeface="Twentieth Century"/>
+            </a:endParaRPr>
+          </a:p>
+          <a:p>
+            <a:pPr indent="0" lvl="0" marL="0" rtl="0" algn="l">
+              <a:spcBef>
+                <a:spcPts val="0"/>
+              </a:spcBef>
+              <a:spcAft>
+                <a:spcPts val="0"/>
+              </a:spcAft>
+              <a:buNone/>
+            </a:pPr>
+            <a:r>
+              <a:t/>
+            </a:r>
+            <a:endParaRPr sz="2900">
+              <a:latin typeface="Twentieth Century"/>
+              <a:ea typeface="Twentieth Century"/>
+              <a:cs typeface="Twentieth Century"/>
+              <a:sym typeface="Twentieth Century"/>
+            </a:endParaRPr>
+          </a:p>
+          <a:p>
+            <a:pPr indent="0" lvl="0" marL="0" rtl="0" algn="l">
+              <a:spcBef>
+                <a:spcPts val="0"/>
+              </a:spcBef>
+              <a:spcAft>
+                <a:spcPts val="0"/>
+              </a:spcAft>
+              <a:buNone/>
+            </a:pPr>
+            <a:r>
+              <a:t/>
+            </a:r>
+            <a:endParaRPr sz="2900">
+              <a:latin typeface="Twentieth Century"/>
+              <a:ea typeface="Twentieth Century"/>
+              <a:cs typeface="Twentieth Century"/>
+              <a:sym typeface="Twentieth Century"/>
+            </a:endParaRPr>
+          </a:p>
+        </p:txBody>
+      </p:sp>
+      <p:sp>
+        <p:nvSpPr>
+          <p:cNvPr id="217" name="Google Shape;217;g14aad64c473_0_46"/>
+          <p:cNvSpPr txBox="1"/>
+          <p:nvPr/>
+        </p:nvSpPr>
+        <p:spPr>
+          <a:xfrm>
+            <a:off x="2195500" y="2095725"/>
+            <a:ext cx="7665900" cy="4002000"/>
+          </a:xfrm>
+          <a:prstGeom prst="rect">
+            <a:avLst/>
+          </a:prstGeom>
+          <a:noFill/>
+          <a:ln>
+            <a:noFill/>
+          </a:ln>
+        </p:spPr>
+        <p:txBody>
+          <a:bodyPr anchorCtr="0" anchor="t" bIns="91425" lIns="91425" spcFirstLastPara="1" rIns="91425" wrap="square" tIns="91425">
+            <a:spAutoFit/>
+          </a:bodyPr>
+          <a:lstStyle/>
+          <a:p>
+            <a:pPr indent="-425450" lvl="0" marL="457200" rtl="0" algn="l">
+              <a:spcBef>
+                <a:spcPts val="0"/>
+              </a:spcBef>
+              <a:spcAft>
+                <a:spcPts val="0"/>
+              </a:spcAft>
+              <a:buSzPts val="3100"/>
+              <a:buFont typeface="Avenir"/>
+              <a:buChar char="-"/>
+            </a:pPr>
+            <a:r>
+              <a:rPr b="1" lang="en-US" sz="3100">
+                <a:latin typeface="Avenir"/>
+                <a:ea typeface="Avenir"/>
+                <a:cs typeface="Avenir"/>
+                <a:sym typeface="Avenir"/>
+              </a:rPr>
+              <a:t>Computes a matrix Kf based on dynamics</a:t>
+            </a:r>
+            <a:endParaRPr b="1" sz="3100">
+              <a:latin typeface="Avenir"/>
+              <a:ea typeface="Avenir"/>
+              <a:cs typeface="Avenir"/>
+              <a:sym typeface="Avenir"/>
+            </a:endParaRPr>
+          </a:p>
+          <a:p>
+            <a:pPr indent="-425450" lvl="0" marL="457200" rtl="0" algn="l">
+              <a:spcBef>
+                <a:spcPts val="0"/>
+              </a:spcBef>
+              <a:spcAft>
+                <a:spcPts val="0"/>
+              </a:spcAft>
+              <a:buSzPts val="3100"/>
+              <a:buFont typeface="Avenir"/>
+              <a:buChar char="-"/>
+            </a:pPr>
+            <a:r>
+              <a:rPr b="1" lang="en-US" sz="3100">
+                <a:latin typeface="Avenir"/>
+                <a:ea typeface="Avenir"/>
+                <a:cs typeface="Avenir"/>
+                <a:sym typeface="Avenir"/>
+              </a:rPr>
+              <a:t>Predict and update the estimate:</a:t>
+            </a:r>
+            <a:endParaRPr b="1" sz="3100">
+              <a:latin typeface="Avenir"/>
+              <a:ea typeface="Avenir"/>
+              <a:cs typeface="Avenir"/>
+              <a:sym typeface="Avenir"/>
+            </a:endParaRPr>
+          </a:p>
+          <a:p>
+            <a:pPr indent="0" lvl="0" marL="0" rtl="0" algn="l">
+              <a:spcBef>
+                <a:spcPts val="0"/>
+              </a:spcBef>
+              <a:spcAft>
+                <a:spcPts val="0"/>
+              </a:spcAft>
+              <a:buNone/>
+            </a:pPr>
+            <a:r>
+              <a:t/>
+            </a:r>
+            <a:endParaRPr b="1" sz="3100">
+              <a:latin typeface="Avenir"/>
+              <a:ea typeface="Avenir"/>
+              <a:cs typeface="Avenir"/>
+              <a:sym typeface="Avenir"/>
+            </a:endParaRPr>
+          </a:p>
+          <a:p>
+            <a:pPr indent="0" lvl="0" marL="0" rtl="0" algn="l">
+              <a:spcBef>
+                <a:spcPts val="0"/>
+              </a:spcBef>
+              <a:spcAft>
+                <a:spcPts val="0"/>
+              </a:spcAft>
+              <a:buNone/>
+            </a:pPr>
+            <a:r>
+              <a:t/>
+            </a:r>
+            <a:endParaRPr b="1" sz="3100">
+              <a:latin typeface="Avenir"/>
+              <a:ea typeface="Avenir"/>
+              <a:cs typeface="Avenir"/>
+              <a:sym typeface="Avenir"/>
+            </a:endParaRPr>
+          </a:p>
+          <a:p>
+            <a:pPr indent="0" lvl="0" marL="457200" rtl="0" algn="l">
+              <a:spcBef>
+                <a:spcPts val="0"/>
+              </a:spcBef>
+              <a:spcAft>
+                <a:spcPts val="0"/>
+              </a:spcAft>
+              <a:buNone/>
+            </a:pPr>
+            <a:r>
+              <a:t/>
+            </a:r>
+            <a:endParaRPr b="1" sz="3100">
+              <a:latin typeface="Avenir"/>
+              <a:ea typeface="Avenir"/>
+              <a:cs typeface="Avenir"/>
+              <a:sym typeface="Avenir"/>
+            </a:endParaRPr>
+          </a:p>
+          <a:p>
+            <a:pPr indent="-425450" lvl="0" marL="457200" rtl="0" algn="l">
+              <a:spcBef>
+                <a:spcPts val="0"/>
+              </a:spcBef>
+              <a:spcAft>
+                <a:spcPts val="0"/>
+              </a:spcAft>
+              <a:buSzPts val="3100"/>
+              <a:buFont typeface="Avenir"/>
+              <a:buChar char="-"/>
+            </a:pPr>
+            <a:r>
+              <a:rPr b="1" lang="en-US" sz="3100">
+                <a:latin typeface="Avenir"/>
+                <a:ea typeface="Avenir"/>
+                <a:cs typeface="Avenir"/>
+                <a:sym typeface="Avenir"/>
+              </a:rPr>
+              <a:t>Such that expectation of error is minimized</a:t>
+            </a:r>
+            <a:endParaRPr b="1" sz="3100">
+              <a:latin typeface="Avenir"/>
+              <a:ea typeface="Avenir"/>
+              <a:cs typeface="Avenir"/>
+              <a:sym typeface="Avenir"/>
+            </a:endParaRPr>
+          </a:p>
+        </p:txBody>
+      </p:sp>
+      <p:pic>
+        <p:nvPicPr>
+          <p:cNvPr id="218" name="Google Shape;218;g14aad64c473_0_46"/>
+          <p:cNvPicPr preferRelativeResize="0"/>
+          <p:nvPr/>
+        </p:nvPicPr>
+        <p:blipFill>
+          <a:blip r:embed="rId3">
+            <a:alphaModFix/>
+          </a:blip>
+          <a:stretch>
+            <a:fillRect/>
+          </a:stretch>
+        </p:blipFill>
+        <p:spPr>
+          <a:xfrm>
+            <a:off x="2435413" y="3642213"/>
+            <a:ext cx="7953375" cy="1057275"/>
+          </a:xfrm>
+          <a:prstGeom prst="rect">
+            <a:avLst/>
+          </a:prstGeom>
+          <a:noFill/>
+          <a:ln>
+            <a:noFill/>
+          </a:ln>
+        </p:spPr>
+      </p:pic>
+    </p:spTree>
+  </p:cSld>
+  <p:clrMapOvr>
+    <a:masterClrMapping/>
+  </p:clrMapOvr>
+</p:sld>
+</file>
+
+<file path=ppt/slides/slide21.xml><?xml version="1.0" encoding="utf-8"?>
+<p:sld xmlns:a="http://schemas.openxmlformats.org/drawingml/2006/main" xmlns:r="http://schemas.openxmlformats.org/officeDocument/2006/relationships" xmlns:mc="http://schemas.openxmlformats.org/markup-compatibility/2006" xmlns:mv="urn:schemas-microsoft-com:mac:vml" xmlns:p="http://schemas.openxmlformats.org/presentationml/2006/main" xmlns:c="http://schemas.openxmlformats.org/drawingml/2006/chart" xmlns:dgm="http://schemas.openxmlformats.org/drawingml/2006/diagram" xmlns:o="urn:schemas-microsoft-com:office:office" xmlns:v="urn:schemas-microsoft-com:vml" xmlns:pvml="urn:schemas-microsoft-com:office:powerpoint" xmlns:com="http://schemas.openxmlformats.org/drawingml/2006/compatibility" xmlns:p14="http://schemas.microsoft.com/office/powerpoint/2010/main" xmlns:p15="http://schemas.microsoft.com/office/powerpoint/2012/main" xmlns:ahyp="http://schemas.microsoft.com/office/drawing/2018/hyperlinkcolor">
+  <p:cSld>
+    <p:spTree>
+      <p:nvGrpSpPr>
+        <p:cNvPr id="222" name="Shape 222"/>
+        <p:cNvGrpSpPr/>
+        <p:nvPr/>
+      </p:nvGrpSpPr>
+      <p:grpSpPr>
+        <a:xfrm>
+          <a:off x="0" y="0"/>
+          <a:ext cx="0" cy="0"/>
+          <a:chOff x="0" y="0"/>
+          <a:chExt cx="0" cy="0"/>
+        </a:xfrm>
+      </p:grpSpPr>
+      <p:sp>
+        <p:nvSpPr>
+          <p:cNvPr id="223" name="Google Shape;223;g14aad64c473_0_61"/>
+          <p:cNvSpPr txBox="1"/>
+          <p:nvPr>
+            <p:ph type="title"/>
+          </p:nvPr>
+        </p:nvSpPr>
+        <p:spPr>
+          <a:xfrm>
+            <a:off x="1141412" y="327514"/>
+            <a:ext cx="9906000" cy="1478700"/>
+          </a:xfrm>
+          <a:prstGeom prst="rect">
+            <a:avLst/>
+          </a:prstGeom>
+          <a:noFill/>
+          <a:ln>
+            <a:noFill/>
+          </a:ln>
+        </p:spPr>
+        <p:txBody>
+          <a:bodyPr anchorCtr="0" anchor="ctr" bIns="45700" lIns="91425" spcFirstLastPara="1" rIns="91425" wrap="square" tIns="45700">
+            <a:normAutofit/>
+          </a:bodyPr>
+          <a:lstStyle/>
+          <a:p>
+            <a:pPr indent="0" lvl="0" marL="0" rtl="0" algn="l">
+              <a:lnSpc>
+                <a:spcPct val="90000"/>
+              </a:lnSpc>
+              <a:spcBef>
+                <a:spcPts val="0"/>
+              </a:spcBef>
+              <a:spcAft>
+                <a:spcPts val="0"/>
+              </a:spcAft>
+              <a:buClr>
+                <a:schemeClr val="dk1"/>
+              </a:buClr>
+              <a:buSzPts val="3600"/>
+              <a:buFont typeface="Avenir"/>
+              <a:buNone/>
+            </a:pPr>
+            <a:r>
+              <a:rPr b="1" lang="en-US"/>
+              <a:t>The controller</a:t>
+            </a:r>
+            <a:endParaRPr b="1"/>
+          </a:p>
+        </p:txBody>
+      </p:sp>
+      <p:sp>
+        <p:nvSpPr>
+          <p:cNvPr id="224" name="Google Shape;224;g14aad64c473_0_61"/>
+          <p:cNvSpPr txBox="1"/>
+          <p:nvPr/>
+        </p:nvSpPr>
+        <p:spPr>
+          <a:xfrm>
+            <a:off x="2195500" y="2095725"/>
+            <a:ext cx="7665900" cy="3047700"/>
+          </a:xfrm>
+          <a:prstGeom prst="rect">
+            <a:avLst/>
+          </a:prstGeom>
+          <a:noFill/>
+          <a:ln>
+            <a:noFill/>
+          </a:ln>
+        </p:spPr>
+        <p:txBody>
+          <a:bodyPr anchorCtr="0" anchor="t" bIns="91425" lIns="91425" spcFirstLastPara="1" rIns="91425" wrap="square" tIns="91425">
+            <a:spAutoFit/>
+          </a:bodyPr>
+          <a:lstStyle/>
+          <a:p>
+            <a:pPr indent="-425450" lvl="0" marL="457200" rtl="0" algn="l">
+              <a:spcBef>
+                <a:spcPts val="0"/>
+              </a:spcBef>
+              <a:spcAft>
+                <a:spcPts val="0"/>
+              </a:spcAft>
+              <a:buSzPts val="3100"/>
+              <a:buFont typeface="Avenir"/>
+              <a:buChar char="-"/>
+            </a:pPr>
+            <a:r>
+              <a:rPr b="1" lang="en-US" sz="3100">
+                <a:latin typeface="Avenir"/>
+                <a:ea typeface="Avenir"/>
+                <a:cs typeface="Avenir"/>
+                <a:sym typeface="Avenir"/>
+              </a:rPr>
+              <a:t>Linear Quadratic Regulator: Computes a matrix K based on cost and dynamics</a:t>
+            </a:r>
+            <a:endParaRPr b="1" sz="3100">
+              <a:latin typeface="Avenir"/>
+              <a:ea typeface="Avenir"/>
+              <a:cs typeface="Avenir"/>
+              <a:sym typeface="Avenir"/>
+            </a:endParaRPr>
+          </a:p>
+          <a:p>
+            <a:pPr indent="0" lvl="0" marL="0" rtl="0" algn="l">
+              <a:spcBef>
+                <a:spcPts val="0"/>
+              </a:spcBef>
+              <a:spcAft>
+                <a:spcPts val="0"/>
+              </a:spcAft>
+              <a:buNone/>
+            </a:pPr>
+            <a:r>
+              <a:t/>
+            </a:r>
+            <a:endParaRPr b="1" sz="3100">
+              <a:latin typeface="Avenir"/>
+              <a:ea typeface="Avenir"/>
+              <a:cs typeface="Avenir"/>
+              <a:sym typeface="Avenir"/>
+            </a:endParaRPr>
+          </a:p>
+          <a:p>
+            <a:pPr indent="-425450" lvl="0" marL="457200" rtl="0" algn="l">
+              <a:spcBef>
+                <a:spcPts val="0"/>
+              </a:spcBef>
+              <a:spcAft>
+                <a:spcPts val="0"/>
+              </a:spcAft>
+              <a:buSzPts val="3100"/>
+              <a:buFont typeface="Avenir"/>
+              <a:buChar char="-"/>
+            </a:pPr>
+            <a:r>
+              <a:rPr b="1" lang="en-US" sz="3100">
+                <a:latin typeface="Avenir"/>
+                <a:ea typeface="Avenir"/>
+                <a:cs typeface="Avenir"/>
+                <a:sym typeface="Avenir"/>
+              </a:rPr>
+              <a:t>The control law is </a:t>
+            </a:r>
+            <a:endParaRPr b="1" sz="3100">
+              <a:latin typeface="Avenir"/>
+              <a:ea typeface="Avenir"/>
+              <a:cs typeface="Avenir"/>
+              <a:sym typeface="Avenir"/>
+            </a:endParaRPr>
+          </a:p>
+          <a:p>
+            <a:pPr indent="0" lvl="0" marL="0" rtl="0" algn="l">
+              <a:spcBef>
+                <a:spcPts val="0"/>
+              </a:spcBef>
+              <a:spcAft>
+                <a:spcPts val="0"/>
+              </a:spcAft>
+              <a:buNone/>
+            </a:pPr>
+            <a:r>
+              <a:t/>
+            </a:r>
+            <a:endParaRPr b="1" sz="3100">
+              <a:latin typeface="Avenir"/>
+              <a:ea typeface="Avenir"/>
+              <a:cs typeface="Avenir"/>
+              <a:sym typeface="Avenir"/>
+            </a:endParaRPr>
+          </a:p>
+          <a:p>
+            <a:pPr indent="-425450" lvl="0" marL="457200" rtl="0" algn="l">
+              <a:spcBef>
+                <a:spcPts val="0"/>
+              </a:spcBef>
+              <a:spcAft>
+                <a:spcPts val="0"/>
+              </a:spcAft>
+              <a:buSzPts val="3100"/>
+              <a:buFont typeface="Avenir"/>
+              <a:buChar char="-"/>
+            </a:pPr>
+            <a:r>
+              <a:rPr b="1" lang="en-US" sz="3100">
+                <a:latin typeface="Avenir"/>
+                <a:ea typeface="Avenir"/>
+                <a:cs typeface="Avenir"/>
+                <a:sym typeface="Avenir"/>
+              </a:rPr>
+              <a:t>Minimizes the objective</a:t>
+            </a:r>
+            <a:endParaRPr b="1" sz="3100">
+              <a:latin typeface="Avenir"/>
+              <a:ea typeface="Avenir"/>
+              <a:cs typeface="Avenir"/>
+              <a:sym typeface="Avenir"/>
+            </a:endParaRPr>
+          </a:p>
+        </p:txBody>
+      </p:sp>
+      <p:pic>
+        <p:nvPicPr>
+          <p:cNvPr id="225" name="Google Shape;225;g14aad64c473_0_61"/>
+          <p:cNvPicPr preferRelativeResize="0"/>
+          <p:nvPr/>
+        </p:nvPicPr>
+        <p:blipFill>
+          <a:blip r:embed="rId3">
+            <a:alphaModFix/>
+          </a:blip>
+          <a:stretch>
+            <a:fillRect/>
+          </a:stretch>
+        </p:blipFill>
+        <p:spPr>
+          <a:xfrm>
+            <a:off x="5938825" y="3628650"/>
+            <a:ext cx="1905000" cy="523875"/>
+          </a:xfrm>
+          <a:prstGeom prst="rect">
+            <a:avLst/>
+          </a:prstGeom>
+          <a:noFill/>
+          <a:ln>
+            <a:noFill/>
+          </a:ln>
+        </p:spPr>
+      </p:pic>
+    </p:spTree>
+  </p:cSld>
+  <p:clrMapOvr>
+    <a:masterClrMapping/>
+  </p:clrMapOvr>
+</p:sld>
+</file>
+
+<file path=ppt/slides/slide22.xml><?xml version="1.0" encoding="utf-8"?>
+<p:sld xmlns:a="http://schemas.openxmlformats.org/drawingml/2006/main" xmlns:r="http://schemas.openxmlformats.org/officeDocument/2006/relationships" xmlns:mc="http://schemas.openxmlformats.org/markup-compatibility/2006" xmlns:mv="urn:schemas-microsoft-com:mac:vml" xmlns:p="http://schemas.openxmlformats.org/presentationml/2006/main" xmlns:c="http://schemas.openxmlformats.org/drawingml/2006/chart" xmlns:dgm="http://schemas.openxmlformats.org/drawingml/2006/diagram" xmlns:o="urn:schemas-microsoft-com:office:office" xmlns:v="urn:schemas-microsoft-com:vml" xmlns:pvml="urn:schemas-microsoft-com:office:powerpoint" xmlns:com="http://schemas.openxmlformats.org/drawingml/2006/compatibility" xmlns:p14="http://schemas.microsoft.com/office/powerpoint/2010/main" xmlns:p15="http://schemas.microsoft.com/office/powerpoint/2012/main" xmlns:ahyp="http://schemas.microsoft.com/office/drawing/2018/hyperlinkcolor">
+  <p:cSld>
+    <p:spTree>
+      <p:nvGrpSpPr>
+        <p:cNvPr id="229" name="Shape 229"/>
+        <p:cNvGrpSpPr/>
+        <p:nvPr/>
+      </p:nvGrpSpPr>
+      <p:grpSpPr>
+        <a:xfrm>
+          <a:off x="0" y="0"/>
+          <a:ext cx="0" cy="0"/>
+          <a:chOff x="0" y="0"/>
+          <a:chExt cx="0" cy="0"/>
+        </a:xfrm>
+      </p:grpSpPr>
+      <p:sp>
+        <p:nvSpPr>
+          <p:cNvPr id="230" name="Google Shape;230;g138bbc4d2d1_0_6"/>
+          <p:cNvSpPr txBox="1"/>
+          <p:nvPr>
+            <p:ph type="title"/>
+          </p:nvPr>
+        </p:nvSpPr>
+        <p:spPr>
+          <a:xfrm>
+            <a:off x="1143012" y="293914"/>
+            <a:ext cx="9906000" cy="1478700"/>
+          </a:xfrm>
+          <a:prstGeom prst="rect">
+            <a:avLst/>
+          </a:prstGeom>
+          <a:noFill/>
+          <a:ln>
+            <a:noFill/>
+          </a:ln>
+        </p:spPr>
+        <p:txBody>
+          <a:bodyPr anchorCtr="0" anchor="ctr" bIns="45700" lIns="91425" spcFirstLastPara="1" rIns="91425" wrap="square" tIns="45700">
+            <a:normAutofit/>
+          </a:bodyPr>
+          <a:lstStyle/>
+          <a:p>
+            <a:pPr indent="0" lvl="0" marL="0" rtl="0" algn="l">
+              <a:lnSpc>
+                <a:spcPct val="90000"/>
+              </a:lnSpc>
+              <a:spcBef>
+                <a:spcPts val="0"/>
+              </a:spcBef>
+              <a:spcAft>
+                <a:spcPts val="0"/>
+              </a:spcAft>
+              <a:buClr>
+                <a:schemeClr val="dk1"/>
+              </a:buClr>
+              <a:buSzPts val="3600"/>
+              <a:buFont typeface="Avenir"/>
+              <a:buNone/>
+            </a:pPr>
+            <a:r>
+              <a:rPr b="1" lang="en-US"/>
+              <a:t>Full picture</a:t>
+            </a:r>
+            <a:endParaRPr b="1"/>
+          </a:p>
+        </p:txBody>
+      </p:sp>
+      <p:sp>
+        <p:nvSpPr>
+          <p:cNvPr id="231" name="Google Shape;231;g138bbc4d2d1_0_6"/>
+          <p:cNvSpPr txBox="1"/>
+          <p:nvPr/>
+        </p:nvSpPr>
+        <p:spPr>
+          <a:xfrm>
+            <a:off x="1322200" y="1772625"/>
+            <a:ext cx="9066600" cy="615600"/>
+          </a:xfrm>
+          <a:prstGeom prst="rect">
+            <a:avLst/>
+          </a:prstGeom>
+          <a:noFill/>
+          <a:ln>
+            <a:noFill/>
+          </a:ln>
+        </p:spPr>
+        <p:txBody>
+          <a:bodyPr anchorCtr="0" anchor="t" bIns="91425" lIns="91425" spcFirstLastPara="1" rIns="91425" wrap="square" tIns="91425">
+            <a:spAutoFit/>
+          </a:bodyPr>
+          <a:lstStyle/>
+          <a:p>
+            <a:pPr indent="-406400" lvl="0" marL="457200" rtl="0" algn="l">
+              <a:spcBef>
+                <a:spcPts val="0"/>
+              </a:spcBef>
+              <a:spcAft>
+                <a:spcPts val="0"/>
+              </a:spcAft>
+              <a:buSzPts val="2800"/>
+              <a:buFont typeface="Twentieth Century"/>
+              <a:buChar char="-"/>
+            </a:pPr>
+            <a:r>
+              <a:rPr b="1" lang="en-US" sz="2800">
+                <a:latin typeface="Twentieth Century"/>
+                <a:ea typeface="Twentieth Century"/>
+                <a:cs typeface="Twentieth Century"/>
+                <a:sym typeface="Twentieth Century"/>
+              </a:rPr>
+              <a:t>Closed loop control with filtering</a:t>
+            </a:r>
+            <a:endParaRPr sz="2800">
+              <a:latin typeface="Twentieth Century"/>
+              <a:ea typeface="Twentieth Century"/>
+              <a:cs typeface="Twentieth Century"/>
+              <a:sym typeface="Twentieth Century"/>
+            </a:endParaRPr>
+          </a:p>
+        </p:txBody>
+      </p:sp>
+      <p:pic>
+        <p:nvPicPr>
+          <p:cNvPr id="232" name="Google Shape;232;g138bbc4d2d1_0_6"/>
+          <p:cNvPicPr preferRelativeResize="0"/>
+          <p:nvPr/>
+        </p:nvPicPr>
+        <p:blipFill>
+          <a:blip r:embed="rId3">
+            <a:alphaModFix/>
+          </a:blip>
+          <a:stretch>
+            <a:fillRect/>
+          </a:stretch>
+        </p:blipFill>
+        <p:spPr>
+          <a:xfrm>
+            <a:off x="2767750" y="2744050"/>
+            <a:ext cx="6038850" cy="3467100"/>
           </a:xfrm>
           <a:prstGeom prst="rect">
             <a:avLst/>
@@ -11795,7 +17238,7 @@
         <p:spPr>
           <a:xfrm>
             <a:off x="1322200" y="1772625"/>
-            <a:ext cx="9066600" cy="1908600"/>
+            <a:ext cx="9066600" cy="2770500"/>
           </a:xfrm>
           <a:prstGeom prst="rect">
             <a:avLst/>
@@ -11886,6 +17329,62 @@
                 <a:sym typeface="Twentieth Century"/>
               </a:rPr>
               <a:t>Which information do we trust more?</a:t>
+            </a:r>
+            <a:endParaRPr sz="2800">
+              <a:latin typeface="Twentieth Century"/>
+              <a:ea typeface="Twentieth Century"/>
+              <a:cs typeface="Twentieth Century"/>
+              <a:sym typeface="Twentieth Century"/>
+            </a:endParaRPr>
+          </a:p>
+          <a:p>
+            <a:pPr indent="-406400" lvl="1" marL="914400" rtl="0" algn="l">
+              <a:spcBef>
+                <a:spcPts val="0"/>
+              </a:spcBef>
+              <a:spcAft>
+                <a:spcPts val="0"/>
+              </a:spcAft>
+              <a:buSzPts val="2800"/>
+              <a:buFont typeface="Twentieth Century"/>
+              <a:buChar char="-"/>
+            </a:pPr>
+            <a:r>
+              <a:rPr lang="en-US" sz="2800">
+                <a:latin typeface="Twentieth Century"/>
+                <a:ea typeface="Twentieth Century"/>
+                <a:cs typeface="Twentieth Century"/>
+                <a:sym typeface="Twentieth Century"/>
+              </a:rPr>
+              <a:t>The general update equation:</a:t>
+            </a:r>
+            <a:endParaRPr sz="2800">
+              <a:latin typeface="Twentieth Century"/>
+              <a:ea typeface="Twentieth Century"/>
+              <a:cs typeface="Twentieth Century"/>
+              <a:sym typeface="Twentieth Century"/>
+            </a:endParaRPr>
+          </a:p>
+          <a:p>
+            <a:pPr indent="-406400" lvl="2" marL="1371600" rtl="0" algn="l">
+              <a:spcBef>
+                <a:spcPts val="0"/>
+              </a:spcBef>
+              <a:spcAft>
+                <a:spcPts val="0"/>
+              </a:spcAft>
+              <a:buSzPts val="2800"/>
+              <a:buFont typeface="Twentieth Century"/>
+              <a:buChar char="-"/>
+            </a:pPr>
+            <a:r>
+              <a:rPr lang="en-US" sz="2800">
+                <a:latin typeface="Twentieth Century"/>
+                <a:ea typeface="Twentieth Century"/>
+                <a:cs typeface="Twentieth Century"/>
+                <a:sym typeface="Twentieth Century"/>
+              </a:rPr>
+              <a:t>Estimate=Prediction+K*(Measurement-Prediction)</a:t>
             </a:r>
             <a:endParaRPr sz="2800">
               <a:latin typeface="Twentieth Century"/>
@@ -11923,7 +17422,7 @@
       </p:grpSpPr>
       <p:sp>
         <p:nvSpPr>
-          <p:cNvPr id="127" name="Google Shape;127;g138bbc4d2d1_0_0"/>
+          <p:cNvPr id="127" name="Google Shape;127;g164b75e63d5_0_0"/>
           <p:cNvSpPr txBox="1"/>
           <p:nvPr>
             <p:ph type="title"/>
@@ -11966,13 +17465,8 @@
               <a:buNone/>
             </a:pPr>
             <a:r>
-              <a:rPr b="1" lang="en-US">
-                <a:latin typeface="Avenir"/>
-                <a:ea typeface="Avenir"/>
-                <a:cs typeface="Avenir"/>
-                <a:sym typeface="Avenir"/>
-              </a:rPr>
-              <a:t>State estimation and control</a:t>
+              <a:rPr b="1" lang="en-US"/>
+              <a:t>Alpha beta filter</a:t>
             </a:r>
             <a:endParaRPr b="1"/>
           </a:p>
@@ -11980,14 +17474,14 @@
       </p:sp>
       <p:sp>
         <p:nvSpPr>
-          <p:cNvPr id="128" name="Google Shape;128;g138bbc4d2d1_0_0"/>
+          <p:cNvPr id="128" name="Google Shape;128;g164b75e63d5_0_0"/>
           <p:cNvSpPr txBox="1"/>
           <p:nvPr/>
         </p:nvSpPr>
         <p:spPr>
           <a:xfrm>
             <a:off x="1322200" y="1772625"/>
-            <a:ext cx="9066600" cy="615600"/>
+            <a:ext cx="9066600" cy="1477500"/>
           </a:xfrm>
           <a:prstGeom prst="rect">
             <a:avLst/>
@@ -12015,13 +17509,69 @@
               <a:buChar char="-"/>
             </a:pPr>
             <a:r>
-              <a:rPr b="1" lang="en-US" sz="2800">
+              <a:rPr lang="en-US" sz="2800">
                 <a:latin typeface="Twentieth Century"/>
                 <a:ea typeface="Twentieth Century"/>
                 <a:cs typeface="Twentieth Century"/>
                 <a:sym typeface="Twentieth Century"/>
               </a:rPr>
-              <a:t>Closed loop control</a:t>
+              <a:t>State contains a quantity and its rate of change</a:t>
+            </a:r>
+            <a:endParaRPr sz="2800">
+              <a:latin typeface="Twentieth Century"/>
+              <a:ea typeface="Twentieth Century"/>
+              <a:cs typeface="Twentieth Century"/>
+              <a:sym typeface="Twentieth Century"/>
+            </a:endParaRPr>
+          </a:p>
+          <a:p>
+            <a:pPr indent="-406400" lvl="0" marL="457200" rtl="0" algn="l">
+              <a:spcBef>
+                <a:spcPts val="0"/>
+              </a:spcBef>
+              <a:spcAft>
+                <a:spcPts val="0"/>
+              </a:spcAft>
+              <a:buSzPts val="2800"/>
+              <a:buFont typeface="Twentieth Century"/>
+              <a:buChar char="-"/>
+            </a:pPr>
+            <a:r>
+              <a:rPr lang="en-US" sz="2800">
+                <a:latin typeface="Twentieth Century"/>
+                <a:ea typeface="Twentieth Century"/>
+                <a:cs typeface="Twentieth Century"/>
+                <a:sym typeface="Twentieth Century"/>
+              </a:rPr>
+              <a:t>E.g. Position and velocity</a:t>
+            </a:r>
+            <a:endParaRPr sz="2800">
+              <a:latin typeface="Twentieth Century"/>
+              <a:ea typeface="Twentieth Century"/>
+              <a:cs typeface="Twentieth Century"/>
+              <a:sym typeface="Twentieth Century"/>
+            </a:endParaRPr>
+          </a:p>
+          <a:p>
+            <a:pPr indent="-406400" lvl="0" marL="457200" rtl="0" algn="l">
+              <a:spcBef>
+                <a:spcPts val="0"/>
+              </a:spcBef>
+              <a:spcAft>
+                <a:spcPts val="0"/>
+              </a:spcAft>
+              <a:buSzPts val="2800"/>
+              <a:buFont typeface="Twentieth Century"/>
+              <a:buChar char="-"/>
+            </a:pPr>
+            <a:r>
+              <a:rPr lang="en-US" sz="2800">
+                <a:latin typeface="Twentieth Century"/>
+                <a:ea typeface="Twentieth Century"/>
+                <a:cs typeface="Twentieth Century"/>
+                <a:sym typeface="Twentieth Century"/>
+              </a:rPr>
+              <a:t>Only record position</a:t>
             </a:r>
             <a:endParaRPr sz="2800">
               <a:latin typeface="Twentieth Century"/>
@@ -12034,7 +17584,7 @@
       </p:sp>
       <p:pic>
         <p:nvPicPr>
-          <p:cNvPr id="129" name="Google Shape;129;g138bbc4d2d1_0_0"/>
+          <p:cNvPr id="129" name="Google Shape;129;g164b75e63d5_0_0"/>
           <p:cNvPicPr preferRelativeResize="0"/>
           <p:nvPr/>
         </p:nvPicPr>
@@ -12048,8 +17598,8 @@
         </p:blipFill>
         <p:spPr>
           <a:xfrm>
-            <a:off x="2998000" y="2831225"/>
-            <a:ext cx="5715000" cy="1924050"/>
+            <a:off x="4936413" y="2991025"/>
+            <a:ext cx="4685975" cy="3514475"/>
           </a:xfrm>
           <a:prstGeom prst="rect">
             <a:avLst/>
@@ -12087,7 +17637,7 @@
       </p:grpSpPr>
       <p:sp>
         <p:nvSpPr>
-          <p:cNvPr id="134" name="Google Shape;134;g138bbc4d2d1_0_6"/>
+          <p:cNvPr id="134" name="Google Shape;134;g164b75e63d5_0_6"/>
           <p:cNvSpPr txBox="1"/>
           <p:nvPr>
             <p:ph type="title"/>
@@ -12130,13 +17680,8 @@
               <a:buNone/>
             </a:pPr>
             <a:r>
-              <a:rPr b="1" lang="en-US">
-                <a:latin typeface="Avenir"/>
-                <a:ea typeface="Avenir"/>
-                <a:cs typeface="Avenir"/>
-                <a:sym typeface="Avenir"/>
-              </a:rPr>
-              <a:t>State estimation and control</a:t>
+              <a:rPr b="1" lang="en-US"/>
+              <a:t>Alpha beta filter</a:t>
             </a:r>
             <a:endParaRPr b="1"/>
           </a:p>
@@ -12144,14 +17689,14 @@
       </p:sp>
       <p:sp>
         <p:nvSpPr>
-          <p:cNvPr id="135" name="Google Shape;135;g138bbc4d2d1_0_6"/>
+          <p:cNvPr id="135" name="Google Shape;135;g164b75e63d5_0_6"/>
           <p:cNvSpPr txBox="1"/>
           <p:nvPr/>
         </p:nvSpPr>
         <p:spPr>
           <a:xfrm>
             <a:off x="1322200" y="1772625"/>
-            <a:ext cx="9066600" cy="615600"/>
+            <a:ext cx="9066600" cy="1477500"/>
           </a:xfrm>
           <a:prstGeom prst="rect">
             <a:avLst/>
@@ -12179,13 +17724,41 @@
               <a:buChar char="-"/>
             </a:pPr>
             <a:r>
-              <a:rPr b="1" lang="en-US" sz="2800">
+              <a:rPr lang="en-US" sz="2800">
                 <a:latin typeface="Twentieth Century"/>
                 <a:ea typeface="Twentieth Century"/>
                 <a:cs typeface="Twentieth Century"/>
                 <a:sym typeface="Twentieth Century"/>
               </a:rPr>
-              <a:t>Closed loop control with filtering</a:t>
+              <a:t>Alpha: Relative trust in measurement vs prediction of position </a:t>
+            </a:r>
+            <a:endParaRPr sz="2800">
+              <a:latin typeface="Twentieth Century"/>
+              <a:ea typeface="Twentieth Century"/>
+              <a:cs typeface="Twentieth Century"/>
+              <a:sym typeface="Twentieth Century"/>
+            </a:endParaRPr>
+          </a:p>
+          <a:p>
+            <a:pPr indent="-406400" lvl="0" marL="457200" rtl="0" algn="l">
+              <a:spcBef>
+                <a:spcPts val="0"/>
+              </a:spcBef>
+              <a:spcAft>
+                <a:spcPts val="0"/>
+              </a:spcAft>
+              <a:buSzPts val="2800"/>
+              <a:buFont typeface="Twentieth Century"/>
+              <a:buChar char="-"/>
+            </a:pPr>
+            <a:r>
+              <a:rPr lang="en-US" sz="2800">
+                <a:latin typeface="Twentieth Century"/>
+                <a:ea typeface="Twentieth Century"/>
+                <a:cs typeface="Twentieth Century"/>
+                <a:sym typeface="Twentieth Century"/>
+              </a:rPr>
+              <a:t>Beta: Relative trust in measurement vs prediction of velocity</a:t>
             </a:r>
             <a:endParaRPr sz="2800">
               <a:latin typeface="Twentieth Century"/>
@@ -12198,7 +17771,7 @@
       </p:sp>
       <p:pic>
         <p:nvPicPr>
-          <p:cNvPr id="136" name="Google Shape;136;g138bbc4d2d1_0_6"/>
+          <p:cNvPr id="136" name="Google Shape;136;g164b75e63d5_0_6"/>
           <p:cNvPicPr preferRelativeResize="0"/>
           <p:nvPr/>
         </p:nvPicPr>
@@ -12212,8 +17785,8 @@
         </p:blipFill>
         <p:spPr>
           <a:xfrm>
-            <a:off x="2767750" y="2744050"/>
-            <a:ext cx="6038850" cy="3467100"/>
+            <a:off x="5067188" y="3121800"/>
+            <a:ext cx="4685975" cy="3514475"/>
           </a:xfrm>
           <a:prstGeom prst="rect">
             <a:avLst/>

--- a/semester-1/Week-4-Kalman-Filtering-Inverted-Pendulum/state space models and filtering.pptx
+++ b/semester-1/Week-4-Kalman-Filtering-Inverted-Pendulum/state space models and filtering.pptx
@@ -5,7 +5,7 @@
     <p:sldMasterId id="2147483648" r:id="rId1"/>
   </p:sldMasterIdLst>
   <p:notesMasterIdLst>
-    <p:notesMasterId r:id="rId23"/>
+    <p:notesMasterId r:id="rId21"/>
   </p:notesMasterIdLst>
   <p:sldIdLst>
     <p:sldId id="256" r:id="rId2"/>
@@ -22,34 +22,32 @@
     <p:sldId id="267" r:id="rId13"/>
     <p:sldId id="268" r:id="rId14"/>
     <p:sldId id="269" r:id="rId15"/>
-    <p:sldId id="270" r:id="rId16"/>
-    <p:sldId id="272" r:id="rId17"/>
-    <p:sldId id="273" r:id="rId18"/>
-    <p:sldId id="274" r:id="rId19"/>
-    <p:sldId id="275" r:id="rId20"/>
-    <p:sldId id="276" r:id="rId21"/>
-    <p:sldId id="277" r:id="rId22"/>
+    <p:sldId id="272" r:id="rId16"/>
+    <p:sldId id="273" r:id="rId17"/>
+    <p:sldId id="275" r:id="rId18"/>
+    <p:sldId id="276" r:id="rId19"/>
+    <p:sldId id="277" r:id="rId20"/>
   </p:sldIdLst>
   <p:sldSz cx="12192000" cy="6858000"/>
   <p:notesSz cx="6858000" cy="9144000"/>
   <p:embeddedFontLst>
     <p:embeddedFont>
       <p:font typeface="Cambria Math" panose="02040503050406030204" pitchFamily="18" charset="0"/>
-      <p:regular r:id="rId24"/>
+      <p:regular r:id="rId22"/>
     </p:embeddedFont>
     <p:embeddedFont>
       <p:font typeface="Helvetica Neue" panose="02010600030101010101" charset="0"/>
-      <p:regular r:id="rId25"/>
-      <p:bold r:id="rId26"/>
-      <p:italic r:id="rId27"/>
-      <p:boldItalic r:id="rId28"/>
+      <p:regular r:id="rId23"/>
+      <p:bold r:id="rId24"/>
+      <p:italic r:id="rId25"/>
+      <p:boldItalic r:id="rId26"/>
     </p:embeddedFont>
     <p:embeddedFont>
       <p:font typeface="Trebuchet MS" panose="020B0603020202020204" pitchFamily="34" charset="0"/>
-      <p:regular r:id="rId29"/>
-      <p:bold r:id="rId30"/>
-      <p:italic r:id="rId31"/>
-      <p:boldItalic r:id="rId32"/>
+      <p:regular r:id="rId27"/>
+      <p:bold r:id="rId28"/>
+      <p:italic r:id="rId29"/>
+      <p:boldItalic r:id="rId30"/>
     </p:embeddedFont>
   </p:embeddedFontLst>
   <p:defaultTextStyle>
@@ -282,8 +280,11 @@
     </a:lvl9pPr>
   </p:defaultTextStyle>
   <p:extLst>
+    <p:ext uri="{EFAFB233-063F-42B5-8137-9DF3F51BA10A}">
+      <p15:sldGuideLst xmlns:p15="http://schemas.microsoft.com/office/powerpoint/2012/main"/>
+    </p:ext>
     <p:ext uri="http://customooxmlschemas.google.com/">
-      <go:slidesCustomData xmlns:go="http://customooxmlschemas.google.com/" xmlns:ahyp="http://schemas.microsoft.com/office/drawing/2018/hyperlinkcolor" xmlns:p15="http://schemas.microsoft.com/office/powerpoint/2012/main" xmlns:p14="http://schemas.microsoft.com/office/powerpoint/2010/main" xmlns:com="http://schemas.openxmlformats.org/drawingml/2006/compatibility" xmlns:pvml="urn:schemas-microsoft-com:office:powerpoint" xmlns:v="urn:schemas-microsoft-com:vml" xmlns:o="urn:schemas-microsoft-com:office:office" xmlns:dgm="http://schemas.openxmlformats.org/drawingml/2006/diagram" xmlns:c="http://schemas.openxmlformats.org/drawingml/2006/chart" xmlns:mv="urn:schemas-microsoft-com:mac:vml" xmlns:mc="http://schemas.openxmlformats.org/markup-compatibility/2006" xmlns="" r:id="rId33" roundtripDataSignature="AMtx7mi089t6J4VeBdF8A+Ixb28aoq/sBA=="/>
+      <go:slidesCustomData xmlns="" xmlns:mc="http://schemas.openxmlformats.org/markup-compatibility/2006" xmlns:mv="urn:schemas-microsoft-com:mac:vml" xmlns:c="http://schemas.openxmlformats.org/drawingml/2006/chart" xmlns:dgm="http://schemas.openxmlformats.org/drawingml/2006/diagram" xmlns:o="urn:schemas-microsoft-com:office:office" xmlns:v="urn:schemas-microsoft-com:vml" xmlns:pvml="urn:schemas-microsoft-com:office:powerpoint" xmlns:com="http://schemas.openxmlformats.org/drawingml/2006/compatibility" xmlns:p14="http://schemas.microsoft.com/office/powerpoint/2010/main" xmlns:p15="http://schemas.microsoft.com/office/powerpoint/2012/main" xmlns:ahyp="http://schemas.microsoft.com/office/drawing/2018/hyperlinkcolor" xmlns:go="http://customooxmlschemas.google.com/" r:id="rId31" roundtripDataSignature="AMtx7mi089t6J4VeBdF8A+Ixb28aoq/sBA=="/>
     </p:ext>
   </p:extLst>
 </p:presentation>
@@ -1288,8 +1289,8 @@
         </p:nvSpPr>
         <p:spPr>
           <a:xfrm>
-            <a:off x="1143225" y="685800"/>
-            <a:ext cx="4572300" cy="3429000"/>
+            <a:off x="381000" y="685800"/>
+            <a:ext cx="6096000" cy="3429000"/>
           </a:xfrm>
           <a:custGeom>
             <a:avLst/>
@@ -1410,8 +1411,8 @@
         </p:nvSpPr>
         <p:spPr>
           <a:xfrm>
-            <a:off x="1143225" y="685800"/>
-            <a:ext cx="4572300" cy="3429000"/>
+            <a:off x="381000" y="685800"/>
+            <a:ext cx="6096000" cy="3429000"/>
           </a:xfrm>
           <a:custGeom>
             <a:avLst/>
@@ -1532,8 +1533,8 @@
         </p:nvSpPr>
         <p:spPr>
           <a:xfrm>
-            <a:off x="1143225" y="685800"/>
-            <a:ext cx="4572300" cy="3429000"/>
+            <a:off x="381000" y="685800"/>
+            <a:ext cx="6096000" cy="3429000"/>
           </a:xfrm>
           <a:custGeom>
             <a:avLst/>
@@ -1580,128 +1581,6 @@
 </file>
 
 <file path=ppt/notesSlides/notesSlide15.xml><?xml version="1.0" encoding="utf-8"?>
-<p:notes xmlns:a="http://schemas.openxmlformats.org/drawingml/2006/main" xmlns:r="http://schemas.openxmlformats.org/officeDocument/2006/relationships" xmlns:p="http://schemas.openxmlformats.org/presentationml/2006/main" showMasterSp="0" showMasterPhAnim="0">
-  <p:cSld>
-    <p:spTree>
-      <p:nvGrpSpPr>
-        <p:cNvPr id="1" name="Shape 175"/>
-        <p:cNvGrpSpPr/>
-        <p:nvPr/>
-      </p:nvGrpSpPr>
-      <p:grpSpPr>
-        <a:xfrm>
-          <a:off x="0" y="0"/>
-          <a:ext cx="0" cy="0"/>
-          <a:chOff x="0" y="0"/>
-          <a:chExt cx="0" cy="0"/>
-        </a:xfrm>
-      </p:grpSpPr>
-      <p:sp>
-        <p:nvSpPr>
-          <p:cNvPr id="176" name="Google Shape;176;g14aad64c473_0_11:notes"/>
-          <p:cNvSpPr txBox="1">
-            <a:spLocks noGrp="1"/>
-          </p:cNvSpPr>
-          <p:nvPr>
-            <p:ph type="body" idx="1"/>
-          </p:nvPr>
-        </p:nvSpPr>
-        <p:spPr>
-          <a:xfrm>
-            <a:off x="685800" y="4343400"/>
-            <a:ext cx="5486400" cy="4114800"/>
-          </a:xfrm>
-          <a:prstGeom prst="rect">
-            <a:avLst/>
-          </a:prstGeom>
-          <a:noFill/>
-          <a:ln>
-            <a:noFill/>
-          </a:ln>
-        </p:spPr>
-        <p:txBody>
-          <a:bodyPr spcFirstLastPara="1" wrap="square" lIns="91425" tIns="91425" rIns="91425" bIns="91425" anchor="t" anchorCtr="0">
-            <a:noAutofit/>
-          </a:bodyPr>
-          <a:lstStyle/>
-          <a:p>
-            <a:pPr marL="0" lvl="0" indent="0" algn="l" rtl="0">
-              <a:lnSpc>
-                <a:spcPct val="100000"/>
-              </a:lnSpc>
-              <a:spcBef>
-                <a:spcPts val="0"/>
-              </a:spcBef>
-              <a:spcAft>
-                <a:spcPts val="0"/>
-              </a:spcAft>
-              <a:buSzPts val="1100"/>
-              <a:buNone/>
-            </a:pPr>
-            <a:endParaRPr/>
-          </a:p>
-        </p:txBody>
-      </p:sp>
-      <p:sp>
-        <p:nvSpPr>
-          <p:cNvPr id="177" name="Google Shape;177;g14aad64c473_0_11:notes"/>
-          <p:cNvSpPr>
-            <a:spLocks noGrp="1" noRot="1" noChangeAspect="1"/>
-          </p:cNvSpPr>
-          <p:nvPr>
-            <p:ph type="sldImg" idx="2"/>
-          </p:nvPr>
-        </p:nvSpPr>
-        <p:spPr>
-          <a:xfrm>
-            <a:off x="1143225" y="685800"/>
-            <a:ext cx="4572300" cy="3429000"/>
-          </a:xfrm>
-          <a:custGeom>
-            <a:avLst/>
-            <a:gdLst/>
-            <a:ahLst/>
-            <a:cxnLst/>
-            <a:rect l="l" t="t" r="r" b="b"/>
-            <a:pathLst>
-              <a:path w="120000" h="120000" extrusionOk="0">
-                <a:moveTo>
-                  <a:pt x="0" y="0"/>
-                </a:moveTo>
-                <a:lnTo>
-                  <a:pt x="120000" y="0"/>
-                </a:lnTo>
-                <a:lnTo>
-                  <a:pt x="120000" y="120000"/>
-                </a:lnTo>
-                <a:lnTo>
-                  <a:pt x="0" y="120000"/>
-                </a:lnTo>
-                <a:close/>
-              </a:path>
-            </a:pathLst>
-          </a:custGeom>
-          <a:noFill/>
-          <a:ln w="9525" cap="flat" cmpd="sng">
-            <a:solidFill>
-              <a:srgbClr val="000000"/>
-            </a:solidFill>
-            <a:prstDash val="solid"/>
-            <a:round/>
-            <a:headEnd type="none" w="sm" len="sm"/>
-            <a:tailEnd type="none" w="sm" len="sm"/>
-          </a:ln>
-        </p:spPr>
-      </p:sp>
-    </p:spTree>
-  </p:cSld>
-  <p:clrMapOvr>
-    <a:masterClrMapping/>
-  </p:clrMapOvr>
-</p:notes>
-</file>
-
-<file path=ppt/notesSlides/notesSlide16.xml><?xml version="1.0" encoding="utf-8"?>
 <p:notes xmlns:a="http://schemas.openxmlformats.org/drawingml/2006/main" xmlns:r="http://schemas.openxmlformats.org/officeDocument/2006/relationships" xmlns:p="http://schemas.openxmlformats.org/presentationml/2006/main" showMasterSp="0" showMasterPhAnim="0">
   <p:cSld>
     <p:spTree>
@@ -1823,7 +1702,7 @@
 </p:notes>
 </file>
 
-<file path=ppt/notesSlides/notesSlide17.xml><?xml version="1.0" encoding="utf-8"?>
+<file path=ppt/notesSlides/notesSlide16.xml><?xml version="1.0" encoding="utf-8"?>
 <p:notes xmlns:a="http://schemas.openxmlformats.org/drawingml/2006/main" xmlns:r="http://schemas.openxmlformats.org/officeDocument/2006/relationships" xmlns:p="http://schemas.openxmlformats.org/presentationml/2006/main" showMasterSp="0" showMasterPhAnim="0">
   <p:cSld>
     <p:spTree>
@@ -1898,8 +1777,130 @@
         </p:nvSpPr>
         <p:spPr>
           <a:xfrm>
-            <a:off x="1143225" y="685800"/>
-            <a:ext cx="4572300" cy="3429000"/>
+            <a:off x="381000" y="685800"/>
+            <a:ext cx="6096000" cy="3429000"/>
+          </a:xfrm>
+          <a:custGeom>
+            <a:avLst/>
+            <a:gdLst/>
+            <a:ahLst/>
+            <a:cxnLst/>
+            <a:rect l="l" t="t" r="r" b="b"/>
+            <a:pathLst>
+              <a:path w="120000" h="120000" extrusionOk="0">
+                <a:moveTo>
+                  <a:pt x="0" y="0"/>
+                </a:moveTo>
+                <a:lnTo>
+                  <a:pt x="120000" y="0"/>
+                </a:lnTo>
+                <a:lnTo>
+                  <a:pt x="120000" y="120000"/>
+                </a:lnTo>
+                <a:lnTo>
+                  <a:pt x="0" y="120000"/>
+                </a:lnTo>
+                <a:close/>
+              </a:path>
+            </a:pathLst>
+          </a:custGeom>
+          <a:noFill/>
+          <a:ln w="9525" cap="flat" cmpd="sng">
+            <a:solidFill>
+              <a:srgbClr val="000000"/>
+            </a:solidFill>
+            <a:prstDash val="solid"/>
+            <a:round/>
+            <a:headEnd type="none" w="sm" len="sm"/>
+            <a:tailEnd type="none" w="sm" len="sm"/>
+          </a:ln>
+        </p:spPr>
+      </p:sp>
+    </p:spTree>
+  </p:cSld>
+  <p:clrMapOvr>
+    <a:masterClrMapping/>
+  </p:clrMapOvr>
+</p:notes>
+</file>
+
+<file path=ppt/notesSlides/notesSlide17.xml><?xml version="1.0" encoding="utf-8"?>
+<p:notes xmlns:a="http://schemas.openxmlformats.org/drawingml/2006/main" xmlns:r="http://schemas.openxmlformats.org/officeDocument/2006/relationships" xmlns:p="http://schemas.openxmlformats.org/presentationml/2006/main" showMasterSp="0" showMasterPhAnim="0">
+  <p:cSld>
+    <p:spTree>
+      <p:nvGrpSpPr>
+        <p:cNvPr id="1" name="Shape 211"/>
+        <p:cNvGrpSpPr/>
+        <p:nvPr/>
+      </p:nvGrpSpPr>
+      <p:grpSpPr>
+        <a:xfrm>
+          <a:off x="0" y="0"/>
+          <a:ext cx="0" cy="0"/>
+          <a:chOff x="0" y="0"/>
+          <a:chExt cx="0" cy="0"/>
+        </a:xfrm>
+      </p:grpSpPr>
+      <p:sp>
+        <p:nvSpPr>
+          <p:cNvPr id="212" name="Google Shape;212;g14aad64c473_0_46:notes"/>
+          <p:cNvSpPr txBox="1">
+            <a:spLocks noGrp="1"/>
+          </p:cNvSpPr>
+          <p:nvPr>
+            <p:ph type="body" idx="1"/>
+          </p:nvPr>
+        </p:nvSpPr>
+        <p:spPr>
+          <a:xfrm>
+            <a:off x="685800" y="4343400"/>
+            <a:ext cx="5486400" cy="4114800"/>
+          </a:xfrm>
+          <a:prstGeom prst="rect">
+            <a:avLst/>
+          </a:prstGeom>
+          <a:noFill/>
+          <a:ln>
+            <a:noFill/>
+          </a:ln>
+        </p:spPr>
+        <p:txBody>
+          <a:bodyPr spcFirstLastPara="1" wrap="square" lIns="91425" tIns="91425" rIns="91425" bIns="91425" anchor="t" anchorCtr="0">
+            <a:noAutofit/>
+          </a:bodyPr>
+          <a:lstStyle/>
+          <a:p>
+            <a:pPr marL="0" lvl="0" indent="0" algn="l" rtl="0">
+              <a:lnSpc>
+                <a:spcPct val="100000"/>
+              </a:lnSpc>
+              <a:spcBef>
+                <a:spcPts val="0"/>
+              </a:spcBef>
+              <a:spcAft>
+                <a:spcPts val="0"/>
+              </a:spcAft>
+              <a:buSzPts val="1100"/>
+              <a:buNone/>
+            </a:pPr>
+            <a:endParaRPr/>
+          </a:p>
+        </p:txBody>
+      </p:sp>
+      <p:sp>
+        <p:nvSpPr>
+          <p:cNvPr id="213" name="Google Shape;213;g14aad64c473_0_46:notes"/>
+          <p:cNvSpPr>
+            <a:spLocks noGrp="1" noRot="1" noChangeAspect="1"/>
+          </p:cNvSpPr>
+          <p:nvPr>
+            <p:ph type="sldImg" idx="2"/>
+          </p:nvPr>
+        </p:nvSpPr>
+        <p:spPr>
+          <a:xfrm>
+            <a:off x="381000" y="685800"/>
+            <a:ext cx="6096000" cy="3429000"/>
           </a:xfrm>
           <a:custGeom>
             <a:avLst/>
@@ -1950,7 +1951,7 @@
   <p:cSld>
     <p:spTree>
       <p:nvGrpSpPr>
-        <p:cNvPr id="1" name="Shape 204"/>
+        <p:cNvPr id="1" name="Shape 219"/>
         <p:cNvGrpSpPr/>
         <p:nvPr/>
       </p:nvGrpSpPr>
@@ -1964,7 +1965,7 @@
       </p:grpSpPr>
       <p:sp>
         <p:nvSpPr>
-          <p:cNvPr id="205" name="Google Shape;205;g14aad64c473_0_55:notes"/>
+          <p:cNvPr id="220" name="Google Shape;220;g14aad64c473_0_61:notes"/>
           <p:cNvSpPr txBox="1">
             <a:spLocks noGrp="1"/>
           </p:cNvSpPr>
@@ -2010,7 +2011,7 @@
       </p:sp>
       <p:sp>
         <p:nvSpPr>
-          <p:cNvPr id="206" name="Google Shape;206;g14aad64c473_0_55:notes"/>
+          <p:cNvPr id="221" name="Google Shape;221;g14aad64c473_0_61:notes"/>
           <p:cNvSpPr>
             <a:spLocks noGrp="1" noRot="1" noChangeAspect="1"/>
           </p:cNvSpPr>
@@ -2020,8 +2021,8 @@
         </p:nvSpPr>
         <p:spPr>
           <a:xfrm>
-            <a:off x="1143225" y="685800"/>
-            <a:ext cx="4572300" cy="3429000"/>
+            <a:off x="381000" y="685800"/>
+            <a:ext cx="6096000" cy="3429000"/>
           </a:xfrm>
           <a:custGeom>
             <a:avLst/>
@@ -2072,7 +2073,7 @@
   <p:cSld>
     <p:spTree>
       <p:nvGrpSpPr>
-        <p:cNvPr id="1" name="Shape 211"/>
+        <p:cNvPr id="1" name="Shape 226"/>
         <p:cNvGrpSpPr/>
         <p:nvPr/>
       </p:nvGrpSpPr>
@@ -2086,7 +2087,7 @@
       </p:grpSpPr>
       <p:sp>
         <p:nvSpPr>
-          <p:cNvPr id="212" name="Google Shape;212;g14aad64c473_0_46:notes"/>
+          <p:cNvPr id="227" name="Google Shape;227;g138bbc4d2d1_0_6:notes"/>
           <p:cNvSpPr txBox="1">
             <a:spLocks noGrp="1"/>
           </p:cNvSpPr>
@@ -2132,7 +2133,7 @@
       </p:sp>
       <p:sp>
         <p:nvSpPr>
-          <p:cNvPr id="213" name="Google Shape;213;g14aad64c473_0_46:notes"/>
+          <p:cNvPr id="228" name="Google Shape;228;g138bbc4d2d1_0_6:notes"/>
           <p:cNvSpPr>
             <a:spLocks noGrp="1" noRot="1" noChangeAspect="1"/>
           </p:cNvSpPr>
@@ -2309,250 +2310,6 @@
         <p14:creationId xmlns:p14="http://schemas.microsoft.com/office/powerpoint/2010/main" val="4278026086"/>
       </p:ext>
     </p:extLst>
-  </p:cSld>
-  <p:clrMapOvr>
-    <a:masterClrMapping/>
-  </p:clrMapOvr>
-</p:notes>
-</file>
-
-<file path=ppt/notesSlides/notesSlide20.xml><?xml version="1.0" encoding="utf-8"?>
-<p:notes xmlns:a="http://schemas.openxmlformats.org/drawingml/2006/main" xmlns:r="http://schemas.openxmlformats.org/officeDocument/2006/relationships" xmlns:p="http://schemas.openxmlformats.org/presentationml/2006/main" showMasterSp="0" showMasterPhAnim="0">
-  <p:cSld>
-    <p:spTree>
-      <p:nvGrpSpPr>
-        <p:cNvPr id="1" name="Shape 219"/>
-        <p:cNvGrpSpPr/>
-        <p:nvPr/>
-      </p:nvGrpSpPr>
-      <p:grpSpPr>
-        <a:xfrm>
-          <a:off x="0" y="0"/>
-          <a:ext cx="0" cy="0"/>
-          <a:chOff x="0" y="0"/>
-          <a:chExt cx="0" cy="0"/>
-        </a:xfrm>
-      </p:grpSpPr>
-      <p:sp>
-        <p:nvSpPr>
-          <p:cNvPr id="220" name="Google Shape;220;g14aad64c473_0_61:notes"/>
-          <p:cNvSpPr txBox="1">
-            <a:spLocks noGrp="1"/>
-          </p:cNvSpPr>
-          <p:nvPr>
-            <p:ph type="body" idx="1"/>
-          </p:nvPr>
-        </p:nvSpPr>
-        <p:spPr>
-          <a:xfrm>
-            <a:off x="685800" y="4343400"/>
-            <a:ext cx="5486400" cy="4114800"/>
-          </a:xfrm>
-          <a:prstGeom prst="rect">
-            <a:avLst/>
-          </a:prstGeom>
-          <a:noFill/>
-          <a:ln>
-            <a:noFill/>
-          </a:ln>
-        </p:spPr>
-        <p:txBody>
-          <a:bodyPr spcFirstLastPara="1" wrap="square" lIns="91425" tIns="91425" rIns="91425" bIns="91425" anchor="t" anchorCtr="0">
-            <a:noAutofit/>
-          </a:bodyPr>
-          <a:lstStyle/>
-          <a:p>
-            <a:pPr marL="0" lvl="0" indent="0" algn="l" rtl="0">
-              <a:lnSpc>
-                <a:spcPct val="100000"/>
-              </a:lnSpc>
-              <a:spcBef>
-                <a:spcPts val="0"/>
-              </a:spcBef>
-              <a:spcAft>
-                <a:spcPts val="0"/>
-              </a:spcAft>
-              <a:buSzPts val="1100"/>
-              <a:buNone/>
-            </a:pPr>
-            <a:endParaRPr/>
-          </a:p>
-        </p:txBody>
-      </p:sp>
-      <p:sp>
-        <p:nvSpPr>
-          <p:cNvPr id="221" name="Google Shape;221;g14aad64c473_0_61:notes"/>
-          <p:cNvSpPr>
-            <a:spLocks noGrp="1" noRot="1" noChangeAspect="1"/>
-          </p:cNvSpPr>
-          <p:nvPr>
-            <p:ph type="sldImg" idx="2"/>
-          </p:nvPr>
-        </p:nvSpPr>
-        <p:spPr>
-          <a:xfrm>
-            <a:off x="1143225" y="685800"/>
-            <a:ext cx="4572300" cy="3429000"/>
-          </a:xfrm>
-          <a:custGeom>
-            <a:avLst/>
-            <a:gdLst/>
-            <a:ahLst/>
-            <a:cxnLst/>
-            <a:rect l="l" t="t" r="r" b="b"/>
-            <a:pathLst>
-              <a:path w="120000" h="120000" extrusionOk="0">
-                <a:moveTo>
-                  <a:pt x="0" y="0"/>
-                </a:moveTo>
-                <a:lnTo>
-                  <a:pt x="120000" y="0"/>
-                </a:lnTo>
-                <a:lnTo>
-                  <a:pt x="120000" y="120000"/>
-                </a:lnTo>
-                <a:lnTo>
-                  <a:pt x="0" y="120000"/>
-                </a:lnTo>
-                <a:close/>
-              </a:path>
-            </a:pathLst>
-          </a:custGeom>
-          <a:noFill/>
-          <a:ln w="9525" cap="flat" cmpd="sng">
-            <a:solidFill>
-              <a:srgbClr val="000000"/>
-            </a:solidFill>
-            <a:prstDash val="solid"/>
-            <a:round/>
-            <a:headEnd type="none" w="sm" len="sm"/>
-            <a:tailEnd type="none" w="sm" len="sm"/>
-          </a:ln>
-        </p:spPr>
-      </p:sp>
-    </p:spTree>
-  </p:cSld>
-  <p:clrMapOvr>
-    <a:masterClrMapping/>
-  </p:clrMapOvr>
-</p:notes>
-</file>
-
-<file path=ppt/notesSlides/notesSlide21.xml><?xml version="1.0" encoding="utf-8"?>
-<p:notes xmlns:a="http://schemas.openxmlformats.org/drawingml/2006/main" xmlns:r="http://schemas.openxmlformats.org/officeDocument/2006/relationships" xmlns:p="http://schemas.openxmlformats.org/presentationml/2006/main" showMasterSp="0" showMasterPhAnim="0">
-  <p:cSld>
-    <p:spTree>
-      <p:nvGrpSpPr>
-        <p:cNvPr id="1" name="Shape 226"/>
-        <p:cNvGrpSpPr/>
-        <p:nvPr/>
-      </p:nvGrpSpPr>
-      <p:grpSpPr>
-        <a:xfrm>
-          <a:off x="0" y="0"/>
-          <a:ext cx="0" cy="0"/>
-          <a:chOff x="0" y="0"/>
-          <a:chExt cx="0" cy="0"/>
-        </a:xfrm>
-      </p:grpSpPr>
-      <p:sp>
-        <p:nvSpPr>
-          <p:cNvPr id="227" name="Google Shape;227;g138bbc4d2d1_0_6:notes"/>
-          <p:cNvSpPr txBox="1">
-            <a:spLocks noGrp="1"/>
-          </p:cNvSpPr>
-          <p:nvPr>
-            <p:ph type="body" idx="1"/>
-          </p:nvPr>
-        </p:nvSpPr>
-        <p:spPr>
-          <a:xfrm>
-            <a:off x="685800" y="4343400"/>
-            <a:ext cx="5486400" cy="4114800"/>
-          </a:xfrm>
-          <a:prstGeom prst="rect">
-            <a:avLst/>
-          </a:prstGeom>
-          <a:noFill/>
-          <a:ln>
-            <a:noFill/>
-          </a:ln>
-        </p:spPr>
-        <p:txBody>
-          <a:bodyPr spcFirstLastPara="1" wrap="square" lIns="91425" tIns="91425" rIns="91425" bIns="91425" anchor="t" anchorCtr="0">
-            <a:noAutofit/>
-          </a:bodyPr>
-          <a:lstStyle/>
-          <a:p>
-            <a:pPr marL="0" lvl="0" indent="0" algn="l" rtl="0">
-              <a:lnSpc>
-                <a:spcPct val="100000"/>
-              </a:lnSpc>
-              <a:spcBef>
-                <a:spcPts val="0"/>
-              </a:spcBef>
-              <a:spcAft>
-                <a:spcPts val="0"/>
-              </a:spcAft>
-              <a:buSzPts val="1100"/>
-              <a:buNone/>
-            </a:pPr>
-            <a:endParaRPr/>
-          </a:p>
-        </p:txBody>
-      </p:sp>
-      <p:sp>
-        <p:nvSpPr>
-          <p:cNvPr id="228" name="Google Shape;228;g138bbc4d2d1_0_6:notes"/>
-          <p:cNvSpPr>
-            <a:spLocks noGrp="1" noRot="1" noChangeAspect="1"/>
-          </p:cNvSpPr>
-          <p:nvPr>
-            <p:ph type="sldImg" idx="2"/>
-          </p:nvPr>
-        </p:nvSpPr>
-        <p:spPr>
-          <a:xfrm>
-            <a:off x="1143225" y="685800"/>
-            <a:ext cx="4572300" cy="3429000"/>
-          </a:xfrm>
-          <a:custGeom>
-            <a:avLst/>
-            <a:gdLst/>
-            <a:ahLst/>
-            <a:cxnLst/>
-            <a:rect l="l" t="t" r="r" b="b"/>
-            <a:pathLst>
-              <a:path w="120000" h="120000" extrusionOk="0">
-                <a:moveTo>
-                  <a:pt x="0" y="0"/>
-                </a:moveTo>
-                <a:lnTo>
-                  <a:pt x="120000" y="0"/>
-                </a:lnTo>
-                <a:lnTo>
-                  <a:pt x="120000" y="120000"/>
-                </a:lnTo>
-                <a:lnTo>
-                  <a:pt x="0" y="120000"/>
-                </a:lnTo>
-                <a:close/>
-              </a:path>
-            </a:pathLst>
-          </a:custGeom>
-          <a:noFill/>
-          <a:ln w="9525" cap="flat" cmpd="sng">
-            <a:solidFill>
-              <a:srgbClr val="000000"/>
-            </a:solidFill>
-            <a:prstDash val="solid"/>
-            <a:round/>
-            <a:headEnd type="none" w="sm" len="sm"/>
-            <a:tailEnd type="none" w="sm" len="sm"/>
-          </a:ln>
-        </p:spPr>
-      </p:sp>
-    </p:spTree>
   </p:cSld>
   <p:clrMapOvr>
     <a:masterClrMapping/>
@@ -12291,8 +12048,8 @@
           </a:p>
         </p:txBody>
       </p:sp>
-      <mc:AlternateContent xmlns:mc="http://schemas.openxmlformats.org/markup-compatibility/2006">
-        <mc:Choice xmlns:a14="http://schemas.microsoft.com/office/drawing/2010/main" Requires="a14">
+      <mc:AlternateContent xmlns:mc="http://schemas.openxmlformats.org/markup-compatibility/2006" xmlns:a14="http://schemas.microsoft.com/office/drawing/2010/main">
+        <mc:Choice Requires="a14">
           <p:sp>
             <p:nvSpPr>
               <p:cNvPr id="141" name="Google Shape;141;g164b75e63d5_0_12"/>
@@ -12302,7 +12059,7 @@
             <p:spPr>
               <a:xfrm>
                 <a:off x="1322200" y="1772625"/>
-                <a:ext cx="9066600" cy="2416016"/>
+                <a:ext cx="9066600" cy="3308568"/>
               </a:xfrm>
               <a:prstGeom prst="rect">
                 <a:avLst/>
@@ -12806,19 +12563,41 @@
                     <a:cs typeface="Twentieth Century"/>
                     <a:sym typeface="Twentieth Century"/>
                   </a:rPr>
-                  <a:t>	- </a:t>
+                  <a:t>	- Often have a lower dimension than the state</a:t>
                 </a:r>
-                <a:endParaRPr sz="2900" dirty="0">
-                  <a:latin typeface="Twentieth Century"/>
-                  <a:ea typeface="Twentieth Century"/>
-                  <a:cs typeface="Twentieth Century"/>
-                  <a:sym typeface="Twentieth Century"/>
-                </a:endParaRPr>
+              </a:p>
+              <a:p>
+                <a:pPr marL="44450" lvl="1">
+                  <a:buSzPts val="2900"/>
+                </a:pPr>
+                <a:r>
+                  <a:rPr lang="en-US" sz="2900" dirty="0">
+                    <a:latin typeface="Twentieth Century"/>
+                    <a:ea typeface="Twentieth Century"/>
+                    <a:cs typeface="Twentieth Century"/>
+                    <a:sym typeface="Twentieth Century"/>
+                  </a:rPr>
+                  <a:t>	- E.g. State of airplane (distribution of air pressure) vs</a:t>
+                </a:r>
+              </a:p>
+              <a:p>
+                <a:pPr marL="44450" lvl="1">
+                  <a:buSzPts val="2900"/>
+                </a:pPr>
+                <a:r>
+                  <a:rPr lang="en-US" sz="2900" dirty="0">
+                    <a:latin typeface="Twentieth Century"/>
+                    <a:ea typeface="Twentieth Century"/>
+                    <a:cs typeface="Twentieth Century"/>
+                    <a:sym typeface="Twentieth Century"/>
+                  </a:rPr>
+                  <a:t>		measurement at a few positions</a:t>
+                </a:r>
               </a:p>
             </p:txBody>
           </p:sp>
         </mc:Choice>
-        <mc:Fallback>
+        <mc:Fallback xmlns="">
           <p:sp>
             <p:nvSpPr>
               <p:cNvPr id="141" name="Google Shape;141;g164b75e63d5_0_12"/>
@@ -12830,7 +12609,7 @@
             <p:spPr>
               <a:xfrm>
                 <a:off x="1322200" y="1772625"/>
-                <a:ext cx="9066600" cy="2416016"/>
+                <a:ext cx="9066600" cy="3308568"/>
               </a:xfrm>
               <a:prstGeom prst="rect">
                 <a:avLst/>
@@ -12838,7 +12617,7 @@
               <a:blipFill>
                 <a:blip r:embed="rId3"/>
                 <a:stretch>
-                  <a:fillRect l="-1009" t="-758" b="-4545"/>
+                  <a:fillRect l="-1009" t="-552" r="-1345" b="-2947"/>
                 </a:stretch>
               </a:blipFill>
               <a:ln>
@@ -12948,8 +12727,8 @@
           </a:p>
         </p:txBody>
       </p:sp>
-      <mc:AlternateContent xmlns:mc="http://schemas.openxmlformats.org/markup-compatibility/2006">
-        <mc:Choice xmlns:a14="http://schemas.microsoft.com/office/drawing/2010/main" Requires="a14">
+      <mc:AlternateContent xmlns:mc="http://schemas.openxmlformats.org/markup-compatibility/2006" xmlns:a14="http://schemas.microsoft.com/office/drawing/2010/main">
+        <mc:Choice Requires="a14">
           <p:sp>
             <p:nvSpPr>
               <p:cNvPr id="149" name="Google Shape;149;g14ba6df6ac7_1_0"/>
@@ -12958,8 +12737,8 @@
             </p:nvSpPr>
             <p:spPr>
               <a:xfrm>
-                <a:off x="1322200" y="1772625"/>
-                <a:ext cx="9066600" cy="4843924"/>
+                <a:off x="1369825" y="1567800"/>
+                <a:ext cx="9066600" cy="5290200"/>
               </a:xfrm>
               <a:prstGeom prst="rect">
                 <a:avLst/>
@@ -13151,7 +12930,7 @@
                     <m:sSub>
                       <m:sSubPr>
                         <m:ctrlPr>
-                          <a:rPr lang="en-US" sz="2900" b="0" i="0" smtClean="0">
+                          <a:rPr lang="en-US" sz="2900" b="0" i="1" smtClean="0">
                             <a:latin typeface="Cambria Math" panose="02040503050406030204" pitchFamily="18" charset="0"/>
                             <a:ea typeface="Twentieth Century"/>
                             <a:cs typeface="Twentieth Century"/>
@@ -13536,21 +13315,24 @@
                 </a:endParaRPr>
               </a:p>
               <a:p>
-                <a:pPr marL="0" lvl="0" indent="0" algn="l" rtl="0">
+                <a:pPr marL="501650" lvl="0" algn="l" rtl="0">
                   <a:spcBef>
                     <a:spcPts val="0"/>
                   </a:spcBef>
                   <a:spcAft>
                     <a:spcPts val="0"/>
                   </a:spcAft>
-                  <a:buNone/>
+                  <a:buSzPts val="2900"/>
                 </a:pPr>
-                <a:endParaRPr lang="en-US" sz="2900" dirty="0">
-                  <a:latin typeface="Twentieth Century"/>
-                  <a:ea typeface="Twentieth Century"/>
-                  <a:cs typeface="Twentieth Century"/>
-                  <a:sym typeface="Twentieth Century"/>
-                </a:endParaRPr>
+                <a:r>
+                  <a:rPr lang="en-US" sz="2900" dirty="0">
+                    <a:latin typeface="Twentieth Century"/>
+                    <a:ea typeface="Twentieth Century"/>
+                    <a:cs typeface="Twentieth Century"/>
+                    <a:sym typeface="Twentieth Century"/>
+                  </a:rPr>
+                  <a:t>	- Koopman operator: Linearization through augmentation</a:t>
+                </a:r>
               </a:p>
               <a:p>
                 <a:pPr marL="0" lvl="0" indent="0" algn="l" rtl="0">
@@ -13572,7 +13354,7 @@
             </p:txBody>
           </p:sp>
         </mc:Choice>
-        <mc:Fallback>
+        <mc:Fallback xmlns="">
           <p:sp>
             <p:nvSpPr>
               <p:cNvPr id="149" name="Google Shape;149;g14ba6df6ac7_1_0"/>
@@ -13583,8 +13365,8 @@
             </p:nvSpPr>
             <p:spPr>
               <a:xfrm>
-                <a:off x="1322200" y="1772625"/>
-                <a:ext cx="9066600" cy="4843924"/>
+                <a:off x="1369825" y="1567800"/>
+                <a:ext cx="9066600" cy="5290200"/>
               </a:xfrm>
               <a:prstGeom prst="rect">
                 <a:avLst/>
@@ -13592,7 +13374,7 @@
               <a:blipFill>
                 <a:blip r:embed="rId3"/>
                 <a:stretch>
-                  <a:fillRect l="-874" t="-378" r="-605"/>
+                  <a:fillRect l="-874" t="-230" r="-605"/>
                 </a:stretch>
               </a:blipFill>
               <a:ln>
@@ -13706,194 +13488,559 @@
           </a:p>
         </p:txBody>
       </p:sp>
-      <p:sp>
-        <p:nvSpPr>
-          <p:cNvPr id="157" name="Google Shape;157;g164b75e63d5_0_20"/>
-          <p:cNvSpPr txBox="1"/>
-          <p:nvPr/>
-        </p:nvSpPr>
-        <p:spPr>
-          <a:xfrm>
-            <a:off x="1322200" y="1772625"/>
-            <a:ext cx="9066600" cy="2416500"/>
-          </a:xfrm>
-          <a:prstGeom prst="rect">
-            <a:avLst/>
-          </a:prstGeom>
-          <a:noFill/>
-          <a:ln>
-            <a:noFill/>
-          </a:ln>
-        </p:spPr>
-        <p:txBody>
-          <a:bodyPr spcFirstLastPara="1" wrap="square" lIns="91425" tIns="91425" rIns="91425" bIns="91425" anchor="t" anchorCtr="0">
-            <a:spAutoFit/>
-          </a:bodyPr>
-          <a:lstStyle/>
-          <a:p>
-            <a:pPr marL="457200" lvl="0" indent="-406400" algn="l" rtl="0">
-              <a:spcBef>
-                <a:spcPts val="0"/>
-              </a:spcBef>
-              <a:spcAft>
-                <a:spcPts val="0"/>
-              </a:spcAft>
-              <a:buSzPts val="2800"/>
-              <a:buFont typeface="Twentieth Century"/>
-              <a:buChar char="-"/>
-            </a:pPr>
-            <a:r>
-              <a:rPr lang="en-US" sz="2900">
-                <a:latin typeface="Twentieth Century"/>
-                <a:ea typeface="Twentieth Century"/>
-                <a:cs typeface="Twentieth Century"/>
-                <a:sym typeface="Twentieth Century"/>
-              </a:rPr>
-              <a:t>State transition:</a:t>
-            </a:r>
-            <a:endParaRPr sz="2900">
-              <a:latin typeface="Twentieth Century"/>
-              <a:ea typeface="Twentieth Century"/>
-              <a:cs typeface="Twentieth Century"/>
-              <a:sym typeface="Twentieth Century"/>
-            </a:endParaRPr>
-          </a:p>
-          <a:p>
-            <a:pPr marL="0" lvl="0" indent="0" algn="l" rtl="0">
-              <a:spcBef>
-                <a:spcPts val="0"/>
-              </a:spcBef>
-              <a:spcAft>
-                <a:spcPts val="0"/>
-              </a:spcAft>
-              <a:buNone/>
-            </a:pPr>
-            <a:endParaRPr sz="2900">
-              <a:latin typeface="Twentieth Century"/>
-              <a:ea typeface="Twentieth Century"/>
-              <a:cs typeface="Twentieth Century"/>
-              <a:sym typeface="Twentieth Century"/>
-            </a:endParaRPr>
-          </a:p>
-          <a:p>
-            <a:pPr marL="0" lvl="0" indent="0" algn="l" rtl="0">
-              <a:spcBef>
-                <a:spcPts val="0"/>
-              </a:spcBef>
-              <a:spcAft>
-                <a:spcPts val="0"/>
-              </a:spcAft>
-              <a:buNone/>
-            </a:pPr>
-            <a:endParaRPr sz="2900">
-              <a:latin typeface="Twentieth Century"/>
-              <a:ea typeface="Twentieth Century"/>
-              <a:cs typeface="Twentieth Century"/>
-              <a:sym typeface="Twentieth Century"/>
-            </a:endParaRPr>
-          </a:p>
-          <a:p>
-            <a:pPr marL="0" lvl="0" indent="0" algn="l" rtl="0">
-              <a:spcBef>
-                <a:spcPts val="0"/>
-              </a:spcBef>
-              <a:spcAft>
-                <a:spcPts val="0"/>
-              </a:spcAft>
-              <a:buNone/>
-            </a:pPr>
-            <a:endParaRPr sz="2900">
-              <a:latin typeface="Twentieth Century"/>
-              <a:ea typeface="Twentieth Century"/>
-              <a:cs typeface="Twentieth Century"/>
-              <a:sym typeface="Twentieth Century"/>
-            </a:endParaRPr>
-          </a:p>
-          <a:p>
-            <a:pPr marL="457200" lvl="0" indent="-412750" algn="l" rtl="0">
-              <a:spcBef>
-                <a:spcPts val="0"/>
-              </a:spcBef>
-              <a:spcAft>
-                <a:spcPts val="0"/>
-              </a:spcAft>
-              <a:buSzPts val="2900"/>
-              <a:buFont typeface="Twentieth Century"/>
-              <a:buChar char="-"/>
-            </a:pPr>
-            <a:r>
-              <a:rPr lang="en-US" sz="2900">
-                <a:latin typeface="Twentieth Century"/>
-                <a:ea typeface="Twentieth Century"/>
-                <a:cs typeface="Twentieth Century"/>
-                <a:sym typeface="Twentieth Century"/>
-              </a:rPr>
-              <a:t>Measurement:</a:t>
-            </a:r>
-            <a:endParaRPr sz="2900">
-              <a:latin typeface="Twentieth Century"/>
-              <a:ea typeface="Twentieth Century"/>
-              <a:cs typeface="Twentieth Century"/>
-              <a:sym typeface="Twentieth Century"/>
-            </a:endParaRPr>
-          </a:p>
-        </p:txBody>
-      </p:sp>
-      <p:pic>
-        <p:nvPicPr>
-          <p:cNvPr id="158" name="Google Shape;158;g164b75e63d5_0_20"/>
-          <p:cNvPicPr preferRelativeResize="0"/>
-          <p:nvPr/>
-        </p:nvPicPr>
-        <p:blipFill rotWithShape="1">
-          <a:blip r:embed="rId3">
-            <a:alphaModFix/>
-          </a:blip>
-          <a:srcRect r="38529" b="37546"/>
-          <a:stretch/>
-        </p:blipFill>
-        <p:spPr>
-          <a:xfrm>
-            <a:off x="2031975" y="2302125"/>
-            <a:ext cx="5349100" cy="923475"/>
-          </a:xfrm>
-          <a:prstGeom prst="rect">
-            <a:avLst/>
-          </a:prstGeom>
-          <a:noFill/>
-          <a:ln>
-            <a:noFill/>
-          </a:ln>
-        </p:spPr>
-      </p:pic>
-      <p:pic>
-        <p:nvPicPr>
-          <p:cNvPr id="159" name="Google Shape;159;g164b75e63d5_0_20"/>
-          <p:cNvPicPr preferRelativeResize="0"/>
-          <p:nvPr/>
-        </p:nvPicPr>
-        <p:blipFill>
-          <a:blip r:embed="rId4">
-            <a:alphaModFix/>
-          </a:blip>
-          <a:stretch>
-            <a:fillRect/>
-          </a:stretch>
-        </p:blipFill>
-        <p:spPr>
-          <a:xfrm>
-            <a:off x="2273750" y="4546050"/>
-            <a:ext cx="4219448" cy="923475"/>
-          </a:xfrm>
-          <a:prstGeom prst="rect">
-            <a:avLst/>
-          </a:prstGeom>
-          <a:noFill/>
-          <a:ln>
-            <a:noFill/>
-          </a:ln>
-        </p:spPr>
-      </p:pic>
+      <mc:AlternateContent xmlns:mc="http://schemas.openxmlformats.org/markup-compatibility/2006" xmlns:a14="http://schemas.microsoft.com/office/drawing/2010/main">
+        <mc:Choice Requires="a14">
+          <p:sp>
+            <p:nvSpPr>
+              <p:cNvPr id="157" name="Google Shape;157;g164b75e63d5_0_20"/>
+              <p:cNvSpPr txBox="1"/>
+              <p:nvPr/>
+            </p:nvSpPr>
+            <p:spPr>
+              <a:xfrm>
+                <a:off x="1322200" y="1772625"/>
+                <a:ext cx="9066600" cy="1969740"/>
+              </a:xfrm>
+              <a:prstGeom prst="rect">
+                <a:avLst/>
+              </a:prstGeom>
+              <a:noFill/>
+              <a:ln>
+                <a:noFill/>
+              </a:ln>
+            </p:spPr>
+            <p:txBody>
+              <a:bodyPr spcFirstLastPara="1" wrap="square" lIns="91425" tIns="91425" rIns="91425" bIns="91425" anchor="t" anchorCtr="0">
+                <a:spAutoFit/>
+              </a:bodyPr>
+              <a:lstStyle/>
+              <a:p>
+                <a:pPr marL="457200" lvl="0" indent="-406400" algn="l" rtl="0">
+                  <a:spcBef>
+                    <a:spcPts val="0"/>
+                  </a:spcBef>
+                  <a:spcAft>
+                    <a:spcPts val="0"/>
+                  </a:spcAft>
+                  <a:buSzPts val="2800"/>
+                  <a:buFont typeface="Twentieth Century"/>
+                  <a:buChar char="-"/>
+                </a:pPr>
+                <a:r>
+                  <a:rPr lang="en-US" sz="2900" dirty="0">
+                    <a:latin typeface="Twentieth Century"/>
+                    <a:ea typeface="Twentieth Century"/>
+                    <a:cs typeface="Twentieth Century"/>
+                    <a:sym typeface="Twentieth Century"/>
+                  </a:rPr>
+                  <a:t>Disturbances </a:t>
+                </a:r>
+                <a14:m>
+                  <m:oMath xmlns:m="http://schemas.openxmlformats.org/officeDocument/2006/math">
+                    <m:r>
+                      <a:rPr lang="en-US" sz="2900" b="0" i="1" smtClean="0">
+                        <a:latin typeface="Cambria Math" panose="02040503050406030204" pitchFamily="18" charset="0"/>
+                        <a:ea typeface="Twentieth Century"/>
+                        <a:cs typeface="Twentieth Century"/>
+                        <a:sym typeface="Twentieth Century"/>
+                      </a:rPr>
+                      <m:t>𝑤</m:t>
+                    </m:r>
+                  </m:oMath>
+                </a14:m>
+                <a:endParaRPr lang="en-US" sz="2900" dirty="0">
+                  <a:latin typeface="Twentieth Century"/>
+                  <a:ea typeface="Twentieth Century"/>
+                  <a:cs typeface="Twentieth Century"/>
+                  <a:sym typeface="Twentieth Century"/>
+                </a:endParaRPr>
+              </a:p>
+              <a:p>
+                <a:pPr marL="457200" lvl="0" indent="-406400" algn="l" rtl="0">
+                  <a:spcBef>
+                    <a:spcPts val="0"/>
+                  </a:spcBef>
+                  <a:spcAft>
+                    <a:spcPts val="0"/>
+                  </a:spcAft>
+                  <a:buSzPts val="2800"/>
+                  <a:buFont typeface="Twentieth Century"/>
+                  <a:buChar char="-"/>
+                </a:pPr>
+                <a:r>
+                  <a:rPr lang="en-US" sz="2900" dirty="0">
+                    <a:latin typeface="Twentieth Century"/>
+                    <a:ea typeface="Twentieth Century"/>
+                    <a:cs typeface="Twentieth Century"/>
+                    <a:sym typeface="Twentieth Century"/>
+                  </a:rPr>
+                  <a:t>Measurement noise </a:t>
+                </a:r>
+                <a14:m>
+                  <m:oMath xmlns:m="http://schemas.openxmlformats.org/officeDocument/2006/math">
+                    <m:r>
+                      <a:rPr lang="en-US" sz="2900" b="0" i="1" smtClean="0">
+                        <a:latin typeface="Cambria Math" panose="02040503050406030204" pitchFamily="18" charset="0"/>
+                        <a:ea typeface="Twentieth Century"/>
+                        <a:cs typeface="Twentieth Century"/>
+                        <a:sym typeface="Twentieth Century"/>
+                      </a:rPr>
+                      <m:t>𝑣</m:t>
+                    </m:r>
+                  </m:oMath>
+                </a14:m>
+                <a:endParaRPr lang="en-US" sz="2900" dirty="0">
+                  <a:latin typeface="Twentieth Century"/>
+                  <a:ea typeface="Twentieth Century"/>
+                  <a:cs typeface="Twentieth Century"/>
+                  <a:sym typeface="Twentieth Century"/>
+                </a:endParaRPr>
+              </a:p>
+              <a:p>
+                <a:pPr marL="457200" lvl="0" indent="-406400">
+                  <a:buSzPts val="2800"/>
+                  <a:buFont typeface="Twentieth Century"/>
+                  <a:buChar char="-"/>
+                </a:pPr>
+                <a:r>
+                  <a:rPr lang="en-US" sz="2900" dirty="0">
+                    <a:latin typeface="Twentieth Century"/>
+                    <a:ea typeface="Twentieth Century"/>
+                    <a:cs typeface="Twentieth Century"/>
+                    <a:sym typeface="Twentieth Century"/>
+                  </a:rPr>
+                  <a:t>State transition:</a:t>
+                </a:r>
+                <a14:m>
+                  <m:oMath xmlns:m="http://schemas.openxmlformats.org/officeDocument/2006/math">
+                    <m:sSub>
+                      <m:sSubPr>
+                        <m:ctrlPr>
+                          <a:rPr lang="en-US" sz="2900" b="0" i="1" smtClean="0">
+                            <a:latin typeface="Cambria Math" panose="02040503050406030204" pitchFamily="18" charset="0"/>
+                            <a:ea typeface="Twentieth Century"/>
+                            <a:cs typeface="Twentieth Century"/>
+                            <a:sym typeface="Twentieth Century"/>
+                          </a:rPr>
+                        </m:ctrlPr>
+                      </m:sSubPr>
+                      <m:e>
+                        <m:r>
+                          <a:rPr lang="en-US" sz="2900" b="0" i="1" smtClean="0">
+                            <a:latin typeface="Cambria Math" panose="02040503050406030204" pitchFamily="18" charset="0"/>
+                            <a:ea typeface="Twentieth Century"/>
+                            <a:cs typeface="Twentieth Century"/>
+                            <a:sym typeface="Twentieth Century"/>
+                          </a:rPr>
+                          <m:t>𝑥</m:t>
+                        </m:r>
+                      </m:e>
+                      <m:sub>
+                        <m:r>
+                          <a:rPr lang="en-US" sz="2900" b="0" i="1" smtClean="0">
+                            <a:latin typeface="Cambria Math" panose="02040503050406030204" pitchFamily="18" charset="0"/>
+                            <a:ea typeface="Twentieth Century"/>
+                            <a:cs typeface="Twentieth Century"/>
+                            <a:sym typeface="Twentieth Century"/>
+                          </a:rPr>
+                          <m:t>𝑡</m:t>
+                        </m:r>
+                        <m:r>
+                          <a:rPr lang="en-US" sz="2900" b="0" i="1" smtClean="0">
+                            <a:latin typeface="Cambria Math" panose="02040503050406030204" pitchFamily="18" charset="0"/>
+                            <a:ea typeface="Twentieth Century"/>
+                            <a:cs typeface="Twentieth Century"/>
+                            <a:sym typeface="Twentieth Century"/>
+                          </a:rPr>
+                          <m:t>+1</m:t>
+                        </m:r>
+                      </m:sub>
+                    </m:sSub>
+                    <m:r>
+                      <a:rPr lang="en-US" sz="2900" b="0" i="1" smtClean="0">
+                        <a:latin typeface="Cambria Math" panose="02040503050406030204" pitchFamily="18" charset="0"/>
+                        <a:ea typeface="Twentieth Century"/>
+                        <a:cs typeface="Twentieth Century"/>
+                        <a:sym typeface="Twentieth Century"/>
+                      </a:rPr>
+                      <m:t>=</m:t>
+                    </m:r>
+                    <m:r>
+                      <a:rPr lang="en-US" sz="2900" b="0" i="1" smtClean="0">
+                        <a:latin typeface="Cambria Math" panose="02040503050406030204" pitchFamily="18" charset="0"/>
+                        <a:ea typeface="Twentieth Century"/>
+                        <a:cs typeface="Twentieth Century"/>
+                        <a:sym typeface="Twentieth Century"/>
+                      </a:rPr>
+                      <m:t>𝑓</m:t>
+                    </m:r>
+                    <m:d>
+                      <m:dPr>
+                        <m:ctrlPr>
+                          <a:rPr lang="en-US" sz="2900" b="0" i="1" smtClean="0">
+                            <a:latin typeface="Cambria Math" panose="02040503050406030204" pitchFamily="18" charset="0"/>
+                            <a:ea typeface="Twentieth Century"/>
+                            <a:cs typeface="Twentieth Century"/>
+                            <a:sym typeface="Twentieth Century"/>
+                          </a:rPr>
+                        </m:ctrlPr>
+                      </m:dPr>
+                      <m:e>
+                        <m:sSub>
+                          <m:sSubPr>
+                            <m:ctrlPr>
+                              <a:rPr lang="en-US" sz="2900" b="0" i="1" smtClean="0">
+                                <a:latin typeface="Cambria Math" panose="02040503050406030204" pitchFamily="18" charset="0"/>
+                                <a:ea typeface="Twentieth Century"/>
+                                <a:cs typeface="Twentieth Century"/>
+                                <a:sym typeface="Twentieth Century"/>
+                              </a:rPr>
+                            </m:ctrlPr>
+                          </m:sSubPr>
+                          <m:e>
+                            <m:r>
+                              <a:rPr lang="en-US" sz="2900" b="0" i="1" smtClean="0">
+                                <a:latin typeface="Cambria Math" panose="02040503050406030204" pitchFamily="18" charset="0"/>
+                                <a:ea typeface="Twentieth Century"/>
+                                <a:cs typeface="Twentieth Century"/>
+                                <a:sym typeface="Twentieth Century"/>
+                              </a:rPr>
+                              <m:t>𝑥</m:t>
+                            </m:r>
+                          </m:e>
+                          <m:sub>
+                            <m:r>
+                              <a:rPr lang="en-US" sz="2900" b="0" i="1" smtClean="0">
+                                <a:latin typeface="Cambria Math" panose="02040503050406030204" pitchFamily="18" charset="0"/>
+                                <a:ea typeface="Twentieth Century"/>
+                                <a:cs typeface="Twentieth Century"/>
+                                <a:sym typeface="Twentieth Century"/>
+                              </a:rPr>
+                              <m:t>𝑡</m:t>
+                            </m:r>
+                          </m:sub>
+                        </m:sSub>
+                        <m:r>
+                          <a:rPr lang="en-US" sz="2900" b="0" i="1" smtClean="0">
+                            <a:latin typeface="Cambria Math" panose="02040503050406030204" pitchFamily="18" charset="0"/>
+                            <a:ea typeface="Twentieth Century"/>
+                            <a:cs typeface="Twentieth Century"/>
+                            <a:sym typeface="Twentieth Century"/>
+                          </a:rPr>
+                          <m:t>,</m:t>
+                        </m:r>
+                        <m:sSub>
+                          <m:sSubPr>
+                            <m:ctrlPr>
+                              <a:rPr lang="en-US" sz="2900" b="0" i="1" smtClean="0">
+                                <a:latin typeface="Cambria Math" panose="02040503050406030204" pitchFamily="18" charset="0"/>
+                                <a:ea typeface="Twentieth Century"/>
+                                <a:cs typeface="Twentieth Century"/>
+                                <a:sym typeface="Twentieth Century"/>
+                              </a:rPr>
+                            </m:ctrlPr>
+                          </m:sSubPr>
+                          <m:e>
+                            <m:r>
+                              <a:rPr lang="en-US" sz="2900" b="0" i="1" smtClean="0">
+                                <a:latin typeface="Cambria Math" panose="02040503050406030204" pitchFamily="18" charset="0"/>
+                                <a:ea typeface="Twentieth Century"/>
+                                <a:cs typeface="Twentieth Century"/>
+                                <a:sym typeface="Twentieth Century"/>
+                              </a:rPr>
+                              <m:t>𝑢</m:t>
+                            </m:r>
+                          </m:e>
+                          <m:sub>
+                            <m:r>
+                              <a:rPr lang="en-US" sz="2900" b="0" i="1" smtClean="0">
+                                <a:latin typeface="Cambria Math" panose="02040503050406030204" pitchFamily="18" charset="0"/>
+                                <a:ea typeface="Twentieth Century"/>
+                                <a:cs typeface="Twentieth Century"/>
+                                <a:sym typeface="Twentieth Century"/>
+                              </a:rPr>
+                              <m:t>𝑡</m:t>
+                            </m:r>
+                          </m:sub>
+                        </m:sSub>
+                        <m:r>
+                          <a:rPr lang="en-US" sz="2900" i="1">
+                            <a:latin typeface="Cambria Math" panose="02040503050406030204" pitchFamily="18" charset="0"/>
+                            <a:ea typeface="Twentieth Century"/>
+                            <a:cs typeface="Twentieth Century"/>
+                            <a:sym typeface="Twentieth Century"/>
+                          </a:rPr>
+                          <m:t>,</m:t>
+                        </m:r>
+                        <m:sSub>
+                          <m:sSubPr>
+                            <m:ctrlPr>
+                              <a:rPr lang="en-US" sz="2900" b="0" i="1" smtClean="0">
+                                <a:latin typeface="Cambria Math" panose="02040503050406030204" pitchFamily="18" charset="0"/>
+                                <a:ea typeface="Twentieth Century"/>
+                                <a:cs typeface="Twentieth Century"/>
+                                <a:sym typeface="Twentieth Century"/>
+                              </a:rPr>
+                            </m:ctrlPr>
+                          </m:sSubPr>
+                          <m:e>
+                            <m:r>
+                              <a:rPr lang="en-US" sz="2900" i="1">
+                                <a:latin typeface="Cambria Math" panose="02040503050406030204" pitchFamily="18" charset="0"/>
+                                <a:ea typeface="Twentieth Century"/>
+                                <a:cs typeface="Twentieth Century"/>
+                                <a:sym typeface="Twentieth Century"/>
+                              </a:rPr>
+                              <m:t>𝑤</m:t>
+                            </m:r>
+                          </m:e>
+                          <m:sub>
+                            <m:r>
+                              <a:rPr lang="en-US" sz="2900" b="0" i="1" smtClean="0">
+                                <a:latin typeface="Cambria Math" panose="02040503050406030204" pitchFamily="18" charset="0"/>
+                                <a:ea typeface="Twentieth Century"/>
+                                <a:cs typeface="Twentieth Century"/>
+                                <a:sym typeface="Twentieth Century"/>
+                              </a:rPr>
+                              <m:t>𝑡</m:t>
+                            </m:r>
+                          </m:sub>
+                        </m:sSub>
+                      </m:e>
+                    </m:d>
+                  </m:oMath>
+                </a14:m>
+                <a:endParaRPr lang="en-US" sz="2900" dirty="0">
+                  <a:latin typeface="Twentieth Century"/>
+                  <a:ea typeface="Twentieth Century"/>
+                  <a:cs typeface="Twentieth Century"/>
+                  <a:sym typeface="Twentieth Century"/>
+                </a:endParaRPr>
+              </a:p>
+              <a:p>
+                <a:pPr marL="457200" lvl="0" indent="-412750" algn="l" rtl="0">
+                  <a:spcBef>
+                    <a:spcPts val="0"/>
+                  </a:spcBef>
+                  <a:spcAft>
+                    <a:spcPts val="0"/>
+                  </a:spcAft>
+                  <a:buSzPts val="2900"/>
+                  <a:buFont typeface="Twentieth Century"/>
+                  <a:buChar char="-"/>
+                </a:pPr>
+                <a:r>
+                  <a:rPr lang="en-US" sz="2900" dirty="0">
+                    <a:latin typeface="Twentieth Century"/>
+                    <a:ea typeface="Twentieth Century"/>
+                    <a:cs typeface="Twentieth Century"/>
+                    <a:sym typeface="Twentieth Century"/>
+                  </a:rPr>
+                  <a:t>Measurement:</a:t>
+                </a:r>
+                <a14:m>
+                  <m:oMath xmlns:m="http://schemas.openxmlformats.org/officeDocument/2006/math">
+                    <m:sSub>
+                      <m:sSubPr>
+                        <m:ctrlPr>
+                          <a:rPr lang="en-US" sz="2900" b="0" i="1" smtClean="0">
+                            <a:latin typeface="Cambria Math" panose="02040503050406030204" pitchFamily="18" charset="0"/>
+                            <a:ea typeface="Twentieth Century"/>
+                            <a:cs typeface="Twentieth Century"/>
+                            <a:sym typeface="Twentieth Century"/>
+                          </a:rPr>
+                        </m:ctrlPr>
+                      </m:sSubPr>
+                      <m:e>
+                        <m:r>
+                          <a:rPr lang="en-US" sz="2900" b="0" i="1" smtClean="0">
+                            <a:latin typeface="Cambria Math" panose="02040503050406030204" pitchFamily="18" charset="0"/>
+                            <a:ea typeface="Twentieth Century"/>
+                            <a:cs typeface="Twentieth Century"/>
+                            <a:sym typeface="Twentieth Century"/>
+                          </a:rPr>
+                          <m:t>𝑦</m:t>
+                        </m:r>
+                      </m:e>
+                      <m:sub>
+                        <m:r>
+                          <a:rPr lang="en-US" sz="2900" b="0" i="1" smtClean="0">
+                            <a:latin typeface="Cambria Math" panose="02040503050406030204" pitchFamily="18" charset="0"/>
+                            <a:ea typeface="Twentieth Century"/>
+                            <a:cs typeface="Twentieth Century"/>
+                            <a:sym typeface="Twentieth Century"/>
+                          </a:rPr>
+                          <m:t>𝑡</m:t>
+                        </m:r>
+                      </m:sub>
+                    </m:sSub>
+                    <m:r>
+                      <a:rPr lang="en-US" sz="2900" b="0" i="1" smtClean="0">
+                        <a:latin typeface="Cambria Math" panose="02040503050406030204" pitchFamily="18" charset="0"/>
+                        <a:ea typeface="Twentieth Century"/>
+                        <a:cs typeface="Twentieth Century"/>
+                        <a:sym typeface="Twentieth Century"/>
+                      </a:rPr>
+                      <m:t>=</m:t>
+                    </m:r>
+                    <m:r>
+                      <a:rPr lang="en-US" sz="2900" b="0" i="1" smtClean="0">
+                        <a:latin typeface="Cambria Math" panose="02040503050406030204" pitchFamily="18" charset="0"/>
+                        <a:ea typeface="Twentieth Century"/>
+                        <a:cs typeface="Twentieth Century"/>
+                        <a:sym typeface="Twentieth Century"/>
+                      </a:rPr>
+                      <m:t>𝑔</m:t>
+                    </m:r>
+                    <m:r>
+                      <a:rPr lang="en-US" sz="2900" b="0" i="1" smtClean="0">
+                        <a:latin typeface="Cambria Math" panose="02040503050406030204" pitchFamily="18" charset="0"/>
+                        <a:ea typeface="Twentieth Century"/>
+                        <a:cs typeface="Twentieth Century"/>
+                        <a:sym typeface="Twentieth Century"/>
+                      </a:rPr>
+                      <m:t>(</m:t>
+                    </m:r>
+                    <m:sSub>
+                      <m:sSubPr>
+                        <m:ctrlPr>
+                          <a:rPr lang="en-US" sz="2900" b="0" i="1" smtClean="0">
+                            <a:latin typeface="Cambria Math" panose="02040503050406030204" pitchFamily="18" charset="0"/>
+                            <a:ea typeface="Twentieth Century"/>
+                            <a:cs typeface="Twentieth Century"/>
+                            <a:sym typeface="Twentieth Century"/>
+                          </a:rPr>
+                        </m:ctrlPr>
+                      </m:sSubPr>
+                      <m:e>
+                        <m:r>
+                          <a:rPr lang="en-US" sz="2900" b="0" i="1" smtClean="0">
+                            <a:latin typeface="Cambria Math" panose="02040503050406030204" pitchFamily="18" charset="0"/>
+                            <a:ea typeface="Twentieth Century"/>
+                            <a:cs typeface="Twentieth Century"/>
+                            <a:sym typeface="Twentieth Century"/>
+                          </a:rPr>
+                          <m:t>𝑥</m:t>
+                        </m:r>
+                      </m:e>
+                      <m:sub>
+                        <m:r>
+                          <a:rPr lang="en-US" sz="2900" b="0" i="1" smtClean="0">
+                            <a:latin typeface="Cambria Math" panose="02040503050406030204" pitchFamily="18" charset="0"/>
+                            <a:ea typeface="Twentieth Century"/>
+                            <a:cs typeface="Twentieth Century"/>
+                            <a:sym typeface="Twentieth Century"/>
+                          </a:rPr>
+                          <m:t>𝑡</m:t>
+                        </m:r>
+                      </m:sub>
+                    </m:sSub>
+                    <m:r>
+                      <a:rPr lang="en-US" sz="2900" b="0" i="1" smtClean="0">
+                        <a:latin typeface="Cambria Math" panose="02040503050406030204" pitchFamily="18" charset="0"/>
+                        <a:ea typeface="Twentieth Century"/>
+                        <a:cs typeface="Twentieth Century"/>
+                        <a:sym typeface="Twentieth Century"/>
+                      </a:rPr>
+                      <m:t>,</m:t>
+                    </m:r>
+                    <m:sSub>
+                      <m:sSubPr>
+                        <m:ctrlPr>
+                          <a:rPr lang="en-US" sz="2900" b="0" i="1" smtClean="0">
+                            <a:latin typeface="Cambria Math" panose="02040503050406030204" pitchFamily="18" charset="0"/>
+                            <a:ea typeface="Twentieth Century"/>
+                            <a:cs typeface="Twentieth Century"/>
+                            <a:sym typeface="Twentieth Century"/>
+                          </a:rPr>
+                        </m:ctrlPr>
+                      </m:sSubPr>
+                      <m:e>
+                        <m:r>
+                          <a:rPr lang="en-US" sz="2900" b="0" i="1" smtClean="0">
+                            <a:latin typeface="Cambria Math" panose="02040503050406030204" pitchFamily="18" charset="0"/>
+                            <a:ea typeface="Twentieth Century"/>
+                            <a:cs typeface="Twentieth Century"/>
+                            <a:sym typeface="Twentieth Century"/>
+                          </a:rPr>
+                          <m:t>𝑣</m:t>
+                        </m:r>
+                      </m:e>
+                      <m:sub>
+                        <m:r>
+                          <a:rPr lang="en-US" sz="2900" b="0" i="1" smtClean="0">
+                            <a:latin typeface="Cambria Math" panose="02040503050406030204" pitchFamily="18" charset="0"/>
+                            <a:ea typeface="Twentieth Century"/>
+                            <a:cs typeface="Twentieth Century"/>
+                            <a:sym typeface="Twentieth Century"/>
+                          </a:rPr>
+                          <m:t>𝑡</m:t>
+                        </m:r>
+                      </m:sub>
+                    </m:sSub>
+                    <m:r>
+                      <a:rPr lang="en-US" sz="2900" b="0" i="1" smtClean="0">
+                        <a:latin typeface="Cambria Math" panose="02040503050406030204" pitchFamily="18" charset="0"/>
+                        <a:ea typeface="Twentieth Century"/>
+                        <a:cs typeface="Twentieth Century"/>
+                        <a:sym typeface="Twentieth Century"/>
+                      </a:rPr>
+                      <m:t>)</m:t>
+                    </m:r>
+                  </m:oMath>
+                </a14:m>
+                <a:endParaRPr sz="2900" dirty="0">
+                  <a:latin typeface="Twentieth Century"/>
+                  <a:ea typeface="Twentieth Century"/>
+                  <a:cs typeface="Twentieth Century"/>
+                  <a:sym typeface="Twentieth Century"/>
+                </a:endParaRPr>
+              </a:p>
+            </p:txBody>
+          </p:sp>
+        </mc:Choice>
+        <mc:Fallback xmlns="">
+          <p:sp>
+            <p:nvSpPr>
+              <p:cNvPr id="157" name="Google Shape;157;g164b75e63d5_0_20"/>
+              <p:cNvSpPr txBox="1">
+                <a:spLocks noRot="1" noChangeAspect="1" noMove="1" noResize="1" noEditPoints="1" noAdjustHandles="1" noChangeArrowheads="1" noChangeShapeType="1" noTextEdit="1"/>
+              </p:cNvSpPr>
+              <p:nvPr/>
+            </p:nvSpPr>
+            <p:spPr>
+              <a:xfrm>
+                <a:off x="1322200" y="1772625"/>
+                <a:ext cx="9066600" cy="1969740"/>
+              </a:xfrm>
+              <a:prstGeom prst="rect">
+                <a:avLst/>
+              </a:prstGeom>
+              <a:blipFill>
+                <a:blip r:embed="rId3"/>
+                <a:stretch>
+                  <a:fillRect l="-1009" t="-929" b="-5882"/>
+                </a:stretch>
+              </a:blipFill>
+              <a:ln>
+                <a:noFill/>
+              </a:ln>
+            </p:spPr>
+            <p:txBody>
+              <a:bodyPr/>
+              <a:lstStyle/>
+              <a:p>
+                <a:r>
+                  <a:rPr lang="en-US">
+                    <a:noFill/>
+                  </a:rPr>
+                  <a:t> </a:t>
+                </a:r>
+              </a:p>
+            </p:txBody>
+          </p:sp>
+        </mc:Fallback>
+      </mc:AlternateContent>
     </p:spTree>
   </p:cSld>
   <p:clrMapOvr>
@@ -13973,195 +14120,735 @@
           </a:p>
         </p:txBody>
       </p:sp>
-      <p:sp>
-        <p:nvSpPr>
-          <p:cNvPr id="165" name="Google Shape;165;g164b75e63d5_0_29"/>
-          <p:cNvSpPr txBox="1"/>
-          <p:nvPr/>
-        </p:nvSpPr>
-        <p:spPr>
-          <a:xfrm>
-            <a:off x="1322200" y="1772625"/>
-            <a:ext cx="9066600" cy="2416500"/>
-          </a:xfrm>
-          <a:prstGeom prst="rect">
-            <a:avLst/>
-          </a:prstGeom>
-          <a:noFill/>
-          <a:ln>
-            <a:noFill/>
-          </a:ln>
-        </p:spPr>
-        <p:txBody>
-          <a:bodyPr spcFirstLastPara="1" wrap="square" lIns="91425" tIns="91425" rIns="91425" bIns="91425" anchor="t" anchorCtr="0">
-            <a:spAutoFit/>
-          </a:bodyPr>
-          <a:lstStyle/>
-          <a:p>
-            <a:pPr marL="457200" lvl="0" indent="-406400" algn="l" rtl="0">
-              <a:spcBef>
-                <a:spcPts val="0"/>
-              </a:spcBef>
-              <a:spcAft>
-                <a:spcPts val="0"/>
-              </a:spcAft>
-              <a:buSzPts val="2800"/>
-              <a:buFont typeface="Twentieth Century"/>
-              <a:buChar char="-"/>
-            </a:pPr>
-            <a:r>
-              <a:rPr lang="en-US" sz="2900">
-                <a:latin typeface="Twentieth Century"/>
-                <a:ea typeface="Twentieth Century"/>
-                <a:cs typeface="Twentieth Century"/>
-                <a:sym typeface="Twentieth Century"/>
-              </a:rPr>
-              <a:t>From noisy measurement</a:t>
-            </a:r>
-            <a:endParaRPr sz="2900">
-              <a:latin typeface="Twentieth Century"/>
-              <a:ea typeface="Twentieth Century"/>
-              <a:cs typeface="Twentieth Century"/>
-              <a:sym typeface="Twentieth Century"/>
-            </a:endParaRPr>
-          </a:p>
-          <a:p>
-            <a:pPr marL="0" lvl="0" indent="0" algn="l" rtl="0">
-              <a:spcBef>
-                <a:spcPts val="0"/>
-              </a:spcBef>
-              <a:spcAft>
-                <a:spcPts val="0"/>
-              </a:spcAft>
-              <a:buNone/>
-            </a:pPr>
-            <a:endParaRPr sz="2900">
-              <a:latin typeface="Twentieth Century"/>
-              <a:ea typeface="Twentieth Century"/>
-              <a:cs typeface="Twentieth Century"/>
-              <a:sym typeface="Twentieth Century"/>
-            </a:endParaRPr>
-          </a:p>
-          <a:p>
-            <a:pPr marL="0" lvl="0" indent="0" algn="l" rtl="0">
-              <a:spcBef>
-                <a:spcPts val="0"/>
-              </a:spcBef>
-              <a:spcAft>
-                <a:spcPts val="0"/>
-              </a:spcAft>
-              <a:buNone/>
-            </a:pPr>
-            <a:endParaRPr sz="2900">
-              <a:latin typeface="Twentieth Century"/>
-              <a:ea typeface="Twentieth Century"/>
-              <a:cs typeface="Twentieth Century"/>
-              <a:sym typeface="Twentieth Century"/>
-            </a:endParaRPr>
-          </a:p>
-          <a:p>
-            <a:pPr marL="0" lvl="0" indent="0" algn="l" rtl="0">
-              <a:spcBef>
-                <a:spcPts val="0"/>
-              </a:spcBef>
-              <a:spcAft>
-                <a:spcPts val="0"/>
-              </a:spcAft>
-              <a:buNone/>
-            </a:pPr>
-            <a:endParaRPr sz="2900">
-              <a:latin typeface="Twentieth Century"/>
-              <a:ea typeface="Twentieth Century"/>
-              <a:cs typeface="Twentieth Century"/>
-              <a:sym typeface="Twentieth Century"/>
-            </a:endParaRPr>
-          </a:p>
-          <a:p>
-            <a:pPr marL="457200" lvl="0" indent="-412750" algn="l" rtl="0">
-              <a:spcBef>
-                <a:spcPts val="0"/>
-              </a:spcBef>
-              <a:spcAft>
-                <a:spcPts val="0"/>
-              </a:spcAft>
-              <a:buSzPts val="2900"/>
-              <a:buFont typeface="Twentieth Century"/>
-              <a:buChar char="-"/>
-            </a:pPr>
-            <a:r>
-              <a:rPr lang="en-US" sz="2900">
-                <a:latin typeface="Twentieth Century"/>
-                <a:ea typeface="Twentieth Century"/>
-                <a:cs typeface="Twentieth Century"/>
-                <a:sym typeface="Twentieth Century"/>
-              </a:rPr>
-              <a:t>To estimation of full state:</a:t>
-            </a:r>
-            <a:endParaRPr sz="2900">
-              <a:latin typeface="Twentieth Century"/>
-              <a:ea typeface="Twentieth Century"/>
-              <a:cs typeface="Twentieth Century"/>
-              <a:sym typeface="Twentieth Century"/>
-            </a:endParaRPr>
-          </a:p>
-        </p:txBody>
-      </p:sp>
-      <p:pic>
-        <p:nvPicPr>
-          <p:cNvPr id="166" name="Google Shape;166;g164b75e63d5_0_29"/>
-          <p:cNvPicPr preferRelativeResize="0"/>
-          <p:nvPr/>
-        </p:nvPicPr>
-        <p:blipFill>
-          <a:blip r:embed="rId3">
-            <a:alphaModFix/>
-          </a:blip>
-          <a:stretch>
-            <a:fillRect/>
-          </a:stretch>
-        </p:blipFill>
-        <p:spPr>
-          <a:xfrm>
-            <a:off x="2680575" y="2453775"/>
-            <a:ext cx="4219448" cy="923475"/>
-          </a:xfrm>
-          <a:prstGeom prst="rect">
-            <a:avLst/>
-          </a:prstGeom>
-          <a:noFill/>
-          <a:ln>
-            <a:noFill/>
-          </a:ln>
-        </p:spPr>
-      </p:pic>
-      <p:pic>
-        <p:nvPicPr>
-          <p:cNvPr id="167" name="Google Shape;167;g164b75e63d5_0_29"/>
-          <p:cNvPicPr preferRelativeResize="0"/>
-          <p:nvPr/>
-        </p:nvPicPr>
-        <p:blipFill>
-          <a:blip r:embed="rId4">
-            <a:alphaModFix/>
-          </a:blip>
-          <a:stretch>
-            <a:fillRect/>
-          </a:stretch>
-        </p:blipFill>
-        <p:spPr>
-          <a:xfrm>
-            <a:off x="2377950" y="4456925"/>
-            <a:ext cx="5067300" cy="885825"/>
-          </a:xfrm>
-          <a:prstGeom prst="rect">
-            <a:avLst/>
-          </a:prstGeom>
-          <a:noFill/>
-          <a:ln>
-            <a:noFill/>
-          </a:ln>
-        </p:spPr>
-      </p:pic>
+      <mc:AlternateContent xmlns:mc="http://schemas.openxmlformats.org/markup-compatibility/2006" xmlns:a14="http://schemas.microsoft.com/office/drawing/2010/main">
+        <mc:Choice Requires="a14">
+          <p:sp>
+            <p:nvSpPr>
+              <p:cNvPr id="165" name="Google Shape;165;g164b75e63d5_0_29"/>
+              <p:cNvSpPr txBox="1"/>
+              <p:nvPr/>
+            </p:nvSpPr>
+            <p:spPr>
+              <a:xfrm>
+                <a:off x="1322200" y="1772625"/>
+                <a:ext cx="9066600" cy="2862292"/>
+              </a:xfrm>
+              <a:prstGeom prst="rect">
+                <a:avLst/>
+              </a:prstGeom>
+              <a:noFill/>
+              <a:ln>
+                <a:noFill/>
+              </a:ln>
+            </p:spPr>
+            <p:txBody>
+              <a:bodyPr spcFirstLastPara="1" wrap="square" lIns="91425" tIns="91425" rIns="91425" bIns="91425" anchor="t" anchorCtr="0">
+                <a:spAutoFit/>
+              </a:bodyPr>
+              <a:lstStyle/>
+              <a:p>
+                <a:pPr marL="457200" lvl="0" indent="-406400" algn="l" rtl="0">
+                  <a:spcBef>
+                    <a:spcPts val="0"/>
+                  </a:spcBef>
+                  <a:spcAft>
+                    <a:spcPts val="0"/>
+                  </a:spcAft>
+                  <a:buSzPts val="2800"/>
+                  <a:buFont typeface="Twentieth Century"/>
+                  <a:buChar char="-"/>
+                </a:pPr>
+                <a:endParaRPr lang="en-US" sz="2900" dirty="0">
+                  <a:latin typeface="Twentieth Century"/>
+                  <a:ea typeface="Twentieth Century"/>
+                  <a:cs typeface="Twentieth Century"/>
+                  <a:sym typeface="Twentieth Century"/>
+                </a:endParaRPr>
+              </a:p>
+              <a:p>
+                <a:pPr marL="457200" lvl="0" indent="-457200" algn="l" rtl="0">
+                  <a:spcBef>
+                    <a:spcPts val="0"/>
+                  </a:spcBef>
+                  <a:spcAft>
+                    <a:spcPts val="0"/>
+                  </a:spcAft>
+                  <a:buFontTx/>
+                  <a:buChar char="-"/>
+                </a:pPr>
+                <a:r>
+                  <a:rPr lang="en-US" sz="2900" dirty="0">
+                    <a:latin typeface="Twentieth Century"/>
+                    <a:ea typeface="Twentieth Century"/>
+                    <a:cs typeface="Twentieth Century"/>
+                    <a:sym typeface="Twentieth Century"/>
+                  </a:rPr>
+                  <a:t>Maintain estimate of current state:</a:t>
+                </a:r>
+                <a14:m>
+                  <m:oMath xmlns:m="http://schemas.openxmlformats.org/officeDocument/2006/math">
+                    <m:acc>
+                      <m:accPr>
+                        <m:chr m:val="̂"/>
+                        <m:ctrlPr>
+                          <a:rPr lang="en-US" sz="2900" b="0" i="1" smtClean="0">
+                            <a:latin typeface="Cambria Math" panose="02040503050406030204" pitchFamily="18" charset="0"/>
+                            <a:sym typeface="Twentieth Century"/>
+                          </a:rPr>
+                        </m:ctrlPr>
+                      </m:accPr>
+                      <m:e>
+                        <m:sSub>
+                          <m:sSubPr>
+                            <m:ctrlPr>
+                              <a:rPr lang="en-US" sz="2900" b="0" i="1" smtClean="0">
+                                <a:latin typeface="Cambria Math" panose="02040503050406030204" pitchFamily="18" charset="0"/>
+                                <a:sym typeface="Twentieth Century"/>
+                              </a:rPr>
+                            </m:ctrlPr>
+                          </m:sSubPr>
+                          <m:e>
+                            <m:r>
+                              <a:rPr lang="en-US" sz="2900" b="0" i="1" smtClean="0">
+                                <a:latin typeface="Cambria Math" panose="02040503050406030204" pitchFamily="18" charset="0"/>
+                                <a:sym typeface="Twentieth Century"/>
+                              </a:rPr>
+                              <m:t>𝑥</m:t>
+                            </m:r>
+                          </m:e>
+                          <m:sub>
+                            <m:r>
+                              <a:rPr lang="en-US" sz="2900" b="0" i="1" smtClean="0">
+                                <a:latin typeface="Cambria Math" panose="02040503050406030204" pitchFamily="18" charset="0"/>
+                                <a:sym typeface="Twentieth Century"/>
+                              </a:rPr>
+                              <m:t>𝑡</m:t>
+                            </m:r>
+                          </m:sub>
+                        </m:sSub>
+                      </m:e>
+                    </m:acc>
+                  </m:oMath>
+                </a14:m>
+                <a:endParaRPr lang="en-US" sz="2900" dirty="0">
+                  <a:latin typeface="Twentieth Century"/>
+                  <a:sym typeface="Twentieth Century"/>
+                </a:endParaRPr>
+              </a:p>
+              <a:p>
+                <a:pPr marL="457200" lvl="0" indent="-457200" algn="l" rtl="0">
+                  <a:spcBef>
+                    <a:spcPts val="0"/>
+                  </a:spcBef>
+                  <a:spcAft>
+                    <a:spcPts val="0"/>
+                  </a:spcAft>
+                  <a:buFontTx/>
+                  <a:buChar char="-"/>
+                </a:pPr>
+                <a:r>
+                  <a:rPr lang="en-US" sz="2900" dirty="0">
+                    <a:latin typeface="Twentieth Century"/>
+                    <a:ea typeface="Twentieth Century"/>
+                    <a:cs typeface="Twentieth Century"/>
+                    <a:sym typeface="Twentieth Century"/>
+                  </a:rPr>
+                  <a:t>Receive measurements: </a:t>
+                </a:r>
+                <a14:m>
+                  <m:oMath xmlns:m="http://schemas.openxmlformats.org/officeDocument/2006/math">
+                    <m:sSub>
+                      <m:sSubPr>
+                        <m:ctrlPr>
+                          <a:rPr lang="en-US" sz="2900" i="1" dirty="0" smtClean="0">
+                            <a:latin typeface="Cambria Math" panose="02040503050406030204" pitchFamily="18" charset="0"/>
+                            <a:ea typeface="Twentieth Century"/>
+                            <a:cs typeface="Twentieth Century"/>
+                            <a:sym typeface="Twentieth Century"/>
+                          </a:rPr>
+                        </m:ctrlPr>
+                      </m:sSubPr>
+                      <m:e>
+                        <m:r>
+                          <a:rPr lang="en-US" sz="2900" i="1" dirty="0" smtClean="0">
+                            <a:latin typeface="Cambria Math" panose="02040503050406030204" pitchFamily="18" charset="0"/>
+                            <a:ea typeface="Twentieth Century"/>
+                            <a:cs typeface="Twentieth Century"/>
+                            <a:sym typeface="Twentieth Century"/>
+                          </a:rPr>
+                          <m:t>𝑦</m:t>
+                        </m:r>
+                      </m:e>
+                      <m:sub>
+                        <m:r>
+                          <a:rPr lang="en-US" sz="2900" i="1" dirty="0" smtClean="0">
+                            <a:latin typeface="Cambria Math" panose="02040503050406030204" pitchFamily="18" charset="0"/>
+                            <a:ea typeface="Twentieth Century"/>
+                            <a:cs typeface="Twentieth Century"/>
+                            <a:sym typeface="Twentieth Century"/>
+                          </a:rPr>
+                          <m:t>𝑡</m:t>
+                        </m:r>
+                      </m:sub>
+                    </m:sSub>
+                    <m:r>
+                      <a:rPr lang="en-US" sz="2900" i="1" dirty="0" smtClean="0">
+                        <a:latin typeface="Cambria Math" panose="02040503050406030204" pitchFamily="18" charset="0"/>
+                        <a:ea typeface="Twentieth Century"/>
+                        <a:cs typeface="Twentieth Century"/>
+                        <a:sym typeface="Twentieth Century"/>
+                      </a:rPr>
+                      <m:t>=</m:t>
+                    </m:r>
+                    <m:r>
+                      <a:rPr lang="en-US" sz="2900" i="1" dirty="0" smtClean="0">
+                        <a:latin typeface="Cambria Math" panose="02040503050406030204" pitchFamily="18" charset="0"/>
+                        <a:ea typeface="Twentieth Century"/>
+                        <a:cs typeface="Twentieth Century"/>
+                        <a:sym typeface="Twentieth Century"/>
+                      </a:rPr>
+                      <m:t>𝑔</m:t>
+                    </m:r>
+                    <m:r>
+                      <a:rPr lang="en-US" sz="2900" i="1" dirty="0" smtClean="0">
+                        <a:latin typeface="Cambria Math" panose="02040503050406030204" pitchFamily="18" charset="0"/>
+                        <a:ea typeface="Twentieth Century"/>
+                        <a:cs typeface="Twentieth Century"/>
+                        <a:sym typeface="Twentieth Century"/>
+                      </a:rPr>
+                      <m:t>(</m:t>
+                    </m:r>
+                    <m:sSub>
+                      <m:sSubPr>
+                        <m:ctrlPr>
+                          <a:rPr lang="en-US" sz="2900" i="1" dirty="0" smtClean="0">
+                            <a:latin typeface="Cambria Math" panose="02040503050406030204" pitchFamily="18" charset="0"/>
+                            <a:ea typeface="Twentieth Century"/>
+                            <a:cs typeface="Twentieth Century"/>
+                            <a:sym typeface="Twentieth Century"/>
+                          </a:rPr>
+                        </m:ctrlPr>
+                      </m:sSubPr>
+                      <m:e>
+                        <m:r>
+                          <a:rPr lang="en-US" sz="2900" i="1" dirty="0" smtClean="0">
+                            <a:latin typeface="Cambria Math" panose="02040503050406030204" pitchFamily="18" charset="0"/>
+                            <a:ea typeface="Twentieth Century"/>
+                            <a:cs typeface="Twentieth Century"/>
+                            <a:sym typeface="Twentieth Century"/>
+                          </a:rPr>
+                          <m:t>𝑥</m:t>
+                        </m:r>
+                      </m:e>
+                      <m:sub>
+                        <m:r>
+                          <a:rPr lang="en-US" sz="2900" i="1" dirty="0" smtClean="0">
+                            <a:latin typeface="Cambria Math" panose="02040503050406030204" pitchFamily="18" charset="0"/>
+                            <a:ea typeface="Twentieth Century"/>
+                            <a:cs typeface="Twentieth Century"/>
+                            <a:sym typeface="Twentieth Century"/>
+                          </a:rPr>
+                          <m:t>𝑡</m:t>
+                        </m:r>
+                      </m:sub>
+                    </m:sSub>
+                    <m:r>
+                      <a:rPr lang="en-US" sz="2900" i="1" dirty="0" smtClean="0">
+                        <a:latin typeface="Cambria Math" panose="02040503050406030204" pitchFamily="18" charset="0"/>
+                        <a:ea typeface="Twentieth Century"/>
+                        <a:cs typeface="Twentieth Century"/>
+                        <a:sym typeface="Twentieth Century"/>
+                      </a:rPr>
+                      <m:t>,</m:t>
+                    </m:r>
+                    <m:sSub>
+                      <m:sSubPr>
+                        <m:ctrlPr>
+                          <a:rPr lang="en-US" sz="2900" i="1" dirty="0" smtClean="0">
+                            <a:latin typeface="Cambria Math" panose="02040503050406030204" pitchFamily="18" charset="0"/>
+                            <a:ea typeface="Twentieth Century"/>
+                            <a:cs typeface="Twentieth Century"/>
+                            <a:sym typeface="Twentieth Century"/>
+                          </a:rPr>
+                        </m:ctrlPr>
+                      </m:sSubPr>
+                      <m:e>
+                        <m:r>
+                          <a:rPr lang="en-US" sz="2900" i="1" dirty="0" smtClean="0">
+                            <a:latin typeface="Cambria Math" panose="02040503050406030204" pitchFamily="18" charset="0"/>
+                            <a:ea typeface="Twentieth Century"/>
+                            <a:cs typeface="Twentieth Century"/>
+                            <a:sym typeface="Twentieth Century"/>
+                          </a:rPr>
+                          <m:t>𝑣</m:t>
+                        </m:r>
+                      </m:e>
+                      <m:sub>
+                        <m:r>
+                          <a:rPr lang="en-US" sz="2900" i="1" dirty="0" smtClean="0">
+                            <a:latin typeface="Cambria Math" panose="02040503050406030204" pitchFamily="18" charset="0"/>
+                            <a:ea typeface="Twentieth Century"/>
+                            <a:cs typeface="Twentieth Century"/>
+                            <a:sym typeface="Twentieth Century"/>
+                          </a:rPr>
+                          <m:t>𝑡</m:t>
+                        </m:r>
+                      </m:sub>
+                    </m:sSub>
+                    <m:r>
+                      <a:rPr lang="en-US" sz="2900" i="1" dirty="0" smtClean="0">
+                        <a:latin typeface="Cambria Math" panose="02040503050406030204" pitchFamily="18" charset="0"/>
+                        <a:ea typeface="Twentieth Century"/>
+                        <a:cs typeface="Twentieth Century"/>
+                        <a:sym typeface="Twentieth Century"/>
+                      </a:rPr>
+                      <m:t>)</m:t>
+                    </m:r>
+                  </m:oMath>
+                </a14:m>
+                <a:endParaRPr lang="en-US" sz="2900" dirty="0">
+                  <a:latin typeface="Twentieth Century"/>
+                  <a:ea typeface="Twentieth Century"/>
+                  <a:cs typeface="Twentieth Century"/>
+                  <a:sym typeface="Twentieth Century"/>
+                </a:endParaRPr>
+              </a:p>
+              <a:p>
+                <a:pPr marL="457200" lvl="0" indent="-457200">
+                  <a:buFontTx/>
+                  <a:buChar char="-"/>
+                </a:pPr>
+                <a:r>
+                  <a:rPr lang="en-US" sz="2900" dirty="0">
+                    <a:latin typeface="Twentieth Century"/>
+                    <a:ea typeface="Twentieth Century"/>
+                    <a:cs typeface="Twentieth Century"/>
+                    <a:sym typeface="Twentieth Century"/>
+                  </a:rPr>
+                  <a:t>Update estimate:</a:t>
+                </a:r>
+                <a14:m>
+                  <m:oMath xmlns:m="http://schemas.openxmlformats.org/officeDocument/2006/math">
+                    <m:sSub>
+                      <m:sSubPr>
+                        <m:ctrlPr>
+                          <a:rPr lang="en-US" sz="2900" b="0" i="1" smtClean="0">
+                            <a:latin typeface="Cambria Math" panose="02040503050406030204" pitchFamily="18" charset="0"/>
+                            <a:sym typeface="Twentieth Century"/>
+                          </a:rPr>
+                        </m:ctrlPr>
+                      </m:sSubPr>
+                      <m:e>
+                        <m:acc>
+                          <m:accPr>
+                            <m:chr m:val="̂"/>
+                            <m:ctrlPr>
+                              <a:rPr lang="en-US" sz="2900" i="1">
+                                <a:latin typeface="Cambria Math" panose="02040503050406030204" pitchFamily="18" charset="0"/>
+                                <a:sym typeface="Twentieth Century"/>
+                              </a:rPr>
+                            </m:ctrlPr>
+                          </m:accPr>
+                          <m:e>
+                            <m:r>
+                              <a:rPr lang="en-US" sz="2900" b="0" i="1" smtClean="0">
+                                <a:latin typeface="Cambria Math" panose="02040503050406030204" pitchFamily="18" charset="0"/>
+                                <a:sym typeface="Twentieth Century"/>
+                              </a:rPr>
+                              <m:t>𝑥</m:t>
+                            </m:r>
+                          </m:e>
+                        </m:acc>
+                      </m:e>
+                      <m:sub>
+                        <m:r>
+                          <a:rPr lang="en-US" sz="2900" b="0" i="1" smtClean="0">
+                            <a:latin typeface="Cambria Math" panose="02040503050406030204" pitchFamily="18" charset="0"/>
+                            <a:sym typeface="Twentieth Century"/>
+                          </a:rPr>
+                          <m:t>𝑡</m:t>
+                        </m:r>
+                        <m:r>
+                          <a:rPr lang="en-US" sz="2900" b="0" i="1" smtClean="0">
+                            <a:latin typeface="Cambria Math" panose="02040503050406030204" pitchFamily="18" charset="0"/>
+                            <a:sym typeface="Twentieth Century"/>
+                          </a:rPr>
+                          <m:t>+1</m:t>
+                        </m:r>
+                      </m:sub>
+                    </m:sSub>
+                    <m:r>
+                      <a:rPr lang="en-US" sz="2900" b="0" i="1" smtClean="0">
+                        <a:latin typeface="Cambria Math" panose="02040503050406030204" pitchFamily="18" charset="0"/>
+                        <a:sym typeface="Twentieth Century"/>
+                      </a:rPr>
+                      <m:t>=</m:t>
+                    </m:r>
+                    <m:r>
+                      <a:rPr lang="en-US" sz="2900" b="0" i="1" smtClean="0">
+                        <a:latin typeface="Cambria Math" panose="02040503050406030204" pitchFamily="18" charset="0"/>
+                        <a:sym typeface="Twentieth Century"/>
+                      </a:rPr>
+                      <m:t>𝐾</m:t>
+                    </m:r>
+                    <m:d>
+                      <m:dPr>
+                        <m:ctrlPr>
+                          <a:rPr lang="en-US" sz="2900" b="0" i="1" smtClean="0">
+                            <a:latin typeface="Cambria Math" panose="02040503050406030204" pitchFamily="18" charset="0"/>
+                            <a:sym typeface="Twentieth Century"/>
+                          </a:rPr>
+                        </m:ctrlPr>
+                      </m:dPr>
+                      <m:e>
+                        <m:acc>
+                          <m:accPr>
+                            <m:chr m:val="̂"/>
+                            <m:ctrlPr>
+                              <a:rPr lang="en-US" sz="2900" i="1">
+                                <a:latin typeface="Cambria Math" panose="02040503050406030204" pitchFamily="18" charset="0"/>
+                                <a:sym typeface="Twentieth Century"/>
+                              </a:rPr>
+                            </m:ctrlPr>
+                          </m:accPr>
+                          <m:e>
+                            <m:sSub>
+                              <m:sSubPr>
+                                <m:ctrlPr>
+                                  <a:rPr lang="en-US" sz="2900" i="1">
+                                    <a:latin typeface="Cambria Math" panose="02040503050406030204" pitchFamily="18" charset="0"/>
+                                    <a:sym typeface="Twentieth Century"/>
+                                  </a:rPr>
+                                </m:ctrlPr>
+                              </m:sSubPr>
+                              <m:e>
+                                <m:r>
+                                  <a:rPr lang="en-US" sz="2900" i="1">
+                                    <a:latin typeface="Cambria Math" panose="02040503050406030204" pitchFamily="18" charset="0"/>
+                                    <a:sym typeface="Twentieth Century"/>
+                                  </a:rPr>
+                                  <m:t>𝑥</m:t>
+                                </m:r>
+                              </m:e>
+                              <m:sub>
+                                <m:r>
+                                  <a:rPr lang="en-US" sz="2900" i="1">
+                                    <a:latin typeface="Cambria Math" panose="02040503050406030204" pitchFamily="18" charset="0"/>
+                                    <a:sym typeface="Twentieth Century"/>
+                                  </a:rPr>
+                                  <m:t>𝑡</m:t>
+                                </m:r>
+                              </m:sub>
+                            </m:sSub>
+                          </m:e>
+                        </m:acc>
+                        <m:r>
+                          <a:rPr lang="en-US" sz="2900" b="0" i="1" smtClean="0">
+                            <a:latin typeface="Cambria Math" panose="02040503050406030204" pitchFamily="18" charset="0"/>
+                            <a:sym typeface="Twentieth Century"/>
+                          </a:rPr>
+                          <m:t>,</m:t>
+                        </m:r>
+                        <m:sSub>
+                          <m:sSubPr>
+                            <m:ctrlPr>
+                              <a:rPr lang="en-US" sz="2900" b="0" i="1" smtClean="0">
+                                <a:latin typeface="Cambria Math" panose="02040503050406030204" pitchFamily="18" charset="0"/>
+                                <a:sym typeface="Twentieth Century"/>
+                              </a:rPr>
+                            </m:ctrlPr>
+                          </m:sSubPr>
+                          <m:e>
+                            <m:r>
+                              <a:rPr lang="en-US" sz="2900" b="0" i="1" smtClean="0">
+                                <a:latin typeface="Cambria Math" panose="02040503050406030204" pitchFamily="18" charset="0"/>
+                                <a:sym typeface="Twentieth Century"/>
+                              </a:rPr>
+                              <m:t>𝑦</m:t>
+                            </m:r>
+                          </m:e>
+                          <m:sub>
+                            <m:r>
+                              <a:rPr lang="en-US" sz="2900" b="0" i="1" smtClean="0">
+                                <a:latin typeface="Cambria Math" panose="02040503050406030204" pitchFamily="18" charset="0"/>
+                                <a:sym typeface="Twentieth Century"/>
+                              </a:rPr>
+                              <m:t>𝑡</m:t>
+                            </m:r>
+                          </m:sub>
+                        </m:sSub>
+                        <m:r>
+                          <a:rPr lang="en-US" sz="2900" b="0" i="1" smtClean="0">
+                            <a:latin typeface="Cambria Math" panose="02040503050406030204" pitchFamily="18" charset="0"/>
+                            <a:sym typeface="Twentieth Century"/>
+                          </a:rPr>
+                          <m:t>,</m:t>
+                        </m:r>
+                        <m:sSub>
+                          <m:sSubPr>
+                            <m:ctrlPr>
+                              <a:rPr lang="en-US" sz="2900" b="0" i="1" smtClean="0">
+                                <a:latin typeface="Cambria Math" panose="02040503050406030204" pitchFamily="18" charset="0"/>
+                                <a:sym typeface="Twentieth Century"/>
+                              </a:rPr>
+                            </m:ctrlPr>
+                          </m:sSubPr>
+                          <m:e>
+                            <m:r>
+                              <a:rPr lang="en-US" sz="2900" b="0" i="1" smtClean="0">
+                                <a:latin typeface="Cambria Math" panose="02040503050406030204" pitchFamily="18" charset="0"/>
+                                <a:sym typeface="Twentieth Century"/>
+                              </a:rPr>
+                              <m:t>𝑢</m:t>
+                            </m:r>
+                          </m:e>
+                          <m:sub>
+                            <m:r>
+                              <a:rPr lang="en-US" sz="2900" b="0" i="1" smtClean="0">
+                                <a:latin typeface="Cambria Math" panose="02040503050406030204" pitchFamily="18" charset="0"/>
+                                <a:sym typeface="Twentieth Century"/>
+                              </a:rPr>
+                              <m:t>𝑡</m:t>
+                            </m:r>
+                          </m:sub>
+                        </m:sSub>
+                      </m:e>
+                    </m:d>
+                  </m:oMath>
+                </a14:m>
+                <a:endParaRPr lang="en-US" sz="2900" b="0" dirty="0">
+                  <a:latin typeface="Twentieth Century"/>
+                  <a:sym typeface="Twentieth Century"/>
+                </a:endParaRPr>
+              </a:p>
+              <a:p>
+                <a:pPr marL="457200" lvl="0" indent="-457200">
+                  <a:buFontTx/>
+                  <a:buChar char="-"/>
+                </a:pPr>
+                <a:r>
+                  <a:rPr lang="en-US" sz="2900" dirty="0">
+                    <a:latin typeface="Twentieth Century"/>
+                    <a:ea typeface="Twentieth Century"/>
+                    <a:cs typeface="Twentieth Century"/>
+                    <a:sym typeface="Twentieth Century"/>
+                  </a:rPr>
+                  <a:t>We can treat K as a control system with </a:t>
+                </a:r>
+                <a14:m>
+                  <m:oMath xmlns:m="http://schemas.openxmlformats.org/officeDocument/2006/math">
+                    <m:acc>
+                      <m:accPr>
+                        <m:chr m:val="̂"/>
+                        <m:ctrlPr>
+                          <a:rPr lang="en-US" sz="2900" i="1">
+                            <a:latin typeface="Cambria Math" panose="02040503050406030204" pitchFamily="18" charset="0"/>
+                            <a:sym typeface="Twentieth Century"/>
+                          </a:rPr>
+                        </m:ctrlPr>
+                      </m:accPr>
+                      <m:e>
+                        <m:sSub>
+                          <m:sSubPr>
+                            <m:ctrlPr>
+                              <a:rPr lang="en-US" sz="2900" i="1">
+                                <a:latin typeface="Cambria Math" panose="02040503050406030204" pitchFamily="18" charset="0"/>
+                                <a:sym typeface="Twentieth Century"/>
+                              </a:rPr>
+                            </m:ctrlPr>
+                          </m:sSubPr>
+                          <m:e>
+                            <m:r>
+                              <a:rPr lang="en-US" sz="2900" i="1">
+                                <a:latin typeface="Cambria Math" panose="02040503050406030204" pitchFamily="18" charset="0"/>
+                                <a:sym typeface="Twentieth Century"/>
+                              </a:rPr>
+                              <m:t>𝑥</m:t>
+                            </m:r>
+                          </m:e>
+                          <m:sub>
+                            <m:r>
+                              <a:rPr lang="en-US" sz="2900" i="1">
+                                <a:latin typeface="Cambria Math" panose="02040503050406030204" pitchFamily="18" charset="0"/>
+                                <a:sym typeface="Twentieth Century"/>
+                              </a:rPr>
+                              <m:t>𝑡</m:t>
+                            </m:r>
+                          </m:sub>
+                        </m:sSub>
+                      </m:e>
+                    </m:acc>
+                  </m:oMath>
+                </a14:m>
+                <a:r>
+                  <a:rPr lang="en-US" sz="2900" dirty="0">
+                    <a:latin typeface="Twentieth Century"/>
+                    <a:ea typeface="Twentieth Century"/>
+                    <a:cs typeface="Twentieth Century"/>
+                    <a:sym typeface="Twentieth Century"/>
+                  </a:rPr>
+                  <a:t> as its state and </a:t>
+                </a:r>
+                <a14:m>
+                  <m:oMath xmlns:m="http://schemas.openxmlformats.org/officeDocument/2006/math">
+                    <m:r>
+                      <a:rPr lang="en-US" sz="2900" b="0" i="1" smtClean="0">
+                        <a:latin typeface="Cambria Math" panose="02040503050406030204" pitchFamily="18" charset="0"/>
+                        <a:ea typeface="Twentieth Century"/>
+                        <a:cs typeface="Twentieth Century"/>
+                        <a:sym typeface="Twentieth Century"/>
+                      </a:rPr>
+                      <m:t>[</m:t>
+                    </m:r>
+                    <m:sSub>
+                      <m:sSubPr>
+                        <m:ctrlPr>
+                          <a:rPr lang="en-US" sz="2900" b="0" i="1" smtClean="0">
+                            <a:latin typeface="Cambria Math" panose="02040503050406030204" pitchFamily="18" charset="0"/>
+                            <a:ea typeface="Twentieth Century"/>
+                            <a:cs typeface="Twentieth Century"/>
+                            <a:sym typeface="Twentieth Century"/>
+                          </a:rPr>
+                        </m:ctrlPr>
+                      </m:sSubPr>
+                      <m:e>
+                        <m:r>
+                          <a:rPr lang="en-US" sz="2900" b="0" i="1" smtClean="0">
+                            <a:latin typeface="Cambria Math" panose="02040503050406030204" pitchFamily="18" charset="0"/>
+                            <a:ea typeface="Twentieth Century"/>
+                            <a:cs typeface="Twentieth Century"/>
+                            <a:sym typeface="Twentieth Century"/>
+                          </a:rPr>
+                          <m:t>𝑦</m:t>
+                        </m:r>
+                      </m:e>
+                      <m:sub>
+                        <m:r>
+                          <a:rPr lang="en-US" sz="2900" b="0" i="1" smtClean="0">
+                            <a:latin typeface="Cambria Math" panose="02040503050406030204" pitchFamily="18" charset="0"/>
+                            <a:ea typeface="Twentieth Century"/>
+                            <a:cs typeface="Twentieth Century"/>
+                            <a:sym typeface="Twentieth Century"/>
+                          </a:rPr>
+                          <m:t>𝑡</m:t>
+                        </m:r>
+                      </m:sub>
+                    </m:sSub>
+                    <m:r>
+                      <a:rPr lang="en-US" sz="2900" b="0" i="1" smtClean="0">
+                        <a:latin typeface="Cambria Math" panose="02040503050406030204" pitchFamily="18" charset="0"/>
+                        <a:ea typeface="Twentieth Century"/>
+                        <a:cs typeface="Twentieth Century"/>
+                        <a:sym typeface="Twentieth Century"/>
+                      </a:rPr>
+                      <m:t>,</m:t>
+                    </m:r>
+                    <m:sSub>
+                      <m:sSubPr>
+                        <m:ctrlPr>
+                          <a:rPr lang="en-US" sz="2900" b="0" i="1" smtClean="0">
+                            <a:latin typeface="Cambria Math" panose="02040503050406030204" pitchFamily="18" charset="0"/>
+                            <a:ea typeface="Twentieth Century"/>
+                            <a:cs typeface="Twentieth Century"/>
+                            <a:sym typeface="Twentieth Century"/>
+                          </a:rPr>
+                        </m:ctrlPr>
+                      </m:sSubPr>
+                      <m:e>
+                        <m:r>
+                          <a:rPr lang="en-US" sz="2900" b="0" i="1" smtClean="0">
+                            <a:latin typeface="Cambria Math" panose="02040503050406030204" pitchFamily="18" charset="0"/>
+                            <a:ea typeface="Twentieth Century"/>
+                            <a:cs typeface="Twentieth Century"/>
+                            <a:sym typeface="Twentieth Century"/>
+                          </a:rPr>
+                          <m:t>𝑢</m:t>
+                        </m:r>
+                      </m:e>
+                      <m:sub>
+                        <m:r>
+                          <a:rPr lang="en-US" sz="2900" b="0" i="1" smtClean="0">
+                            <a:latin typeface="Cambria Math" panose="02040503050406030204" pitchFamily="18" charset="0"/>
+                            <a:ea typeface="Twentieth Century"/>
+                            <a:cs typeface="Twentieth Century"/>
+                            <a:sym typeface="Twentieth Century"/>
+                          </a:rPr>
+                          <m:t>𝑡</m:t>
+                        </m:r>
+                      </m:sub>
+                    </m:sSub>
+                    <m:r>
+                      <a:rPr lang="en-US" sz="2900" b="0" i="1" smtClean="0">
+                        <a:latin typeface="Cambria Math" panose="02040503050406030204" pitchFamily="18" charset="0"/>
+                        <a:ea typeface="Twentieth Century"/>
+                        <a:cs typeface="Twentieth Century"/>
+                        <a:sym typeface="Twentieth Century"/>
+                      </a:rPr>
+                      <m:t>]</m:t>
+                    </m:r>
+                  </m:oMath>
+                </a14:m>
+                <a:r>
+                  <a:rPr lang="en-US" sz="2900" dirty="0">
+                    <a:latin typeface="Twentieth Century"/>
+                    <a:ea typeface="Twentieth Century"/>
+                    <a:cs typeface="Twentieth Century"/>
+                    <a:sym typeface="Twentieth Century"/>
+                  </a:rPr>
+                  <a:t> as its input</a:t>
+                </a:r>
+                <a:endParaRPr sz="2900" dirty="0">
+                  <a:latin typeface="Twentieth Century"/>
+                  <a:ea typeface="Twentieth Century"/>
+                  <a:cs typeface="Twentieth Century"/>
+                  <a:sym typeface="Twentieth Century"/>
+                </a:endParaRPr>
+              </a:p>
+            </p:txBody>
+          </p:sp>
+        </mc:Choice>
+        <mc:Fallback xmlns="">
+          <p:sp>
+            <p:nvSpPr>
+              <p:cNvPr id="165" name="Google Shape;165;g164b75e63d5_0_29"/>
+              <p:cNvSpPr txBox="1">
+                <a:spLocks noRot="1" noChangeAspect="1" noMove="1" noResize="1" noEditPoints="1" noAdjustHandles="1" noChangeArrowheads="1" noChangeShapeType="1" noTextEdit="1"/>
+              </p:cNvSpPr>
+              <p:nvPr/>
+            </p:nvSpPr>
+            <p:spPr>
+              <a:xfrm>
+                <a:off x="1322200" y="1772625"/>
+                <a:ext cx="9066600" cy="2862292"/>
+              </a:xfrm>
+              <a:prstGeom prst="rect">
+                <a:avLst/>
+              </a:prstGeom>
+              <a:blipFill>
+                <a:blip r:embed="rId3"/>
+                <a:stretch>
+                  <a:fillRect l="-1479" b="-3625"/>
+                </a:stretch>
+              </a:blipFill>
+              <a:ln>
+                <a:noFill/>
+              </a:ln>
+            </p:spPr>
+            <p:txBody>
+              <a:bodyPr/>
+              <a:lstStyle/>
+              <a:p>
+                <a:r>
+                  <a:rPr lang="en-US">
+                    <a:noFill/>
+                  </a:rPr>
+                  <a:t> </a:t>
+                </a:r>
+              </a:p>
+            </p:txBody>
+          </p:sp>
+        </mc:Fallback>
+      </mc:AlternateContent>
     </p:spTree>
   </p:cSld>
   <p:clrMapOvr>
@@ -14241,156 +14928,463 @@
           </a:p>
         </p:txBody>
       </p:sp>
-      <p:sp>
-        <p:nvSpPr>
-          <p:cNvPr id="173" name="Google Shape;173;g14aad64c473_0_0"/>
-          <p:cNvSpPr txBox="1"/>
-          <p:nvPr/>
-        </p:nvSpPr>
-        <p:spPr>
-          <a:xfrm>
-            <a:off x="1322200" y="1772625"/>
-            <a:ext cx="9066600" cy="2416500"/>
-          </a:xfrm>
-          <a:prstGeom prst="rect">
-            <a:avLst/>
-          </a:prstGeom>
-          <a:noFill/>
-          <a:ln>
-            <a:noFill/>
-          </a:ln>
-        </p:spPr>
-        <p:txBody>
-          <a:bodyPr spcFirstLastPara="1" wrap="square" lIns="91425" tIns="91425" rIns="91425" bIns="91425" anchor="t" anchorCtr="0">
-            <a:spAutoFit/>
-          </a:bodyPr>
-          <a:lstStyle/>
-          <a:p>
-            <a:pPr marL="457200" lvl="0" indent="-406400" algn="l" rtl="0">
-              <a:spcBef>
-                <a:spcPts val="0"/>
-              </a:spcBef>
-              <a:spcAft>
-                <a:spcPts val="0"/>
-              </a:spcAft>
-              <a:buSzPts val="2800"/>
-              <a:buFont typeface="Twentieth Century"/>
-              <a:buChar char="-"/>
-            </a:pPr>
-            <a:r>
-              <a:rPr lang="en-US" sz="2900">
-                <a:latin typeface="Twentieth Century"/>
-                <a:ea typeface="Twentieth Century"/>
-                <a:cs typeface="Twentieth Century"/>
-                <a:sym typeface="Twentieth Century"/>
-              </a:rPr>
-              <a:t>The control law:</a:t>
-            </a:r>
-            <a:endParaRPr sz="2900">
-              <a:latin typeface="Twentieth Century"/>
-              <a:ea typeface="Twentieth Century"/>
-              <a:cs typeface="Twentieth Century"/>
-              <a:sym typeface="Twentieth Century"/>
-            </a:endParaRPr>
-          </a:p>
-          <a:p>
-            <a:pPr marL="0" lvl="0" indent="0" algn="l" rtl="0">
-              <a:spcBef>
-                <a:spcPts val="0"/>
-              </a:spcBef>
-              <a:spcAft>
-                <a:spcPts val="0"/>
-              </a:spcAft>
-              <a:buNone/>
-            </a:pPr>
-            <a:endParaRPr sz="2900">
-              <a:latin typeface="Twentieth Century"/>
-              <a:ea typeface="Twentieth Century"/>
-              <a:cs typeface="Twentieth Century"/>
-              <a:sym typeface="Twentieth Century"/>
-            </a:endParaRPr>
-          </a:p>
-          <a:p>
-            <a:pPr marL="0" lvl="0" indent="0" algn="l" rtl="0">
-              <a:spcBef>
-                <a:spcPts val="0"/>
-              </a:spcBef>
-              <a:spcAft>
-                <a:spcPts val="0"/>
-              </a:spcAft>
-              <a:buNone/>
-            </a:pPr>
-            <a:endParaRPr sz="2900">
-              <a:latin typeface="Twentieth Century"/>
-              <a:ea typeface="Twentieth Century"/>
-              <a:cs typeface="Twentieth Century"/>
-              <a:sym typeface="Twentieth Century"/>
-            </a:endParaRPr>
-          </a:p>
-          <a:p>
-            <a:pPr marL="0" lvl="0" indent="0" algn="l" rtl="0">
-              <a:spcBef>
-                <a:spcPts val="0"/>
-              </a:spcBef>
-              <a:spcAft>
-                <a:spcPts val="0"/>
-              </a:spcAft>
-              <a:buNone/>
-            </a:pPr>
-            <a:endParaRPr sz="2900">
-              <a:latin typeface="Twentieth Century"/>
-              <a:ea typeface="Twentieth Century"/>
-              <a:cs typeface="Twentieth Century"/>
-              <a:sym typeface="Twentieth Century"/>
-            </a:endParaRPr>
-          </a:p>
-          <a:p>
-            <a:pPr marL="0" lvl="0" indent="0" algn="l" rtl="0">
-              <a:spcBef>
-                <a:spcPts val="0"/>
-              </a:spcBef>
-              <a:spcAft>
-                <a:spcPts val="0"/>
-              </a:spcAft>
-              <a:buNone/>
-            </a:pPr>
-            <a:endParaRPr sz="2900">
-              <a:latin typeface="Twentieth Century"/>
-              <a:ea typeface="Twentieth Century"/>
-              <a:cs typeface="Twentieth Century"/>
-              <a:sym typeface="Twentieth Century"/>
-            </a:endParaRPr>
-          </a:p>
-        </p:txBody>
-      </p:sp>
-      <p:pic>
-        <p:nvPicPr>
-          <p:cNvPr id="174" name="Google Shape;174;g14aad64c473_0_0"/>
-          <p:cNvPicPr preferRelativeResize="0"/>
-          <p:nvPr/>
-        </p:nvPicPr>
-        <p:blipFill>
-          <a:blip r:embed="rId3">
-            <a:alphaModFix/>
-          </a:blip>
-          <a:stretch>
-            <a:fillRect/>
-          </a:stretch>
-        </p:blipFill>
-        <p:spPr>
-          <a:xfrm>
-            <a:off x="2738675" y="3005157"/>
-            <a:ext cx="3006650" cy="1324700"/>
-          </a:xfrm>
-          <a:prstGeom prst="rect">
-            <a:avLst/>
-          </a:prstGeom>
-          <a:noFill/>
-          <a:ln>
-            <a:noFill/>
-          </a:ln>
-        </p:spPr>
-      </p:pic>
+      <mc:AlternateContent xmlns:mc="http://schemas.openxmlformats.org/markup-compatibility/2006" xmlns:a14="http://schemas.microsoft.com/office/drawing/2010/main">
+        <mc:Choice Requires="a14">
+          <p:sp>
+            <p:nvSpPr>
+              <p:cNvPr id="173" name="Google Shape;173;g14aad64c473_0_0"/>
+              <p:cNvSpPr txBox="1"/>
+              <p:nvPr/>
+            </p:nvSpPr>
+            <p:spPr>
+              <a:xfrm>
+                <a:off x="1312675" y="1772625"/>
+                <a:ext cx="9066600" cy="4361228"/>
+              </a:xfrm>
+              <a:prstGeom prst="rect">
+                <a:avLst/>
+              </a:prstGeom>
+              <a:noFill/>
+              <a:ln>
+                <a:noFill/>
+              </a:ln>
+            </p:spPr>
+            <p:txBody>
+              <a:bodyPr spcFirstLastPara="1" wrap="square" lIns="91425" tIns="91425" rIns="91425" bIns="91425" anchor="t" anchorCtr="0">
+                <a:spAutoFit/>
+              </a:bodyPr>
+              <a:lstStyle/>
+              <a:p>
+                <a:pPr marL="457200" lvl="0" indent="-406400">
+                  <a:buSzPts val="2800"/>
+                  <a:buFont typeface="Twentieth Century"/>
+                  <a:buChar char="-"/>
+                </a:pPr>
+                <a:r>
+                  <a:rPr lang="en-US" sz="2900" dirty="0">
+                    <a:latin typeface="Twentieth Century"/>
+                    <a:ea typeface="Twentieth Century"/>
+                    <a:cs typeface="Twentieth Century"/>
+                    <a:sym typeface="Twentieth Century"/>
+                  </a:rPr>
+                  <a:t>The control law: </a:t>
+                </a:r>
+                <a14:m>
+                  <m:oMath xmlns:m="http://schemas.openxmlformats.org/officeDocument/2006/math">
+                    <m:sSub>
+                      <m:sSubPr>
+                        <m:ctrlPr>
+                          <a:rPr lang="en-US" sz="2900" b="0" i="1" smtClean="0">
+                            <a:latin typeface="Cambria Math" panose="02040503050406030204" pitchFamily="18" charset="0"/>
+                            <a:ea typeface="Twentieth Century"/>
+                            <a:cs typeface="Twentieth Century"/>
+                            <a:sym typeface="Twentieth Century"/>
+                          </a:rPr>
+                        </m:ctrlPr>
+                      </m:sSubPr>
+                      <m:e>
+                        <m:r>
+                          <a:rPr lang="en-US" sz="2900" b="0" i="1" smtClean="0">
+                            <a:latin typeface="Cambria Math" panose="02040503050406030204" pitchFamily="18" charset="0"/>
+                            <a:ea typeface="Twentieth Century"/>
+                            <a:cs typeface="Twentieth Century"/>
+                            <a:sym typeface="Twentieth Century"/>
+                          </a:rPr>
+                          <m:t>𝑢</m:t>
+                        </m:r>
+                      </m:e>
+                      <m:sub>
+                        <m:r>
+                          <a:rPr lang="en-US" sz="2900" b="0" i="1" smtClean="0">
+                            <a:latin typeface="Cambria Math" panose="02040503050406030204" pitchFamily="18" charset="0"/>
+                            <a:ea typeface="Twentieth Century"/>
+                            <a:cs typeface="Twentieth Century"/>
+                            <a:sym typeface="Twentieth Century"/>
+                          </a:rPr>
+                          <m:t>𝑡</m:t>
+                        </m:r>
+                      </m:sub>
+                    </m:sSub>
+                    <m:r>
+                      <a:rPr lang="en-US" sz="2900" b="0" i="1" smtClean="0">
+                        <a:latin typeface="Cambria Math" panose="02040503050406030204" pitchFamily="18" charset="0"/>
+                        <a:ea typeface="Twentieth Century"/>
+                        <a:cs typeface="Twentieth Century"/>
+                        <a:sym typeface="Twentieth Century"/>
+                      </a:rPr>
+                      <m:t>=</m:t>
+                    </m:r>
+                    <m:r>
+                      <a:rPr lang="en-US" sz="2900" b="0" i="1" smtClean="0">
+                        <a:latin typeface="Cambria Math" panose="02040503050406030204" pitchFamily="18" charset="0"/>
+                        <a:ea typeface="Twentieth Century"/>
+                        <a:cs typeface="Twentieth Century"/>
+                        <a:sym typeface="Twentieth Century"/>
+                      </a:rPr>
+                      <m:t>h</m:t>
+                    </m:r>
+                    <m:r>
+                      <a:rPr lang="en-US" sz="2900" b="0" i="1" smtClean="0">
+                        <a:latin typeface="Cambria Math" panose="02040503050406030204" pitchFamily="18" charset="0"/>
+                        <a:ea typeface="Twentieth Century"/>
+                        <a:cs typeface="Twentieth Century"/>
+                        <a:sym typeface="Twentieth Century"/>
+                      </a:rPr>
+                      <m:t>(</m:t>
+                    </m:r>
+                    <m:acc>
+                      <m:accPr>
+                        <m:chr m:val="̂"/>
+                        <m:ctrlPr>
+                          <a:rPr lang="en-US" sz="2900" i="1">
+                            <a:latin typeface="Cambria Math" panose="02040503050406030204" pitchFamily="18" charset="0"/>
+                            <a:sym typeface="Twentieth Century"/>
+                          </a:rPr>
+                        </m:ctrlPr>
+                      </m:accPr>
+                      <m:e>
+                        <m:sSub>
+                          <m:sSubPr>
+                            <m:ctrlPr>
+                              <a:rPr lang="en-US" sz="2900" i="1">
+                                <a:latin typeface="Cambria Math" panose="02040503050406030204" pitchFamily="18" charset="0"/>
+                                <a:sym typeface="Twentieth Century"/>
+                              </a:rPr>
+                            </m:ctrlPr>
+                          </m:sSubPr>
+                          <m:e>
+                            <m:r>
+                              <a:rPr lang="en-US" sz="2900" i="1">
+                                <a:latin typeface="Cambria Math" panose="02040503050406030204" pitchFamily="18" charset="0"/>
+                                <a:sym typeface="Twentieth Century"/>
+                              </a:rPr>
+                              <m:t>𝑥</m:t>
+                            </m:r>
+                          </m:e>
+                          <m:sub>
+                            <m:r>
+                              <a:rPr lang="en-US" sz="2900" i="1">
+                                <a:latin typeface="Cambria Math" panose="02040503050406030204" pitchFamily="18" charset="0"/>
+                                <a:sym typeface="Twentieth Century"/>
+                              </a:rPr>
+                              <m:t>𝑡</m:t>
+                            </m:r>
+                          </m:sub>
+                        </m:sSub>
+                      </m:e>
+                    </m:acc>
+                  </m:oMath>
+                </a14:m>
+                <a:r>
+                  <a:rPr lang="en-US" sz="2900" dirty="0">
+                    <a:latin typeface="Twentieth Century"/>
+                    <a:ea typeface="Twentieth Century"/>
+                    <a:cs typeface="Twentieth Century"/>
+                    <a:sym typeface="Twentieth Century"/>
+                  </a:rPr>
+                  <a:t>)</a:t>
+                </a:r>
+              </a:p>
+              <a:p>
+                <a:pPr marL="457200" lvl="0" indent="-406400">
+                  <a:buSzPts val="2800"/>
+                  <a:buFont typeface="Twentieth Century"/>
+                  <a:buChar char="-"/>
+                </a:pPr>
+                <a:r>
+                  <a:rPr lang="en-US" sz="2900" dirty="0">
+                    <a:latin typeface="Twentieth Century"/>
+                    <a:ea typeface="Twentieth Century"/>
+                    <a:cs typeface="Twentieth Century"/>
+                    <a:sym typeface="Twentieth Century"/>
+                  </a:rPr>
+                  <a:t>Objectives:</a:t>
+                </a:r>
+              </a:p>
+              <a:p>
+                <a:pPr marL="50800" lvl="2">
+                  <a:buSzPts val="2800"/>
+                </a:pPr>
+                <a:r>
+                  <a:rPr lang="en-US" sz="2900" dirty="0">
+                    <a:latin typeface="Twentieth Century"/>
+                    <a:ea typeface="Twentieth Century"/>
+                    <a:cs typeface="Twentieth Century"/>
+                    <a:sym typeface="Twentieth Century"/>
+                  </a:rPr>
+                  <a:t>	- Reach a setpoint </a:t>
+                </a:r>
+                <a14:m>
+                  <m:oMath xmlns:m="http://schemas.openxmlformats.org/officeDocument/2006/math">
+                    <m:sSup>
+                      <m:sSupPr>
+                        <m:ctrlPr>
+                          <a:rPr lang="en-US" sz="2900" b="0" i="1" smtClean="0">
+                            <a:latin typeface="Cambria Math" panose="02040503050406030204" pitchFamily="18" charset="0"/>
+                            <a:ea typeface="Twentieth Century"/>
+                            <a:cs typeface="Twentieth Century"/>
+                            <a:sym typeface="Twentieth Century"/>
+                          </a:rPr>
+                        </m:ctrlPr>
+                      </m:sSupPr>
+                      <m:e>
+                        <m:r>
+                          <a:rPr lang="en-US" sz="2900" b="0" i="1" smtClean="0">
+                            <a:latin typeface="Cambria Math" panose="02040503050406030204" pitchFamily="18" charset="0"/>
+                            <a:ea typeface="Twentieth Century"/>
+                            <a:cs typeface="Twentieth Century"/>
+                            <a:sym typeface="Twentieth Century"/>
+                          </a:rPr>
+                          <m:t>𝑥</m:t>
+                        </m:r>
+                      </m:e>
+                      <m:sup>
+                        <m:r>
+                          <a:rPr lang="en-US" sz="2900" b="0" i="1" smtClean="0">
+                            <a:latin typeface="Cambria Math" panose="02040503050406030204" pitchFamily="18" charset="0"/>
+                            <a:ea typeface="Twentieth Century"/>
+                            <a:cs typeface="Twentieth Century"/>
+                            <a:sym typeface="Twentieth Century"/>
+                          </a:rPr>
+                          <m:t>∗</m:t>
+                        </m:r>
+                      </m:sup>
+                    </m:sSup>
+                  </m:oMath>
+                </a14:m>
+                <a:endParaRPr lang="en-US" sz="2900" dirty="0">
+                  <a:latin typeface="Twentieth Century"/>
+                  <a:ea typeface="Twentieth Century"/>
+                  <a:cs typeface="Twentieth Century"/>
+                  <a:sym typeface="Twentieth Century"/>
+                </a:endParaRPr>
+              </a:p>
+              <a:p>
+                <a:pPr marL="50800" lvl="2">
+                  <a:buSzPts val="2800"/>
+                </a:pPr>
+                <a:r>
+                  <a:rPr lang="en-US" sz="2900" dirty="0">
+                    <a:latin typeface="Twentieth Century"/>
+                    <a:ea typeface="Twentieth Century"/>
+                    <a:cs typeface="Twentieth Century"/>
+                    <a:sym typeface="Twentieth Century"/>
+                  </a:rPr>
+                  <a:t>	- Integral cost: </a:t>
+                </a:r>
+                <a14:m>
+                  <m:oMath xmlns:m="http://schemas.openxmlformats.org/officeDocument/2006/math">
+                    <m:nary>
+                      <m:naryPr>
+                        <m:ctrlPr>
+                          <a:rPr lang="en-US" sz="2900" b="0" i="1" smtClean="0">
+                            <a:latin typeface="Cambria Math" panose="02040503050406030204" pitchFamily="18" charset="0"/>
+                            <a:ea typeface="Twentieth Century"/>
+                            <a:cs typeface="Twentieth Century"/>
+                            <a:sym typeface="Twentieth Century"/>
+                          </a:rPr>
+                        </m:ctrlPr>
+                      </m:naryPr>
+                      <m:sub>
+                        <m:r>
+                          <a:rPr lang="en-US" sz="2900" b="0" i="1" smtClean="0">
+                            <a:latin typeface="Cambria Math" panose="02040503050406030204" pitchFamily="18" charset="0"/>
+                            <a:ea typeface="Twentieth Century"/>
+                            <a:cs typeface="Twentieth Century"/>
+                            <a:sym typeface="Twentieth Century"/>
+                          </a:rPr>
+                          <m:t>0</m:t>
+                        </m:r>
+                      </m:sub>
+                      <m:sup>
+                        <m:r>
+                          <a:rPr lang="en-US" sz="2900" b="0" i="1" smtClean="0">
+                            <a:latin typeface="Cambria Math" panose="02040503050406030204" pitchFamily="18" charset="0"/>
+                            <a:ea typeface="Twentieth Century"/>
+                            <a:cs typeface="Twentieth Century"/>
+                            <a:sym typeface="Twentieth Century"/>
+                          </a:rPr>
+                          <m:t>𝑇</m:t>
+                        </m:r>
+                      </m:sup>
+                      <m:e>
+                        <m:r>
+                          <a:rPr lang="en-US" sz="2900" b="0" i="1" smtClean="0">
+                            <a:latin typeface="Cambria Math" panose="02040503050406030204" pitchFamily="18" charset="0"/>
+                            <a:ea typeface="Twentieth Century"/>
+                            <a:cs typeface="Twentieth Century"/>
+                            <a:sym typeface="Twentieth Century"/>
+                          </a:rPr>
+                          <m:t>𝐶</m:t>
+                        </m:r>
+                        <m:d>
+                          <m:dPr>
+                            <m:ctrlPr>
+                              <a:rPr lang="en-US" sz="2900" b="0" i="1" smtClean="0">
+                                <a:latin typeface="Cambria Math" panose="02040503050406030204" pitchFamily="18" charset="0"/>
+                                <a:ea typeface="Twentieth Century"/>
+                                <a:cs typeface="Twentieth Century"/>
+                                <a:sym typeface="Twentieth Century"/>
+                              </a:rPr>
+                            </m:ctrlPr>
+                          </m:dPr>
+                          <m:e>
+                            <m:r>
+                              <a:rPr lang="en-US" sz="2900" b="0" i="1" smtClean="0">
+                                <a:latin typeface="Cambria Math" panose="02040503050406030204" pitchFamily="18" charset="0"/>
+                                <a:ea typeface="Twentieth Century"/>
+                                <a:cs typeface="Twentieth Century"/>
+                                <a:sym typeface="Twentieth Century"/>
+                              </a:rPr>
+                              <m:t>𝑥</m:t>
+                            </m:r>
+                            <m:r>
+                              <a:rPr lang="en-US" sz="2900" b="0" i="1" smtClean="0">
+                                <a:latin typeface="Cambria Math" panose="02040503050406030204" pitchFamily="18" charset="0"/>
+                                <a:ea typeface="Twentieth Century"/>
+                                <a:cs typeface="Twentieth Century"/>
+                                <a:sym typeface="Twentieth Century"/>
+                              </a:rPr>
+                              <m:t>,</m:t>
+                            </m:r>
+                            <m:r>
+                              <a:rPr lang="en-US" sz="2900" b="0" i="1" smtClean="0">
+                                <a:latin typeface="Cambria Math" panose="02040503050406030204" pitchFamily="18" charset="0"/>
+                                <a:ea typeface="Twentieth Century"/>
+                                <a:cs typeface="Twentieth Century"/>
+                                <a:sym typeface="Twentieth Century"/>
+                              </a:rPr>
+                              <m:t>𝑢</m:t>
+                            </m:r>
+                          </m:e>
+                        </m:d>
+                        <m:r>
+                          <a:rPr lang="en-US" sz="2900" b="0" i="1" smtClean="0">
+                            <a:latin typeface="Cambria Math" panose="02040503050406030204" pitchFamily="18" charset="0"/>
+                            <a:ea typeface="Twentieth Century"/>
+                            <a:cs typeface="Twentieth Century"/>
+                            <a:sym typeface="Twentieth Century"/>
+                          </a:rPr>
+                          <m:t>𝑑𝑡</m:t>
+                        </m:r>
+                      </m:e>
+                    </m:nary>
+                  </m:oMath>
+                </a14:m>
+                <a:endParaRPr lang="en-US" sz="2900" dirty="0">
+                  <a:latin typeface="Twentieth Century"/>
+                  <a:ea typeface="Twentieth Century"/>
+                  <a:cs typeface="Twentieth Century"/>
+                  <a:sym typeface="Twentieth Century"/>
+                </a:endParaRPr>
+              </a:p>
+              <a:p>
+                <a:pPr marL="50800" lvl="1">
+                  <a:buSzPts val="2800"/>
+                </a:pPr>
+                <a:r>
+                  <a:rPr lang="en-US" sz="2900" dirty="0">
+                    <a:latin typeface="Twentieth Century"/>
+                    <a:ea typeface="Twentieth Century"/>
+                    <a:cs typeface="Twentieth Century"/>
+                    <a:sym typeface="Twentieth Century"/>
+                  </a:rPr>
+                  <a:t>		-E.g.  Fuel consumption</a:t>
+                </a:r>
+              </a:p>
+              <a:p>
+                <a:pPr marL="50800" lvl="1">
+                  <a:buSzPts val="2800"/>
+                </a:pPr>
+                <a:r>
+                  <a:rPr lang="en-US" sz="2900" dirty="0">
+                    <a:latin typeface="Twentieth Century"/>
+                    <a:ea typeface="Twentieth Century"/>
+                    <a:cs typeface="Twentieth Century"/>
+                    <a:sym typeface="Twentieth Century"/>
+                  </a:rPr>
+                  <a:t>		- Variational problem (optimize among 			the space of functions)</a:t>
+                </a:r>
+              </a:p>
+              <a:p>
+                <a:pPr marL="0" lvl="0" indent="0" algn="l" rtl="0">
+                  <a:spcBef>
+                    <a:spcPts val="0"/>
+                  </a:spcBef>
+                  <a:spcAft>
+                    <a:spcPts val="0"/>
+                  </a:spcAft>
+                  <a:buNone/>
+                </a:pPr>
+                <a:endParaRPr lang="en-US" sz="2900" dirty="0">
+                  <a:latin typeface="Twentieth Century"/>
+                  <a:ea typeface="Twentieth Century"/>
+                  <a:cs typeface="Twentieth Century"/>
+                  <a:sym typeface="Twentieth Century"/>
+                </a:endParaRPr>
+              </a:p>
+              <a:p>
+                <a:pPr marL="0" lvl="0" indent="0" algn="l" rtl="0">
+                  <a:spcBef>
+                    <a:spcPts val="0"/>
+                  </a:spcBef>
+                  <a:spcAft>
+                    <a:spcPts val="0"/>
+                  </a:spcAft>
+                  <a:buNone/>
+                </a:pPr>
+                <a:endParaRPr sz="2900" dirty="0">
+                  <a:latin typeface="Twentieth Century"/>
+                  <a:ea typeface="Twentieth Century"/>
+                  <a:cs typeface="Twentieth Century"/>
+                  <a:sym typeface="Twentieth Century"/>
+                </a:endParaRPr>
+              </a:p>
+            </p:txBody>
+          </p:sp>
+        </mc:Choice>
+        <mc:Fallback xmlns="">
+          <p:sp>
+            <p:nvSpPr>
+              <p:cNvPr id="173" name="Google Shape;173;g14aad64c473_0_0"/>
+              <p:cNvSpPr txBox="1">
+                <a:spLocks noRot="1" noChangeAspect="1" noMove="1" noResize="1" noEditPoints="1" noAdjustHandles="1" noChangeArrowheads="1" noChangeShapeType="1" noTextEdit="1"/>
+              </p:cNvSpPr>
+              <p:nvPr/>
+            </p:nvSpPr>
+            <p:spPr>
+              <a:xfrm>
+                <a:off x="1312675" y="1772625"/>
+                <a:ext cx="9066600" cy="4361228"/>
+              </a:xfrm>
+              <a:prstGeom prst="rect">
+                <a:avLst/>
+              </a:prstGeom>
+              <a:blipFill>
+                <a:blip r:embed="rId3"/>
+                <a:stretch>
+                  <a:fillRect l="-874" t="-420"/>
+                </a:stretch>
+              </a:blipFill>
+              <a:ln>
+                <a:noFill/>
+              </a:ln>
+            </p:spPr>
+            <p:txBody>
+              <a:bodyPr/>
+              <a:lstStyle/>
+              <a:p>
+                <a:r>
+                  <a:rPr lang="en-US">
+                    <a:noFill/>
+                  </a:rPr>
+                  <a:t> </a:t>
+                </a:r>
+              </a:p>
+            </p:txBody>
+          </p:sp>
+        </mc:Fallback>
+      </mc:AlternateContent>
     </p:spTree>
   </p:cSld>
   <p:clrMapOvr>
@@ -14400,325 +15394,6 @@
 </file>
 
 <file path=ppt/slides/slide15.xml><?xml version="1.0" encoding="utf-8"?>
-<p:sld xmlns:a="http://schemas.openxmlformats.org/drawingml/2006/main" xmlns:r="http://schemas.openxmlformats.org/officeDocument/2006/relationships" xmlns:p="http://schemas.openxmlformats.org/presentationml/2006/main">
-  <p:cSld>
-    <p:spTree>
-      <p:nvGrpSpPr>
-        <p:cNvPr id="1" name="Shape 178"/>
-        <p:cNvGrpSpPr/>
-        <p:nvPr/>
-      </p:nvGrpSpPr>
-      <p:grpSpPr>
-        <a:xfrm>
-          <a:off x="0" y="0"/>
-          <a:ext cx="0" cy="0"/>
-          <a:chOff x="0" y="0"/>
-          <a:chExt cx="0" cy="0"/>
-        </a:xfrm>
-      </p:grpSpPr>
-      <p:sp>
-        <p:nvSpPr>
-          <p:cNvPr id="179" name="Google Shape;179;g14aad64c473_0_11"/>
-          <p:cNvSpPr txBox="1">
-            <a:spLocks noGrp="1"/>
-          </p:cNvSpPr>
-          <p:nvPr>
-            <p:ph type="title"/>
-          </p:nvPr>
-        </p:nvSpPr>
-        <p:spPr>
-          <a:xfrm>
-            <a:off x="1141412" y="327514"/>
-            <a:ext cx="9906000" cy="1478700"/>
-          </a:xfrm>
-          <a:prstGeom prst="rect">
-            <a:avLst/>
-          </a:prstGeom>
-          <a:noFill/>
-          <a:ln>
-            <a:noFill/>
-          </a:ln>
-        </p:spPr>
-        <p:txBody>
-          <a:bodyPr spcFirstLastPara="1" wrap="square" lIns="91425" tIns="45700" rIns="91425" bIns="45700" anchor="ctr" anchorCtr="0">
-            <a:normAutofit/>
-          </a:bodyPr>
-          <a:lstStyle/>
-          <a:p>
-            <a:pPr marL="0" lvl="0" indent="0" algn="l" rtl="0">
-              <a:lnSpc>
-                <a:spcPct val="90000"/>
-              </a:lnSpc>
-              <a:spcBef>
-                <a:spcPts val="0"/>
-              </a:spcBef>
-              <a:spcAft>
-                <a:spcPts val="0"/>
-              </a:spcAft>
-              <a:buClr>
-                <a:schemeClr val="dk1"/>
-              </a:buClr>
-              <a:buSzPts val="3600"/>
-              <a:buFont typeface="Avenir"/>
-              <a:buNone/>
-            </a:pPr>
-            <a:r>
-              <a:rPr lang="en-US" b="1"/>
-              <a:t>Objectives</a:t>
-            </a:r>
-            <a:endParaRPr b="1"/>
-          </a:p>
-        </p:txBody>
-      </p:sp>
-      <p:sp>
-        <p:nvSpPr>
-          <p:cNvPr id="180" name="Google Shape;180;g14aad64c473_0_11"/>
-          <p:cNvSpPr txBox="1"/>
-          <p:nvPr/>
-        </p:nvSpPr>
-        <p:spPr>
-          <a:xfrm>
-            <a:off x="1322200" y="1772625"/>
-            <a:ext cx="9066600" cy="3755700"/>
-          </a:xfrm>
-          <a:prstGeom prst="rect">
-            <a:avLst/>
-          </a:prstGeom>
-          <a:noFill/>
-          <a:ln>
-            <a:noFill/>
-          </a:ln>
-        </p:spPr>
-        <p:txBody>
-          <a:bodyPr spcFirstLastPara="1" wrap="square" lIns="91425" tIns="91425" rIns="91425" bIns="91425" anchor="t" anchorCtr="0">
-            <a:spAutoFit/>
-          </a:bodyPr>
-          <a:lstStyle/>
-          <a:p>
-            <a:pPr marL="457200" lvl="0" indent="-406400" algn="l" rtl="0">
-              <a:spcBef>
-                <a:spcPts val="0"/>
-              </a:spcBef>
-              <a:spcAft>
-                <a:spcPts val="0"/>
-              </a:spcAft>
-              <a:buSzPts val="2800"/>
-              <a:buFont typeface="Twentieth Century"/>
-              <a:buChar char="-"/>
-            </a:pPr>
-            <a:r>
-              <a:rPr lang="en-US" sz="2900">
-                <a:latin typeface="Twentieth Century"/>
-                <a:ea typeface="Twentieth Century"/>
-                <a:cs typeface="Twentieth Century"/>
-                <a:sym typeface="Twentieth Century"/>
-              </a:rPr>
-              <a:t>Target state deviation(e.g. thermostat):</a:t>
-            </a:r>
-            <a:endParaRPr sz="2900">
-              <a:latin typeface="Twentieth Century"/>
-              <a:ea typeface="Twentieth Century"/>
-              <a:cs typeface="Twentieth Century"/>
-              <a:sym typeface="Twentieth Century"/>
-            </a:endParaRPr>
-          </a:p>
-          <a:p>
-            <a:pPr marL="0" lvl="0" indent="0" algn="l" rtl="0">
-              <a:spcBef>
-                <a:spcPts val="0"/>
-              </a:spcBef>
-              <a:spcAft>
-                <a:spcPts val="0"/>
-              </a:spcAft>
-              <a:buNone/>
-            </a:pPr>
-            <a:endParaRPr sz="2900">
-              <a:latin typeface="Twentieth Century"/>
-              <a:ea typeface="Twentieth Century"/>
-              <a:cs typeface="Twentieth Century"/>
-              <a:sym typeface="Twentieth Century"/>
-            </a:endParaRPr>
-          </a:p>
-          <a:p>
-            <a:pPr marL="0" lvl="0" indent="0" algn="l" rtl="0">
-              <a:spcBef>
-                <a:spcPts val="0"/>
-              </a:spcBef>
-              <a:spcAft>
-                <a:spcPts val="0"/>
-              </a:spcAft>
-              <a:buNone/>
-            </a:pPr>
-            <a:endParaRPr sz="2900">
-              <a:latin typeface="Twentieth Century"/>
-              <a:ea typeface="Twentieth Century"/>
-              <a:cs typeface="Twentieth Century"/>
-              <a:sym typeface="Twentieth Century"/>
-            </a:endParaRPr>
-          </a:p>
-          <a:p>
-            <a:pPr marL="457200" lvl="0" indent="-412750" algn="l" rtl="0">
-              <a:spcBef>
-                <a:spcPts val="0"/>
-              </a:spcBef>
-              <a:spcAft>
-                <a:spcPts val="0"/>
-              </a:spcAft>
-              <a:buSzPts val="2900"/>
-              <a:buFont typeface="Twentieth Century"/>
-              <a:buChar char="-"/>
-            </a:pPr>
-            <a:r>
-              <a:rPr lang="en-US" sz="2900">
-                <a:latin typeface="Twentieth Century"/>
-                <a:ea typeface="Twentieth Century"/>
-                <a:cs typeface="Twentieth Century"/>
-                <a:sym typeface="Twentieth Century"/>
-              </a:rPr>
-              <a:t>Integral cost(e.g. fuel consumption): </a:t>
-            </a:r>
-            <a:endParaRPr sz="2900">
-              <a:latin typeface="Twentieth Century"/>
-              <a:ea typeface="Twentieth Century"/>
-              <a:cs typeface="Twentieth Century"/>
-              <a:sym typeface="Twentieth Century"/>
-            </a:endParaRPr>
-          </a:p>
-          <a:p>
-            <a:pPr marL="0" lvl="0" indent="0" algn="l" rtl="0">
-              <a:spcBef>
-                <a:spcPts val="0"/>
-              </a:spcBef>
-              <a:spcAft>
-                <a:spcPts val="0"/>
-              </a:spcAft>
-              <a:buNone/>
-            </a:pPr>
-            <a:endParaRPr sz="2900">
-              <a:latin typeface="Twentieth Century"/>
-              <a:ea typeface="Twentieth Century"/>
-              <a:cs typeface="Twentieth Century"/>
-              <a:sym typeface="Twentieth Century"/>
-            </a:endParaRPr>
-          </a:p>
-          <a:p>
-            <a:pPr marL="0" lvl="0" indent="0" algn="l" rtl="0">
-              <a:spcBef>
-                <a:spcPts val="0"/>
-              </a:spcBef>
-              <a:spcAft>
-                <a:spcPts val="0"/>
-              </a:spcAft>
-              <a:buNone/>
-            </a:pPr>
-            <a:endParaRPr sz="2900">
-              <a:latin typeface="Twentieth Century"/>
-              <a:ea typeface="Twentieth Century"/>
-              <a:cs typeface="Twentieth Century"/>
-              <a:sym typeface="Twentieth Century"/>
-            </a:endParaRPr>
-          </a:p>
-          <a:p>
-            <a:pPr marL="0" lvl="0" indent="0" algn="l" rtl="0">
-              <a:spcBef>
-                <a:spcPts val="0"/>
-              </a:spcBef>
-              <a:spcAft>
-                <a:spcPts val="0"/>
-              </a:spcAft>
-              <a:buNone/>
-            </a:pPr>
-            <a:endParaRPr sz="2900">
-              <a:latin typeface="Twentieth Century"/>
-              <a:ea typeface="Twentieth Century"/>
-              <a:cs typeface="Twentieth Century"/>
-              <a:sym typeface="Twentieth Century"/>
-            </a:endParaRPr>
-          </a:p>
-          <a:p>
-            <a:pPr marL="0" lvl="0" indent="0" algn="l" rtl="0">
-              <a:spcBef>
-                <a:spcPts val="0"/>
-              </a:spcBef>
-              <a:spcAft>
-                <a:spcPts val="0"/>
-              </a:spcAft>
-              <a:buNone/>
-            </a:pPr>
-            <a:endParaRPr sz="2900">
-              <a:latin typeface="Twentieth Century"/>
-              <a:ea typeface="Twentieth Century"/>
-              <a:cs typeface="Twentieth Century"/>
-              <a:sym typeface="Twentieth Century"/>
-            </a:endParaRPr>
-          </a:p>
-        </p:txBody>
-      </p:sp>
-      <p:pic>
-        <p:nvPicPr>
-          <p:cNvPr id="181" name="Google Shape;181;g14aad64c473_0_11"/>
-          <p:cNvPicPr preferRelativeResize="0"/>
-          <p:nvPr/>
-        </p:nvPicPr>
-        <p:blipFill>
-          <a:blip r:embed="rId3">
-            <a:alphaModFix/>
-          </a:blip>
-          <a:stretch>
-            <a:fillRect/>
-          </a:stretch>
-        </p:blipFill>
-        <p:spPr>
-          <a:xfrm>
-            <a:off x="3070350" y="2528125"/>
-            <a:ext cx="1943100" cy="762000"/>
-          </a:xfrm>
-          <a:prstGeom prst="rect">
-            <a:avLst/>
-          </a:prstGeom>
-          <a:noFill/>
-          <a:ln>
-            <a:noFill/>
-          </a:ln>
-        </p:spPr>
-      </p:pic>
-      <p:pic>
-        <p:nvPicPr>
-          <p:cNvPr id="182" name="Google Shape;182;g14aad64c473_0_11"/>
-          <p:cNvPicPr preferRelativeResize="0"/>
-          <p:nvPr/>
-        </p:nvPicPr>
-        <p:blipFill>
-          <a:blip r:embed="rId4">
-            <a:alphaModFix/>
-          </a:blip>
-          <a:stretch>
-            <a:fillRect/>
-          </a:stretch>
-        </p:blipFill>
-        <p:spPr>
-          <a:xfrm>
-            <a:off x="3564925" y="4114600"/>
-            <a:ext cx="2669150" cy="929975"/>
-          </a:xfrm>
-          <a:prstGeom prst="rect">
-            <a:avLst/>
-          </a:prstGeom>
-          <a:noFill/>
-          <a:ln>
-            <a:noFill/>
-          </a:ln>
-        </p:spPr>
-      </p:pic>
-    </p:spTree>
-  </p:cSld>
-  <p:clrMapOvr>
-    <a:masterClrMapping/>
-  </p:clrMapOvr>
-</p:sld>
-</file>
-
-<file path=ppt/slides/slide16.xml><?xml version="1.0" encoding="utf-8"?>
 <p:sld xmlns:a="http://schemas.openxmlformats.org/drawingml/2006/main" xmlns:r="http://schemas.openxmlformats.org/officeDocument/2006/relationships" xmlns:p="http://schemas.openxmlformats.org/presentationml/2006/main">
   <p:cSld>
     <p:spTree>
@@ -15074,7 +15749,7 @@
 </p:sld>
 </file>
 
-<file path=ppt/slides/slide17.xml><?xml version="1.0" encoding="utf-8"?>
+<file path=ppt/slides/slide16.xml><?xml version="1.0" encoding="utf-8"?>
 <p:sld xmlns:a="http://schemas.openxmlformats.org/drawingml/2006/main" xmlns:r="http://schemas.openxmlformats.org/officeDocument/2006/relationships" xmlns:p="http://schemas.openxmlformats.org/presentationml/2006/main">
   <p:cSld>
     <p:spTree>
@@ -15256,252 +15931,332 @@
           </a:p>
         </p:txBody>
       </p:sp>
-      <p:sp>
-        <p:nvSpPr>
-          <p:cNvPr id="203" name="Google Shape;203;g14aad64c473_0_34"/>
-          <p:cNvSpPr txBox="1"/>
-          <p:nvPr/>
-        </p:nvSpPr>
-        <p:spPr>
-          <a:xfrm>
-            <a:off x="2022550" y="1980325"/>
-            <a:ext cx="7665900" cy="4479300"/>
-          </a:xfrm>
-          <a:prstGeom prst="rect">
-            <a:avLst/>
-          </a:prstGeom>
-          <a:noFill/>
-          <a:ln>
-            <a:noFill/>
-          </a:ln>
-        </p:spPr>
-        <p:txBody>
-          <a:bodyPr spcFirstLastPara="1" wrap="square" lIns="91425" tIns="91425" rIns="91425" bIns="91425" anchor="t" anchorCtr="0">
-            <a:spAutoFit/>
-          </a:bodyPr>
-          <a:lstStyle/>
-          <a:p>
-            <a:pPr marL="457200" lvl="0" indent="-425450" algn="l" rtl="0">
-              <a:spcBef>
-                <a:spcPts val="0"/>
-              </a:spcBef>
-              <a:spcAft>
-                <a:spcPts val="0"/>
-              </a:spcAft>
-              <a:buSzPts val="3100"/>
-              <a:buFont typeface="Avenir"/>
-              <a:buChar char="-"/>
-            </a:pPr>
-            <a:r>
-              <a:rPr lang="en-US" sz="3100" b="1">
-                <a:latin typeface="Avenir"/>
-                <a:ea typeface="Avenir"/>
-                <a:cs typeface="Avenir"/>
-                <a:sym typeface="Avenir"/>
-              </a:rPr>
-              <a:t>Disturbances:</a:t>
-            </a:r>
-            <a:endParaRPr sz="3100" b="1">
-              <a:latin typeface="Avenir"/>
-              <a:ea typeface="Avenir"/>
-              <a:cs typeface="Avenir"/>
-              <a:sym typeface="Avenir"/>
-            </a:endParaRPr>
-          </a:p>
-          <a:p>
-            <a:pPr marL="914400" lvl="1" indent="-425450" algn="l" rtl="0">
-              <a:spcBef>
-                <a:spcPts val="0"/>
-              </a:spcBef>
-              <a:spcAft>
-                <a:spcPts val="0"/>
-              </a:spcAft>
-              <a:buSzPts val="3100"/>
-              <a:buFont typeface="Avenir"/>
-              <a:buChar char="-"/>
-            </a:pPr>
-            <a:r>
-              <a:rPr lang="en-US" sz="3100" b="1">
-                <a:latin typeface="Avenir"/>
-                <a:ea typeface="Avenir"/>
-                <a:cs typeface="Avenir"/>
-                <a:sym typeface="Avenir"/>
-              </a:rPr>
-              <a:t>Position</a:t>
-            </a:r>
-            <a:endParaRPr sz="3100" b="1">
-              <a:latin typeface="Avenir"/>
-              <a:ea typeface="Avenir"/>
-              <a:cs typeface="Avenir"/>
-              <a:sym typeface="Avenir"/>
-            </a:endParaRPr>
-          </a:p>
-          <a:p>
-            <a:pPr marL="914400" lvl="1" indent="-425450" algn="l" rtl="0">
-              <a:spcBef>
-                <a:spcPts val="0"/>
-              </a:spcBef>
-              <a:spcAft>
-                <a:spcPts val="0"/>
-              </a:spcAft>
-              <a:buSzPts val="3100"/>
-              <a:buFont typeface="Avenir"/>
-              <a:buChar char="-"/>
-            </a:pPr>
-            <a:r>
-              <a:rPr lang="en-US" sz="3100" b="1">
-                <a:latin typeface="Avenir"/>
-                <a:ea typeface="Avenir"/>
-                <a:cs typeface="Avenir"/>
-                <a:sym typeface="Avenir"/>
-              </a:rPr>
-              <a:t>Velocity</a:t>
-            </a:r>
-            <a:endParaRPr sz="3100" b="1">
-              <a:latin typeface="Avenir"/>
-              <a:ea typeface="Avenir"/>
-              <a:cs typeface="Avenir"/>
-              <a:sym typeface="Avenir"/>
-            </a:endParaRPr>
-          </a:p>
-          <a:p>
-            <a:pPr marL="914400" lvl="1" indent="-425450" algn="l" rtl="0">
-              <a:spcBef>
-                <a:spcPts val="0"/>
-              </a:spcBef>
-              <a:spcAft>
-                <a:spcPts val="0"/>
-              </a:spcAft>
-              <a:buSzPts val="3100"/>
-              <a:buFont typeface="Avenir"/>
-              <a:buChar char="-"/>
-            </a:pPr>
-            <a:r>
-              <a:rPr lang="en-US" sz="3100" b="1">
-                <a:latin typeface="Avenir"/>
-                <a:ea typeface="Avenir"/>
-                <a:cs typeface="Avenir"/>
-                <a:sym typeface="Avenir"/>
-              </a:rPr>
-              <a:t>Normally distributed with variance 0.01</a:t>
-            </a:r>
-            <a:endParaRPr sz="3100" b="1">
-              <a:latin typeface="Avenir"/>
-              <a:ea typeface="Avenir"/>
-              <a:cs typeface="Avenir"/>
-              <a:sym typeface="Avenir"/>
-            </a:endParaRPr>
-          </a:p>
-          <a:p>
-            <a:pPr marL="457200" lvl="0" indent="-425450" algn="l" rtl="0">
-              <a:spcBef>
-                <a:spcPts val="0"/>
-              </a:spcBef>
-              <a:spcAft>
-                <a:spcPts val="0"/>
-              </a:spcAft>
-              <a:buClr>
-                <a:schemeClr val="dk1"/>
-              </a:buClr>
-              <a:buSzPts val="3100"/>
-              <a:buFont typeface="Avenir"/>
-              <a:buChar char="-"/>
-            </a:pPr>
-            <a:r>
-              <a:rPr lang="en-US" sz="3100" b="1">
-                <a:solidFill>
-                  <a:schemeClr val="dk1"/>
-                </a:solidFill>
-                <a:latin typeface="Avenir"/>
-                <a:ea typeface="Avenir"/>
-                <a:cs typeface="Avenir"/>
-                <a:sym typeface="Avenir"/>
-              </a:rPr>
-              <a:t>Measurement:</a:t>
-            </a:r>
-            <a:endParaRPr sz="3100" b="1">
-              <a:solidFill>
-                <a:schemeClr val="dk1"/>
-              </a:solidFill>
-              <a:latin typeface="Avenir"/>
-              <a:ea typeface="Avenir"/>
-              <a:cs typeface="Avenir"/>
-              <a:sym typeface="Avenir"/>
-            </a:endParaRPr>
-          </a:p>
-          <a:p>
-            <a:pPr marL="914400" lvl="1" indent="-425450" algn="l" rtl="0">
-              <a:spcBef>
-                <a:spcPts val="0"/>
-              </a:spcBef>
-              <a:spcAft>
-                <a:spcPts val="0"/>
-              </a:spcAft>
-              <a:buClr>
-                <a:schemeClr val="dk1"/>
-              </a:buClr>
-              <a:buSzPts val="3100"/>
-              <a:buFont typeface="Avenir"/>
-              <a:buChar char="-"/>
-            </a:pPr>
-            <a:r>
-              <a:rPr lang="en-US" sz="3100" b="1">
-                <a:solidFill>
-                  <a:schemeClr val="dk1"/>
-                </a:solidFill>
-                <a:latin typeface="Avenir"/>
-                <a:ea typeface="Avenir"/>
-                <a:cs typeface="Avenir"/>
-                <a:sym typeface="Avenir"/>
-              </a:rPr>
-              <a:t>noises on all variables</a:t>
-            </a:r>
-            <a:endParaRPr sz="3100" b="1">
-              <a:solidFill>
-                <a:schemeClr val="dk1"/>
-              </a:solidFill>
-              <a:latin typeface="Avenir"/>
-              <a:ea typeface="Avenir"/>
-              <a:cs typeface="Avenir"/>
-              <a:sym typeface="Avenir"/>
-            </a:endParaRPr>
-          </a:p>
-          <a:p>
-            <a:pPr marL="914400" lvl="1" indent="-425450" algn="l" rtl="0">
-              <a:spcBef>
-                <a:spcPts val="0"/>
-              </a:spcBef>
-              <a:spcAft>
-                <a:spcPts val="0"/>
-              </a:spcAft>
-              <a:buClr>
-                <a:schemeClr val="dk1"/>
-              </a:buClr>
-              <a:buSzPts val="3100"/>
-              <a:buFont typeface="Avenir"/>
-              <a:buChar char="-"/>
-            </a:pPr>
-            <a:r>
-              <a:rPr lang="en-US" sz="3100" b="1">
-                <a:solidFill>
-                  <a:schemeClr val="dk1"/>
-                </a:solidFill>
-                <a:latin typeface="Avenir"/>
-                <a:ea typeface="Avenir"/>
-                <a:cs typeface="Avenir"/>
-                <a:sym typeface="Avenir"/>
-              </a:rPr>
-              <a:t>Normally distributed with variance 0.1</a:t>
-            </a:r>
-            <a:endParaRPr sz="3100" b="1">
-              <a:latin typeface="Avenir"/>
-              <a:ea typeface="Avenir"/>
-              <a:cs typeface="Avenir"/>
-              <a:sym typeface="Avenir"/>
-            </a:endParaRPr>
-          </a:p>
-        </p:txBody>
-      </p:sp>
+      <mc:AlternateContent xmlns:mc="http://schemas.openxmlformats.org/markup-compatibility/2006" xmlns:a14="http://schemas.microsoft.com/office/drawing/2010/main">
+        <mc:Choice Requires="a14">
+          <p:sp>
+            <p:nvSpPr>
+              <p:cNvPr id="203" name="Google Shape;203;g14aad64c473_0_34"/>
+              <p:cNvSpPr txBox="1"/>
+              <p:nvPr/>
+            </p:nvSpPr>
+            <p:spPr>
+              <a:xfrm>
+                <a:off x="2022550" y="1980325"/>
+                <a:ext cx="7665900" cy="3524011"/>
+              </a:xfrm>
+              <a:prstGeom prst="rect">
+                <a:avLst/>
+              </a:prstGeom>
+              <a:noFill/>
+              <a:ln>
+                <a:noFill/>
+              </a:ln>
+            </p:spPr>
+            <p:txBody>
+              <a:bodyPr spcFirstLastPara="1" wrap="square" lIns="91425" tIns="91425" rIns="91425" bIns="91425" anchor="t" anchorCtr="0">
+                <a:spAutoFit/>
+              </a:bodyPr>
+              <a:lstStyle/>
+              <a:p>
+                <a:pPr marL="457200" lvl="0" indent="-425450" algn="l" rtl="0">
+                  <a:spcBef>
+                    <a:spcPts val="0"/>
+                  </a:spcBef>
+                  <a:spcAft>
+                    <a:spcPts val="0"/>
+                  </a:spcAft>
+                  <a:buSzPts val="3100"/>
+                  <a:buFont typeface="Avenir"/>
+                  <a:buChar char="-"/>
+                </a:pPr>
+                <a:r>
+                  <a:rPr lang="en-US" sz="3100" dirty="0">
+                    <a:latin typeface="Avenir"/>
+                    <a:ea typeface="Avenir"/>
+                    <a:cs typeface="Avenir"/>
+                    <a:sym typeface="Avenir"/>
+                  </a:rPr>
+                  <a:t>Disturbances:</a:t>
+                </a:r>
+              </a:p>
+              <a:p>
+                <a:pPr marL="914400" lvl="1" indent="-425450" algn="l" rtl="0">
+                  <a:spcBef>
+                    <a:spcPts val="0"/>
+                  </a:spcBef>
+                  <a:spcAft>
+                    <a:spcPts val="0"/>
+                  </a:spcAft>
+                  <a:buSzPts val="3100"/>
+                  <a:buFont typeface="Avenir"/>
+                  <a:buChar char="-"/>
+                </a:pPr>
+                <a:r>
+                  <a:rPr lang="en-US" sz="3100" dirty="0">
+                    <a:latin typeface="Avenir"/>
+                    <a:ea typeface="Avenir"/>
+                    <a:cs typeface="Avenir"/>
+                    <a:sym typeface="Avenir"/>
+                  </a:rPr>
+                  <a:t>Position</a:t>
+                </a:r>
+              </a:p>
+              <a:p>
+                <a:pPr marL="914400" lvl="1" indent="-425450" algn="l" rtl="0">
+                  <a:spcBef>
+                    <a:spcPts val="0"/>
+                  </a:spcBef>
+                  <a:spcAft>
+                    <a:spcPts val="0"/>
+                  </a:spcAft>
+                  <a:buSzPts val="3100"/>
+                  <a:buFont typeface="Avenir"/>
+                  <a:buChar char="-"/>
+                </a:pPr>
+                <a:r>
+                  <a:rPr lang="en-US" sz="3100" dirty="0">
+                    <a:latin typeface="Avenir"/>
+                    <a:ea typeface="Avenir"/>
+                    <a:cs typeface="Avenir"/>
+                    <a:sym typeface="Avenir"/>
+                  </a:rPr>
+                  <a:t>Velocity</a:t>
+                </a:r>
+              </a:p>
+              <a:p>
+                <a:pPr marL="914400" lvl="1" indent="-425450" algn="l" rtl="0">
+                  <a:spcBef>
+                    <a:spcPts val="0"/>
+                  </a:spcBef>
+                  <a:spcAft>
+                    <a:spcPts val="0"/>
+                  </a:spcAft>
+                  <a:buSzPts val="3100"/>
+                  <a:buFont typeface="Avenir"/>
+                  <a:buChar char="-"/>
+                </a:pPr>
+                <a14:m>
+                  <m:oMath xmlns:m="http://schemas.openxmlformats.org/officeDocument/2006/math">
+                    <m:r>
+                      <a:rPr lang="en-US" sz="3100" b="0" i="1" smtClean="0">
+                        <a:latin typeface="Cambria Math" panose="02040503050406030204" pitchFamily="18" charset="0"/>
+                        <a:ea typeface="Avenir"/>
+                        <a:cs typeface="Avenir"/>
+                        <a:sym typeface="Avenir"/>
+                      </a:rPr>
+                      <m:t>𝑤</m:t>
+                    </m:r>
+                    <m:r>
+                      <a:rPr lang="en-US" sz="3100" b="0" i="1" smtClean="0">
+                        <a:latin typeface="Cambria Math" panose="02040503050406030204" pitchFamily="18" charset="0"/>
+                        <a:ea typeface="Avenir"/>
+                        <a:cs typeface="Avenir"/>
+                        <a:sym typeface="Avenir"/>
+                      </a:rPr>
+                      <m:t>∼</m:t>
+                    </m:r>
+                    <m:r>
+                      <a:rPr lang="en-US" sz="3100" b="0" i="1" smtClean="0">
+                        <a:latin typeface="Cambria Math" panose="02040503050406030204" pitchFamily="18" charset="0"/>
+                        <a:ea typeface="Avenir"/>
+                        <a:cs typeface="Avenir"/>
+                        <a:sym typeface="Avenir"/>
+                      </a:rPr>
+                      <m:t>𝑁</m:t>
+                    </m:r>
+                    <m:r>
+                      <a:rPr lang="en-US" sz="3100" b="0" i="1" smtClean="0">
+                        <a:latin typeface="Cambria Math" panose="02040503050406030204" pitchFamily="18" charset="0"/>
+                        <a:ea typeface="Avenir"/>
+                        <a:cs typeface="Avenir"/>
+                        <a:sym typeface="Avenir"/>
+                      </a:rPr>
+                      <m:t>(0,0.01)</m:t>
+                    </m:r>
+                  </m:oMath>
+                </a14:m>
+                <a:endParaRPr lang="en-US" sz="3100" dirty="0">
+                  <a:latin typeface="Avenir"/>
+                  <a:ea typeface="Avenir"/>
+                  <a:cs typeface="Avenir"/>
+                  <a:sym typeface="Avenir"/>
+                </a:endParaRPr>
+              </a:p>
+              <a:p>
+                <a:pPr marL="457200" lvl="0" indent="-425450" algn="l" rtl="0">
+                  <a:spcBef>
+                    <a:spcPts val="0"/>
+                  </a:spcBef>
+                  <a:spcAft>
+                    <a:spcPts val="0"/>
+                  </a:spcAft>
+                  <a:buClr>
+                    <a:schemeClr val="dk1"/>
+                  </a:buClr>
+                  <a:buSzPts val="3100"/>
+                  <a:buFont typeface="Avenir"/>
+                  <a:buChar char="-"/>
+                </a:pPr>
+                <a:r>
+                  <a:rPr lang="en-US" sz="3100" dirty="0">
+                    <a:solidFill>
+                      <a:schemeClr val="dk1"/>
+                    </a:solidFill>
+                    <a:latin typeface="Avenir"/>
+                    <a:ea typeface="Avenir"/>
+                    <a:cs typeface="Avenir"/>
+                    <a:sym typeface="Avenir"/>
+                  </a:rPr>
+                  <a:t>Measurement:</a:t>
+                </a:r>
+              </a:p>
+              <a:p>
+                <a:pPr marL="914400" lvl="1" indent="-425450" algn="l" rtl="0">
+                  <a:spcBef>
+                    <a:spcPts val="0"/>
+                  </a:spcBef>
+                  <a:spcAft>
+                    <a:spcPts val="0"/>
+                  </a:spcAft>
+                  <a:buClr>
+                    <a:schemeClr val="dk1"/>
+                  </a:buClr>
+                  <a:buSzPts val="3100"/>
+                  <a:buFont typeface="Avenir"/>
+                  <a:buChar char="-"/>
+                </a:pPr>
+                <a:r>
+                  <a:rPr lang="en-US" sz="3100" dirty="0">
+                    <a:solidFill>
+                      <a:schemeClr val="dk1"/>
+                    </a:solidFill>
+                    <a:latin typeface="Avenir"/>
+                    <a:ea typeface="Avenir"/>
+                    <a:cs typeface="Avenir"/>
+                    <a:sym typeface="Avenir"/>
+                  </a:rPr>
+                  <a:t>noises on all variables</a:t>
+                </a:r>
+              </a:p>
+              <a:p>
+                <a:pPr marL="914400" lvl="1" indent="-425450" algn="l" rtl="0">
+                  <a:spcBef>
+                    <a:spcPts val="0"/>
+                  </a:spcBef>
+                  <a:spcAft>
+                    <a:spcPts val="0"/>
+                  </a:spcAft>
+                  <a:buClr>
+                    <a:schemeClr val="dk1"/>
+                  </a:buClr>
+                  <a:buSzPts val="3100"/>
+                  <a:buFont typeface="Avenir"/>
+                  <a:buChar char="-"/>
+                </a:pPr>
+                <a14:m>
+                  <m:oMath xmlns:m="http://schemas.openxmlformats.org/officeDocument/2006/math">
+                    <m:r>
+                      <a:rPr lang="en-US" sz="3100" b="0" i="1" dirty="0" smtClean="0">
+                        <a:solidFill>
+                          <a:schemeClr val="dk1"/>
+                        </a:solidFill>
+                        <a:latin typeface="Cambria Math" panose="02040503050406030204" pitchFamily="18" charset="0"/>
+                        <a:ea typeface="Avenir"/>
+                        <a:cs typeface="Avenir"/>
+                        <a:sym typeface="Avenir"/>
+                      </a:rPr>
+                      <m:t>𝑣</m:t>
+                    </m:r>
+                    <m:r>
+                      <a:rPr lang="en-US" sz="3100" b="0" i="1" dirty="0" smtClean="0">
+                        <a:solidFill>
+                          <a:schemeClr val="dk1"/>
+                        </a:solidFill>
+                        <a:latin typeface="Cambria Math" panose="02040503050406030204" pitchFamily="18" charset="0"/>
+                        <a:ea typeface="Avenir"/>
+                        <a:cs typeface="Avenir"/>
+                        <a:sym typeface="Avenir"/>
+                      </a:rPr>
+                      <m:t>∼</m:t>
+                    </m:r>
+                    <m:r>
+                      <a:rPr lang="en-US" sz="3100" b="0" i="1" dirty="0" smtClean="0">
+                        <a:solidFill>
+                          <a:schemeClr val="dk1"/>
+                        </a:solidFill>
+                        <a:latin typeface="Cambria Math" panose="02040503050406030204" pitchFamily="18" charset="0"/>
+                        <a:ea typeface="Avenir"/>
+                        <a:cs typeface="Avenir"/>
+                        <a:sym typeface="Avenir"/>
+                      </a:rPr>
+                      <m:t>𝑁</m:t>
+                    </m:r>
+                    <m:r>
+                      <a:rPr lang="en-US" sz="3100" b="0" i="1" dirty="0" smtClean="0">
+                        <a:solidFill>
+                          <a:schemeClr val="dk1"/>
+                        </a:solidFill>
+                        <a:latin typeface="Cambria Math" panose="02040503050406030204" pitchFamily="18" charset="0"/>
+                        <a:ea typeface="Avenir"/>
+                        <a:cs typeface="Avenir"/>
+                        <a:sym typeface="Avenir"/>
+                      </a:rPr>
+                      <m:t>(0,0.1)</m:t>
+                    </m:r>
+                  </m:oMath>
+                </a14:m>
+                <a:endParaRPr sz="3100" dirty="0">
+                  <a:latin typeface="Avenir"/>
+                  <a:ea typeface="Avenir"/>
+                  <a:cs typeface="Avenir"/>
+                  <a:sym typeface="Avenir"/>
+                </a:endParaRPr>
+              </a:p>
+            </p:txBody>
+          </p:sp>
+        </mc:Choice>
+        <mc:Fallback xmlns="">
+          <p:sp>
+            <p:nvSpPr>
+              <p:cNvPr id="203" name="Google Shape;203;g14aad64c473_0_34"/>
+              <p:cNvSpPr txBox="1">
+                <a:spLocks noRot="1" noChangeAspect="1" noMove="1" noResize="1" noEditPoints="1" noAdjustHandles="1" noChangeArrowheads="1" noChangeShapeType="1" noTextEdit="1"/>
+              </p:cNvSpPr>
+              <p:nvPr/>
+            </p:nvSpPr>
+            <p:spPr>
+              <a:xfrm>
+                <a:off x="2022550" y="1980325"/>
+                <a:ext cx="7665900" cy="3524011"/>
+              </a:xfrm>
+              <a:prstGeom prst="rect">
+                <a:avLst/>
+              </a:prstGeom>
+              <a:blipFill>
+                <a:blip r:embed="rId3"/>
+                <a:stretch>
+                  <a:fillRect l="-1591" t="-1211"/>
+                </a:stretch>
+              </a:blipFill>
+              <a:ln>
+                <a:noFill/>
+              </a:ln>
+            </p:spPr>
+            <p:txBody>
+              <a:bodyPr/>
+              <a:lstStyle/>
+              <a:p>
+                <a:r>
+                  <a:rPr lang="en-US">
+                    <a:noFill/>
+                  </a:rPr>
+                  <a:t> </a:t>
+                </a:r>
+              </a:p>
+            </p:txBody>
+          </p:sp>
+        </mc:Fallback>
+      </mc:AlternateContent>
     </p:spTree>
   </p:cSld>
   <p:clrMapOvr>
@@ -15510,443 +16265,7 @@
 </p:sld>
 </file>
 
-<file path=ppt/slides/slide18.xml><?xml version="1.0" encoding="utf-8"?>
-<p:sld xmlns:a="http://schemas.openxmlformats.org/drawingml/2006/main" xmlns:r="http://schemas.openxmlformats.org/officeDocument/2006/relationships" xmlns:p="http://schemas.openxmlformats.org/presentationml/2006/main">
-  <p:cSld>
-    <p:spTree>
-      <p:nvGrpSpPr>
-        <p:cNvPr id="1" name="Shape 207"/>
-        <p:cNvGrpSpPr/>
-        <p:nvPr/>
-      </p:nvGrpSpPr>
-      <p:grpSpPr>
-        <a:xfrm>
-          <a:off x="0" y="0"/>
-          <a:ext cx="0" cy="0"/>
-          <a:chOff x="0" y="0"/>
-          <a:chExt cx="0" cy="0"/>
-        </a:xfrm>
-      </p:grpSpPr>
-      <p:sp>
-        <p:nvSpPr>
-          <p:cNvPr id="208" name="Google Shape;208;g14aad64c473_0_55"/>
-          <p:cNvSpPr txBox="1">
-            <a:spLocks noGrp="1"/>
-          </p:cNvSpPr>
-          <p:nvPr>
-            <p:ph type="title"/>
-          </p:nvPr>
-        </p:nvSpPr>
-        <p:spPr>
-          <a:xfrm>
-            <a:off x="1141412" y="327514"/>
-            <a:ext cx="9906000" cy="1478700"/>
-          </a:xfrm>
-          <a:prstGeom prst="rect">
-            <a:avLst/>
-          </a:prstGeom>
-          <a:noFill/>
-          <a:ln>
-            <a:noFill/>
-          </a:ln>
-        </p:spPr>
-        <p:txBody>
-          <a:bodyPr spcFirstLastPara="1" wrap="square" lIns="91425" tIns="45700" rIns="91425" bIns="45700" anchor="ctr" anchorCtr="0">
-            <a:normAutofit/>
-          </a:bodyPr>
-          <a:lstStyle/>
-          <a:p>
-            <a:pPr marL="0" lvl="0" indent="0" algn="l" rtl="0">
-              <a:lnSpc>
-                <a:spcPct val="90000"/>
-              </a:lnSpc>
-              <a:spcBef>
-                <a:spcPts val="0"/>
-              </a:spcBef>
-              <a:spcAft>
-                <a:spcPts val="0"/>
-              </a:spcAft>
-              <a:buClr>
-                <a:schemeClr val="dk1"/>
-              </a:buClr>
-              <a:buSzPts val="3600"/>
-              <a:buFont typeface="Avenir"/>
-              <a:buNone/>
-            </a:pPr>
-            <a:r>
-              <a:rPr lang="en-US" b="1"/>
-              <a:t>Inverted Pendulum</a:t>
-            </a:r>
-            <a:endParaRPr b="1"/>
-          </a:p>
-        </p:txBody>
-      </p:sp>
-      <p:sp>
-        <p:nvSpPr>
-          <p:cNvPr id="209" name="Google Shape;209;g14aad64c473_0_55"/>
-          <p:cNvSpPr txBox="1"/>
-          <p:nvPr/>
-        </p:nvSpPr>
-        <p:spPr>
-          <a:xfrm>
-            <a:off x="1322200" y="1772625"/>
-            <a:ext cx="9066600" cy="2416500"/>
-          </a:xfrm>
-          <a:prstGeom prst="rect">
-            <a:avLst/>
-          </a:prstGeom>
-          <a:noFill/>
-          <a:ln>
-            <a:noFill/>
-          </a:ln>
-        </p:spPr>
-        <p:txBody>
-          <a:bodyPr spcFirstLastPara="1" wrap="square" lIns="91425" tIns="91425" rIns="91425" bIns="91425" anchor="t" anchorCtr="0">
-            <a:spAutoFit/>
-          </a:bodyPr>
-          <a:lstStyle/>
-          <a:p>
-            <a:pPr marL="457200" lvl="0" indent="0" algn="l" rtl="0">
-              <a:spcBef>
-                <a:spcPts val="0"/>
-              </a:spcBef>
-              <a:spcAft>
-                <a:spcPts val="0"/>
-              </a:spcAft>
-              <a:buNone/>
-            </a:pPr>
-            <a:endParaRPr sz="2900">
-              <a:latin typeface="Twentieth Century"/>
-              <a:ea typeface="Twentieth Century"/>
-              <a:cs typeface="Twentieth Century"/>
-              <a:sym typeface="Twentieth Century"/>
-            </a:endParaRPr>
-          </a:p>
-          <a:p>
-            <a:pPr marL="0" lvl="0" indent="0" algn="l" rtl="0">
-              <a:spcBef>
-                <a:spcPts val="0"/>
-              </a:spcBef>
-              <a:spcAft>
-                <a:spcPts val="0"/>
-              </a:spcAft>
-              <a:buNone/>
-            </a:pPr>
-            <a:endParaRPr sz="2900">
-              <a:latin typeface="Twentieth Century"/>
-              <a:ea typeface="Twentieth Century"/>
-              <a:cs typeface="Twentieth Century"/>
-              <a:sym typeface="Twentieth Century"/>
-            </a:endParaRPr>
-          </a:p>
-          <a:p>
-            <a:pPr marL="0" lvl="0" indent="0" algn="l" rtl="0">
-              <a:spcBef>
-                <a:spcPts val="0"/>
-              </a:spcBef>
-              <a:spcAft>
-                <a:spcPts val="0"/>
-              </a:spcAft>
-              <a:buNone/>
-            </a:pPr>
-            <a:endParaRPr sz="2900">
-              <a:latin typeface="Twentieth Century"/>
-              <a:ea typeface="Twentieth Century"/>
-              <a:cs typeface="Twentieth Century"/>
-              <a:sym typeface="Twentieth Century"/>
-            </a:endParaRPr>
-          </a:p>
-          <a:p>
-            <a:pPr marL="0" lvl="0" indent="0" algn="l" rtl="0">
-              <a:spcBef>
-                <a:spcPts val="0"/>
-              </a:spcBef>
-              <a:spcAft>
-                <a:spcPts val="0"/>
-              </a:spcAft>
-              <a:buNone/>
-            </a:pPr>
-            <a:endParaRPr sz="2900">
-              <a:latin typeface="Twentieth Century"/>
-              <a:ea typeface="Twentieth Century"/>
-              <a:cs typeface="Twentieth Century"/>
-              <a:sym typeface="Twentieth Century"/>
-            </a:endParaRPr>
-          </a:p>
-          <a:p>
-            <a:pPr marL="0" lvl="0" indent="0" algn="l" rtl="0">
-              <a:spcBef>
-                <a:spcPts val="0"/>
-              </a:spcBef>
-              <a:spcAft>
-                <a:spcPts val="0"/>
-              </a:spcAft>
-              <a:buNone/>
-            </a:pPr>
-            <a:endParaRPr sz="2900">
-              <a:latin typeface="Twentieth Century"/>
-              <a:ea typeface="Twentieth Century"/>
-              <a:cs typeface="Twentieth Century"/>
-              <a:sym typeface="Twentieth Century"/>
-            </a:endParaRPr>
-          </a:p>
-        </p:txBody>
-      </p:sp>
-      <p:sp>
-        <p:nvSpPr>
-          <p:cNvPr id="210" name="Google Shape;210;g14aad64c473_0_55"/>
-          <p:cNvSpPr txBox="1"/>
-          <p:nvPr/>
-        </p:nvSpPr>
-        <p:spPr>
-          <a:xfrm>
-            <a:off x="2022550" y="1980325"/>
-            <a:ext cx="7665900" cy="4479300"/>
-          </a:xfrm>
-          <a:prstGeom prst="rect">
-            <a:avLst/>
-          </a:prstGeom>
-          <a:noFill/>
-          <a:ln>
-            <a:noFill/>
-          </a:ln>
-        </p:spPr>
-        <p:txBody>
-          <a:bodyPr spcFirstLastPara="1" wrap="square" lIns="91425" tIns="91425" rIns="91425" bIns="91425" anchor="t" anchorCtr="0">
-            <a:spAutoFit/>
-          </a:bodyPr>
-          <a:lstStyle/>
-          <a:p>
-            <a:pPr marL="457200" lvl="0" indent="-425450" algn="l" rtl="0">
-              <a:spcBef>
-                <a:spcPts val="0"/>
-              </a:spcBef>
-              <a:spcAft>
-                <a:spcPts val="0"/>
-              </a:spcAft>
-              <a:buSzPts val="3100"/>
-              <a:buFont typeface="Avenir"/>
-              <a:buChar char="-"/>
-            </a:pPr>
-            <a:r>
-              <a:rPr lang="en-US" sz="3100" b="1">
-                <a:latin typeface="Avenir"/>
-                <a:ea typeface="Avenir"/>
-                <a:cs typeface="Avenir"/>
-                <a:sym typeface="Avenir"/>
-              </a:rPr>
-              <a:t>Disturbances:</a:t>
-            </a:r>
-            <a:endParaRPr sz="3100" b="1">
-              <a:latin typeface="Avenir"/>
-              <a:ea typeface="Avenir"/>
-              <a:cs typeface="Avenir"/>
-              <a:sym typeface="Avenir"/>
-            </a:endParaRPr>
-          </a:p>
-          <a:p>
-            <a:pPr marL="914400" lvl="1" indent="-425450" algn="l" rtl="0">
-              <a:spcBef>
-                <a:spcPts val="0"/>
-              </a:spcBef>
-              <a:spcAft>
-                <a:spcPts val="0"/>
-              </a:spcAft>
-              <a:buSzPts val="3100"/>
-              <a:buFont typeface="Avenir"/>
-              <a:buChar char="-"/>
-            </a:pPr>
-            <a:r>
-              <a:rPr lang="en-US" sz="3100" b="1">
-                <a:latin typeface="Avenir"/>
-                <a:ea typeface="Avenir"/>
-                <a:cs typeface="Avenir"/>
-                <a:sym typeface="Avenir"/>
-              </a:rPr>
-              <a:t>Position</a:t>
-            </a:r>
-            <a:endParaRPr sz="3100" b="1">
-              <a:latin typeface="Avenir"/>
-              <a:ea typeface="Avenir"/>
-              <a:cs typeface="Avenir"/>
-              <a:sym typeface="Avenir"/>
-            </a:endParaRPr>
-          </a:p>
-          <a:p>
-            <a:pPr marL="914400" lvl="1" indent="-425450" algn="l" rtl="0">
-              <a:spcBef>
-                <a:spcPts val="0"/>
-              </a:spcBef>
-              <a:spcAft>
-                <a:spcPts val="0"/>
-              </a:spcAft>
-              <a:buSzPts val="3100"/>
-              <a:buFont typeface="Avenir"/>
-              <a:buChar char="-"/>
-            </a:pPr>
-            <a:r>
-              <a:rPr lang="en-US" sz="3100" b="1">
-                <a:latin typeface="Avenir"/>
-                <a:ea typeface="Avenir"/>
-                <a:cs typeface="Avenir"/>
-                <a:sym typeface="Avenir"/>
-              </a:rPr>
-              <a:t>Velocity</a:t>
-            </a:r>
-            <a:endParaRPr sz="3100" b="1">
-              <a:latin typeface="Avenir"/>
-              <a:ea typeface="Avenir"/>
-              <a:cs typeface="Avenir"/>
-              <a:sym typeface="Avenir"/>
-            </a:endParaRPr>
-          </a:p>
-          <a:p>
-            <a:pPr marL="914400" lvl="1" indent="-425450" algn="l" rtl="0">
-              <a:spcBef>
-                <a:spcPts val="0"/>
-              </a:spcBef>
-              <a:spcAft>
-                <a:spcPts val="0"/>
-              </a:spcAft>
-              <a:buSzPts val="3100"/>
-              <a:buFont typeface="Avenir"/>
-              <a:buChar char="-"/>
-            </a:pPr>
-            <a:r>
-              <a:rPr lang="en-US" sz="3100" b="1">
-                <a:latin typeface="Avenir"/>
-                <a:ea typeface="Avenir"/>
-                <a:cs typeface="Avenir"/>
-                <a:sym typeface="Avenir"/>
-              </a:rPr>
-              <a:t>Normally distributed with variance 0.01</a:t>
-            </a:r>
-            <a:endParaRPr sz="3100" b="1">
-              <a:latin typeface="Avenir"/>
-              <a:ea typeface="Avenir"/>
-              <a:cs typeface="Avenir"/>
-              <a:sym typeface="Avenir"/>
-            </a:endParaRPr>
-          </a:p>
-          <a:p>
-            <a:pPr marL="457200" lvl="0" indent="-425450" algn="l" rtl="0">
-              <a:spcBef>
-                <a:spcPts val="0"/>
-              </a:spcBef>
-              <a:spcAft>
-                <a:spcPts val="0"/>
-              </a:spcAft>
-              <a:buClr>
-                <a:schemeClr val="dk1"/>
-              </a:buClr>
-              <a:buSzPts val="3100"/>
-              <a:buFont typeface="Avenir"/>
-              <a:buChar char="-"/>
-            </a:pPr>
-            <a:r>
-              <a:rPr lang="en-US" sz="3100" b="1">
-                <a:solidFill>
-                  <a:schemeClr val="dk1"/>
-                </a:solidFill>
-                <a:latin typeface="Avenir"/>
-                <a:ea typeface="Avenir"/>
-                <a:cs typeface="Avenir"/>
-                <a:sym typeface="Avenir"/>
-              </a:rPr>
-              <a:t>Measurement:</a:t>
-            </a:r>
-            <a:endParaRPr sz="3100" b="1">
-              <a:solidFill>
-                <a:schemeClr val="dk1"/>
-              </a:solidFill>
-              <a:latin typeface="Avenir"/>
-              <a:ea typeface="Avenir"/>
-              <a:cs typeface="Avenir"/>
-              <a:sym typeface="Avenir"/>
-            </a:endParaRPr>
-          </a:p>
-          <a:p>
-            <a:pPr marL="914400" lvl="1" indent="-425450" algn="l" rtl="0">
-              <a:spcBef>
-                <a:spcPts val="0"/>
-              </a:spcBef>
-              <a:spcAft>
-                <a:spcPts val="0"/>
-              </a:spcAft>
-              <a:buClr>
-                <a:schemeClr val="dk1"/>
-              </a:buClr>
-              <a:buSzPts val="3100"/>
-              <a:buFont typeface="Avenir"/>
-              <a:buChar char="-"/>
-            </a:pPr>
-            <a:r>
-              <a:rPr lang="en-US" sz="3100" b="1">
-                <a:solidFill>
-                  <a:schemeClr val="dk1"/>
-                </a:solidFill>
-                <a:latin typeface="Avenir"/>
-                <a:ea typeface="Avenir"/>
-                <a:cs typeface="Avenir"/>
-                <a:sym typeface="Avenir"/>
-              </a:rPr>
-              <a:t>noises on all variables</a:t>
-            </a:r>
-            <a:endParaRPr sz="3100" b="1">
-              <a:solidFill>
-                <a:schemeClr val="dk1"/>
-              </a:solidFill>
-              <a:latin typeface="Avenir"/>
-              <a:ea typeface="Avenir"/>
-              <a:cs typeface="Avenir"/>
-              <a:sym typeface="Avenir"/>
-            </a:endParaRPr>
-          </a:p>
-          <a:p>
-            <a:pPr marL="914400" lvl="1" indent="-425450" algn="l" rtl="0">
-              <a:spcBef>
-                <a:spcPts val="0"/>
-              </a:spcBef>
-              <a:spcAft>
-                <a:spcPts val="0"/>
-              </a:spcAft>
-              <a:buClr>
-                <a:schemeClr val="dk1"/>
-              </a:buClr>
-              <a:buSzPts val="3100"/>
-              <a:buFont typeface="Avenir"/>
-              <a:buChar char="-"/>
-            </a:pPr>
-            <a:r>
-              <a:rPr lang="en-US" sz="3100" b="1">
-                <a:solidFill>
-                  <a:schemeClr val="dk1"/>
-                </a:solidFill>
-                <a:latin typeface="Avenir"/>
-                <a:ea typeface="Avenir"/>
-                <a:cs typeface="Avenir"/>
-                <a:sym typeface="Avenir"/>
-              </a:rPr>
-              <a:t>Normally distributed with variance 0.1</a:t>
-            </a:r>
-            <a:endParaRPr sz="3100" b="1">
-              <a:latin typeface="Avenir"/>
-              <a:ea typeface="Avenir"/>
-              <a:cs typeface="Avenir"/>
-              <a:sym typeface="Avenir"/>
-            </a:endParaRPr>
-          </a:p>
-        </p:txBody>
-      </p:sp>
-    </p:spTree>
-  </p:cSld>
-  <p:clrMapOvr>
-    <a:masterClrMapping/>
-  </p:clrMapOvr>
-</p:sld>
-</file>
-
-<file path=ppt/slides/slide19.xml><?xml version="1.0" encoding="utf-8"?>
+<file path=ppt/slides/slide17.xml><?xml version="1.0" encoding="utf-8"?>
 <p:sld xmlns:a="http://schemas.openxmlformats.org/drawingml/2006/main" xmlns:r="http://schemas.openxmlformats.org/officeDocument/2006/relationships" xmlns:p="http://schemas.openxmlformats.org/presentationml/2006/main">
   <p:cSld>
     <p:spTree>
@@ -16128,16 +16447,1083 @@
           </a:p>
         </p:txBody>
       </p:sp>
+      <mc:AlternateContent xmlns:mc="http://schemas.openxmlformats.org/markup-compatibility/2006" xmlns:a14="http://schemas.microsoft.com/office/drawing/2010/main">
+        <mc:Choice Requires="a14">
+          <p:sp>
+            <p:nvSpPr>
+              <p:cNvPr id="217" name="Google Shape;217;g14aad64c473_0_46"/>
+              <p:cNvSpPr txBox="1"/>
+              <p:nvPr/>
+            </p:nvSpPr>
+            <p:spPr>
+              <a:xfrm>
+                <a:off x="2195500" y="2095725"/>
+                <a:ext cx="7665900" cy="3123389"/>
+              </a:xfrm>
+              <a:prstGeom prst="rect">
+                <a:avLst/>
+              </a:prstGeom>
+              <a:noFill/>
+              <a:ln>
+                <a:noFill/>
+              </a:ln>
+            </p:spPr>
+            <p:txBody>
+              <a:bodyPr spcFirstLastPara="1" wrap="square" lIns="91425" tIns="91425" rIns="91425" bIns="91425" anchor="t" anchorCtr="0">
+                <a:spAutoFit/>
+              </a:bodyPr>
+              <a:lstStyle/>
+              <a:p>
+                <a:pPr marL="457200" lvl="0" indent="-425450" algn="l" rtl="0">
+                  <a:spcBef>
+                    <a:spcPts val="0"/>
+                  </a:spcBef>
+                  <a:spcAft>
+                    <a:spcPts val="0"/>
+                  </a:spcAft>
+                  <a:buSzPts val="3100"/>
+                  <a:buFont typeface="Avenir"/>
+                  <a:buChar char="-"/>
+                </a:pPr>
+                <a:r>
+                  <a:rPr lang="en-US" sz="3100" dirty="0">
+                    <a:latin typeface="Avenir"/>
+                    <a:ea typeface="Avenir"/>
+                    <a:cs typeface="Avenir"/>
+                    <a:sym typeface="Avenir"/>
+                  </a:rPr>
+                  <a:t>Computes a matrix </a:t>
+                </a:r>
+                <a14:m>
+                  <m:oMath xmlns:m="http://schemas.openxmlformats.org/officeDocument/2006/math">
+                    <m:sSub>
+                      <m:sSubPr>
+                        <m:ctrlPr>
+                          <a:rPr lang="en-US" sz="3100" i="1" dirty="0" smtClean="0">
+                            <a:latin typeface="Cambria Math" panose="02040503050406030204" pitchFamily="18" charset="0"/>
+                            <a:ea typeface="Avenir"/>
+                            <a:cs typeface="Avenir"/>
+                            <a:sym typeface="Avenir"/>
+                          </a:rPr>
+                        </m:ctrlPr>
+                      </m:sSubPr>
+                      <m:e>
+                        <m:r>
+                          <a:rPr lang="en-US" sz="3100" b="0" i="1" dirty="0" smtClean="0">
+                            <a:latin typeface="Cambria Math" panose="02040503050406030204" pitchFamily="18" charset="0"/>
+                            <a:ea typeface="Avenir"/>
+                            <a:cs typeface="Avenir"/>
+                            <a:sym typeface="Avenir"/>
+                          </a:rPr>
+                          <m:t>𝐾</m:t>
+                        </m:r>
+                      </m:e>
+                      <m:sub>
+                        <m:r>
+                          <a:rPr lang="en-US" sz="3100" b="0" i="1" dirty="0" smtClean="0">
+                            <a:latin typeface="Cambria Math" panose="02040503050406030204" pitchFamily="18" charset="0"/>
+                            <a:ea typeface="Avenir"/>
+                            <a:cs typeface="Avenir"/>
+                            <a:sym typeface="Avenir"/>
+                          </a:rPr>
+                          <m:t>𝑓</m:t>
+                        </m:r>
+                      </m:sub>
+                    </m:sSub>
+                  </m:oMath>
+                </a14:m>
+                <a:r>
+                  <a:rPr lang="en-US" sz="3100" dirty="0">
+                    <a:latin typeface="Avenir"/>
+                    <a:ea typeface="Avenir"/>
+                    <a:cs typeface="Avenir"/>
+                    <a:sym typeface="Avenir"/>
+                  </a:rPr>
+                  <a:t> based on dynamics</a:t>
+                </a:r>
+              </a:p>
+              <a:p>
+                <a:pPr marL="457200" lvl="0" indent="-425450" algn="l" rtl="0">
+                  <a:spcBef>
+                    <a:spcPts val="0"/>
+                  </a:spcBef>
+                  <a:spcAft>
+                    <a:spcPts val="0"/>
+                  </a:spcAft>
+                  <a:buSzPts val="3100"/>
+                  <a:buFont typeface="Avenir"/>
+                  <a:buChar char="-"/>
+                </a:pPr>
+                <a:r>
+                  <a:rPr lang="en-US" sz="3100" dirty="0">
+                    <a:latin typeface="Avenir"/>
+                    <a:ea typeface="Avenir"/>
+                    <a:cs typeface="Avenir"/>
+                    <a:sym typeface="Avenir"/>
+                  </a:rPr>
+                  <a:t>Predict and update the estimate:</a:t>
+                </a:r>
+              </a:p>
+              <a:p>
+                <a:pPr lvl="0"/>
+                <a:r>
+                  <a:rPr lang="en-US" sz="3100" dirty="0">
+                    <a:latin typeface="Avenir"/>
+                    <a:ea typeface="Avenir"/>
+                    <a:cs typeface="Avenir"/>
+                    <a:sym typeface="Avenir"/>
+                  </a:rPr>
+                  <a:t>	</a:t>
+                </a:r>
+                <a14:m>
+                  <m:oMath xmlns:m="http://schemas.openxmlformats.org/officeDocument/2006/math">
+                    <m:sSub>
+                      <m:sSubPr>
+                        <m:ctrlPr>
+                          <a:rPr lang="en-US" sz="3100" i="1" dirty="0" smtClean="0">
+                            <a:latin typeface="Cambria Math" panose="02040503050406030204" pitchFamily="18" charset="0"/>
+                            <a:sym typeface="Avenir"/>
+                          </a:rPr>
+                        </m:ctrlPr>
+                      </m:sSubPr>
+                      <m:e>
+                        <m:acc>
+                          <m:accPr>
+                            <m:chr m:val="̂"/>
+                            <m:ctrlPr>
+                              <a:rPr lang="en-US" sz="3100" i="1" smtClean="0">
+                                <a:latin typeface="Cambria Math" panose="02040503050406030204" pitchFamily="18" charset="0"/>
+                                <a:sym typeface="Avenir"/>
+                              </a:rPr>
+                            </m:ctrlPr>
+                          </m:accPr>
+                          <m:e>
+                            <m:r>
+                              <a:rPr lang="en-US" sz="3100" b="0" i="1" smtClean="0">
+                                <a:latin typeface="Cambria Math" panose="02040503050406030204" pitchFamily="18" charset="0"/>
+                                <a:sym typeface="Avenir"/>
+                              </a:rPr>
+                              <m:t>𝑥</m:t>
+                            </m:r>
+                          </m:e>
+                        </m:acc>
+                      </m:e>
+                      <m:sub>
+                        <m:r>
+                          <a:rPr lang="en-US" sz="3100" b="0" i="1" dirty="0" smtClean="0">
+                            <a:latin typeface="Cambria Math" panose="02040503050406030204" pitchFamily="18" charset="0"/>
+                            <a:sym typeface="Avenir"/>
+                          </a:rPr>
+                          <m:t>𝑡</m:t>
+                        </m:r>
+                        <m:r>
+                          <a:rPr lang="en-US" sz="3100" b="0" i="1" dirty="0" smtClean="0">
+                            <a:latin typeface="Cambria Math" panose="02040503050406030204" pitchFamily="18" charset="0"/>
+                            <a:sym typeface="Avenir"/>
+                          </a:rPr>
+                          <m:t>+1</m:t>
+                        </m:r>
+                      </m:sub>
+                    </m:sSub>
+                    <m:r>
+                      <a:rPr lang="en-US" sz="3100" b="0" i="1" dirty="0" smtClean="0">
+                        <a:latin typeface="Cambria Math" panose="02040503050406030204" pitchFamily="18" charset="0"/>
+                        <a:sym typeface="Avenir"/>
+                      </a:rPr>
+                      <m:t>=</m:t>
+                    </m:r>
+                    <m:r>
+                      <a:rPr lang="en-US" sz="3100" b="0" i="1" dirty="0" smtClean="0">
+                        <a:latin typeface="Cambria Math" panose="02040503050406030204" pitchFamily="18" charset="0"/>
+                        <a:sym typeface="Avenir"/>
+                      </a:rPr>
+                      <m:t>𝑓</m:t>
+                    </m:r>
+                    <m:d>
+                      <m:dPr>
+                        <m:ctrlPr>
+                          <a:rPr lang="en-US" sz="3100" i="1" dirty="0" smtClean="0">
+                            <a:latin typeface="Cambria Math" panose="02040503050406030204" pitchFamily="18" charset="0"/>
+                            <a:sym typeface="Avenir"/>
+                          </a:rPr>
+                        </m:ctrlPr>
+                      </m:dPr>
+                      <m:e>
+                        <m:sSub>
+                          <m:sSubPr>
+                            <m:ctrlPr>
+                              <a:rPr lang="en-US" sz="3100" i="1" dirty="0" smtClean="0">
+                                <a:latin typeface="Cambria Math" panose="02040503050406030204" pitchFamily="18" charset="0"/>
+                                <a:sym typeface="Avenir"/>
+                              </a:rPr>
+                            </m:ctrlPr>
+                          </m:sSubPr>
+                          <m:e>
+                            <m:acc>
+                              <m:accPr>
+                                <m:chr m:val="̂"/>
+                                <m:ctrlPr>
+                                  <a:rPr lang="en-US" sz="3100" i="1" dirty="0" smtClean="0">
+                                    <a:latin typeface="Cambria Math" panose="02040503050406030204" pitchFamily="18" charset="0"/>
+                                    <a:sym typeface="Avenir"/>
+                                  </a:rPr>
+                                </m:ctrlPr>
+                              </m:accPr>
+                              <m:e>
+                                <m:r>
+                                  <a:rPr lang="en-US" sz="3100" b="0" i="1" dirty="0" smtClean="0">
+                                    <a:latin typeface="Cambria Math" panose="02040503050406030204" pitchFamily="18" charset="0"/>
+                                    <a:sym typeface="Avenir"/>
+                                  </a:rPr>
+                                  <m:t>𝑥</m:t>
+                                </m:r>
+                              </m:e>
+                            </m:acc>
+                          </m:e>
+                          <m:sub>
+                            <m:r>
+                              <a:rPr lang="en-US" sz="3100" b="0" i="1" dirty="0" smtClean="0">
+                                <a:latin typeface="Cambria Math" panose="02040503050406030204" pitchFamily="18" charset="0"/>
+                                <a:sym typeface="Avenir"/>
+                              </a:rPr>
+                              <m:t>𝑡</m:t>
+                            </m:r>
+                          </m:sub>
+                        </m:sSub>
+                        <m:r>
+                          <a:rPr lang="en-US" sz="3100" b="0" i="1" dirty="0" smtClean="0">
+                            <a:latin typeface="Cambria Math" panose="02040503050406030204" pitchFamily="18" charset="0"/>
+                            <a:sym typeface="Avenir"/>
+                          </a:rPr>
+                          <m:t>,</m:t>
+                        </m:r>
+                        <m:sSub>
+                          <m:sSubPr>
+                            <m:ctrlPr>
+                              <a:rPr lang="en-US" sz="3100" i="1" dirty="0" smtClean="0">
+                                <a:latin typeface="Cambria Math" panose="02040503050406030204" pitchFamily="18" charset="0"/>
+                                <a:sym typeface="Avenir"/>
+                              </a:rPr>
+                            </m:ctrlPr>
+                          </m:sSubPr>
+                          <m:e>
+                            <m:r>
+                              <a:rPr lang="en-US" sz="3100" b="0" i="1" dirty="0" smtClean="0">
+                                <a:latin typeface="Cambria Math" panose="02040503050406030204" pitchFamily="18" charset="0"/>
+                                <a:sym typeface="Avenir"/>
+                              </a:rPr>
+                              <m:t>𝑢</m:t>
+                            </m:r>
+                          </m:e>
+                          <m:sub>
+                            <m:r>
+                              <a:rPr lang="en-US" sz="3100" b="0" i="1" dirty="0" smtClean="0">
+                                <a:latin typeface="Cambria Math" panose="02040503050406030204" pitchFamily="18" charset="0"/>
+                                <a:sym typeface="Avenir"/>
+                              </a:rPr>
+                              <m:t>𝑡</m:t>
+                            </m:r>
+                          </m:sub>
+                        </m:sSub>
+                      </m:e>
+                    </m:d>
+                    <m:r>
+                      <a:rPr lang="en-US" sz="3100" b="0" i="1" dirty="0" smtClean="0">
+                        <a:latin typeface="Cambria Math" panose="02040503050406030204" pitchFamily="18" charset="0"/>
+                        <a:sym typeface="Avenir"/>
+                      </a:rPr>
+                      <m:t>+</m:t>
+                    </m:r>
+                    <m:sSub>
+                      <m:sSubPr>
+                        <m:ctrlPr>
+                          <a:rPr lang="en-US" sz="3100" i="1" dirty="0" smtClean="0">
+                            <a:latin typeface="Cambria Math" panose="02040503050406030204" pitchFamily="18" charset="0"/>
+                            <a:sym typeface="Avenir"/>
+                          </a:rPr>
+                        </m:ctrlPr>
+                      </m:sSubPr>
+                      <m:e>
+                        <m:r>
+                          <a:rPr lang="en-US" sz="3100" b="0" i="1" dirty="0" smtClean="0">
+                            <a:latin typeface="Cambria Math" panose="02040503050406030204" pitchFamily="18" charset="0"/>
+                            <a:sym typeface="Avenir"/>
+                          </a:rPr>
+                          <m:t>𝐾</m:t>
+                        </m:r>
+                      </m:e>
+                      <m:sub>
+                        <m:r>
+                          <a:rPr lang="en-US" sz="3100" b="0" i="1" dirty="0" smtClean="0">
+                            <a:latin typeface="Cambria Math" panose="02040503050406030204" pitchFamily="18" charset="0"/>
+                            <a:sym typeface="Avenir"/>
+                          </a:rPr>
+                          <m:t>𝑓</m:t>
+                        </m:r>
+                      </m:sub>
+                    </m:sSub>
+                    <m:r>
+                      <a:rPr lang="en-US" sz="3100" b="0" i="1" dirty="0" smtClean="0">
+                        <a:latin typeface="Cambria Math" panose="02040503050406030204" pitchFamily="18" charset="0"/>
+                        <a:sym typeface="Avenir"/>
+                      </a:rPr>
+                      <m:t>(</m:t>
+                    </m:r>
+                    <m:sSub>
+                      <m:sSubPr>
+                        <m:ctrlPr>
+                          <a:rPr lang="en-US" sz="3100" i="1" dirty="0" smtClean="0">
+                            <a:latin typeface="Cambria Math" panose="02040503050406030204" pitchFamily="18" charset="0"/>
+                            <a:sym typeface="Avenir"/>
+                          </a:rPr>
+                        </m:ctrlPr>
+                      </m:sSubPr>
+                      <m:e>
+                        <m:r>
+                          <a:rPr lang="en-US" sz="3100" b="0" i="1" dirty="0" smtClean="0">
+                            <a:latin typeface="Cambria Math" panose="02040503050406030204" pitchFamily="18" charset="0"/>
+                            <a:sym typeface="Avenir"/>
+                          </a:rPr>
+                          <m:t>𝑦</m:t>
+                        </m:r>
+                      </m:e>
+                      <m:sub>
+                        <m:r>
+                          <a:rPr lang="en-US" sz="3100" b="0" i="1" dirty="0" smtClean="0">
+                            <a:latin typeface="Cambria Math" panose="02040503050406030204" pitchFamily="18" charset="0"/>
+                            <a:sym typeface="Avenir"/>
+                          </a:rPr>
+                          <m:t>𝑡</m:t>
+                        </m:r>
+                      </m:sub>
+                    </m:sSub>
+                    <m:r>
+                      <a:rPr lang="en-US" sz="3100" b="0" i="1" dirty="0" smtClean="0">
+                        <a:latin typeface="Cambria Math" panose="02040503050406030204" pitchFamily="18" charset="0"/>
+                        <a:sym typeface="Avenir"/>
+                      </a:rPr>
+                      <m:t>−</m:t>
+                    </m:r>
+                    <m:r>
+                      <a:rPr lang="en-US" sz="3100" b="0" i="1" dirty="0" smtClean="0">
+                        <a:latin typeface="Cambria Math" panose="02040503050406030204" pitchFamily="18" charset="0"/>
+                        <a:sym typeface="Avenir"/>
+                      </a:rPr>
+                      <m:t>𝑔</m:t>
+                    </m:r>
+                    <m:r>
+                      <a:rPr lang="en-US" sz="3100" b="0" i="1" dirty="0" smtClean="0">
+                        <a:latin typeface="Cambria Math" panose="02040503050406030204" pitchFamily="18" charset="0"/>
+                        <a:sym typeface="Avenir"/>
+                      </a:rPr>
+                      <m:t>(</m:t>
+                    </m:r>
+                    <m:sSub>
+                      <m:sSubPr>
+                        <m:ctrlPr>
+                          <a:rPr lang="en-US" sz="3100" i="1" dirty="0">
+                            <a:latin typeface="Cambria Math" panose="02040503050406030204" pitchFamily="18" charset="0"/>
+                            <a:sym typeface="Avenir"/>
+                          </a:rPr>
+                        </m:ctrlPr>
+                      </m:sSubPr>
+                      <m:e>
+                        <m:acc>
+                          <m:accPr>
+                            <m:chr m:val="̂"/>
+                            <m:ctrlPr>
+                              <a:rPr lang="en-US" sz="3100" i="1" dirty="0">
+                                <a:latin typeface="Cambria Math" panose="02040503050406030204" pitchFamily="18" charset="0"/>
+                                <a:sym typeface="Avenir"/>
+                              </a:rPr>
+                            </m:ctrlPr>
+                          </m:accPr>
+                          <m:e>
+                            <m:r>
+                              <a:rPr lang="en-US" sz="3100" b="0" i="1" dirty="0">
+                                <a:latin typeface="Cambria Math" panose="02040503050406030204" pitchFamily="18" charset="0"/>
+                                <a:sym typeface="Avenir"/>
+                              </a:rPr>
+                              <m:t>𝑥</m:t>
+                            </m:r>
+                          </m:e>
+                        </m:acc>
+                      </m:e>
+                      <m:sub>
+                        <m:r>
+                          <a:rPr lang="en-US" sz="3100" b="0" i="1" dirty="0">
+                            <a:latin typeface="Cambria Math" panose="02040503050406030204" pitchFamily="18" charset="0"/>
+                            <a:sym typeface="Avenir"/>
+                          </a:rPr>
+                          <m:t>𝑡</m:t>
+                        </m:r>
+                      </m:sub>
+                    </m:sSub>
+                    <m:r>
+                      <a:rPr lang="en-US" sz="3100" b="0" i="1" dirty="0" smtClean="0">
+                        <a:latin typeface="Cambria Math" panose="02040503050406030204" pitchFamily="18" charset="0"/>
+                        <a:sym typeface="Avenir"/>
+                      </a:rPr>
+                      <m:t>))</m:t>
+                    </m:r>
+                  </m:oMath>
+                </a14:m>
+                <a:endParaRPr lang="en-US" sz="3100" dirty="0">
+                  <a:latin typeface="Avenir"/>
+                  <a:ea typeface="Avenir"/>
+                  <a:cs typeface="Avenir"/>
+                  <a:sym typeface="Avenir"/>
+                </a:endParaRPr>
+              </a:p>
+              <a:p>
+                <a:pPr marL="457200" lvl="0" indent="0" algn="l" rtl="0">
+                  <a:spcBef>
+                    <a:spcPts val="0"/>
+                  </a:spcBef>
+                  <a:spcAft>
+                    <a:spcPts val="0"/>
+                  </a:spcAft>
+                  <a:buNone/>
+                </a:pPr>
+                <a:endParaRPr lang="en-US" sz="3100" dirty="0">
+                  <a:latin typeface="Avenir"/>
+                  <a:ea typeface="Avenir"/>
+                  <a:cs typeface="Avenir"/>
+                  <a:sym typeface="Avenir"/>
+                </a:endParaRPr>
+              </a:p>
+              <a:p>
+                <a:pPr marL="457200" lvl="0" indent="-425450" algn="l" rtl="0">
+                  <a:spcBef>
+                    <a:spcPts val="0"/>
+                  </a:spcBef>
+                  <a:spcAft>
+                    <a:spcPts val="0"/>
+                  </a:spcAft>
+                  <a:buSzPts val="3100"/>
+                  <a:buFont typeface="Avenir"/>
+                  <a:buChar char="-"/>
+                </a:pPr>
+                <a:r>
+                  <a:rPr lang="en-US" sz="3100" dirty="0">
+                    <a:latin typeface="Avenir"/>
+                    <a:ea typeface="Avenir"/>
+                    <a:cs typeface="Avenir"/>
+                    <a:sym typeface="Avenir"/>
+                  </a:rPr>
+                  <a:t>Minimizes the expectation error:</a:t>
+                </a:r>
+              </a:p>
+              <a:p>
+                <a:pPr marL="31750" lvl="0" algn="l" rtl="0">
+                  <a:spcBef>
+                    <a:spcPts val="0"/>
+                  </a:spcBef>
+                  <a:spcAft>
+                    <a:spcPts val="0"/>
+                  </a:spcAft>
+                  <a:buSzPts val="3100"/>
+                </a:pPr>
+                <a:r>
+                  <a:rPr lang="en-US" sz="3100" dirty="0">
+                    <a:latin typeface="Avenir"/>
+                    <a:ea typeface="Avenir"/>
+                    <a:cs typeface="Avenir"/>
+                    <a:sym typeface="Avenir"/>
+                  </a:rPr>
+                  <a:t>	 </a:t>
+                </a:r>
+                <a14:m>
+                  <m:oMath xmlns:m="http://schemas.openxmlformats.org/officeDocument/2006/math">
+                    <m:r>
+                      <a:rPr lang="en-US" sz="3100" b="0" i="1" smtClean="0">
+                        <a:latin typeface="Cambria Math" panose="02040503050406030204" pitchFamily="18" charset="0"/>
+                        <a:ea typeface="Avenir"/>
+                        <a:cs typeface="Avenir"/>
+                        <a:sym typeface="Avenir"/>
+                      </a:rPr>
+                      <m:t>𝐸</m:t>
+                    </m:r>
+                    <m:d>
+                      <m:dPr>
+                        <m:begChr m:val="["/>
+                        <m:endChr m:val="]"/>
+                        <m:ctrlPr>
+                          <a:rPr lang="en-US" sz="3100" b="0" i="1" smtClean="0">
+                            <a:latin typeface="Cambria Math" panose="02040503050406030204" pitchFamily="18" charset="0"/>
+                            <a:ea typeface="Avenir"/>
+                            <a:cs typeface="Avenir"/>
+                            <a:sym typeface="Avenir"/>
+                          </a:rPr>
+                        </m:ctrlPr>
+                      </m:dPr>
+                      <m:e>
+                        <m:sSup>
+                          <m:sSupPr>
+                            <m:ctrlPr>
+                              <a:rPr lang="en-US" sz="3100" b="0" i="1" smtClean="0">
+                                <a:latin typeface="Cambria Math" panose="02040503050406030204" pitchFamily="18" charset="0"/>
+                                <a:ea typeface="Avenir"/>
+                                <a:cs typeface="Avenir"/>
+                                <a:sym typeface="Avenir"/>
+                              </a:rPr>
+                            </m:ctrlPr>
+                          </m:sSupPr>
+                          <m:e>
+                            <m:d>
+                              <m:dPr>
+                                <m:ctrlPr>
+                                  <a:rPr lang="en-US" sz="3100" b="0" i="1" smtClean="0">
+                                    <a:latin typeface="Cambria Math" panose="02040503050406030204" pitchFamily="18" charset="0"/>
+                                    <a:ea typeface="Avenir"/>
+                                    <a:cs typeface="Avenir"/>
+                                    <a:sym typeface="Avenir"/>
+                                  </a:rPr>
+                                </m:ctrlPr>
+                              </m:dPr>
+                              <m:e>
+                                <m:r>
+                                  <a:rPr lang="en-US" sz="3100" b="0" i="1" smtClean="0">
+                                    <a:latin typeface="Cambria Math" panose="02040503050406030204" pitchFamily="18" charset="0"/>
+                                    <a:ea typeface="Avenir"/>
+                                    <a:cs typeface="Avenir"/>
+                                    <a:sym typeface="Avenir"/>
+                                  </a:rPr>
+                                  <m:t>𝑥</m:t>
+                                </m:r>
+                                <m:r>
+                                  <a:rPr lang="en-US" sz="3100" b="0" i="1" smtClean="0">
+                                    <a:latin typeface="Cambria Math" panose="02040503050406030204" pitchFamily="18" charset="0"/>
+                                    <a:ea typeface="Avenir"/>
+                                    <a:cs typeface="Avenir"/>
+                                    <a:sym typeface="Avenir"/>
+                                  </a:rPr>
+                                  <m:t>−</m:t>
+                                </m:r>
+                                <m:acc>
+                                  <m:accPr>
+                                    <m:chr m:val="̂"/>
+                                    <m:ctrlPr>
+                                      <a:rPr lang="en-US" sz="3100" b="0" i="1" smtClean="0">
+                                        <a:latin typeface="Cambria Math" panose="02040503050406030204" pitchFamily="18" charset="0"/>
+                                        <a:ea typeface="Avenir"/>
+                                        <a:cs typeface="Avenir"/>
+                                        <a:sym typeface="Avenir"/>
+                                      </a:rPr>
+                                    </m:ctrlPr>
+                                  </m:accPr>
+                                  <m:e>
+                                    <m:r>
+                                      <a:rPr lang="en-US" sz="3100" b="0" i="1" smtClean="0">
+                                        <a:latin typeface="Cambria Math" panose="02040503050406030204" pitchFamily="18" charset="0"/>
+                                        <a:ea typeface="Avenir"/>
+                                        <a:cs typeface="Avenir"/>
+                                        <a:sym typeface="Avenir"/>
+                                      </a:rPr>
+                                      <m:t>𝑥</m:t>
+                                    </m:r>
+                                  </m:e>
+                                </m:acc>
+                              </m:e>
+                            </m:d>
+                          </m:e>
+                          <m:sup>
+                            <m:r>
+                              <a:rPr lang="en-US" sz="3100" b="0" i="1" smtClean="0">
+                                <a:latin typeface="Cambria Math" panose="02040503050406030204" pitchFamily="18" charset="0"/>
+                                <a:ea typeface="Avenir"/>
+                                <a:cs typeface="Avenir"/>
+                                <a:sym typeface="Avenir"/>
+                              </a:rPr>
+                              <m:t>2</m:t>
+                            </m:r>
+                          </m:sup>
+                        </m:sSup>
+                      </m:e>
+                    </m:d>
+                  </m:oMath>
+                </a14:m>
+                <a:endParaRPr sz="3100" dirty="0">
+                  <a:latin typeface="Avenir"/>
+                  <a:ea typeface="Avenir"/>
+                  <a:cs typeface="Avenir"/>
+                  <a:sym typeface="Avenir"/>
+                </a:endParaRPr>
+              </a:p>
+            </p:txBody>
+          </p:sp>
+        </mc:Choice>
+        <mc:Fallback xmlns="">
+          <p:sp>
+            <p:nvSpPr>
+              <p:cNvPr id="217" name="Google Shape;217;g14aad64c473_0_46"/>
+              <p:cNvSpPr txBox="1">
+                <a:spLocks noRot="1" noChangeAspect="1" noMove="1" noResize="1" noEditPoints="1" noAdjustHandles="1" noChangeArrowheads="1" noChangeShapeType="1" noTextEdit="1"/>
+              </p:cNvSpPr>
+              <p:nvPr/>
+            </p:nvSpPr>
+            <p:spPr>
+              <a:xfrm>
+                <a:off x="2195500" y="2095725"/>
+                <a:ext cx="7665900" cy="3123389"/>
+              </a:xfrm>
+              <a:prstGeom prst="rect">
+                <a:avLst/>
+              </a:prstGeom>
+              <a:blipFill>
+                <a:blip r:embed="rId3"/>
+                <a:stretch>
+                  <a:fillRect l="-1590" t="-1172"/>
+                </a:stretch>
+              </a:blipFill>
+              <a:ln>
+                <a:noFill/>
+              </a:ln>
+            </p:spPr>
+            <p:txBody>
+              <a:bodyPr/>
+              <a:lstStyle/>
+              <a:p>
+                <a:r>
+                  <a:rPr lang="en-US">
+                    <a:noFill/>
+                  </a:rPr>
+                  <a:t> </a:t>
+                </a:r>
+              </a:p>
+            </p:txBody>
+          </p:sp>
+        </mc:Fallback>
+      </mc:AlternateContent>
+    </p:spTree>
+  </p:cSld>
+  <p:clrMapOvr>
+    <a:masterClrMapping/>
+  </p:clrMapOvr>
+</p:sld>
+</file>
+
+<file path=ppt/slides/slide18.xml><?xml version="1.0" encoding="utf-8"?>
+<p:sld xmlns:a="http://schemas.openxmlformats.org/drawingml/2006/main" xmlns:r="http://schemas.openxmlformats.org/officeDocument/2006/relationships" xmlns:p="http://schemas.openxmlformats.org/presentationml/2006/main">
+  <p:cSld>
+    <p:spTree>
+      <p:nvGrpSpPr>
+        <p:cNvPr id="1" name="Shape 222"/>
+        <p:cNvGrpSpPr/>
+        <p:nvPr/>
+      </p:nvGrpSpPr>
+      <p:grpSpPr>
+        <a:xfrm>
+          <a:off x="0" y="0"/>
+          <a:ext cx="0" cy="0"/>
+          <a:chOff x="0" y="0"/>
+          <a:chExt cx="0" cy="0"/>
+        </a:xfrm>
+      </p:grpSpPr>
       <p:sp>
         <p:nvSpPr>
-          <p:cNvPr id="217" name="Google Shape;217;g14aad64c473_0_46"/>
+          <p:cNvPr id="223" name="Google Shape;223;g14aad64c473_0_61"/>
+          <p:cNvSpPr txBox="1">
+            <a:spLocks noGrp="1"/>
+          </p:cNvSpPr>
+          <p:nvPr>
+            <p:ph type="title"/>
+          </p:nvPr>
+        </p:nvSpPr>
+        <p:spPr>
+          <a:xfrm>
+            <a:off x="1141412" y="327514"/>
+            <a:ext cx="9906000" cy="1478700"/>
+          </a:xfrm>
+          <a:prstGeom prst="rect">
+            <a:avLst/>
+          </a:prstGeom>
+          <a:noFill/>
+          <a:ln>
+            <a:noFill/>
+          </a:ln>
+        </p:spPr>
+        <p:txBody>
+          <a:bodyPr spcFirstLastPara="1" wrap="square" lIns="91425" tIns="45700" rIns="91425" bIns="45700" anchor="ctr" anchorCtr="0">
+            <a:normAutofit/>
+          </a:bodyPr>
+          <a:lstStyle/>
+          <a:p>
+            <a:pPr marL="0" lvl="0" indent="0" algn="l" rtl="0">
+              <a:lnSpc>
+                <a:spcPct val="90000"/>
+              </a:lnSpc>
+              <a:spcBef>
+                <a:spcPts val="0"/>
+              </a:spcBef>
+              <a:spcAft>
+                <a:spcPts val="0"/>
+              </a:spcAft>
+              <a:buClr>
+                <a:schemeClr val="dk1"/>
+              </a:buClr>
+              <a:buSzPts val="3600"/>
+              <a:buFont typeface="Avenir"/>
+              <a:buNone/>
+            </a:pPr>
+            <a:r>
+              <a:rPr lang="en-US" b="1"/>
+              <a:t>The controller</a:t>
+            </a:r>
+            <a:endParaRPr b="1"/>
+          </a:p>
+        </p:txBody>
+      </p:sp>
+      <mc:AlternateContent xmlns:mc="http://schemas.openxmlformats.org/markup-compatibility/2006" xmlns:a14="http://schemas.microsoft.com/office/drawing/2010/main">
+        <mc:Choice Requires="a14">
+          <p:sp>
+            <p:nvSpPr>
+              <p:cNvPr id="224" name="Google Shape;224;g14aad64c473_0_61"/>
+              <p:cNvSpPr txBox="1"/>
+              <p:nvPr/>
+            </p:nvSpPr>
+            <p:spPr>
+              <a:xfrm>
+                <a:off x="2195500" y="2095725"/>
+                <a:ext cx="7665900" cy="3047700"/>
+              </a:xfrm>
+              <a:prstGeom prst="rect">
+                <a:avLst/>
+              </a:prstGeom>
+              <a:noFill/>
+              <a:ln>
+                <a:noFill/>
+              </a:ln>
+            </p:spPr>
+            <p:txBody>
+              <a:bodyPr spcFirstLastPara="1" wrap="square" lIns="91425" tIns="91425" rIns="91425" bIns="91425" anchor="t" anchorCtr="0">
+                <a:spAutoFit/>
+              </a:bodyPr>
+              <a:lstStyle/>
+              <a:p>
+                <a:pPr marL="457200" lvl="0" indent="-425450" algn="l" rtl="0">
+                  <a:spcBef>
+                    <a:spcPts val="0"/>
+                  </a:spcBef>
+                  <a:spcAft>
+                    <a:spcPts val="0"/>
+                  </a:spcAft>
+                  <a:buSzPts val="3100"/>
+                  <a:buFont typeface="Avenir"/>
+                  <a:buChar char="-"/>
+                </a:pPr>
+                <a:r>
+                  <a:rPr lang="en-US" sz="3100" dirty="0">
+                    <a:latin typeface="Avenir"/>
+                    <a:ea typeface="Avenir"/>
+                    <a:cs typeface="Avenir"/>
+                    <a:sym typeface="Avenir"/>
+                  </a:rPr>
+                  <a:t>Linear Quadratic Regulator: Computes a matrix </a:t>
+                </a:r>
+                <a14:m>
+                  <m:oMath xmlns:m="http://schemas.openxmlformats.org/officeDocument/2006/math">
+                    <m:r>
+                      <a:rPr lang="en-US" sz="3100" i="1" dirty="0" smtClean="0">
+                        <a:latin typeface="Cambria Math" panose="02040503050406030204" pitchFamily="18" charset="0"/>
+                        <a:ea typeface="Avenir"/>
+                        <a:cs typeface="Avenir"/>
+                        <a:sym typeface="Avenir"/>
+                      </a:rPr>
+                      <m:t>𝐾</m:t>
+                    </m:r>
+                  </m:oMath>
+                </a14:m>
+                <a:r>
+                  <a:rPr lang="en-US" sz="3100" dirty="0">
+                    <a:latin typeface="Avenir"/>
+                    <a:ea typeface="Avenir"/>
+                    <a:cs typeface="Avenir"/>
+                    <a:sym typeface="Avenir"/>
+                  </a:rPr>
+                  <a:t> based on cost and dynamics</a:t>
+                </a:r>
+              </a:p>
+              <a:p>
+                <a:pPr marL="0" lvl="0" indent="0" algn="l" rtl="0">
+                  <a:spcBef>
+                    <a:spcPts val="0"/>
+                  </a:spcBef>
+                  <a:spcAft>
+                    <a:spcPts val="0"/>
+                  </a:spcAft>
+                  <a:buNone/>
+                </a:pPr>
+                <a:endParaRPr lang="en-US" sz="3100" dirty="0">
+                  <a:latin typeface="Avenir"/>
+                  <a:ea typeface="Avenir"/>
+                  <a:cs typeface="Avenir"/>
+                  <a:sym typeface="Avenir"/>
+                </a:endParaRPr>
+              </a:p>
+              <a:p>
+                <a:pPr marL="457200" lvl="0" indent="-425450" algn="l" rtl="0">
+                  <a:spcBef>
+                    <a:spcPts val="0"/>
+                  </a:spcBef>
+                  <a:spcAft>
+                    <a:spcPts val="0"/>
+                  </a:spcAft>
+                  <a:buSzPts val="3100"/>
+                  <a:buFont typeface="Avenir"/>
+                  <a:buChar char="-"/>
+                </a:pPr>
+                <a:r>
+                  <a:rPr lang="en-US" sz="3100" dirty="0">
+                    <a:latin typeface="Avenir"/>
+                    <a:ea typeface="Avenir"/>
+                    <a:cs typeface="Avenir"/>
+                    <a:sym typeface="Avenir"/>
+                  </a:rPr>
+                  <a:t>Control law:</a:t>
+                </a:r>
+                <a14:m>
+                  <m:oMath xmlns:m="http://schemas.openxmlformats.org/officeDocument/2006/math">
+                    <m:sSub>
+                      <m:sSubPr>
+                        <m:ctrlPr>
+                          <a:rPr lang="en-US" sz="3100" b="0" i="1" smtClean="0">
+                            <a:latin typeface="Cambria Math" panose="02040503050406030204" pitchFamily="18" charset="0"/>
+                            <a:ea typeface="Avenir"/>
+                            <a:cs typeface="Avenir"/>
+                            <a:sym typeface="Avenir"/>
+                          </a:rPr>
+                        </m:ctrlPr>
+                      </m:sSubPr>
+                      <m:e>
+                        <m:r>
+                          <a:rPr lang="en-US" sz="3100" b="0" i="1" smtClean="0">
+                            <a:latin typeface="Cambria Math" panose="02040503050406030204" pitchFamily="18" charset="0"/>
+                            <a:ea typeface="Avenir"/>
+                            <a:cs typeface="Avenir"/>
+                            <a:sym typeface="Avenir"/>
+                          </a:rPr>
+                          <m:t>𝑢</m:t>
+                        </m:r>
+                      </m:e>
+                      <m:sub>
+                        <m:r>
+                          <a:rPr lang="en-US" sz="3100" b="0" i="1" smtClean="0">
+                            <a:latin typeface="Cambria Math" panose="02040503050406030204" pitchFamily="18" charset="0"/>
+                            <a:ea typeface="Avenir"/>
+                            <a:cs typeface="Avenir"/>
+                            <a:sym typeface="Avenir"/>
+                          </a:rPr>
+                          <m:t>𝑡</m:t>
+                        </m:r>
+                      </m:sub>
+                    </m:sSub>
+                    <m:r>
+                      <a:rPr lang="en-US" sz="3100" b="0" i="1" smtClean="0">
+                        <a:latin typeface="Cambria Math" panose="02040503050406030204" pitchFamily="18" charset="0"/>
+                        <a:ea typeface="Avenir"/>
+                        <a:cs typeface="Avenir"/>
+                        <a:sym typeface="Avenir"/>
+                      </a:rPr>
+                      <m:t>=−</m:t>
+                    </m:r>
+                    <m:r>
+                      <a:rPr lang="en-US" sz="3100" b="0" i="1" smtClean="0">
+                        <a:latin typeface="Cambria Math" panose="02040503050406030204" pitchFamily="18" charset="0"/>
+                        <a:ea typeface="Avenir"/>
+                        <a:cs typeface="Avenir"/>
+                        <a:sym typeface="Avenir"/>
+                      </a:rPr>
+                      <m:t>𝐾𝑥</m:t>
+                    </m:r>
+                  </m:oMath>
+                </a14:m>
+                <a:endParaRPr lang="en-US" sz="3100" dirty="0">
+                  <a:latin typeface="Avenir"/>
+                  <a:ea typeface="Avenir"/>
+                  <a:cs typeface="Avenir"/>
+                  <a:sym typeface="Avenir"/>
+                </a:endParaRPr>
+              </a:p>
+              <a:p>
+                <a:pPr marL="0" lvl="0" indent="0" algn="l" rtl="0">
+                  <a:spcBef>
+                    <a:spcPts val="0"/>
+                  </a:spcBef>
+                  <a:spcAft>
+                    <a:spcPts val="0"/>
+                  </a:spcAft>
+                  <a:buNone/>
+                </a:pPr>
+                <a:endParaRPr lang="en-US" sz="3100" dirty="0">
+                  <a:latin typeface="Avenir"/>
+                  <a:ea typeface="Avenir"/>
+                  <a:cs typeface="Avenir"/>
+                  <a:sym typeface="Avenir"/>
+                </a:endParaRPr>
+              </a:p>
+              <a:p>
+                <a:pPr marL="457200" lvl="0" indent="-425450" algn="l" rtl="0">
+                  <a:spcBef>
+                    <a:spcPts val="0"/>
+                  </a:spcBef>
+                  <a:spcAft>
+                    <a:spcPts val="0"/>
+                  </a:spcAft>
+                  <a:buSzPts val="3100"/>
+                  <a:buFont typeface="Avenir"/>
+                  <a:buChar char="-"/>
+                </a:pPr>
+                <a:r>
+                  <a:rPr lang="en-US" sz="3100" dirty="0">
+                    <a:latin typeface="Avenir"/>
+                    <a:ea typeface="Avenir"/>
+                    <a:cs typeface="Avenir"/>
+                    <a:sym typeface="Avenir"/>
+                  </a:rPr>
+                  <a:t>Minimizes the objective</a:t>
+                </a:r>
+                <a:endParaRPr sz="3100" dirty="0">
+                  <a:latin typeface="Avenir"/>
+                  <a:ea typeface="Avenir"/>
+                  <a:cs typeface="Avenir"/>
+                  <a:sym typeface="Avenir"/>
+                </a:endParaRPr>
+              </a:p>
+            </p:txBody>
+          </p:sp>
+        </mc:Choice>
+        <mc:Fallback xmlns="">
+          <p:sp>
+            <p:nvSpPr>
+              <p:cNvPr id="224" name="Google Shape;224;g14aad64c473_0_61"/>
+              <p:cNvSpPr txBox="1">
+                <a:spLocks noRot="1" noChangeAspect="1" noMove="1" noResize="1" noEditPoints="1" noAdjustHandles="1" noChangeArrowheads="1" noChangeShapeType="1" noTextEdit="1"/>
+              </p:cNvSpPr>
+              <p:nvPr/>
+            </p:nvSpPr>
+            <p:spPr>
+              <a:xfrm>
+                <a:off x="2195500" y="2095725"/>
+                <a:ext cx="7665900" cy="3047700"/>
+              </a:xfrm>
+              <a:prstGeom prst="rect">
+                <a:avLst/>
+              </a:prstGeom>
+              <a:blipFill>
+                <a:blip r:embed="rId3"/>
+                <a:stretch>
+                  <a:fillRect l="-1590" t="-1400" b="-4000"/>
+                </a:stretch>
+              </a:blipFill>
+              <a:ln>
+                <a:noFill/>
+              </a:ln>
+            </p:spPr>
+            <p:txBody>
+              <a:bodyPr/>
+              <a:lstStyle/>
+              <a:p>
+                <a:r>
+                  <a:rPr lang="en-US">
+                    <a:noFill/>
+                  </a:rPr>
+                  <a:t> </a:t>
+                </a:r>
+              </a:p>
+            </p:txBody>
+          </p:sp>
+        </mc:Fallback>
+      </mc:AlternateContent>
+    </p:spTree>
+  </p:cSld>
+  <p:clrMapOvr>
+    <a:masterClrMapping/>
+  </p:clrMapOvr>
+</p:sld>
+</file>
+
+<file path=ppt/slides/slide19.xml><?xml version="1.0" encoding="utf-8"?>
+<p:sld xmlns:a="http://schemas.openxmlformats.org/drawingml/2006/main" xmlns:r="http://schemas.openxmlformats.org/officeDocument/2006/relationships" xmlns:p="http://schemas.openxmlformats.org/presentationml/2006/main">
+  <p:cSld>
+    <p:spTree>
+      <p:nvGrpSpPr>
+        <p:cNvPr id="1" name="Shape 229"/>
+        <p:cNvGrpSpPr/>
+        <p:nvPr/>
+      </p:nvGrpSpPr>
+      <p:grpSpPr>
+        <a:xfrm>
+          <a:off x="0" y="0"/>
+          <a:ext cx="0" cy="0"/>
+          <a:chOff x="0" y="0"/>
+          <a:chExt cx="0" cy="0"/>
+        </a:xfrm>
+      </p:grpSpPr>
+      <p:sp>
+        <p:nvSpPr>
+          <p:cNvPr id="230" name="Google Shape;230;g138bbc4d2d1_0_6"/>
+          <p:cNvSpPr txBox="1">
+            <a:spLocks noGrp="1"/>
+          </p:cNvSpPr>
+          <p:nvPr>
+            <p:ph type="title"/>
+          </p:nvPr>
+        </p:nvSpPr>
+        <p:spPr>
+          <a:xfrm>
+            <a:off x="1143012" y="293914"/>
+            <a:ext cx="9906000" cy="1478700"/>
+          </a:xfrm>
+          <a:prstGeom prst="rect">
+            <a:avLst/>
+          </a:prstGeom>
+          <a:noFill/>
+          <a:ln>
+            <a:noFill/>
+          </a:ln>
+        </p:spPr>
+        <p:txBody>
+          <a:bodyPr spcFirstLastPara="1" wrap="square" lIns="91425" tIns="45700" rIns="91425" bIns="45700" anchor="ctr" anchorCtr="0">
+            <a:normAutofit/>
+          </a:bodyPr>
+          <a:lstStyle/>
+          <a:p>
+            <a:pPr marL="0" lvl="0" indent="0" algn="l" rtl="0">
+              <a:lnSpc>
+                <a:spcPct val="90000"/>
+              </a:lnSpc>
+              <a:spcBef>
+                <a:spcPts val="0"/>
+              </a:spcBef>
+              <a:spcAft>
+                <a:spcPts val="0"/>
+              </a:spcAft>
+              <a:buClr>
+                <a:schemeClr val="dk1"/>
+              </a:buClr>
+              <a:buSzPts val="3600"/>
+              <a:buFont typeface="Avenir"/>
+              <a:buNone/>
+            </a:pPr>
+            <a:r>
+              <a:rPr lang="en-US" b="1"/>
+              <a:t>Full picture</a:t>
+            </a:r>
+            <a:endParaRPr b="1"/>
+          </a:p>
+        </p:txBody>
+      </p:sp>
+      <p:sp>
+        <p:nvSpPr>
+          <p:cNvPr id="231" name="Google Shape;231;g138bbc4d2d1_0_6"/>
           <p:cNvSpPr txBox="1"/>
           <p:nvPr/>
         </p:nvSpPr>
         <p:spPr>
           <a:xfrm>
-            <a:off x="2195500" y="2095725"/>
-            <a:ext cx="7665900" cy="4002000"/>
+            <a:off x="1322200" y="1772625"/>
+            <a:ext cx="9066600" cy="615600"/>
           </a:xfrm>
           <a:prstGeom prst="rect">
             <a:avLst/>
@@ -16153,145 +17539,38 @@
           </a:bodyPr>
           <a:lstStyle/>
           <a:p>
-            <a:pPr marL="457200" lvl="0" indent="-425450" algn="l" rtl="0">
-              <a:spcBef>
-                <a:spcPts val="0"/>
-              </a:spcBef>
-              <a:spcAft>
-                <a:spcPts val="0"/>
-              </a:spcAft>
-              <a:buSzPts val="3100"/>
-              <a:buFont typeface="Avenir"/>
+            <a:pPr marL="457200" lvl="0" indent="-406400" algn="l" rtl="0">
+              <a:spcBef>
+                <a:spcPts val="0"/>
+              </a:spcBef>
+              <a:spcAft>
+                <a:spcPts val="0"/>
+              </a:spcAft>
+              <a:buSzPts val="2800"/>
+              <a:buFont typeface="Twentieth Century"/>
               <a:buChar char="-"/>
             </a:pPr>
             <a:r>
-              <a:rPr lang="en-US" sz="3100" b="1">
-                <a:latin typeface="Avenir"/>
-                <a:ea typeface="Avenir"/>
-                <a:cs typeface="Avenir"/>
-                <a:sym typeface="Avenir"/>
+              <a:rPr lang="en-US" sz="2800" b="1">
+                <a:latin typeface="Twentieth Century"/>
+                <a:ea typeface="Twentieth Century"/>
+                <a:cs typeface="Twentieth Century"/>
+                <a:sym typeface="Twentieth Century"/>
               </a:rPr>
-              <a:t>Computes a matrix Kf based on dynamics</a:t>
+              <a:t>Closed loop control with filtering</a:t>
             </a:r>
-            <a:endParaRPr sz="3100" b="1">
-              <a:latin typeface="Avenir"/>
-              <a:ea typeface="Avenir"/>
-              <a:cs typeface="Avenir"/>
-              <a:sym typeface="Avenir"/>
-            </a:endParaRPr>
-          </a:p>
-          <a:p>
-            <a:pPr marL="457200" lvl="0" indent="-425450" algn="l" rtl="0">
-              <a:spcBef>
-                <a:spcPts val="0"/>
-              </a:spcBef>
-              <a:spcAft>
-                <a:spcPts val="0"/>
-              </a:spcAft>
-              <a:buSzPts val="3100"/>
-              <a:buFont typeface="Avenir"/>
-              <a:buChar char="-"/>
-            </a:pPr>
-            <a:r>
-              <a:rPr lang="en-US" sz="3100" b="1">
-                <a:latin typeface="Avenir"/>
-                <a:ea typeface="Avenir"/>
-                <a:cs typeface="Avenir"/>
-                <a:sym typeface="Avenir"/>
-              </a:rPr>
-              <a:t>Predict and update the estimate:</a:t>
-            </a:r>
-            <a:endParaRPr sz="3100" b="1">
-              <a:latin typeface="Avenir"/>
-              <a:ea typeface="Avenir"/>
-              <a:cs typeface="Avenir"/>
-              <a:sym typeface="Avenir"/>
-            </a:endParaRPr>
-          </a:p>
-          <a:p>
-            <a:pPr marL="0" lvl="0" indent="0" algn="l" rtl="0">
-              <a:spcBef>
-                <a:spcPts val="0"/>
-              </a:spcBef>
-              <a:spcAft>
-                <a:spcPts val="0"/>
-              </a:spcAft>
-              <a:buNone/>
-            </a:pPr>
-            <a:endParaRPr sz="3100" b="1">
-              <a:latin typeface="Avenir"/>
-              <a:ea typeface="Avenir"/>
-              <a:cs typeface="Avenir"/>
-              <a:sym typeface="Avenir"/>
-            </a:endParaRPr>
-          </a:p>
-          <a:p>
-            <a:pPr marL="0" lvl="0" indent="0" algn="l" rtl="0">
-              <a:spcBef>
-                <a:spcPts val="0"/>
-              </a:spcBef>
-              <a:spcAft>
-                <a:spcPts val="0"/>
-              </a:spcAft>
-              <a:buNone/>
-            </a:pPr>
-            <a:endParaRPr sz="3100" b="1">
-              <a:latin typeface="Avenir"/>
-              <a:ea typeface="Avenir"/>
-              <a:cs typeface="Avenir"/>
-              <a:sym typeface="Avenir"/>
-            </a:endParaRPr>
-          </a:p>
-          <a:p>
-            <a:pPr marL="457200" lvl="0" indent="0" algn="l" rtl="0">
-              <a:spcBef>
-                <a:spcPts val="0"/>
-              </a:spcBef>
-              <a:spcAft>
-                <a:spcPts val="0"/>
-              </a:spcAft>
-              <a:buNone/>
-            </a:pPr>
-            <a:endParaRPr sz="3100" b="1">
-              <a:latin typeface="Avenir"/>
-              <a:ea typeface="Avenir"/>
-              <a:cs typeface="Avenir"/>
-              <a:sym typeface="Avenir"/>
-            </a:endParaRPr>
-          </a:p>
-          <a:p>
-            <a:pPr marL="457200" lvl="0" indent="-425450" algn="l" rtl="0">
-              <a:spcBef>
-                <a:spcPts val="0"/>
-              </a:spcBef>
-              <a:spcAft>
-                <a:spcPts val="0"/>
-              </a:spcAft>
-              <a:buSzPts val="3100"/>
-              <a:buFont typeface="Avenir"/>
-              <a:buChar char="-"/>
-            </a:pPr>
-            <a:r>
-              <a:rPr lang="en-US" sz="3100" b="1">
-                <a:latin typeface="Avenir"/>
-                <a:ea typeface="Avenir"/>
-                <a:cs typeface="Avenir"/>
-                <a:sym typeface="Avenir"/>
-              </a:rPr>
-              <a:t>Such that expectation of error is minimized</a:t>
-            </a:r>
-            <a:endParaRPr sz="3100" b="1">
-              <a:latin typeface="Avenir"/>
-              <a:ea typeface="Avenir"/>
-              <a:cs typeface="Avenir"/>
-              <a:sym typeface="Avenir"/>
+            <a:endParaRPr sz="2800">
+              <a:latin typeface="Twentieth Century"/>
+              <a:ea typeface="Twentieth Century"/>
+              <a:cs typeface="Twentieth Century"/>
+              <a:sym typeface="Twentieth Century"/>
             </a:endParaRPr>
           </a:p>
         </p:txBody>
       </p:sp>
       <p:pic>
         <p:nvPicPr>
-          <p:cNvPr id="218" name="Google Shape;218;g14aad64c473_0_46"/>
+          <p:cNvPr id="232" name="Google Shape;232;g138bbc4d2d1_0_6"/>
           <p:cNvPicPr preferRelativeResize="0"/>
           <p:nvPr/>
         </p:nvPicPr>
@@ -16305,8 +17584,8 @@
         </p:blipFill>
         <p:spPr>
           <a:xfrm>
-            <a:off x="3019775" y="3894871"/>
-            <a:ext cx="8119326" cy="865300"/>
+            <a:off x="2767750" y="2744050"/>
+            <a:ext cx="6038850" cy="3467100"/>
           </a:xfrm>
           <a:prstGeom prst="rect">
             <a:avLst/>
@@ -16548,418 +17827,6 @@
 </p:sld>
 </file>
 
-<file path=ppt/slides/slide20.xml><?xml version="1.0" encoding="utf-8"?>
-<p:sld xmlns:a="http://schemas.openxmlformats.org/drawingml/2006/main" xmlns:r="http://schemas.openxmlformats.org/officeDocument/2006/relationships" xmlns:p="http://schemas.openxmlformats.org/presentationml/2006/main">
-  <p:cSld>
-    <p:spTree>
-      <p:nvGrpSpPr>
-        <p:cNvPr id="1" name="Shape 222"/>
-        <p:cNvGrpSpPr/>
-        <p:nvPr/>
-      </p:nvGrpSpPr>
-      <p:grpSpPr>
-        <a:xfrm>
-          <a:off x="0" y="0"/>
-          <a:ext cx="0" cy="0"/>
-          <a:chOff x="0" y="0"/>
-          <a:chExt cx="0" cy="0"/>
-        </a:xfrm>
-      </p:grpSpPr>
-      <p:sp>
-        <p:nvSpPr>
-          <p:cNvPr id="223" name="Google Shape;223;g14aad64c473_0_61"/>
-          <p:cNvSpPr txBox="1">
-            <a:spLocks noGrp="1"/>
-          </p:cNvSpPr>
-          <p:nvPr>
-            <p:ph type="title"/>
-          </p:nvPr>
-        </p:nvSpPr>
-        <p:spPr>
-          <a:xfrm>
-            <a:off x="1141412" y="327514"/>
-            <a:ext cx="9906000" cy="1478700"/>
-          </a:xfrm>
-          <a:prstGeom prst="rect">
-            <a:avLst/>
-          </a:prstGeom>
-          <a:noFill/>
-          <a:ln>
-            <a:noFill/>
-          </a:ln>
-        </p:spPr>
-        <p:txBody>
-          <a:bodyPr spcFirstLastPara="1" wrap="square" lIns="91425" tIns="45700" rIns="91425" bIns="45700" anchor="ctr" anchorCtr="0">
-            <a:normAutofit/>
-          </a:bodyPr>
-          <a:lstStyle/>
-          <a:p>
-            <a:pPr marL="0" lvl="0" indent="0" algn="l" rtl="0">
-              <a:lnSpc>
-                <a:spcPct val="90000"/>
-              </a:lnSpc>
-              <a:spcBef>
-                <a:spcPts val="0"/>
-              </a:spcBef>
-              <a:spcAft>
-                <a:spcPts val="0"/>
-              </a:spcAft>
-              <a:buClr>
-                <a:schemeClr val="dk1"/>
-              </a:buClr>
-              <a:buSzPts val="3600"/>
-              <a:buFont typeface="Avenir"/>
-              <a:buNone/>
-            </a:pPr>
-            <a:r>
-              <a:rPr lang="en-US" b="1"/>
-              <a:t>The controller</a:t>
-            </a:r>
-            <a:endParaRPr b="1"/>
-          </a:p>
-        </p:txBody>
-      </p:sp>
-      <p:sp>
-        <p:nvSpPr>
-          <p:cNvPr id="224" name="Google Shape;224;g14aad64c473_0_61"/>
-          <p:cNvSpPr txBox="1"/>
-          <p:nvPr/>
-        </p:nvSpPr>
-        <p:spPr>
-          <a:xfrm>
-            <a:off x="2195500" y="2095725"/>
-            <a:ext cx="7665900" cy="3047700"/>
-          </a:xfrm>
-          <a:prstGeom prst="rect">
-            <a:avLst/>
-          </a:prstGeom>
-          <a:noFill/>
-          <a:ln>
-            <a:noFill/>
-          </a:ln>
-        </p:spPr>
-        <p:txBody>
-          <a:bodyPr spcFirstLastPara="1" wrap="square" lIns="91425" tIns="91425" rIns="91425" bIns="91425" anchor="t" anchorCtr="0">
-            <a:spAutoFit/>
-          </a:bodyPr>
-          <a:lstStyle/>
-          <a:p>
-            <a:pPr marL="457200" lvl="0" indent="-425450" algn="l" rtl="0">
-              <a:spcBef>
-                <a:spcPts val="0"/>
-              </a:spcBef>
-              <a:spcAft>
-                <a:spcPts val="0"/>
-              </a:spcAft>
-              <a:buSzPts val="3100"/>
-              <a:buFont typeface="Avenir"/>
-              <a:buChar char="-"/>
-            </a:pPr>
-            <a:r>
-              <a:rPr lang="en-US" sz="3100" b="1">
-                <a:latin typeface="Avenir"/>
-                <a:ea typeface="Avenir"/>
-                <a:cs typeface="Avenir"/>
-                <a:sym typeface="Avenir"/>
-              </a:rPr>
-              <a:t>Linear Quadratic Regulator: Computes a matrix K based on cost and dynamics</a:t>
-            </a:r>
-            <a:endParaRPr sz="3100" b="1">
-              <a:latin typeface="Avenir"/>
-              <a:ea typeface="Avenir"/>
-              <a:cs typeface="Avenir"/>
-              <a:sym typeface="Avenir"/>
-            </a:endParaRPr>
-          </a:p>
-          <a:p>
-            <a:pPr marL="0" lvl="0" indent="0" algn="l" rtl="0">
-              <a:spcBef>
-                <a:spcPts val="0"/>
-              </a:spcBef>
-              <a:spcAft>
-                <a:spcPts val="0"/>
-              </a:spcAft>
-              <a:buNone/>
-            </a:pPr>
-            <a:endParaRPr sz="3100" b="1">
-              <a:latin typeface="Avenir"/>
-              <a:ea typeface="Avenir"/>
-              <a:cs typeface="Avenir"/>
-              <a:sym typeface="Avenir"/>
-            </a:endParaRPr>
-          </a:p>
-          <a:p>
-            <a:pPr marL="457200" lvl="0" indent="-425450" algn="l" rtl="0">
-              <a:spcBef>
-                <a:spcPts val="0"/>
-              </a:spcBef>
-              <a:spcAft>
-                <a:spcPts val="0"/>
-              </a:spcAft>
-              <a:buSzPts val="3100"/>
-              <a:buFont typeface="Avenir"/>
-              <a:buChar char="-"/>
-            </a:pPr>
-            <a:r>
-              <a:rPr lang="en-US" sz="3100" b="1">
-                <a:latin typeface="Avenir"/>
-                <a:ea typeface="Avenir"/>
-                <a:cs typeface="Avenir"/>
-                <a:sym typeface="Avenir"/>
-              </a:rPr>
-              <a:t>The control law is </a:t>
-            </a:r>
-            <a:endParaRPr sz="3100" b="1">
-              <a:latin typeface="Avenir"/>
-              <a:ea typeface="Avenir"/>
-              <a:cs typeface="Avenir"/>
-              <a:sym typeface="Avenir"/>
-            </a:endParaRPr>
-          </a:p>
-          <a:p>
-            <a:pPr marL="0" lvl="0" indent="0" algn="l" rtl="0">
-              <a:spcBef>
-                <a:spcPts val="0"/>
-              </a:spcBef>
-              <a:spcAft>
-                <a:spcPts val="0"/>
-              </a:spcAft>
-              <a:buNone/>
-            </a:pPr>
-            <a:endParaRPr sz="3100" b="1">
-              <a:latin typeface="Avenir"/>
-              <a:ea typeface="Avenir"/>
-              <a:cs typeface="Avenir"/>
-              <a:sym typeface="Avenir"/>
-            </a:endParaRPr>
-          </a:p>
-          <a:p>
-            <a:pPr marL="457200" lvl="0" indent="-425450" algn="l" rtl="0">
-              <a:spcBef>
-                <a:spcPts val="0"/>
-              </a:spcBef>
-              <a:spcAft>
-                <a:spcPts val="0"/>
-              </a:spcAft>
-              <a:buSzPts val="3100"/>
-              <a:buFont typeface="Avenir"/>
-              <a:buChar char="-"/>
-            </a:pPr>
-            <a:r>
-              <a:rPr lang="en-US" sz="3100" b="1">
-                <a:latin typeface="Avenir"/>
-                <a:ea typeface="Avenir"/>
-                <a:cs typeface="Avenir"/>
-                <a:sym typeface="Avenir"/>
-              </a:rPr>
-              <a:t>Minimizes the objective</a:t>
-            </a:r>
-            <a:endParaRPr sz="3100" b="1">
-              <a:latin typeface="Avenir"/>
-              <a:ea typeface="Avenir"/>
-              <a:cs typeface="Avenir"/>
-              <a:sym typeface="Avenir"/>
-            </a:endParaRPr>
-          </a:p>
-        </p:txBody>
-      </p:sp>
-      <p:pic>
-        <p:nvPicPr>
-          <p:cNvPr id="225" name="Google Shape;225;g14aad64c473_0_61"/>
-          <p:cNvPicPr preferRelativeResize="0"/>
-          <p:nvPr/>
-        </p:nvPicPr>
-        <p:blipFill>
-          <a:blip r:embed="rId3">
-            <a:alphaModFix/>
-          </a:blip>
-          <a:stretch>
-            <a:fillRect/>
-          </a:stretch>
-        </p:blipFill>
-        <p:spPr>
-          <a:xfrm>
-            <a:off x="5938825" y="3628650"/>
-            <a:ext cx="1905000" cy="523875"/>
-          </a:xfrm>
-          <a:prstGeom prst="rect">
-            <a:avLst/>
-          </a:prstGeom>
-          <a:noFill/>
-          <a:ln>
-            <a:noFill/>
-          </a:ln>
-        </p:spPr>
-      </p:pic>
-    </p:spTree>
-  </p:cSld>
-  <p:clrMapOvr>
-    <a:masterClrMapping/>
-  </p:clrMapOvr>
-</p:sld>
-</file>
-
-<file path=ppt/slides/slide21.xml><?xml version="1.0" encoding="utf-8"?>
-<p:sld xmlns:a="http://schemas.openxmlformats.org/drawingml/2006/main" xmlns:r="http://schemas.openxmlformats.org/officeDocument/2006/relationships" xmlns:p="http://schemas.openxmlformats.org/presentationml/2006/main">
-  <p:cSld>
-    <p:spTree>
-      <p:nvGrpSpPr>
-        <p:cNvPr id="1" name="Shape 229"/>
-        <p:cNvGrpSpPr/>
-        <p:nvPr/>
-      </p:nvGrpSpPr>
-      <p:grpSpPr>
-        <a:xfrm>
-          <a:off x="0" y="0"/>
-          <a:ext cx="0" cy="0"/>
-          <a:chOff x="0" y="0"/>
-          <a:chExt cx="0" cy="0"/>
-        </a:xfrm>
-      </p:grpSpPr>
-      <p:sp>
-        <p:nvSpPr>
-          <p:cNvPr id="230" name="Google Shape;230;g138bbc4d2d1_0_6"/>
-          <p:cNvSpPr txBox="1">
-            <a:spLocks noGrp="1"/>
-          </p:cNvSpPr>
-          <p:nvPr>
-            <p:ph type="title"/>
-          </p:nvPr>
-        </p:nvSpPr>
-        <p:spPr>
-          <a:xfrm>
-            <a:off x="1143012" y="293914"/>
-            <a:ext cx="9906000" cy="1478700"/>
-          </a:xfrm>
-          <a:prstGeom prst="rect">
-            <a:avLst/>
-          </a:prstGeom>
-          <a:noFill/>
-          <a:ln>
-            <a:noFill/>
-          </a:ln>
-        </p:spPr>
-        <p:txBody>
-          <a:bodyPr spcFirstLastPara="1" wrap="square" lIns="91425" tIns="45700" rIns="91425" bIns="45700" anchor="ctr" anchorCtr="0">
-            <a:normAutofit/>
-          </a:bodyPr>
-          <a:lstStyle/>
-          <a:p>
-            <a:pPr marL="0" lvl="0" indent="0" algn="l" rtl="0">
-              <a:lnSpc>
-                <a:spcPct val="90000"/>
-              </a:lnSpc>
-              <a:spcBef>
-                <a:spcPts val="0"/>
-              </a:spcBef>
-              <a:spcAft>
-                <a:spcPts val="0"/>
-              </a:spcAft>
-              <a:buClr>
-                <a:schemeClr val="dk1"/>
-              </a:buClr>
-              <a:buSzPts val="3600"/>
-              <a:buFont typeface="Avenir"/>
-              <a:buNone/>
-            </a:pPr>
-            <a:r>
-              <a:rPr lang="en-US" b="1"/>
-              <a:t>Full picture</a:t>
-            </a:r>
-            <a:endParaRPr b="1"/>
-          </a:p>
-        </p:txBody>
-      </p:sp>
-      <p:sp>
-        <p:nvSpPr>
-          <p:cNvPr id="231" name="Google Shape;231;g138bbc4d2d1_0_6"/>
-          <p:cNvSpPr txBox="1"/>
-          <p:nvPr/>
-        </p:nvSpPr>
-        <p:spPr>
-          <a:xfrm>
-            <a:off x="1322200" y="1772625"/>
-            <a:ext cx="9066600" cy="615600"/>
-          </a:xfrm>
-          <a:prstGeom prst="rect">
-            <a:avLst/>
-          </a:prstGeom>
-          <a:noFill/>
-          <a:ln>
-            <a:noFill/>
-          </a:ln>
-        </p:spPr>
-        <p:txBody>
-          <a:bodyPr spcFirstLastPara="1" wrap="square" lIns="91425" tIns="91425" rIns="91425" bIns="91425" anchor="t" anchorCtr="0">
-            <a:spAutoFit/>
-          </a:bodyPr>
-          <a:lstStyle/>
-          <a:p>
-            <a:pPr marL="457200" lvl="0" indent="-406400" algn="l" rtl="0">
-              <a:spcBef>
-                <a:spcPts val="0"/>
-              </a:spcBef>
-              <a:spcAft>
-                <a:spcPts val="0"/>
-              </a:spcAft>
-              <a:buSzPts val="2800"/>
-              <a:buFont typeface="Twentieth Century"/>
-              <a:buChar char="-"/>
-            </a:pPr>
-            <a:r>
-              <a:rPr lang="en-US" sz="2800" b="1">
-                <a:latin typeface="Twentieth Century"/>
-                <a:ea typeface="Twentieth Century"/>
-                <a:cs typeface="Twentieth Century"/>
-                <a:sym typeface="Twentieth Century"/>
-              </a:rPr>
-              <a:t>Closed loop control with filtering</a:t>
-            </a:r>
-            <a:endParaRPr sz="2800">
-              <a:latin typeface="Twentieth Century"/>
-              <a:ea typeface="Twentieth Century"/>
-              <a:cs typeface="Twentieth Century"/>
-              <a:sym typeface="Twentieth Century"/>
-            </a:endParaRPr>
-          </a:p>
-        </p:txBody>
-      </p:sp>
-      <p:pic>
-        <p:nvPicPr>
-          <p:cNvPr id="232" name="Google Shape;232;g138bbc4d2d1_0_6"/>
-          <p:cNvPicPr preferRelativeResize="0"/>
-          <p:nvPr/>
-        </p:nvPicPr>
-        <p:blipFill>
-          <a:blip r:embed="rId3">
-            <a:alphaModFix/>
-          </a:blip>
-          <a:stretch>
-            <a:fillRect/>
-          </a:stretch>
-        </p:blipFill>
-        <p:spPr>
-          <a:xfrm>
-            <a:off x="2767750" y="2744050"/>
-            <a:ext cx="6038850" cy="3467100"/>
-          </a:xfrm>
-          <a:prstGeom prst="rect">
-            <a:avLst/>
-          </a:prstGeom>
-          <a:noFill/>
-          <a:ln>
-            <a:noFill/>
-          </a:ln>
-        </p:spPr>
-      </p:pic>
-    </p:spTree>
-  </p:cSld>
-  <p:clrMapOvr>
-    <a:masterClrMapping/>
-  </p:clrMapOvr>
-</p:sld>
-</file>
-
 <file path=ppt/slides/slide3.xml><?xml version="1.0" encoding="utf-8"?>
 <p:sld xmlns:a="http://schemas.openxmlformats.org/drawingml/2006/main" xmlns:r="http://schemas.openxmlformats.org/officeDocument/2006/relationships" xmlns:p="http://schemas.openxmlformats.org/presentationml/2006/main">
   <p:cSld>
@@ -17031,8 +17898,8 @@
           </a:p>
         </p:txBody>
       </p:sp>
-      <mc:AlternateContent xmlns:mc="http://schemas.openxmlformats.org/markup-compatibility/2006">
-        <mc:Choice xmlns:a14="http://schemas.microsoft.com/office/drawing/2010/main" Requires="a14">
+      <mc:AlternateContent xmlns:mc="http://schemas.openxmlformats.org/markup-compatibility/2006" xmlns:a14="http://schemas.microsoft.com/office/drawing/2010/main">
+        <mc:Choice Requires="a14">
           <p:sp>
             <p:nvSpPr>
               <p:cNvPr id="188" name="Google Shape;188;g14aad64c473_0_19"/>
@@ -17294,7 +18161,7 @@
             </p:txBody>
           </p:sp>
         </mc:Choice>
-        <mc:Fallback>
+        <mc:Fallback xmlns="">
           <p:sp>
             <p:nvSpPr>
               <p:cNvPr id="188" name="Google Shape;188;g14aad64c473_0_19"/>
@@ -17436,8 +18303,8 @@
           </a:p>
         </p:txBody>
       </p:sp>
-      <mc:AlternateContent xmlns:mc="http://schemas.openxmlformats.org/markup-compatibility/2006">
-        <mc:Choice xmlns:a14="http://schemas.microsoft.com/office/drawing/2010/main" Requires="a14">
+      <mc:AlternateContent xmlns:mc="http://schemas.openxmlformats.org/markup-compatibility/2006" xmlns:a14="http://schemas.microsoft.com/office/drawing/2010/main">
+        <mc:Choice Requires="a14">
           <p:sp>
             <p:nvSpPr>
               <p:cNvPr id="4" name="箭头: 右 3">
@@ -17532,7 +18399,7 @@
             </p:txBody>
           </p:sp>
         </mc:Choice>
-        <mc:Fallback>
+        <mc:Fallback xmlns="">
           <p:sp>
             <p:nvSpPr>
               <p:cNvPr id="4" name="箭头: 右 3">
@@ -17577,8 +18444,8 @@
           </p:sp>
         </mc:Fallback>
       </mc:AlternateContent>
-      <mc:AlternateContent xmlns:mc="http://schemas.openxmlformats.org/markup-compatibility/2006">
-        <mc:Choice xmlns:a14="http://schemas.microsoft.com/office/drawing/2010/main" Requires="a14">
+      <mc:AlternateContent xmlns:mc="http://schemas.openxmlformats.org/markup-compatibility/2006" xmlns:a14="http://schemas.microsoft.com/office/drawing/2010/main">
+        <mc:Choice Requires="a14">
           <p:sp>
             <p:nvSpPr>
               <p:cNvPr id="5" name="箭头: 右 4">
@@ -17679,7 +18546,7 @@
             </p:txBody>
           </p:sp>
         </mc:Choice>
-        <mc:Fallback>
+        <mc:Fallback xmlns="">
           <p:sp>
             <p:nvSpPr>
               <p:cNvPr id="5" name="箭头: 右 4">
@@ -17865,12 +18732,6 @@
               </a:rPr>
               <a:t>Filtering:</a:t>
             </a:r>
-            <a:endParaRPr dirty="0">
-              <a:latin typeface="Avenir"/>
-              <a:ea typeface="Avenir"/>
-              <a:cs typeface="Avenir"/>
-              <a:sym typeface="Avenir"/>
-            </a:endParaRPr>
           </a:p>
           <a:p>
             <a:pPr marL="1371600" lvl="1" indent="-371475" algn="l" rtl="0">
@@ -17896,12 +18757,6 @@
               </a:rPr>
               <a:t>Estimating the current state based on all information available</a:t>
             </a:r>
-            <a:endParaRPr dirty="0">
-              <a:latin typeface="Avenir"/>
-              <a:ea typeface="Avenir"/>
-              <a:cs typeface="Avenir"/>
-              <a:sym typeface="Avenir"/>
-            </a:endParaRPr>
           </a:p>
           <a:p>
             <a:pPr marL="1371600" lvl="1" indent="-371475" algn="l" rtl="0">
@@ -17937,7 +18792,7 @@
               <a:buChar char="-"/>
             </a:pPr>
             <a:r>
-              <a:rPr lang="en-US" dirty="0"/>
+              <a:rPr lang="en-US" sz="2400" dirty="0"/>
               <a:t>Trust measurements more if noises are smaller than model disturbances</a:t>
             </a:r>
           </a:p>
@@ -17950,15 +18805,25 @@
               <a:buChar char="-"/>
             </a:pPr>
             <a:r>
-              <a:rPr lang="en-US" dirty="0">
-                <a:latin typeface="Avenir"/>
-                <a:ea typeface="Avenir"/>
-                <a:cs typeface="Avenir"/>
-                <a:sym typeface="Avenir"/>
-              </a:rPr>
+              <a:rPr lang="en-US" sz="2400" dirty="0"/>
               <a:t>Trust model predictions more if disturbances are smaller than noises</a:t>
             </a:r>
-            <a:endParaRPr dirty="0">
+          </a:p>
+          <a:p>
+            <a:pPr marL="457200" lvl="0" indent="0" algn="l" rtl="0">
+              <a:lnSpc>
+                <a:spcPct val="120000"/>
+              </a:lnSpc>
+              <a:spcBef>
+                <a:spcPts val="0"/>
+              </a:spcBef>
+              <a:spcAft>
+                <a:spcPts val="0"/>
+              </a:spcAft>
+              <a:buSzPts val="2250"/>
+              <a:buNone/>
+            </a:pPr>
+            <a:endParaRPr lang="en-US" dirty="0">
               <a:latin typeface="Avenir"/>
               <a:ea typeface="Avenir"/>
               <a:cs typeface="Avenir"/>
@@ -17979,7 +18844,7 @@
               <a:buSzPts val="2250"/>
               <a:buNone/>
             </a:pPr>
-            <a:endParaRPr dirty="0">
+            <a:endParaRPr lang="en-US" dirty="0">
               <a:latin typeface="Avenir"/>
               <a:ea typeface="Avenir"/>
               <a:cs typeface="Avenir"/>
@@ -18000,28 +18865,7 @@
               <a:buSzPts val="2250"/>
               <a:buNone/>
             </a:pPr>
-            <a:endParaRPr dirty="0">
-              <a:latin typeface="Avenir"/>
-              <a:ea typeface="Avenir"/>
-              <a:cs typeface="Avenir"/>
-              <a:sym typeface="Avenir"/>
-            </a:endParaRPr>
-          </a:p>
-          <a:p>
-            <a:pPr marL="457200" lvl="0" indent="0" algn="l" rtl="0">
-              <a:lnSpc>
-                <a:spcPct val="120000"/>
-              </a:lnSpc>
-              <a:spcBef>
-                <a:spcPts val="0"/>
-              </a:spcBef>
-              <a:spcAft>
-                <a:spcPts val="0"/>
-              </a:spcAft>
-              <a:buSzPts val="2250"/>
-              <a:buNone/>
-            </a:pPr>
-            <a:endParaRPr dirty="0">
+            <a:endParaRPr lang="en-US" dirty="0">
               <a:latin typeface="Avenir"/>
               <a:ea typeface="Avenir"/>
               <a:cs typeface="Avenir"/>
@@ -18045,7 +18889,7 @@
               <a:buSzPts val="3000"/>
               <a:buNone/>
             </a:pPr>
-            <a:endParaRPr dirty="0">
+            <a:endParaRPr lang="en-US" dirty="0">
               <a:latin typeface="Avenir"/>
               <a:ea typeface="Avenir"/>
               <a:cs typeface="Avenir"/>
@@ -18213,8 +19057,8 @@
           </a:extLst>
         </p:spPr>
       </p:pic>
-      <mc:AlternateContent xmlns:mc="http://schemas.openxmlformats.org/markup-compatibility/2006">
-        <mc:Choice xmlns:a14="http://schemas.microsoft.com/office/drawing/2010/main" Requires="a14">
+      <mc:AlternateContent xmlns:mc="http://schemas.openxmlformats.org/markup-compatibility/2006" xmlns:a14="http://schemas.microsoft.com/office/drawing/2010/main">
+        <mc:Choice Requires="a14">
           <p:sp>
             <p:nvSpPr>
               <p:cNvPr id="2" name="文本框 1">
@@ -18427,7 +19271,7 @@
             </p:txBody>
           </p:sp>
         </mc:Choice>
-        <mc:Fallback>
+        <mc:Fallback xmlns="">
           <p:sp>
             <p:nvSpPr>
               <p:cNvPr id="2" name="文本框 1">
@@ -18584,8 +19428,8 @@
           </a:ln>
         </p:spPr>
       </p:pic>
-      <mc:AlternateContent xmlns:mc="http://schemas.openxmlformats.org/markup-compatibility/2006">
-        <mc:Choice xmlns:a14="http://schemas.microsoft.com/office/drawing/2010/main" Requires="a14">
+      <mc:AlternateContent xmlns:mc="http://schemas.openxmlformats.org/markup-compatibility/2006" xmlns:a14="http://schemas.microsoft.com/office/drawing/2010/main">
+        <mc:Choice Requires="a14">
           <p:sp>
             <p:nvSpPr>
               <p:cNvPr id="3" name="文本框 2">
@@ -18796,13 +19640,12 @@
                 <a:endParaRPr lang="en-US" sz="2800" dirty="0"/>
               </a:p>
               <a:p>
-                <a:pPr/>
                 <a:endParaRPr lang="en-US" sz="2800" b="0" dirty="0"/>
               </a:p>
             </p:txBody>
           </p:sp>
         </mc:Choice>
-        <mc:Fallback>
+        <mc:Fallback xmlns="">
           <p:sp>
             <p:nvSpPr>
               <p:cNvPr id="3" name="文本框 2">
@@ -18931,8 +19774,8 @@
           </a:p>
         </p:txBody>
       </p:sp>
-      <mc:AlternateContent xmlns:mc="http://schemas.openxmlformats.org/markup-compatibility/2006">
-        <mc:Choice xmlns:a14="http://schemas.microsoft.com/office/drawing/2010/main" Requires="a14">
+      <mc:AlternateContent xmlns:mc="http://schemas.openxmlformats.org/markup-compatibility/2006" xmlns:a14="http://schemas.microsoft.com/office/drawing/2010/main">
+        <mc:Choice Requires="a14">
           <p:sp>
             <p:nvSpPr>
               <p:cNvPr id="122" name="Google Shape;122;gfe4cc64f22_0_36"/>
@@ -19185,7 +20028,7 @@
             </p:txBody>
           </p:sp>
         </mc:Choice>
-        <mc:Fallback>
+        <mc:Fallback xmlns="">
           <p:sp>
             <p:nvSpPr>
               <p:cNvPr id="122" name="Google Shape;122;gfe4cc64f22_0_36"/>
@@ -19486,15 +20329,40 @@
                       </a:rPr>
                       <m:t>=</m:t>
                     </m:r>
-                    <m:r>
-                      <a:rPr lang="en-US" sz="2800" b="0" i="1" smtClean="0">
-                        <a:latin typeface="Cambria Math" panose="02040503050406030204" pitchFamily="18" charset="0"/>
-                        <a:ea typeface="Twentieth Century"/>
-                        <a:cs typeface="Twentieth Century"/>
-                        <a:sym typeface="Twentieth Century"/>
-                      </a:rPr>
-                      <m:t>𝑥</m:t>
-                    </m:r>
+                    <m:sSub>
+                      <m:sSubPr>
+                        <m:ctrlPr>
+                          <a:rPr lang="en-US" sz="2800" b="0" i="1" smtClean="0">
+                            <a:latin typeface="Cambria Math" panose="02040503050406030204" pitchFamily="18" charset="0"/>
+                            <a:ea typeface="Twentieth Century"/>
+                            <a:cs typeface="Twentieth Century"/>
+                            <a:sym typeface="Twentieth Century"/>
+                          </a:rPr>
+                        </m:ctrlPr>
+                      </m:sSubPr>
+                      <m:e>
+                        <m:r>
+                          <a:rPr lang="en-US" sz="2800" b="0" i="1" smtClean="0">
+                            <a:latin typeface="Cambria Math" panose="02040503050406030204" pitchFamily="18" charset="0"/>
+                            <a:ea typeface="Twentieth Century"/>
+                            <a:cs typeface="Twentieth Century"/>
+                            <a:sym typeface="Twentieth Century"/>
+                          </a:rPr>
+                          <m:t>𝑥</m:t>
+                        </m:r>
+                      </m:e>
+                      <m:sub>
+                        <m:r>
+                          <a:rPr lang="en-US" sz="2800" b="0" i="1" smtClean="0">
+                            <a:latin typeface="Cambria Math" panose="02040503050406030204" pitchFamily="18" charset="0"/>
+                            <a:ea typeface="Twentieth Century"/>
+                            <a:cs typeface="Twentieth Century"/>
+                            <a:sym typeface="Twentieth Century"/>
+                          </a:rPr>
+                          <m:t>𝑡</m:t>
+                        </m:r>
+                      </m:sub>
+                    </m:sSub>
                     <m:r>
                       <a:rPr lang="en-US" sz="2800" b="0" i="1" smtClean="0">
                         <a:latin typeface="Cambria Math" panose="02040503050406030204" pitchFamily="18" charset="0"/>
@@ -19898,7 +20766,16 @@
                 <a:cs typeface="Twentieth Century"/>
                 <a:sym typeface="Twentieth Century"/>
               </a:rPr>
-              <a:t>Measurement greater than actual position</a:t>
+              <a:t>Measurement greater than actual position (e.g. </a:t>
+            </a:r>
+            <a:r>
+              <a:rPr lang="en-US" sz="2800">
+                <a:latin typeface="Twentieth Century"/>
+                <a:ea typeface="Twentieth Century"/>
+                <a:cs typeface="Twentieth Century"/>
+                <a:sym typeface="Twentieth Century"/>
+              </a:rPr>
+              <a:t>train)</a:t>
             </a:r>
             <a:endParaRPr sz="2800" dirty="0">
               <a:latin typeface="Twentieth Century"/>
